--- a/mms-ent/docs/MMS using ES + PG.pptx
+++ b/mms-ent/docs/MMS using ES + PG.pptx
@@ -9,28 +9,15 @@
     <p:sldId id="257" r:id="rId3"/>
     <p:sldId id="258" r:id="rId4"/>
     <p:sldId id="259" r:id="rId5"/>
-    <p:sldId id="261" r:id="rId6"/>
-    <p:sldId id="279" r:id="rId7"/>
-    <p:sldId id="280" r:id="rId8"/>
-    <p:sldId id="264" r:id="rId9"/>
-    <p:sldId id="260" r:id="rId10"/>
-    <p:sldId id="262" r:id="rId11"/>
-    <p:sldId id="277" r:id="rId12"/>
-    <p:sldId id="284" r:id="rId13"/>
-    <p:sldId id="263" r:id="rId14"/>
-    <p:sldId id="265" r:id="rId15"/>
-    <p:sldId id="266" r:id="rId16"/>
-    <p:sldId id="271" r:id="rId17"/>
-    <p:sldId id="273" r:id="rId18"/>
-    <p:sldId id="282" r:id="rId19"/>
-    <p:sldId id="283" r:id="rId20"/>
-    <p:sldId id="267" r:id="rId21"/>
-    <p:sldId id="268" r:id="rId22"/>
-    <p:sldId id="269" r:id="rId23"/>
-    <p:sldId id="272" r:id="rId24"/>
-    <p:sldId id="270" r:id="rId25"/>
-    <p:sldId id="281" r:id="rId26"/>
-    <p:sldId id="276" r:id="rId27"/>
+    <p:sldId id="279" r:id="rId6"/>
+    <p:sldId id="280" r:id="rId7"/>
+    <p:sldId id="264" r:id="rId8"/>
+    <p:sldId id="260" r:id="rId9"/>
+    <p:sldId id="263" r:id="rId10"/>
+    <p:sldId id="265" r:id="rId11"/>
+    <p:sldId id="267" r:id="rId12"/>
+    <p:sldId id="268" r:id="rId13"/>
+    <p:sldId id="269" r:id="rId14"/>
   </p:sldIdLst>
   <p:sldSz cx="12192000" cy="6858000"/>
   <p:notesSz cx="6858000" cy="9144000"/>
@@ -957,7 +944,7 @@
         <a:p>
           <a:r>
             <a:rPr lang="en-US" dirty="0" smtClean="0"/>
-            <a:t>Workspace</a:t>
+            <a:t>Project</a:t>
           </a:r>
           <a:endParaRPr lang="en-US" dirty="0"/>
         </a:p>
@@ -1031,7 +1018,7 @@
         <a:p>
           <a:r>
             <a:rPr lang="en-US" dirty="0" smtClean="0"/>
-            <a:t>Nodes</a:t>
+            <a:t>Nodes(*Ref)</a:t>
           </a:r>
           <a:endParaRPr lang="en-US" dirty="0"/>
         </a:p>
@@ -1068,7 +1055,7 @@
         <a:p>
           <a:r>
             <a:rPr lang="en-US" dirty="0" smtClean="0"/>
-            <a:t>Edges</a:t>
+            <a:t>Edges(*Ref)</a:t>
           </a:r>
           <a:endParaRPr lang="en-US" dirty="0"/>
         </a:p>
@@ -1105,7 +1092,7 @@
         <a:p>
           <a:r>
             <a:rPr lang="en-US" dirty="0" smtClean="0"/>
-            <a:t>Configurations</a:t>
+            <a:t>Refs</a:t>
           </a:r>
           <a:endParaRPr lang="en-US" dirty="0"/>
         </a:p>
@@ -1255,6 +1242,13 @@
         </dgm:presLayoutVars>
       </dgm:prSet>
       <dgm:spPr/>
+      <dgm:t>
+        <a:bodyPr/>
+        <a:lstStyle/>
+        <a:p>
+          <a:endParaRPr lang="en-US"/>
+        </a:p>
+      </dgm:t>
     </dgm:pt>
     <dgm:pt modelId="{374AE8D3-B9A5-43E1-A3F0-ACD806B64FE2}" type="pres">
       <dgm:prSet presAssocID="{D3AD557C-1200-4DBB-B016-8DDDB1FED3D0}" presName="root1" presStyleCnt="0"/>
@@ -1282,10 +1276,24 @@
     <dgm:pt modelId="{7DA69754-C4D9-44A4-9B1E-0709E34D53F7}" type="pres">
       <dgm:prSet presAssocID="{53024823-43FA-4B19-8346-74A62CE42DC4}" presName="conn2-1" presStyleLbl="parChTrans1D2" presStyleIdx="0" presStyleCnt="4"/>
       <dgm:spPr/>
+      <dgm:t>
+        <a:bodyPr/>
+        <a:lstStyle/>
+        <a:p>
+          <a:endParaRPr lang="en-US"/>
+        </a:p>
+      </dgm:t>
     </dgm:pt>
     <dgm:pt modelId="{B87D4D84-BF2E-4D65-B064-D57BC0FC8539}" type="pres">
       <dgm:prSet presAssocID="{53024823-43FA-4B19-8346-74A62CE42DC4}" presName="connTx" presStyleLbl="parChTrans1D2" presStyleIdx="0" presStyleCnt="4"/>
       <dgm:spPr/>
+      <dgm:t>
+        <a:bodyPr/>
+        <a:lstStyle/>
+        <a:p>
+          <a:endParaRPr lang="en-US"/>
+        </a:p>
+      </dgm:t>
     </dgm:pt>
     <dgm:pt modelId="{2014B05A-98DC-4365-B7C8-D32714EF537F}" type="pres">
       <dgm:prSet presAssocID="{4FC6987C-05CF-4540-99D7-00A63CD6EFF5}" presName="root2" presStyleCnt="0"/>
@@ -1313,10 +1321,24 @@
     <dgm:pt modelId="{93F37B2A-AC8F-47B8-992D-6DF42A8D5B81}" type="pres">
       <dgm:prSet presAssocID="{AE8AC036-6C0F-4320-9417-12C81FE08503}" presName="conn2-1" presStyleLbl="parChTrans1D2" presStyleIdx="1" presStyleCnt="4"/>
       <dgm:spPr/>
+      <dgm:t>
+        <a:bodyPr/>
+        <a:lstStyle/>
+        <a:p>
+          <a:endParaRPr lang="en-US"/>
+        </a:p>
+      </dgm:t>
     </dgm:pt>
     <dgm:pt modelId="{11962ED7-7377-4F42-8029-00ABF571EAFF}" type="pres">
       <dgm:prSet presAssocID="{AE8AC036-6C0F-4320-9417-12C81FE08503}" presName="connTx" presStyleLbl="parChTrans1D2" presStyleIdx="1" presStyleCnt="4"/>
       <dgm:spPr/>
+      <dgm:t>
+        <a:bodyPr/>
+        <a:lstStyle/>
+        <a:p>
+          <a:endParaRPr lang="en-US"/>
+        </a:p>
+      </dgm:t>
     </dgm:pt>
     <dgm:pt modelId="{4FCFFFE2-362B-4070-89CB-F97B4516F9E0}" type="pres">
       <dgm:prSet presAssocID="{0469A2DA-9116-4614-BD4E-624AB399E1A0}" presName="root2" presStyleCnt="0"/>
@@ -1329,6 +1351,13 @@
         </dgm:presLayoutVars>
       </dgm:prSet>
       <dgm:spPr/>
+      <dgm:t>
+        <a:bodyPr/>
+        <a:lstStyle/>
+        <a:p>
+          <a:endParaRPr lang="en-US"/>
+        </a:p>
+      </dgm:t>
     </dgm:pt>
     <dgm:pt modelId="{71609DB3-EE31-40CF-AB72-6B8B17C54FF6}" type="pres">
       <dgm:prSet presAssocID="{0469A2DA-9116-4614-BD4E-624AB399E1A0}" presName="level3hierChild" presStyleCnt="0"/>
@@ -1337,10 +1366,24 @@
     <dgm:pt modelId="{75FBFCDF-AFD7-4240-B4AE-1987BC7B08E1}" type="pres">
       <dgm:prSet presAssocID="{8F5D7644-94F6-41B7-9D9F-F2CEED8EFA1D}" presName="conn2-1" presStyleLbl="parChTrans1D3" presStyleIdx="0" presStyleCnt="2"/>
       <dgm:spPr/>
+      <dgm:t>
+        <a:bodyPr/>
+        <a:lstStyle/>
+        <a:p>
+          <a:endParaRPr lang="en-US"/>
+        </a:p>
+      </dgm:t>
     </dgm:pt>
     <dgm:pt modelId="{942BA48E-C5BD-4F50-8E1E-A532E57C88C4}" type="pres">
       <dgm:prSet presAssocID="{8F5D7644-94F6-41B7-9D9F-F2CEED8EFA1D}" presName="connTx" presStyleLbl="parChTrans1D3" presStyleIdx="0" presStyleCnt="2"/>
       <dgm:spPr/>
+      <dgm:t>
+        <a:bodyPr/>
+        <a:lstStyle/>
+        <a:p>
+          <a:endParaRPr lang="en-US"/>
+        </a:p>
+      </dgm:t>
     </dgm:pt>
     <dgm:pt modelId="{578273BD-559F-4494-B94D-55BFD2DBA9B0}" type="pres">
       <dgm:prSet presAssocID="{1588F974-E128-4523-BA76-BBA9FED65134}" presName="root2" presStyleCnt="0"/>
@@ -1368,10 +1411,24 @@
     <dgm:pt modelId="{6E2D7779-B5D9-4AE2-B510-6EB1B8EEA0E1}" type="pres">
       <dgm:prSet presAssocID="{F2B1625C-6190-4614-AD9A-BCBCA6C78FF7}" presName="conn2-1" presStyleLbl="parChTrans1D4" presStyleIdx="0" presStyleCnt="1"/>
       <dgm:spPr/>
+      <dgm:t>
+        <a:bodyPr/>
+        <a:lstStyle/>
+        <a:p>
+          <a:endParaRPr lang="en-US"/>
+        </a:p>
+      </dgm:t>
     </dgm:pt>
     <dgm:pt modelId="{D1F3E77B-FBF4-4BDA-AC04-9AB12B9F504E}" type="pres">
       <dgm:prSet presAssocID="{F2B1625C-6190-4614-AD9A-BCBCA6C78FF7}" presName="connTx" presStyleLbl="parChTrans1D4" presStyleIdx="0" presStyleCnt="1"/>
       <dgm:spPr/>
+      <dgm:t>
+        <a:bodyPr/>
+        <a:lstStyle/>
+        <a:p>
+          <a:endParaRPr lang="en-US"/>
+        </a:p>
+      </dgm:t>
     </dgm:pt>
     <dgm:pt modelId="{3402E61D-268F-4CC1-8BFD-0CA65529200B}" type="pres">
       <dgm:prSet presAssocID="{27FE0C07-9C5F-4BA8-AC47-A33735D16538}" presName="root2" presStyleCnt="0"/>
@@ -1399,10 +1456,24 @@
     <dgm:pt modelId="{2889A7E5-1F40-42F8-9315-478D696696C2}" type="pres">
       <dgm:prSet presAssocID="{0A667468-77BE-4ABA-8029-B541D3D208B9}" presName="conn2-1" presStyleLbl="parChTrans1D3" presStyleIdx="1" presStyleCnt="2"/>
       <dgm:spPr/>
+      <dgm:t>
+        <a:bodyPr/>
+        <a:lstStyle/>
+        <a:p>
+          <a:endParaRPr lang="en-US"/>
+        </a:p>
+      </dgm:t>
     </dgm:pt>
     <dgm:pt modelId="{E39D3B54-87A8-410F-86A7-15CEDFE0C42F}" type="pres">
       <dgm:prSet presAssocID="{0A667468-77BE-4ABA-8029-B541D3D208B9}" presName="connTx" presStyleLbl="parChTrans1D3" presStyleIdx="1" presStyleCnt="2"/>
       <dgm:spPr/>
+      <dgm:t>
+        <a:bodyPr/>
+        <a:lstStyle/>
+        <a:p>
+          <a:endParaRPr lang="en-US"/>
+        </a:p>
+      </dgm:t>
     </dgm:pt>
     <dgm:pt modelId="{DAC48FB4-F408-4F85-8F91-61B8BA046671}" type="pres">
       <dgm:prSet presAssocID="{6EDEEA48-E055-4E45-8396-39F3F608D1A4}" presName="root2" presStyleCnt="0"/>
@@ -1430,10 +1501,24 @@
     <dgm:pt modelId="{98A2CF74-F1B8-4CD9-9E99-0164E41F4F1D}" type="pres">
       <dgm:prSet presAssocID="{F9063CE5-1EE6-43EA-93EA-47A994711BA6}" presName="conn2-1" presStyleLbl="parChTrans1D2" presStyleIdx="2" presStyleCnt="4"/>
       <dgm:spPr/>
+      <dgm:t>
+        <a:bodyPr/>
+        <a:lstStyle/>
+        <a:p>
+          <a:endParaRPr lang="en-US"/>
+        </a:p>
+      </dgm:t>
     </dgm:pt>
     <dgm:pt modelId="{37381F41-A2ED-47AD-9240-BACDBD0F9256}" type="pres">
       <dgm:prSet presAssocID="{F9063CE5-1EE6-43EA-93EA-47A994711BA6}" presName="connTx" presStyleLbl="parChTrans1D2" presStyleIdx="2" presStyleCnt="4"/>
       <dgm:spPr/>
+      <dgm:t>
+        <a:bodyPr/>
+        <a:lstStyle/>
+        <a:p>
+          <a:endParaRPr lang="en-US"/>
+        </a:p>
+      </dgm:t>
     </dgm:pt>
     <dgm:pt modelId="{1105C202-5B94-4CE2-8C51-0FBE24098580}" type="pres">
       <dgm:prSet presAssocID="{D997D07F-EA90-4826-8320-4967101C99D7}" presName="root2" presStyleCnt="0"/>
@@ -1446,6 +1531,13 @@
         </dgm:presLayoutVars>
       </dgm:prSet>
       <dgm:spPr/>
+      <dgm:t>
+        <a:bodyPr/>
+        <a:lstStyle/>
+        <a:p>
+          <a:endParaRPr lang="en-US"/>
+        </a:p>
+      </dgm:t>
     </dgm:pt>
     <dgm:pt modelId="{D0F3A9F7-DE06-4983-AD5E-FDA43DD0F573}" type="pres">
       <dgm:prSet presAssocID="{D997D07F-EA90-4826-8320-4967101C99D7}" presName="level3hierChild" presStyleCnt="0"/>
@@ -1454,10 +1546,24 @@
     <dgm:pt modelId="{7AD1340E-E433-4DE0-AAD4-86F6BC633E7E}" type="pres">
       <dgm:prSet presAssocID="{0B6AE92D-0C22-467F-8516-89BA4A4A479A}" presName="conn2-1" presStyleLbl="parChTrans1D2" presStyleIdx="3" presStyleCnt="4"/>
       <dgm:spPr/>
+      <dgm:t>
+        <a:bodyPr/>
+        <a:lstStyle/>
+        <a:p>
+          <a:endParaRPr lang="en-US"/>
+        </a:p>
+      </dgm:t>
     </dgm:pt>
     <dgm:pt modelId="{9BF417EB-AF59-4C67-9055-6EF89F83C233}" type="pres">
       <dgm:prSet presAssocID="{0B6AE92D-0C22-467F-8516-89BA4A4A479A}" presName="connTx" presStyleLbl="parChTrans1D2" presStyleIdx="3" presStyleCnt="4"/>
       <dgm:spPr/>
+      <dgm:t>
+        <a:bodyPr/>
+        <a:lstStyle/>
+        <a:p>
+          <a:endParaRPr lang="en-US"/>
+        </a:p>
+      </dgm:t>
     </dgm:pt>
     <dgm:pt modelId="{94DAF95F-01F2-4C91-8AAB-B16831C9F818}" type="pres">
       <dgm:prSet presAssocID="{075C2FE2-E47A-4DF6-A95E-C58BE08E26EB}" presName="root2" presStyleCnt="0"/>
@@ -1484,35 +1590,35 @@
     </dgm:pt>
   </dgm:ptLst>
   <dgm:cxnLst>
+    <dgm:cxn modelId="{0202F6A3-DF68-44DE-A5EC-6E119FB0F2AF}" srcId="{1588F974-E128-4523-BA76-BBA9FED65134}" destId="{27FE0C07-9C5F-4BA8-AC47-A33735D16538}" srcOrd="0" destOrd="0" parTransId="{F2B1625C-6190-4614-AD9A-BCBCA6C78FF7}" sibTransId="{0CC05AE5-9782-48F2-98D9-C95BC70B86C1}"/>
+    <dgm:cxn modelId="{F2252253-76C8-484D-8D2D-E5A7C2C8B61A}" type="presOf" srcId="{0A229344-1F6B-410A-BCFC-45B9CB1D5782}" destId="{321AD4C9-2662-4B02-B8E9-92CBAE840A30}" srcOrd="0" destOrd="0" presId="urn:microsoft.com/office/officeart/2008/layout/HorizontalMultiLevelHierarchy"/>
+    <dgm:cxn modelId="{19DCE52C-0C2B-4170-806A-7A1C94E0C91C}" type="presOf" srcId="{F9063CE5-1EE6-43EA-93EA-47A994711BA6}" destId="{98A2CF74-F1B8-4CD9-9E99-0164E41F4F1D}" srcOrd="0" destOrd="0" presId="urn:microsoft.com/office/officeart/2008/layout/HorizontalMultiLevelHierarchy"/>
+    <dgm:cxn modelId="{2B9B2C33-C6F8-424D-8910-5E8A1B6C48E7}" type="presOf" srcId="{D997D07F-EA90-4826-8320-4967101C99D7}" destId="{6867005C-FB9A-4200-B439-D9C1FC1F1807}" srcOrd="0" destOrd="0" presId="urn:microsoft.com/office/officeart/2008/layout/HorizontalMultiLevelHierarchy"/>
+    <dgm:cxn modelId="{0625CBBC-CAEA-4102-8A78-B3E3202E6610}" type="presOf" srcId="{0B6AE92D-0C22-467F-8516-89BA4A4A479A}" destId="{9BF417EB-AF59-4C67-9055-6EF89F83C233}" srcOrd="1" destOrd="0" presId="urn:microsoft.com/office/officeart/2008/layout/HorizontalMultiLevelHierarchy"/>
+    <dgm:cxn modelId="{33DACE1F-AABB-4665-8223-F9C114386337}" srcId="{D3AD557C-1200-4DBB-B016-8DDDB1FED3D0}" destId="{4FC6987C-05CF-4540-99D7-00A63CD6EFF5}" srcOrd="0" destOrd="0" parTransId="{53024823-43FA-4B19-8346-74A62CE42DC4}" sibTransId="{D30CB5B2-1287-430A-89AE-9B00006D7AF7}"/>
+    <dgm:cxn modelId="{FB6CEDD2-A766-4935-AA36-A7F0A3FD86CA}" type="presOf" srcId="{53024823-43FA-4B19-8346-74A62CE42DC4}" destId="{7DA69754-C4D9-44A4-9B1E-0709E34D53F7}" srcOrd="0" destOrd="0" presId="urn:microsoft.com/office/officeart/2008/layout/HorizontalMultiLevelHierarchy"/>
+    <dgm:cxn modelId="{4A642F8B-CB36-47B7-A114-D881D5B51746}" type="presOf" srcId="{1588F974-E128-4523-BA76-BBA9FED65134}" destId="{D23A8DD6-018C-42A4-B71B-C72AEE27E238}" srcOrd="0" destOrd="0" presId="urn:microsoft.com/office/officeart/2008/layout/HorizontalMultiLevelHierarchy"/>
+    <dgm:cxn modelId="{20719DDD-8709-45BE-91F5-82E66DEEEC59}" type="presOf" srcId="{F2B1625C-6190-4614-AD9A-BCBCA6C78FF7}" destId="{D1F3E77B-FBF4-4BDA-AC04-9AB12B9F504E}" srcOrd="1" destOrd="0" presId="urn:microsoft.com/office/officeart/2008/layout/HorizontalMultiLevelHierarchy"/>
+    <dgm:cxn modelId="{35DAE398-CE49-4C49-8406-EE6CCFF7273D}" type="presOf" srcId="{27FE0C07-9C5F-4BA8-AC47-A33735D16538}" destId="{07910475-6D77-45B5-BB3A-E579D753FB40}" srcOrd="0" destOrd="0" presId="urn:microsoft.com/office/officeart/2008/layout/HorizontalMultiLevelHierarchy"/>
+    <dgm:cxn modelId="{8628C107-4BF3-4FC0-BE6D-1B43BBC83F3A}" type="presOf" srcId="{8F5D7644-94F6-41B7-9D9F-F2CEED8EFA1D}" destId="{942BA48E-C5BD-4F50-8E1E-A532E57C88C4}" srcOrd="1" destOrd="0" presId="urn:microsoft.com/office/officeart/2008/layout/HorizontalMultiLevelHierarchy"/>
+    <dgm:cxn modelId="{8B5ED881-0D98-44F6-A741-754DF7F7728A}" type="presOf" srcId="{F2B1625C-6190-4614-AD9A-BCBCA6C78FF7}" destId="{6E2D7779-B5D9-4AE2-B510-6EB1B8EEA0E1}" srcOrd="0" destOrd="0" presId="urn:microsoft.com/office/officeart/2008/layout/HorizontalMultiLevelHierarchy"/>
+    <dgm:cxn modelId="{D089C4C5-8E45-4BE6-A28E-00CB6928D242}" type="presOf" srcId="{53024823-43FA-4B19-8346-74A62CE42DC4}" destId="{B87D4D84-BF2E-4D65-B064-D57BC0FC8539}" srcOrd="1" destOrd="0" presId="urn:microsoft.com/office/officeart/2008/layout/HorizontalMultiLevelHierarchy"/>
+    <dgm:cxn modelId="{81329405-CB48-4FA8-B698-869CF68FFA2C}" srcId="{0A229344-1F6B-410A-BCFC-45B9CB1D5782}" destId="{D3AD557C-1200-4DBB-B016-8DDDB1FED3D0}" srcOrd="0" destOrd="0" parTransId="{462ED516-8DE0-43A3-A154-2D26A94EF02A}" sibTransId="{66CD4BFA-3E33-41D0-BBE5-F045B03E50BF}"/>
+    <dgm:cxn modelId="{DA197203-317C-448A-90AD-71892C33241C}" type="presOf" srcId="{0B6AE92D-0C22-467F-8516-89BA4A4A479A}" destId="{7AD1340E-E433-4DE0-AAD4-86F6BC633E7E}" srcOrd="0" destOrd="0" presId="urn:microsoft.com/office/officeart/2008/layout/HorizontalMultiLevelHierarchy"/>
+    <dgm:cxn modelId="{35E83174-7EB7-40B2-A371-41AA83F81A9D}" type="presOf" srcId="{AE8AC036-6C0F-4320-9417-12C81FE08503}" destId="{11962ED7-7377-4F42-8029-00ABF571EAFF}" srcOrd="1" destOrd="0" presId="urn:microsoft.com/office/officeart/2008/layout/HorizontalMultiLevelHierarchy"/>
     <dgm:cxn modelId="{18A09273-79B4-4D1B-914E-1A850EF471FA}" srcId="{0469A2DA-9116-4614-BD4E-624AB399E1A0}" destId="{6EDEEA48-E055-4E45-8396-39F3F608D1A4}" srcOrd="1" destOrd="0" parTransId="{0A667468-77BE-4ABA-8029-B541D3D208B9}" sibTransId="{F0CDAAC3-922C-47FE-BD00-B377B3A8A0A3}"/>
-    <dgm:cxn modelId="{33DACE1F-AABB-4665-8223-F9C114386337}" srcId="{D3AD557C-1200-4DBB-B016-8DDDB1FED3D0}" destId="{4FC6987C-05CF-4540-99D7-00A63CD6EFF5}" srcOrd="0" destOrd="0" parTransId="{53024823-43FA-4B19-8346-74A62CE42DC4}" sibTransId="{D30CB5B2-1287-430A-89AE-9B00006D7AF7}"/>
+    <dgm:cxn modelId="{31CC8292-FD03-4868-A6A7-19A41780F2DA}" type="presOf" srcId="{0A667468-77BE-4ABA-8029-B541D3D208B9}" destId="{2889A7E5-1F40-42F8-9315-478D696696C2}" srcOrd="0" destOrd="0" presId="urn:microsoft.com/office/officeart/2008/layout/HorizontalMultiLevelHierarchy"/>
+    <dgm:cxn modelId="{D323C9CC-7B28-454C-8044-3894CB4F4603}" type="presOf" srcId="{AE8AC036-6C0F-4320-9417-12C81FE08503}" destId="{93F37B2A-AC8F-47B8-992D-6DF42A8D5B81}" srcOrd="0" destOrd="0" presId="urn:microsoft.com/office/officeart/2008/layout/HorizontalMultiLevelHierarchy"/>
+    <dgm:cxn modelId="{7EA6E5CD-8296-4CDA-8D48-3B7FBC5DC32D}" type="presOf" srcId="{8F5D7644-94F6-41B7-9D9F-F2CEED8EFA1D}" destId="{75FBFCDF-AFD7-4240-B4AE-1987BC7B08E1}" srcOrd="0" destOrd="0" presId="urn:microsoft.com/office/officeart/2008/layout/HorizontalMultiLevelHierarchy"/>
+    <dgm:cxn modelId="{3AFCE111-36B5-45CE-8B76-6F51757A63AB}" type="presOf" srcId="{075C2FE2-E47A-4DF6-A95E-C58BE08E26EB}" destId="{810CC5B5-CB8D-44D9-A721-690BF636F417}" srcOrd="0" destOrd="0" presId="urn:microsoft.com/office/officeart/2008/layout/HorizontalMultiLevelHierarchy"/>
+    <dgm:cxn modelId="{5D5CE61C-C3D0-4E38-AF22-518EDB7D95DF}" type="presOf" srcId="{0A667468-77BE-4ABA-8029-B541D3D208B9}" destId="{E39D3B54-87A8-410F-86A7-15CEDFE0C42F}" srcOrd="1" destOrd="0" presId="urn:microsoft.com/office/officeart/2008/layout/HorizontalMultiLevelHierarchy"/>
+    <dgm:cxn modelId="{561F7861-CFC5-4170-A30D-D9FCE6CB8365}" type="presOf" srcId="{D3AD557C-1200-4DBB-B016-8DDDB1FED3D0}" destId="{84C51477-877D-4E73-BF8B-3834A5025213}" srcOrd="0" destOrd="0" presId="urn:microsoft.com/office/officeart/2008/layout/HorizontalMultiLevelHierarchy"/>
+    <dgm:cxn modelId="{42B78A1B-E32C-4D6B-B7C1-32B2D4919168}" type="presOf" srcId="{F9063CE5-1EE6-43EA-93EA-47A994711BA6}" destId="{37381F41-A2ED-47AD-9240-BACDBD0F9256}" srcOrd="1" destOrd="0" presId="urn:microsoft.com/office/officeart/2008/layout/HorizontalMultiLevelHierarchy"/>
+    <dgm:cxn modelId="{D362C348-A6F3-4280-9E15-A6E9905691D8}" type="presOf" srcId="{0469A2DA-9116-4614-BD4E-624AB399E1A0}" destId="{684454DC-6055-4C42-8FCC-E072538D638C}" srcOrd="0" destOrd="0" presId="urn:microsoft.com/office/officeart/2008/layout/HorizontalMultiLevelHierarchy"/>
     <dgm:cxn modelId="{509F5F4B-A182-4C26-BDB2-1ABED4A23058}" srcId="{D3AD557C-1200-4DBB-B016-8DDDB1FED3D0}" destId="{075C2FE2-E47A-4DF6-A95E-C58BE08E26EB}" srcOrd="3" destOrd="0" parTransId="{0B6AE92D-0C22-467F-8516-89BA4A4A479A}" sibTransId="{710091A3-2795-4906-AAA3-8F1EDA6A99FF}"/>
+    <dgm:cxn modelId="{96C78ADF-5C11-4A4F-B606-DCACD61CB20A}" type="presOf" srcId="{4FC6987C-05CF-4540-99D7-00A63CD6EFF5}" destId="{6DE27D27-52FF-429F-81CE-525EC80CF063}" srcOrd="0" destOrd="0" presId="urn:microsoft.com/office/officeart/2008/layout/HorizontalMultiLevelHierarchy"/>
     <dgm:cxn modelId="{57856A7F-B345-432F-BCD4-E42BDA8A6AD1}" srcId="{D3AD557C-1200-4DBB-B016-8DDDB1FED3D0}" destId="{0469A2DA-9116-4614-BD4E-624AB399E1A0}" srcOrd="1" destOrd="0" parTransId="{AE8AC036-6C0F-4320-9417-12C81FE08503}" sibTransId="{F353E6E4-EA69-449A-961C-A807AFDDCFD3}"/>
-    <dgm:cxn modelId="{35DAE398-CE49-4C49-8406-EE6CCFF7273D}" type="presOf" srcId="{27FE0C07-9C5F-4BA8-AC47-A33735D16538}" destId="{07910475-6D77-45B5-BB3A-E579D753FB40}" srcOrd="0" destOrd="0" presId="urn:microsoft.com/office/officeart/2008/layout/HorizontalMultiLevelHierarchy"/>
-    <dgm:cxn modelId="{7EA6E5CD-8296-4CDA-8D48-3B7FBC5DC32D}" type="presOf" srcId="{8F5D7644-94F6-41B7-9D9F-F2CEED8EFA1D}" destId="{75FBFCDF-AFD7-4240-B4AE-1987BC7B08E1}" srcOrd="0" destOrd="0" presId="urn:microsoft.com/office/officeart/2008/layout/HorizontalMultiLevelHierarchy"/>
-    <dgm:cxn modelId="{8628C107-4BF3-4FC0-BE6D-1B43BBC83F3A}" type="presOf" srcId="{8F5D7644-94F6-41B7-9D9F-F2CEED8EFA1D}" destId="{942BA48E-C5BD-4F50-8E1E-A532E57C88C4}" srcOrd="1" destOrd="0" presId="urn:microsoft.com/office/officeart/2008/layout/HorizontalMultiLevelHierarchy"/>
-    <dgm:cxn modelId="{561F7861-CFC5-4170-A30D-D9FCE6CB8365}" type="presOf" srcId="{D3AD557C-1200-4DBB-B016-8DDDB1FED3D0}" destId="{84C51477-877D-4E73-BF8B-3834A5025213}" srcOrd="0" destOrd="0" presId="urn:microsoft.com/office/officeart/2008/layout/HorizontalMultiLevelHierarchy"/>
-    <dgm:cxn modelId="{81329405-CB48-4FA8-B698-869CF68FFA2C}" srcId="{0A229344-1F6B-410A-BCFC-45B9CB1D5782}" destId="{D3AD557C-1200-4DBB-B016-8DDDB1FED3D0}" srcOrd="0" destOrd="0" parTransId="{462ED516-8DE0-43A3-A154-2D26A94EF02A}" sibTransId="{66CD4BFA-3E33-41D0-BBE5-F045B03E50BF}"/>
-    <dgm:cxn modelId="{19DCE52C-0C2B-4170-806A-7A1C94E0C91C}" type="presOf" srcId="{F9063CE5-1EE6-43EA-93EA-47A994711BA6}" destId="{98A2CF74-F1B8-4CD9-9E99-0164E41F4F1D}" srcOrd="0" destOrd="0" presId="urn:microsoft.com/office/officeart/2008/layout/HorizontalMultiLevelHierarchy"/>
-    <dgm:cxn modelId="{42B78A1B-E32C-4D6B-B7C1-32B2D4919168}" type="presOf" srcId="{F9063CE5-1EE6-43EA-93EA-47A994711BA6}" destId="{37381F41-A2ED-47AD-9240-BACDBD0F9256}" srcOrd="1" destOrd="0" presId="urn:microsoft.com/office/officeart/2008/layout/HorizontalMultiLevelHierarchy"/>
-    <dgm:cxn modelId="{5D5CE61C-C3D0-4E38-AF22-518EDB7D95DF}" type="presOf" srcId="{0A667468-77BE-4ABA-8029-B541D3D208B9}" destId="{E39D3B54-87A8-410F-86A7-15CEDFE0C42F}" srcOrd="1" destOrd="0" presId="urn:microsoft.com/office/officeart/2008/layout/HorizontalMultiLevelHierarchy"/>
-    <dgm:cxn modelId="{DA197203-317C-448A-90AD-71892C33241C}" type="presOf" srcId="{0B6AE92D-0C22-467F-8516-89BA4A4A479A}" destId="{7AD1340E-E433-4DE0-AAD4-86F6BC633E7E}" srcOrd="0" destOrd="0" presId="urn:microsoft.com/office/officeart/2008/layout/HorizontalMultiLevelHierarchy"/>
-    <dgm:cxn modelId="{D323C9CC-7B28-454C-8044-3894CB4F4603}" type="presOf" srcId="{AE8AC036-6C0F-4320-9417-12C81FE08503}" destId="{93F37B2A-AC8F-47B8-992D-6DF42A8D5B81}" srcOrd="0" destOrd="0" presId="urn:microsoft.com/office/officeart/2008/layout/HorizontalMultiLevelHierarchy"/>
-    <dgm:cxn modelId="{D362C348-A6F3-4280-9E15-A6E9905691D8}" type="presOf" srcId="{0469A2DA-9116-4614-BD4E-624AB399E1A0}" destId="{684454DC-6055-4C42-8FCC-E072538D638C}" srcOrd="0" destOrd="0" presId="urn:microsoft.com/office/officeart/2008/layout/HorizontalMultiLevelHierarchy"/>
-    <dgm:cxn modelId="{F2252253-76C8-484D-8D2D-E5A7C2C8B61A}" type="presOf" srcId="{0A229344-1F6B-410A-BCFC-45B9CB1D5782}" destId="{321AD4C9-2662-4B02-B8E9-92CBAE840A30}" srcOrd="0" destOrd="0" presId="urn:microsoft.com/office/officeart/2008/layout/HorizontalMultiLevelHierarchy"/>
-    <dgm:cxn modelId="{96C78ADF-5C11-4A4F-B606-DCACD61CB20A}" type="presOf" srcId="{4FC6987C-05CF-4540-99D7-00A63CD6EFF5}" destId="{6DE27D27-52FF-429F-81CE-525EC80CF063}" srcOrd="0" destOrd="0" presId="urn:microsoft.com/office/officeart/2008/layout/HorizontalMultiLevelHierarchy"/>
-    <dgm:cxn modelId="{31CC8292-FD03-4868-A6A7-19A41780F2DA}" type="presOf" srcId="{0A667468-77BE-4ABA-8029-B541D3D208B9}" destId="{2889A7E5-1F40-42F8-9315-478D696696C2}" srcOrd="0" destOrd="0" presId="urn:microsoft.com/office/officeart/2008/layout/HorizontalMultiLevelHierarchy"/>
-    <dgm:cxn modelId="{FB6CEDD2-A766-4935-AA36-A7F0A3FD86CA}" type="presOf" srcId="{53024823-43FA-4B19-8346-74A62CE42DC4}" destId="{7DA69754-C4D9-44A4-9B1E-0709E34D53F7}" srcOrd="0" destOrd="0" presId="urn:microsoft.com/office/officeart/2008/layout/HorizontalMultiLevelHierarchy"/>
-    <dgm:cxn modelId="{2B9B2C33-C6F8-424D-8910-5E8A1B6C48E7}" type="presOf" srcId="{D997D07F-EA90-4826-8320-4967101C99D7}" destId="{6867005C-FB9A-4200-B439-D9C1FC1F1807}" srcOrd="0" destOrd="0" presId="urn:microsoft.com/office/officeart/2008/layout/HorizontalMultiLevelHierarchy"/>
-    <dgm:cxn modelId="{20719DDD-8709-45BE-91F5-82E66DEEEC59}" type="presOf" srcId="{F2B1625C-6190-4614-AD9A-BCBCA6C78FF7}" destId="{D1F3E77B-FBF4-4BDA-AC04-9AB12B9F504E}" srcOrd="1" destOrd="0" presId="urn:microsoft.com/office/officeart/2008/layout/HorizontalMultiLevelHierarchy"/>
-    <dgm:cxn modelId="{4A642F8B-CB36-47B7-A114-D881D5B51746}" type="presOf" srcId="{1588F974-E128-4523-BA76-BBA9FED65134}" destId="{D23A8DD6-018C-42A4-B71B-C72AEE27E238}" srcOrd="0" destOrd="0" presId="urn:microsoft.com/office/officeart/2008/layout/HorizontalMultiLevelHierarchy"/>
-    <dgm:cxn modelId="{3AFCE111-36B5-45CE-8B76-6F51757A63AB}" type="presOf" srcId="{075C2FE2-E47A-4DF6-A95E-C58BE08E26EB}" destId="{810CC5B5-CB8D-44D9-A721-690BF636F417}" srcOrd="0" destOrd="0" presId="urn:microsoft.com/office/officeart/2008/layout/HorizontalMultiLevelHierarchy"/>
-    <dgm:cxn modelId="{8B5ED881-0D98-44F6-A741-754DF7F7728A}" type="presOf" srcId="{F2B1625C-6190-4614-AD9A-BCBCA6C78FF7}" destId="{6E2D7779-B5D9-4AE2-B510-6EB1B8EEA0E1}" srcOrd="0" destOrd="0" presId="urn:microsoft.com/office/officeart/2008/layout/HorizontalMultiLevelHierarchy"/>
-    <dgm:cxn modelId="{35E83174-7EB7-40B2-A371-41AA83F81A9D}" type="presOf" srcId="{AE8AC036-6C0F-4320-9417-12C81FE08503}" destId="{11962ED7-7377-4F42-8029-00ABF571EAFF}" srcOrd="1" destOrd="0" presId="urn:microsoft.com/office/officeart/2008/layout/HorizontalMultiLevelHierarchy"/>
-    <dgm:cxn modelId="{0202F6A3-DF68-44DE-A5EC-6E119FB0F2AF}" srcId="{1588F974-E128-4523-BA76-BBA9FED65134}" destId="{27FE0C07-9C5F-4BA8-AC47-A33735D16538}" srcOrd="0" destOrd="0" parTransId="{F2B1625C-6190-4614-AD9A-BCBCA6C78FF7}" sibTransId="{0CC05AE5-9782-48F2-98D9-C95BC70B86C1}"/>
-    <dgm:cxn modelId="{0625CBBC-CAEA-4102-8A78-B3E3202E6610}" type="presOf" srcId="{0B6AE92D-0C22-467F-8516-89BA4A4A479A}" destId="{9BF417EB-AF59-4C67-9055-6EF89F83C233}" srcOrd="1" destOrd="0" presId="urn:microsoft.com/office/officeart/2008/layout/HorizontalMultiLevelHierarchy"/>
     <dgm:cxn modelId="{CEE961C8-544B-4736-B0F5-628DEF4566A9}" srcId="{0469A2DA-9116-4614-BD4E-624AB399E1A0}" destId="{1588F974-E128-4523-BA76-BBA9FED65134}" srcOrd="0" destOrd="0" parTransId="{8F5D7644-94F6-41B7-9D9F-F2CEED8EFA1D}" sibTransId="{04569253-12A8-4F49-9652-3BE605CDBE41}"/>
-    <dgm:cxn modelId="{D089C4C5-8E45-4BE6-A28E-00CB6928D242}" type="presOf" srcId="{53024823-43FA-4B19-8346-74A62CE42DC4}" destId="{B87D4D84-BF2E-4D65-B064-D57BC0FC8539}" srcOrd="1" destOrd="0" presId="urn:microsoft.com/office/officeart/2008/layout/HorizontalMultiLevelHierarchy"/>
     <dgm:cxn modelId="{6278A2B5-04A0-4980-83FA-381151ED35DA}" srcId="{D3AD557C-1200-4DBB-B016-8DDDB1FED3D0}" destId="{D997D07F-EA90-4826-8320-4967101C99D7}" srcOrd="2" destOrd="0" parTransId="{F9063CE5-1EE6-43EA-93EA-47A994711BA6}" sibTransId="{C1D93ED9-42FE-40D4-B01C-12BFF99482DE}"/>
     <dgm:cxn modelId="{CC8CE9A2-5B45-44A4-90DC-EC7FBE8A8AD9}" type="presOf" srcId="{6EDEEA48-E055-4E45-8396-39F3F608D1A4}" destId="{96C4AEA1-B249-4271-B862-66FF6EBCE9BC}" srcOrd="0" destOrd="0" presId="urn:microsoft.com/office/officeart/2008/layout/HorizontalMultiLevelHierarchy"/>
     <dgm:cxn modelId="{C2E2DC53-B2BC-4AAE-96AB-98FF02F6A964}" type="presParOf" srcId="{321AD4C9-2662-4B02-B8E9-92CBAE840A30}" destId="{374AE8D3-B9A5-43E1-A3F0-ACD806B64FE2}" srcOrd="0" destOrd="0" presId="urn:microsoft.com/office/officeart/2008/layout/HorizontalMultiLevelHierarchy"/>
@@ -2214,7 +2320,7 @@
           </a:pPr>
           <a:r>
             <a:rPr lang="en-US" sz="3300" kern="1200" dirty="0" smtClean="0"/>
-            <a:t>Workspace</a:t>
+            <a:t>Project</a:t>
           </a:r>
           <a:endParaRPr lang="en-US" sz="3300" kern="1200" dirty="0"/>
         </a:p>
@@ -2273,12 +2379,12 @@
         </a:fontRef>
       </dsp:style>
       <dsp:txBody>
-        <a:bodyPr spcFirstLastPara="0" vert="horz" wrap="square" lIns="10160" tIns="10160" rIns="10160" bIns="10160" numCol="1" spcCol="1270" anchor="ctr" anchorCtr="0">
+        <a:bodyPr spcFirstLastPara="0" vert="horz" wrap="square" lIns="12700" tIns="12700" rIns="12700" bIns="12700" numCol="1" spcCol="1270" anchor="ctr" anchorCtr="0">
           <a:noAutofit/>
         </a:bodyPr>
         <a:lstStyle/>
         <a:p>
-          <a:pPr lvl="0" algn="ctr" defTabSz="711200">
+          <a:pPr lvl="0" algn="ctr" defTabSz="889000">
             <a:lnSpc>
               <a:spcPct val="90000"/>
             </a:lnSpc>
@@ -2290,10 +2396,10 @@
             </a:spcAft>
           </a:pPr>
           <a:r>
-            <a:rPr lang="en-US" sz="1600" kern="1200" dirty="0" smtClean="0"/>
+            <a:rPr lang="en-US" sz="2000" kern="1200" dirty="0" smtClean="0"/>
             <a:t>Commits</a:t>
           </a:r>
-          <a:endParaRPr lang="en-US" sz="1600" kern="1200" dirty="0"/>
+          <a:endParaRPr lang="en-US" sz="2000" kern="1200" dirty="0"/>
         </a:p>
       </dsp:txBody>
       <dsp:txXfrm>
@@ -2350,12 +2456,12 @@
         </a:fontRef>
       </dsp:style>
       <dsp:txBody>
-        <a:bodyPr spcFirstLastPara="0" vert="horz" wrap="square" lIns="10160" tIns="10160" rIns="10160" bIns="10160" numCol="1" spcCol="1270" anchor="ctr" anchorCtr="0">
+        <a:bodyPr spcFirstLastPara="0" vert="horz" wrap="square" lIns="12700" tIns="12700" rIns="12700" bIns="12700" numCol="1" spcCol="1270" anchor="ctr" anchorCtr="0">
           <a:noAutofit/>
         </a:bodyPr>
         <a:lstStyle/>
         <a:p>
-          <a:pPr lvl="0" algn="ctr" defTabSz="711200">
+          <a:pPr lvl="0" algn="ctr" defTabSz="889000">
             <a:lnSpc>
               <a:spcPct val="90000"/>
             </a:lnSpc>
@@ -2367,10 +2473,10 @@
             </a:spcAft>
           </a:pPr>
           <a:r>
-            <a:rPr lang="en-US" sz="1600" kern="1200" dirty="0" smtClean="0"/>
-            <a:t>Nodes</a:t>
+            <a:rPr lang="en-US" sz="2000" kern="1200" dirty="0" smtClean="0"/>
+            <a:t>Nodes(*Ref)</a:t>
           </a:r>
-          <a:endParaRPr lang="en-US" sz="1600" kern="1200" dirty="0"/>
+          <a:endParaRPr lang="en-US" sz="2000" kern="1200" dirty="0"/>
         </a:p>
       </dsp:txBody>
       <dsp:txXfrm>
@@ -2427,12 +2533,12 @@
         </a:fontRef>
       </dsp:style>
       <dsp:txBody>
-        <a:bodyPr spcFirstLastPara="0" vert="horz" wrap="square" lIns="10160" tIns="10160" rIns="10160" bIns="10160" numCol="1" spcCol="1270" anchor="ctr" anchorCtr="0">
+        <a:bodyPr spcFirstLastPara="0" vert="horz" wrap="square" lIns="12700" tIns="12700" rIns="12700" bIns="12700" numCol="1" spcCol="1270" anchor="ctr" anchorCtr="0">
           <a:noAutofit/>
         </a:bodyPr>
         <a:lstStyle/>
         <a:p>
-          <a:pPr lvl="0" algn="ctr" defTabSz="711200">
+          <a:pPr lvl="0" algn="ctr" defTabSz="889000">
             <a:lnSpc>
               <a:spcPct val="90000"/>
             </a:lnSpc>
@@ -2444,10 +2550,10 @@
             </a:spcAft>
           </a:pPr>
           <a:r>
-            <a:rPr lang="en-US" sz="1600" kern="1200" dirty="0" smtClean="0"/>
+            <a:rPr lang="en-US" sz="2000" kern="1200" dirty="0" smtClean="0"/>
             <a:t>Holding bin</a:t>
           </a:r>
-          <a:endParaRPr lang="en-US" sz="1600" kern="1200" dirty="0"/>
+          <a:endParaRPr lang="en-US" sz="2000" kern="1200" dirty="0"/>
         </a:p>
       </dsp:txBody>
       <dsp:txXfrm>
@@ -2504,12 +2610,12 @@
         </a:fontRef>
       </dsp:style>
       <dsp:txBody>
-        <a:bodyPr spcFirstLastPara="0" vert="horz" wrap="square" lIns="10160" tIns="10160" rIns="10160" bIns="10160" numCol="1" spcCol="1270" anchor="ctr" anchorCtr="0">
+        <a:bodyPr spcFirstLastPara="0" vert="horz" wrap="square" lIns="12700" tIns="12700" rIns="12700" bIns="12700" numCol="1" spcCol="1270" anchor="ctr" anchorCtr="0">
           <a:noAutofit/>
         </a:bodyPr>
         <a:lstStyle/>
         <a:p>
-          <a:pPr lvl="0" algn="ctr" defTabSz="711200">
+          <a:pPr lvl="0" algn="ctr" defTabSz="889000">
             <a:lnSpc>
               <a:spcPct val="90000"/>
             </a:lnSpc>
@@ -2521,10 +2627,10 @@
             </a:spcAft>
           </a:pPr>
           <a:r>
-            <a:rPr lang="en-US" sz="1600" kern="1200" dirty="0" smtClean="0"/>
+            <a:rPr lang="en-US" sz="2000" kern="1200" dirty="0" smtClean="0"/>
             <a:t>elements</a:t>
           </a:r>
-          <a:endParaRPr lang="en-US" sz="1600" kern="1200" dirty="0"/>
+          <a:endParaRPr lang="en-US" sz="2000" kern="1200" dirty="0"/>
         </a:p>
       </dsp:txBody>
       <dsp:txXfrm>
@@ -2581,12 +2687,12 @@
         </a:fontRef>
       </dsp:style>
       <dsp:txBody>
-        <a:bodyPr spcFirstLastPara="0" vert="horz" wrap="square" lIns="10160" tIns="10160" rIns="10160" bIns="10160" numCol="1" spcCol="1270" anchor="ctr" anchorCtr="0">
+        <a:bodyPr spcFirstLastPara="0" vert="horz" wrap="square" lIns="12700" tIns="12700" rIns="12700" bIns="12700" numCol="1" spcCol="1270" anchor="ctr" anchorCtr="0">
           <a:noAutofit/>
         </a:bodyPr>
         <a:lstStyle/>
         <a:p>
-          <a:pPr lvl="0" algn="ctr" defTabSz="711200">
+          <a:pPr lvl="0" algn="ctr" defTabSz="889000">
             <a:lnSpc>
               <a:spcPct val="90000"/>
             </a:lnSpc>
@@ -2598,10 +2704,10 @@
             </a:spcAft>
           </a:pPr>
           <a:r>
-            <a:rPr lang="en-US" sz="1600" kern="1200" dirty="0" smtClean="0"/>
+            <a:rPr lang="en-US" sz="2000" kern="1200" dirty="0" smtClean="0"/>
             <a:t>elements</a:t>
           </a:r>
-          <a:endParaRPr lang="en-US" sz="1600" kern="1200" dirty="0"/>
+          <a:endParaRPr lang="en-US" sz="2000" kern="1200" dirty="0"/>
         </a:p>
       </dsp:txBody>
       <dsp:txXfrm>
@@ -2658,12 +2764,12 @@
         </a:fontRef>
       </dsp:style>
       <dsp:txBody>
-        <a:bodyPr spcFirstLastPara="0" vert="horz" wrap="square" lIns="10160" tIns="10160" rIns="10160" bIns="10160" numCol="1" spcCol="1270" anchor="ctr" anchorCtr="0">
+        <a:bodyPr spcFirstLastPara="0" vert="horz" wrap="square" lIns="12700" tIns="12700" rIns="12700" bIns="12700" numCol="1" spcCol="1270" anchor="ctr" anchorCtr="0">
           <a:noAutofit/>
         </a:bodyPr>
         <a:lstStyle/>
         <a:p>
-          <a:pPr lvl="0" algn="ctr" defTabSz="711200">
+          <a:pPr lvl="0" algn="ctr" defTabSz="889000">
             <a:lnSpc>
               <a:spcPct val="90000"/>
             </a:lnSpc>
@@ -2675,10 +2781,10 @@
             </a:spcAft>
           </a:pPr>
           <a:r>
-            <a:rPr lang="en-US" sz="1600" kern="1200" dirty="0" smtClean="0"/>
-            <a:t>Edges</a:t>
+            <a:rPr lang="en-US" sz="2000" kern="1200" dirty="0" smtClean="0"/>
+            <a:t>Edges(*Ref)</a:t>
           </a:r>
-          <a:endParaRPr lang="en-US" sz="1600" kern="1200" dirty="0"/>
+          <a:endParaRPr lang="en-US" sz="2000" kern="1200" dirty="0"/>
         </a:p>
       </dsp:txBody>
       <dsp:txXfrm>
@@ -2735,12 +2841,12 @@
         </a:fontRef>
       </dsp:style>
       <dsp:txBody>
-        <a:bodyPr spcFirstLastPara="0" vert="horz" wrap="square" lIns="10160" tIns="10160" rIns="10160" bIns="10160" numCol="1" spcCol="1270" anchor="ctr" anchorCtr="0">
+        <a:bodyPr spcFirstLastPara="0" vert="horz" wrap="square" lIns="12700" tIns="12700" rIns="12700" bIns="12700" numCol="1" spcCol="1270" anchor="ctr" anchorCtr="0">
           <a:noAutofit/>
         </a:bodyPr>
         <a:lstStyle/>
         <a:p>
-          <a:pPr lvl="0" algn="ctr" defTabSz="711200">
+          <a:pPr lvl="0" algn="ctr" defTabSz="889000">
             <a:lnSpc>
               <a:spcPct val="90000"/>
             </a:lnSpc>
@@ -2752,10 +2858,10 @@
             </a:spcAft>
           </a:pPr>
           <a:r>
-            <a:rPr lang="en-US" sz="1600" kern="1200" dirty="0" smtClean="0"/>
-            <a:t>Configurations</a:t>
+            <a:rPr lang="en-US" sz="2000" kern="1200" dirty="0" smtClean="0"/>
+            <a:t>Refs</a:t>
           </a:r>
-          <a:endParaRPr lang="en-US" sz="1600" kern="1200" dirty="0"/>
+          <a:endParaRPr lang="en-US" sz="2000" kern="1200" dirty="0"/>
         </a:p>
       </dsp:txBody>
       <dsp:txXfrm>
@@ -4161,9 +4267,9 @@
         </emma:interpretation>
       </emma:emma>
     </inkml:annotationXML>
-    <inkml:trace contextRef="#ctx0" brushRef="#br0">61 15 24 0,'-9'-12'12'0,"5"8"-1"16,4 4 13-16,0 0-21 0,0 4 0 15,0 0 3-15,0 4 0 16,0 4-5-16,0 3 0 16,0 16 6-16,0 8 0 15,0 11-1-15,-4 9 0 16,-1 6-1-16,1-3 0 16,-5 12-1-16,5 0 0 15,-1 27-1-15,5-1 0 16,-4 9 0-16,-5-8 1 15,5 4-2-15,4-1 1 16,0 9-1-16,9-5 0 16,-1-15 0-16,1 4 0 0,0-11 0 15,0-9 0-15,-1-7-1 16,-3 0 1-16,-1 0-1 16,0 3 0-16,-8 1 0 15,0 0 0-15,4-8-1 16,-5-4 1-16,1 0-1 15,0-4 1-15,4-12-2 16,4-7 1-16,0-12-3 16,5-3 1-16,0-5-4 15,-1-4 0-15,-3-7-4 16,-5 0 1-16,0 4-6 16,0-5 0-16,4 9-4 15,-13-8 0-15</inkml:trace>
-    <inkml:trace contextRef="#ctx0" brushRef="#br0" timeOffset="1951.6486">-118 15 25 0,'-4'-12'12'0,"13"1"-6"16,-9 11 12-16,0 0-17 16,0 0 1-16,13 0 1 15,4 0 1-15,9 0-5 16,5 0 1-16,8-8 2 15,0 0 1-15,5 0 0 16,13 1 0-16,4-1-2 16,4 0 1-16,-4 0-1 0,5 5 1 15,8 3-2-15,9-4 1 16,-13-4-1-16,4-4 0 16,9 5 0-16,8-1 0 15,-8 0 0-15,13 0 0 16,4 0 0-16,-8-3 0 15,0 7 0-15,4 4 0 16,0 0-1-16,-9 0 1 16,9 0 0-16,4-8 1 0,-13 4 0 15,9 0 0-15,13-3 1 16,14-5 1-16,25 0 0 16,22 1 0-16,9 3-1 15,13 0 1-15,17 1-1 16,-8 7 0-16,13 0-2 15,-5-4 1-15,1 8-1 16,8 3 1-16,-9-7 0 16,9 4 1-16,0 4-1 15,9-4 1-15,-4-4-1 16,8 0 1-16,-4 0-2 16,0 0 1-16,-1 8 0 15,-16-5 0-15,4-3 0 16,-5 0 0-16,-13 0 0 15,9 4 0-15,-4-4 0 16,4 4 0-16,-9 0-1 0,14 4 1 16,-18-4-1-16,0 0 1 15,4-4-1-15,0 3 0 16,5-3 0-16,-13 0 1 16,12-11-1-16,-8 3 0 15,-8 0 0-15,12-3 1 16,-9-1 0-16,10 8 0 15,-5-4-1-15,4-3 0 16,-4 3 0-16,-4-4 1 16,-1 1-1-16,1-1 0 15,-5 8 1-15,-9-7 0 0,1-5 0 16,4 4 1-16,4 5-1 16,-13-5 0-16,9 0 0 15,0 5 0-15,4 3-1 16,-17-4 0-16,8-4 0 15,1 5 0-15,-9-1 0 16,-18-4 0-16,-13 1 0 16,5-1 1-16,-14 0 0 15,-17 5 1-15,-13 3-1 16,-26 4 1-16,-4 4-1 16,-14-4 1-16,0 4-1 15,-4-1 1-15,-13 5-1 16,-4 4 0-16,-5 3-1 15,-4 5 1-15,0-1-1 16,-5 8 1-16,-4 0-1 0,0 4 1 16,5 0-1-16,-1 8 1 15,-4 15-1-15,-4 1 1 16,0 11-1-16,4 7 0 31,0 9 0-31,0-1 1 0,0-11-1 0,0-4 1 16,5 8-1-16,-1-1 0 15,5 1 0-15,0 7 1 16,-1 1-1-16,1-8 0 16,0-9 0-16,0-2 1 15,0-5 0-15,-5-8 0 16,1-11 0-16,-1-8 0 0,1-4 0 16,-5-4 0-16,0 1 0 15,-5-5 0-15,6 0-1 16,-10-3 0-16,0-1 0 15,-4-3 1-15,0 0-1 16,-4-1 1-16,0 1-1 16,-10-4 0-16,10 7 0 15,0-7 0-15,-1 4 0 16,1-5 0-16,4 1 0 16,0-4 1-16,0 4-1 15,0-4 0-15,0-1 0 16,-4-3 0-16,4 4 0 15,-5 0 0-15,1 0-2 16,0-4 0-16,-1 4-8 16,-8 0 0-16,-9 4-12 15,0-5 1-15</inkml:trace>
-    <inkml:trace contextRef="#ctx0" brushRef="#br0" timeOffset="3761.9264">131 2563 22 0,'-13'0'11'0,"21"-8"-4"0,-8 8 11 0,5 0-16 16,-5 0 1-16,4-4 2 15,5 0 0-15,0 0-6 16,4-3 1-16,9-1 4 16,8 0 1-16,9 0-2 15,9 1 1-15,9-5-2 16,17 4 1-16,9 0-2 15,4-7 1-15,18-1-1 16,17-3 1-16,22-8 0 16,18-8 0-16,25 4 1 15,14 0 0-15,4-8 0 16,4 8 0-16,14 8-1 0,-1 3 0 16,5 5-1-16,0-1 1 15,17 5-1-15,1 3 1 16,-1-4-2-16,22 1 1 15,-9 3-1-15,10 0 1 16,-10 1-1-16,-4-1 0 16,13 0 0-16,-4 4 0 15,-9-4 0-15,0 4 1 16,4 1-1-16,-4-5 1 16,-4 4 0-16,4-8 0 15,9 5-1-15,0 3 1 0,-18-8-1 16,4 4 1-16,-8 4 0 15,-13-7 1-15,9-1 0 16,-14 4 0-16,-12-3 0 16,12-1 0-16,-8 4 0 15,-13-3 0-15,12 7-1 16,-3 0 0-16,-1 0-1 16,-12 4 0-16,-1-4 0 15,-8 4 0-15,-5-11 0 16,-13-1 1-16,4 0 0 15,-8 1 0-15,0 3 0 16,-13 0 0-16,4 0 0 16,0 5 0-16,-5 6-1 15,1 1 1-15,-18-4-1 16,5-4 0-16,4 4 0 16,-13 0 0-16,0 4 0 0,-9 0 1 15,0-4-2-15,0 0 1 16,-4 4 0-16,-13 4 1 15,-9-4-1-15,0 0 0 16,-9 3 0-16,-4-3 0 16,0-4 0-16,0 4 0 15,4 4 0-15,0-4 0 16,-8 0 0-16,-5-1 0 16,-4-3 0-16,8 0 1 15,-17 4-1-15,-4-4 0 0,-5 0 0 16,1-4 0-16,-5 8 0 15,0 0 0-15,-1-4 0 16,-3-4 1-16,0 4-1 16,-5-4 1-16,0 1-1 15,-8-1 0-15,-5 0 1 16,-4 4 0-16,0 0-1 16,-5-4 1-16,-4 4-1 15,0-4 1-15,-4 0-1 16,0 0 1-16,-1 0-1 15,-3 4 1-15,-5 0 0 16,0 0 0-16,0 0-1 16,0 0 1-16,0-7 0 15,0-1 0-15,-5-4 0 16,1 1 0-16,-5-5 0 0,-8-7 0 16,-5-8-1-16,-4-8 1 15,-9-11-4-15,4-8 0 16,10-5-14-16,3 5 1 15,9-4-6-15,5-27 0 16</inkml:trace>
+    <inkml:trace contextRef="#ctx0" brushRef="#br0">60 16 24 0,'-9'-12'12'0,"5"8"-1"16,4 4 13-16,0 0-21 0,0 4 0 15,0 0 3-15,0 4 0 16,0 4-5-16,0 3 0 16,0 16 6-16,0 8 0 15,0 11-1-15,-4 9 0 16,-1 6-1-16,1-3 0 16,-5 12-1-16,5 0 0 15,-1 27-1-15,5-1 0 16,-4 9 0-16,-5-8 1 15,5 4-2-15,4-1 1 16,0 9-1-16,9-5 0 16,-1-15 0-16,1 4 0 0,0-11 0 15,0-9 0-15,-1-7-1 16,-3 0 1-16,-1 0-1 16,0 3 0-16,-8 1 0 15,0 0 0-15,4-8-1 16,-5-4 1-16,1 0-1 15,0-4 1-15,4-12-2 16,4-7 1-16,0-12-3 16,5-3 1-16,0-5-4 15,-1-4 0-15,-3-7-4 16,-5 0 1-16,0 4-6 16,0-5 0-16,4 9-4 15,-13-8 0-15</inkml:trace>
+    <inkml:trace contextRef="#ctx0" brushRef="#br0" timeOffset="1951.6486">-119 16 25 0,'-4'-12'12'0,"13"1"-6"16,-9 11 12-16,0 0-17 16,0 0 1-16,13 0 1 15,4 0 1-15,9 0-5 16,5 0 1-16,8-8 2 15,0 0 1-15,5 0 0 16,13 1 0-16,4-1-2 16,4 0 1-16,-4 0-1 0,5 5 1 15,8 3-2-15,9-4 1 16,-13-4-1-16,4-4 0 16,9 5 0-16,8-1 0 15,-8 0 0-15,13 0 0 16,4 0 0-16,-8-3 0 15,0 7 0-15,4 4 0 16,0 0-1-16,-9 0 1 16,9 0 0-16,4-8 1 0,-13 4 0 15,9 0 0-15,13-3 1 16,14-5 1-16,25 0 0 16,22 1 0-16,9 3-1 15,13 0 1-15,17 1-1 16,-8 7 0-16,13 0-2 15,-5-4 1-15,1 8-1 16,8 3 1-16,-9-7 0 16,9 4 1-16,0 4-1 15,9-4 1-15,-4-4-1 16,8 0 1-16,-4 0-2 16,0 0 1-16,-1 8 0 15,-16-5 0-15,4-3 0 16,-5 0 0-16,-13 0 0 15,9 4 0-15,-4-4 0 16,4 4 0-16,-9 0-1 0,14 4 1 16,-18-4-1-16,0 0 1 15,4-4-1-15,0 3 0 16,5-3 0-16,-13 0 1 16,12-11-1-16,-8 3 0 15,-8 0 0-15,12-3 1 16,-9-1 0-16,10 8 0 15,-5-4-1-15,4-3 0 16,-4 3 0-16,-4-4 1 16,-1 1-1-16,1-1 0 15,-5 8 1-15,-9-7 0 0,1-5 0 16,4 4 1-16,4 5-1 16,-13-5 0-16,9 0 0 15,0 5 0-15,4 3-1 16,-17-4 0-16,8-4 0 15,1 5 0-15,-9-1 0 16,-18-4 0-16,-13 1 0 16,5-1 1-16,-14 0 0 15,-17 5 1-15,-13 3-1 16,-26 4 1-16,-4 4-1 16,-14-4 1-16,0 4-1 15,-4-1 1-15,-13 5-1 16,-4 4 0-16,-5 3-1 15,-4 5 1-15,0-1-1 16,-5 8 1-16,-4 0-1 0,0 4 1 16,5 0-1-16,-1 8 1 15,-4 15-1-15,-4 1 1 16,0 11-1-16,4 7 0 31,0 9 0-31,0-1 1 0,0-11-1 0,0-4 1 16,5 8-1-16,-1-1 0 15,5 1 0-15,0 7 1 16,-1 1-1-16,1-8 0 16,0-9 0-16,0-2 1 15,0-5 0-15,-5-8 0 16,1-11 0-16,-1-8 0 0,1-4 0 16,-5-4 0-16,0 1 0 15,-5-5 0-15,6 0-1 16,-10-3 0-16,0-1 0 15,-4-3 1-15,0 0-1 16,-4-1 1-16,0 1-1 16,-10-4 0-16,10 7 0 15,0-7 0-15,-1 4 0 16,1-5 0-16,4 1 0 16,0-4 1-16,0 4-1 15,0-4 0-15,0-1 0 16,-4-3 0-16,4 4 0 15,-5 0 0-15,1 0-2 16,0-4 0-16,-1 4-8 16,-8 0 0-16,-9 4-12 15,0-5 1-15</inkml:trace>
+    <inkml:trace contextRef="#ctx0" brushRef="#br0" timeOffset="3761.9264">130 2564 22 0,'-13'0'11'0,"21"-8"-4"0,-8 8 11 0,5 0-16 16,-5 0 1-16,4-4 2 15,5 0 0-15,0 0-6 16,4-3 1-16,9-1 4 16,8 0 1-16,9 0-2 15,9 1 1-15,9-5-2 16,17 4 1-16,9 0-2 15,4-7 1-15,18-1-1 16,17-3 1-16,22-8 0 16,18-8 0-16,25 4 1 15,14 0 0-15,4-8 0 16,4 8 0-16,14 8-1 0,-1 3 0 16,5 5-1-16,0-1 1 15,17 5-1-15,1 3 1 16,-1-4-2-16,22 1 1 15,-9 3-1-15,10 0 1 16,-10 1-1-16,-4-1 0 16,13 0 0-16,-4 4 0 15,-9-4 0-15,0 4 1 16,4 1-1-16,-4-5 1 16,-4 4 0-16,4-8 0 15,9 5-1-15,0 3 1 0,-18-8-1 16,4 4 1-16,-8 4 0 15,-13-7 1-15,9-1 0 16,-14 4 0-16,-12-3 0 16,12-1 0-16,-8 4 0 15,-13-3 0-15,12 7-1 16,-3 0 0-16,-1 0-1 16,-12 4 0-16,-1-4 0 15,-8 4 0-15,-5-11 0 16,-13-1 1-16,4 0 0 15,-8 1 0-15,0 3 0 16,-13 0 0-16,4 0 0 16,0 5 0-16,-5 6-1 15,1 1 1-15,-18-4-1 16,5-4 0-16,4 4 0 16,-13 0 0-16,0 4 0 0,-9 0 1 15,0-4-2-15,0 0 1 16,-4 4 0-16,-13 4 1 15,-9-4-1-15,0 0 0 16,-9 3 0-16,-4-3 0 16,0-4 0-16,0 4 0 15,4 4 0-15,0-4 0 16,-8 0 0-16,-5-1 0 16,-4-3 0-16,8 0 1 15,-17 4-1-15,-4-4 0 0,-5 0 0 16,1-4 0-16,-5 8 0 15,0 0 0-15,-1-4 0 16,-3-4 1-16,0 4-1 16,-5-4 1-16,0 1-1 15,-8-1 0-15,-5 0 1 16,-4 4 0-16,0 0-1 16,-5-4 1-16,-4 4-1 15,0-4 1-15,-4 0-1 16,0 0 1-16,-1 0-1 15,-3 4 1-15,-5 0 0 16,0 0 0-16,0 0-1 16,0 0 1-16,0-7 0 15,0-1 0-15,-5-4 0 16,1 1 0-16,-5-5 0 0,-8-7 0 16,-5-8-1-16,-4-8 1 15,-9-11-4-15,4-8 0 16,10-5-14-16,3 5 1 15,9-4-6-15,5-27 0 16</inkml:trace>
   </inkml:traceGroup>
 </inkml:ink>
 </file>
@@ -4205,7 +4311,7 @@
         </emma:interpretation>
       </emma:emma>
     </inkml:annotationXML>
-    <inkml:trace contextRef="#ctx0" brushRef="#br0">-2936-2582 26 0,'8'-8'13'0,"1"12"-2"16,-9-4 14-16,0-4-23 15,-4 4 1-15,-5-4 0 16,-4 4 0-16,-9 0-4 16,0 0 1-16,-21 0 2 15,-14 0 1-15,0 0-1 16,-21-4 1-16,-18 4 0 15,0 4 0-15,-9 8 0 16,-8-1 1-16,-5 9-1 16,-13 7 1-16,4 4-2 15,10 0 0-15,-10 15-1 16,31-3 1-16,9 4-1 16,13-1 1-16,17-7-1 15,18 0 0-15,12-1-1 0,19-3 1 16,16 0-1-16,23 4 1 15,13-8-1-15,21-8 1 16,27-7-1-16,-1 3 0 16,36 4 0-16,-18-7 1 15,17-4-1-15,10-1 0 16,-1 5 0-16,5-9 0 16,-1-3 0-16,5 0 1 15,-4 0-1-15,8 0 0 0,-17-4 0 16,0-8 0-16,4 0 0 15,-4-3 0-15,-9 11 0 16,-9-8 0-16,-8-7 0 16,-13-1 0-16,-9-7 0 15,-5 0 1-15,-4-1-1 16,-4-3 1-16,-13 0 0 16,-9-8 1-16,-9 0 0 15,-13 0 1-15,-8-7 0 16,-14 3 0-16,-13 0 0 15,-17-4 0-15,-9 1-1 16,-13-1 0-16,-21 0-1 16,-27 1 1-16,-27-1-1 15,-25 4 0-15,-22 1 0 16,-31 3 0-16,-13 8-5 16,-25-5 0-16,7 17-12 15,5 15 0-15,40 4-5 0,34-16 1 16</inkml:trace>
+    <inkml:trace contextRef="#ctx0" brushRef="#br0">-2936-2583 26 0,'8'-7'13'0,"1"11"-2"16,-9-4 14-16,0-4-23 15,-4 4 1-15,-5-4 0 16,-4 4 0-16,-9 0-4 16,0 0 1-16,-21 0 2 15,-14 0 1-15,0 0-1 16,-21-4 1-16,-18 4 0 15,0 4 0-15,-9 7 0 16,-8 0 1-16,-5 9-1 16,-13 7 1-16,4 4-2 15,10 0 0-15,-10 15-1 16,31-3 1-16,9 4-1 16,13-2 1-16,17-6-1 15,18 0 0-15,12-1-1 0,19-3 1 16,16 0-1-16,23 4 1 15,13-8-1-15,21-9 1 16,27-6-1-16,-1 3 0 16,36 4 0-16,-18-7 1 15,17-4-1-15,10-1 0 16,-1 5 0-16,5-9 0 16,-1-3 0-16,5 0 1 15,-4 0-1-15,8 0 0 0,-17-4 0 16,0-8 0-16,4 0 0 15,-4-3 0-15,-9 11 0 16,-9-8 0-16,-8-7 0 16,-13-1 0-16,-9-7 0 15,-5 0 1-15,-4-1-1 16,-4-2 1-16,-13-1 0 16,-9-8 1-16,-9 0 0 15,-13 0 1-15,-8-7 0 16,-14 3 0-16,-13 0 0 15,-17-3 0-15,-9 0-1 16,-13-1 0-16,-21 0-1 16,-27 1 1-16,-27-1-1 15,-25 4 0-15,-22 2 0 16,-31 2 0-16,-13 8-5 16,-25-5 0-16,7 17-12 15,5 15 0-15,40 4-5 0,34-16 1 16</inkml:trace>
   </inkml:traceGroup>
 </inkml:ink>
 </file>
@@ -4247,7 +4353,7 @@
         </emma:interpretation>
       </emma:emma>
     </inkml:annotationXML>
-    <inkml:trace contextRef="#ctx0" brushRef="#br0">-1510-2074 23 0,'0'-16'11'0,"0"4"2"0,0 5 9 15,0-1-19-15,4 0 1 0,-4 8 2 16,5-8 0-16,-1 1-6 16,-4 7 0-16,5 4 6 15,-1 3 0-15,-4 13-1 16,-4 15 0-16,-5 7-1 16,-4 20 1-16,0 20-2 15,0 34 0-15,-9 12 0 16,-4 27 0-16,4 39 0 15,-4-12 0-15,4 28 0 16,0 11 0-16,-4-8-1 16,-5 0 1-1,-12 74-1 1,3-39 1-16,10-46-2 16,4-24 1-16,4-22-2 15,4-28 1-15,5-24-2 16,0-15 1-16,4-23-8 15,5-7 1-15,4-21-11 0,13-3 0 16,-4-27-2-16,4-24 1 16</inkml:trace>
+    <inkml:trace contextRef="#ctx0" brushRef="#br0">-1511-2074 23 0,'0'-16'11'0,"0"4"2"0,0 5 9 15,0-1-19-15,4 0 1 0,-4 8 2 16,5-8 0-16,-1 1-6 16,-4 7 0-16,5 4 6 15,-1 3 0-15,-4 13-1 16,-4 15 0-16,-5 7-1 16,-4 20 1-16,0 20-2 15,0 34 0-15,-9 12 0 16,-4 26 0-16,4 40 0 15,-4-12 0-15,4 28 0 16,0 11 0-16,-4-8-1 16,-4-1 1-1,-13 75-1 1,3-39 1-16,10-46-2 16,4-24 1-16,4-23-2 15,4-27 1-15,5-24-2 16,0-15 1-16,4-23-8 15,5-7 1-15,4-21-11 0,13-3 0 16,-4-27-2-16,4-24 1 16</inkml:trace>
   </inkml:traceGroup>
 </inkml:ink>
 </file>
@@ -4332,12 +4438,12 @@
             </emma:emma>
           </inkml:annotationXML>
           <inkml:trace contextRef="#ctx0" brushRef="#br0">2984 138 42 0,'-39'12'21'0,"-9"7"-25"16,35-7 44-16,-9 7-37 16,-4 8 1-16,-5 4 0 15,5 4 0-15,4 0-6 16,9 4 1-16,13-4 4 15,9-12 0-15,8 0-2 16,9-3 0-16,5-5-4 16,8-3 0-16,9-4-4 0,0 0 0 15,-4-16-3-15,-5-4 1 16,0-7-1-16,-4-5 1 16,-4-7 4-16,-5-7 1 15,-4 3 7-15,-5 0 0 16,-4 8 5-16,-4 3 0 15,0 9 0-15,-9 15 0 16,4 8-1-16,-4 7 1 16,0 8-3-16,-4 8 0 15,-1 8-3-15,-3 0 0 16,-1-4-1-16,0 0 1 0,0 0-6 16,1-4 1-16,3-4-7 15,1-8 1-15,0-7-6 16,8-12 0-16</inkml:trace>
-          <inkml:trace contextRef="#ctx0" brushRef="#br0" timeOffset="314.9116">3272 258 39 0,'17'-62'19'0,"10"-15"-18"16,-14 65 32-16,4 1-33 16,5 3 0-16,4 0 0 15,5 8 0-15,-1 8 0 16,-4 7 0-16,-4 9 0 15,-4 3 0-15,-5 0 0 16,-13 4 0-16,-13 0 0 16,-5-4 1-16,-8-4 0 0,-5 4 1 15,-3-3 1-15,7-5 0 16,6-3 0-16,3-1 0 16,5-3 0-16,4-1 1 15,9 1-1-15,9 0 0 16,8-1-2-16,5 1 1 15,4-4-1-15,5-1 0 16,-1 1-6-16,10 4 0 16,8-8-9-16,-9 0 1 15,9 0-3-15,-9-4 1 16</inkml:trace>
+          <inkml:trace contextRef="#ctx0" brushRef="#br0" timeOffset="314.9115">3272 258 39 0,'17'-62'19'0,"10"-15"-18"16,-14 65 32-16,4 1-33 16,5 3 0-16,4 0 0 15,5 8 0-15,-1 8 0 16,-4 7 0-16,-4 9 0 15,-4 3 0-15,-5 0 0 16,-13 4 0-16,-13 0 0 16,-5-4 1-16,-8-4 0 0,-5 4 1 15,-3-3 1-15,7-5 0 16,6-3 0-16,3-1 0 16,5-3 0-16,4-1 1 15,9 1-1-15,9 0 0 16,8-1-2-16,5 1 1 15,4-4-1-15,5-1 0 16,-1 1-6-16,10 4 0 16,8-8-9-16,-9 0 1 15,9 0-3-15,-9-4 1 16</inkml:trace>
           <inkml:trace contextRef="#ctx0" brushRef="#br0" timeOffset="511.6662">3913 80 47 0,'-4'0'23'0,"-1"35"-26"15,10-20 46-15,-1 13-42 16,5 7 0-16,0-1 0 16,-1 9 0-16,-3 0-4 15,3-1 0-15,1-3-7 16,0-8 1-16,4 0-5 15,4-8 0-15</inkml:trace>
           <inkml:trace contextRef="#ctx0" brushRef="#br0" timeOffset="705.3895">4284 134 39 0,'4'-4'19'0,"-8"55"-19"0,4-36 32 15,4 13-32-15,-4 3 1 16,0 3 0-16,-4 5 1 16,0 0-5-16,-1 0 0 15,1-8-4-15,0-4 0 16,4 0-5-16,-9-7 1 0</inkml:trace>
           <inkml:trace contextRef="#ctx0" brushRef="#br0" timeOffset="960.9346">4258 123 42 0,'0'-55'21'0,"4"32"-23"15,1 15 39-15,3 1-37 16,14-1 0-16,0-4 0 16,17 8 0-16,-4 1 0 15,-4-1 0-15,-1 4-1 16,-4 4 1-16,-4 3-1 15,-4 5 1-15,-10-4-1 16,-8 11 1-16,-4 4 0 16,-5 12 0-16,-17-4-1 15,0 4 1-15,-13-4-5 16,4 0 0-16,4 0-7 0,9-4 1 16</inkml:trace>
           <inkml:trace contextRef="#ctx0" brushRef="#br0" timeOffset="2130.498">4755-66 39 0,'13'-39'19'0,"53"16"-19"15,-49 15 26-15,5 4-26 0,13 4 0 16,17 0-7-16,1 0 1 16,3-4 4-16,10 4 0 15,4-4-6-15,-1 4 1 16,-3 0 0-16,-5 0 1 15,-13-4 4-15,-9 4 1 16,-8-3 3-16,-5-1 0 16,-4 0 4-16,-5 4 0 15,-8 0-1-15,-14 4 1 16,-8 3-1-16,-8 9 1 16,-6 3-2-16,-3 8 0 0,4 1-2 15,4-1 0-15,9 4 0 16,13 4 0-16,8 0-2 15,10-4 1-15,12 0-1 16,1 3 1-16,8 5-1 16,1-4 1-16,3-4 1 15,-4 4 1-15,-8-8 1 16,-9 4 1-16,-14-7 0 16,-21 3 0-16,-8-12 0 15,-23 5 1-15,-17-1-7 16,-13-11 0-16,-9 15-15 15,-13 0 1-15</inkml:trace>
-          <inkml:trace contextRef="#ctx0" brushRef="#br0" timeOffset="1186.5641">4890 54 53 0,'14'-12'26'0,"-1"20"-28"0,-5-4 49 0,1 4-45 16,-5 15 0-16,5 4 1 15,0 16 1-15,0 3-5 16,-1 1 0-16,-3-5 3 15,-5 9 0 1,-5-1-14 0,1-11 0-16,-9-4-5 15,0-12 0-15</inkml:trace>
+          <inkml:trace contextRef="#ctx0" brushRef="#br0" timeOffset="1186.564">4890 54 53 0,'14'-12'26'0,"-1"20"-28"0,-5-4 49 0,1 4-45 16,-5 15 0-16,5 4 1 15,0 16 1-15,0 3-5 16,-1 1 0-16,-3-5 3 15,-5 9 0 1,-5-1-14 0,1-11 0-16,-9-4-5 15,0-12 0-15</inkml:trace>
           <inkml:trace contextRef="#ctx0" brushRef="#br0" timeOffset="-3062.509">161 26 19 0,'-4'-20'9'0,"-5"13"-4"0,9 7 10 0,0 0-14 16,0 0 1-16,0 4 0 15,0 3 1-15,0 9-2 16,0 7 0-16,-4 20 3 16,-5 7 0-16,-4 12-1 15,-4 4 1-15,-5-4-1 16,0 8 1-16,5-8-2 15,3-4 0-15,6-7-1 16,-1-13 1-16,5-7 0 16,-1-7 1-16,1-9 0 15,4-11 0-15,4-8-1 16,5-11 0-16,4-5-1 16,5-3 1-16,-1 4-2 15,0 3 0-15,1 4-2 0,4 1 1 16,0 3-1-16,4 4 0 15,9 12 0-15,0 7 0 16,4 5 0-16,-4-5 1 16,4 1 0-16,5-1 1 15,8-7 1-15,-4-4 0 16,4-8 1-16,-4-11 0 16,-8-5 0-16,-10-7 0 15,-8 8 0-15,-13-12 1 16,-9-8-1-16,-9-4 1 0,-9-3-2 15,-3-9 1-15,-1 9-2 16,0 3 0-16,5 12-7 16,8 4 1-16,4 8-9 15,14 7 1-15</inkml:trace>
           <inkml:trace contextRef="#ctx0" brushRef="#br0" timeOffset="-2776.4388">1008 123 31 0,'-13'-27'15'0,"17"23"-6"0,5-4 18 16,-1 4-26-16,10-4 1 16,4 1 0-16,4-1 0 15,9 0-3-15,8 0 0 16,5 1-3-16,0-1 0 16,-4 4-7-16,-5 4 0 15</inkml:trace>
           <inkml:trace contextRef="#ctx0" brushRef="#br0" timeOffset="-2506.2493">1143 53 23 0,'-26'-4'11'0,"8"8"-4"15,14 0 11-15,-5 0-14 16,-4 3 0-16,-4 5 3 16,-5 11 1-16,0 8-9 15,0 8 0-15,-4 4 8 16,0 3 0-16,8 1-2 15,5-1 0-15,0-7-1 16,9-4 1-16,0 4-2 16,8-4 0-16,13 0-1 15,10-4 0-15,3-4-1 16,1-8 0-16,4-7-5 16,8-12 0-16,-4-8-7 15,5-4 1-15,-5-3-6 16,1-4 1-16</inkml:trace>
@@ -4392,8 +4498,8 @@
               </emma:one-of>
             </emma:emma>
           </inkml:annotationXML>
-          <inkml:trace contextRef="#ctx0" brushRef="#br0" timeOffset="8752.466">-2740 1489 24 0,'-4'0'12'0,"4"-16"-8"15,0 8 13-15,0 8-14 16,0 0 0-16,0 0 1 15,0-3 1-15,0-1-6 16,0 4 1-16,-4 0 4 16,-1 0 0-16,-4 0-1 15,1 0 1-15,-10 4 0 16,-4 3 0-16,-4 13-1 16,0 7 1-16,9-4-1 15,-5 4 0-15,4 0-1 0,10 1 0 16,3-5-2-16,1 0 1 15,13-4-1-15,8-3 1 16,9 0-1-16,9 3 0 16,0 0 0-16,0 8 0 15,0-3 0-15,-9-5 0 16,-8-7 0-16,-14-1 1 16,-13 5 1-16,-8-1 0 15,-18-3 0-15,-4 0 1 0,4-1-1 16,0-3 1-16,-5-4-1 15,1-4 0-15,4 0-3 16,0 0 1-16,5 0-6 16,12 0 0-16,14 0-6 15,17-4 0-15,9 4-5 16,17-8 1-16</inkml:trace>
-          <inkml:trace contextRef="#ctx0" brushRef="#br0" timeOffset="8757.4706">-2522 1613 49 0,'-17'-31'24'0,"34"11"-23"16,-8 13 44-16,9-1-45 15,8-4 0-15,13 5 0 16,-4-9 1-16,13 8-2 16,9-7 1-16,4 7 0 15,-5 4 0-15,-3 8 0 16,-10 0 0-16,-3 11 0 15,-14-3 0-15,-9 7 0 16,-4-3 1-16,-8 3 0 16,-10 5 1-16,1-1 2 15,-5 8 0-15,-4 4 0 16,0 0 1-16,0 0-1 16,0-12 0-16,9 0-1 0,4 0 0 15,8-3-2-15,10-5 1 16,8 1-1-16,4-12 0 15,5 3-1-15,9-10 1 16,-9-1-1-16,-9-20 1 16,0 5-1-16,-8-4 0 15,-14-4 0-15,-13-8 0 16,-8 4-2-16,-1 0 0 16,-3 11-5-16,-6 5 1 15,6 7-8-15,-1 8 1 16,4 12-7-16,14-1 1 0</inkml:trace>
+          <inkml:trace contextRef="#ctx0" brushRef="#br0" timeOffset="8752.4659">-2740 1489 24 0,'-4'0'12'0,"4"-16"-8"15,0 8 13-15,0 8-14 16,0 0 0-16,0 0 1 15,0-3 1-15,0-1-6 16,0 4 1-16,-4 0 4 16,-1 0 0-16,-4 0-1 15,1 0 1-15,-10 4 0 16,-4 3 0-16,-4 13-1 16,0 7 1-16,9-4-1 15,-5 4 0-15,4 0-1 0,10 1 0 16,3-5-2-16,1 0 1 15,13-4-1-15,8-3 1 16,9 0-1-16,9 3 0 16,0 0 0-16,0 8 0 15,0-3 0-15,-9-5 0 16,-8-7 0-16,-14-1 1 16,-13 5 1-16,-8-1 0 15,-18-3 0-15,-4 0 1 0,4-1-1 16,0-3 1-16,-5-4-1 15,1-4 0-15,4 0-3 16,0 0 1-16,5 0-6 16,12 0 0-16,14 0-6 15,17-4 0-15,9 4-5 16,17-8 1-16</inkml:trace>
+          <inkml:trace contextRef="#ctx0" brushRef="#br0" timeOffset="8757.4705">-2522 1613 49 0,'-17'-31'24'0,"34"11"-23"16,-8 13 44-16,9-1-45 15,8-4 0-15,13 5 0 16,-4-9 1-16,13 8-2 16,9-7 1-16,4 7 0 15,-5 4 0-15,-3 8 0 16,-10 0 0-16,-3 11 0 15,-14-3 0-15,-9 7 0 16,-4-3 1-16,-8 3 0 16,-10 5 1-16,1-1 2 15,-5 8 0-15,-4 4 0 16,0 0 1-16,0 0-1 16,0-12 0-16,9 0-1 0,4 0 0 15,8-3-2-15,10-5 1 16,8 1-1-16,4-12 0 15,5 3-1-15,9-10 1 16,-9-1-1-16,-9-20 1 16,0 5-1-16,-8-4 0 15,-14-4 0-15,-13-8 0 16,-8 4-2-16,-1 0 0 16,-3 11-5-16,-6 5 1 15,6 7-8-15,-1 8 1 16,4 12-7-16,14-1 1 0</inkml:trace>
           <inkml:trace contextRef="#ctx0" brushRef="#br0" timeOffset="8754.4714">-2282 1597 46 0,'0'-15'23'0,"0"-8"-19"16,0 23 43-16,0 0-44 16,0 0 0-16,0 3 4 0,0 9 1 15,0 7-10-15,0 5 1 16,5 3 5-16,-5 4 1 15,0-4-3-15,0 8 1 16,0-4-10-16,0-4 1 16,0-8-9-16,0 1 0 15,8-1-4-15,5-3 0 16</inkml:trace>
           <inkml:trace contextRef="#ctx0" brushRef="#br0" timeOffset="9309.2425">-1544 1621 59 0,'-13'-35'29'0,"17"27"-32"15,-4 8 53-15,0 8-47 16,4-1 1-16,-4 13 1 16,5 3 1-16,-5 8-8 15,0 8 0-15,-5 0 5 16,1-8 0-16,0 0-6 16,4-4 0-16,-5 4-6 15,5-8 1-15,0-3-4 16,0-9 0-16,0-7-1 0,0-4 1 15,0-12 4-15,0-3 0 16,0-12 7-16,0-8 1 16,-4 0 5-16,4-8 1 15,4 5 2-15,5-5 0 16,4-4 0-16,9 12 0 16,0 8-3-16,4 4 1 15,0 8-4-15,9 3 1 16,-9 8-3-16,-4 8 1 15,-5 8-1-15,-8 7 1 16,-13 4-1-16,-9 4 1 0,-9 0 0 16,0 1 0-16,-4-1 1 15,0-4 1-15,8 0 0 16,5 1 0-16,0-9 0 16,9 1 1-16,4-1-1 15,13-3 1-15,8 3-2 16,14-3 0-16,5-8-3 15,-1 3 1-15,5 5-8 16,8 0 1-16,0-8-7 16,-12 0 0-16,12-1-7 15,0 1 1-15</inkml:trace>
           <inkml:trace contextRef="#ctx0" brushRef="#br0" timeOffset="9699.0747">-777 1718 46 0,'-8'-20'23'0,"8"28"-23"0,0-8 40 16,0 4-38-16,-5 7 1 16,1 5 0-16,-5 7 1 15,1 0-5-15,-6 1 0 16,6-9 3-16,-1-3 0 16,5 3-1-16,-1-7 1 15,1 4-2-15,0-4 1 16,4-16-1-16,4-8 1 15,0-3-1-15,5-8 1 0,0-8-1 16,4-4 0-16,9-11-1 16,-1 3 1-16,6 1 1 15,-6 11 0-15,6 4 2 16,-1 7 0-16,0 5 0 16,-4 11 1-16,0 12 0 15,-5 19 0-15,0 8-1 16,1 8 1-16,-5 4-2 15,4-1 0-15,1 5-5 16,-1-4 1-16,-4-8-8 16,5-8 0-16,-5 0-10 15,-4-4 1-15,-1 0-1 16,-8-11 0-16</inkml:trace>
@@ -4430,8 +4536,8 @@
             </emma:emma>
           </inkml:annotationXML>
           <inkml:trace contextRef="#ctx0" brushRef="#br0" timeOffset="12415.6137">4650 1780 58 0,'5'-4'29'0,"21"-8"-36"15,-9 8 52-15,5 0-45 16,9 4 1-16,8-4 0 15,9 4 1-15,4 0-3 16,5-3 1-16,-5 3 0 16,-4-4 1-16,-8 0-1 0,-5 4 1 15,-5 0-1-15,-8-8 0 16,-5 4 0 0,1 0 1-16,-1-7-1 0,-4-1 1 15,1 0 1-15,-1 1 0 16,0-5 1-16,-5 8 1 15,1 5 0-15,0 6 0 16,4 9-1-16,0 0 1 16,4 7-2-16,1 1 0 15,12-1-2-15,-3 4 1 16,3-7-1-16,-4 3 1 0,5-15-2 16,-5 0 1-16,5-8-1 15,-10-4 1-15,1-3-1 16,-9-13 1-16,5 1 0 15,-5-4 1-15,0 0 1 16,-4 3 0-16,-1 1 0 16,-3 4 1-16,-1 11-1 15,-8 8 1-15,-1 12 0 16,-3 15 0-16,-1 8-1 16,0 11 1-16,-4 1-2 15,0 11 1-15,0 8-2 16,0 0 1-16,4-4-9 15,0-8 0-15,9-3-12 16,0-13 0-16,14-18-4 16,7-13 0-16</inkml:trace>
-          <inkml:trace contextRef="#ctx0" brushRef="#br0" timeOffset="12192.5889">4834 1752 52 0,'-9'-11'26'0,"0"22"-33"15,5-3 54-15,-9 4-45 16,0 7 0-16,-5 1 0 15,-4-5 0-15,5 4-3 16,0 5 0-16,-1-5 3 16,5-7 0-16,0-1-1 0,4-7 0 15,0-4 0-15,9-7 0 16,0 3-1-16,9-12 1 16,0-15-1-16,4-4 0 15,4-4 0-15,1-3 0 16,4-1 2-16,-5 4 1 15,5 8 0-15,-5 8 1 16,1 8-1-16,-1 15 1 16,1 11 0-16,-5 5 0 15,4 11-3-15,1 8 1 0,-1 7-2 16,1-11 0-16,-1 4-6 16,-4 0 1-16,-8 0-9 15,-5 4 0-15,-9-8-7 16,-4-8 1-16</inkml:trace>
-          <inkml:trace contextRef="#ctx0" brushRef="#br0" timeOffset="12806.3191">5990 1636 48 0,'-35'0'24'0,"0"35"-14"15,26-23 39-15,1 3-43 16,-1 8 1-16,-4 8 2 16,4 0 0-16,5 0-12 15,-1 0 1-15,5 8 7 16,0-4 0-16,9 0-4 15,8-4 1-15,14-8-6 16,13-3 0-16,17-9-9 16,-5-7 1-16,1-4-9 15,0-7 0-15</inkml:trace>
+          <inkml:trace contextRef="#ctx0" brushRef="#br0" timeOffset="12192.5888">4834 1752 52 0,'-9'-11'26'0,"0"22"-33"15,5-3 54-15,-9 4-45 16,0 7 0-16,-5 1 0 15,-4-5 0-15,5 4-3 16,0 5 0-16,-1-5 3 16,5-7 0-16,0-1-1 0,4-7 0 15,0-4 0-15,9-7 0 16,0 3-1-16,9-12 1 16,0-15-1-16,4-4 0 15,4-4 0-15,1-3 0 16,4-1 2-16,-5 4 1 15,5 8 0-15,-5 8 1 16,1 8-1-16,-1 15 1 16,1 11 0-16,-5 5 0 15,4 11-3-15,1 8 1 0,-1 7-2 16,1-11 0-16,-1 4-6 16,-4 0 1-16,-8 0-9 15,-5 4 0-15,-9-8-7 16,-4-8 1-16</inkml:trace>
+          <inkml:trace contextRef="#ctx0" brushRef="#br0" timeOffset="12806.319">5990 1636 48 0,'-35'0'24'0,"0"35"-14"15,26-23 39-15,1 3-43 16,-1 8 1-16,-4 8 2 16,4 0 0-16,5 0-12 15,-1 0 1-15,5 8 7 16,0-4 0-16,9 0-4 15,8-4 1-15,14-8-6 16,13-3 0-16,17-9-9 16,-5-7 1-16,1-4-9 15,0-7 0-15</inkml:trace>
           <inkml:trace contextRef="#ctx0" brushRef="#br0" timeOffset="12596.7443">5985 1694 68 0,'-8'-31'34'0,"30"35"-41"0,-5-8 66 16,0-4-60-16,10 1 1 15,8-1-9-15,8 8 1 16,-4-4 0-16,1 0 1 16,-1-4-12-16,-4 5 0 0</inkml:trace>
           <inkml:trace contextRef="#ctx0" brushRef="#br0" timeOffset="13377.6121">6108 1845 56 0,'-35'-15'28'0,"17"19"-28"0,18-4 45 16,5-4-45-16,8 0 1 15,9 4 0-15,12-8 0 16,6 4-2-16,12-7 1 16,5-1 0-16,-1 1 1 15,-8-1 0-15,-4 0 1 0,-9 1 1 16,-5 7 1-1,-3 0-1-15,-6 8 1 0,-3 4-1 16,-5 11 1-16,0 4-3 16,-4-3 1-16,0 3-3 15,-1 0 0-15,-3 4-3 16,-5-3 0-16,-5-5-3 16,-3-7 1-16,-1-9-3 15,0-3 1-15,0-11 1 16,1 3 1-16,3-11 4 15,1-8 0-15,8-12 3 16,5 0 0-16,8-15 0 16,14-1 1-16,17 5-1 15,-4 7 0-15,4 12-1 16,-5 8 0-16,-3 8 0 16,-10 7 0-16,-8 12 1 0,-9 3 1 15,-9 9 1-15,-12 3 1 16,-10 1 0-16,-4 3 1 15,-4 0 0-15,0 4 1 16,4-3-1-16,5-1 0 16,4 0 0-16,8 4 0 15,10 0-2-15,12-7 0 16,9-1-2-16,9-3 1 16,9 3-4-16,12 8 0 31,49 8-19-31,-4-8 1 0</inkml:trace>
           <inkml:trace contextRef="#ctx0" brushRef="#br0" timeOffset="12190.5843">4280 1698 40 0,'-18'-43'20'0,"31"28"-6"0,-4 11 21 16,-9 4-30-16,4 4 0 15,-8 4 5-15,0 7 1 16,-5 8-12-16,-4 9 0 16,-5 6 9-16,1-7 0 15,-5 8-2-15,5 4 0 0,4-8-3 16,4 0 1-16,5-4-2 16,12-8 1-16,5-8-2 15,9-7 0-15,9-4-7 16,21-8 0-16,-4-8-7 15,4-7 1-15,1 4-10 16,3-5 0-16,1-3 0 16,0-4 0-16</inkml:trace>
@@ -4481,7 +4587,7 @@
           </inkml:annotationXML>
           <inkml:trace contextRef="#ctx0" brushRef="#br0" timeOffset="15689.5102">-1946 2780 31 0,'0'-8'15'0,"5"4"-11"0,-5 4 28 0,0 0-30 15,0 0 1-15,0 0 3 16,0 0 1-16,4 8-7 16,-4 4 1-16,-4 23 5 15,-5 23 1-15,-4 19 0 16,-9 13 0-16,-9 10-1 15,1 32 0-15,-9 12-2 16,-1-1 0-16,10 8-1 16,4 1 0-16,8-1-2 15,1-4 0-15,8-30-1 16,5-13 1-16,-1-7-3 16,1-23 0-16,4-16-7 15,0-15 0-15,4-24-11 16,14-15 1-16,8-16 0 0,-4-26 0 15</inkml:trace>
           <inkml:trace contextRef="#ctx0" brushRef="#br0" timeOffset="16260.182">-2085 2827 24 0,'-13'0'12'0,"4"3"-6"0,4-3 20 15,-3 4-23-15,-1 20 0 16,-4 3 3-16,-5 4 0 15,1 8-6-15,-5 11 0 16,-4-3 5-16,-9-1 0 16,0-11-1-16,-4-8 0 0,8 0-2 15,10-11 1-15,8-5-2 16,8 5 0-16,14-16-2 16,13-16 1-16,0-11-1 15,4-4 1-15,9-8-1 16,4-11 0-16,0 0 1 15,5 11 1-15,-1-4 0 16,5 8 0-16,5 4 1 16,-1 12 1-16,0 3 0 15,5 12 1-15,-5 4-1 16,-8 12 0-16,-5 7-1 16,5 13 1-16,4 6-6 15,9 1 1-15,-1 4-11 16,1 7 0-16,4-11-4 15,-8-16 0-15</inkml:trace>
-          <inkml:trace contextRef="#ctx0" brushRef="#br0" timeOffset="45069.7641">-1885 4463 29 0,'-4'-15'14'0,"4"-20"-4"16,0 27 12-16,0 4-18 15,-4-4 0-15,-1 8 1 16,-3 4 1-16,-10 12-7 16,-4 3 1-16,-8 8 5 15,-5 4 0-15,-4 4-2 16,-5-12 1-16,9 1-1 15,4-1 0-15,5-4-2 16,4-3 1-16,9-5-2 0,5-7 1 16,8-4-2-16,13 0 0 15,9-11-1-15,8-16 0 16,5-8 0-16,0 0 1 16,0-8-1-16,0 4 1 15,-9 1 1-15,-4 14 0 16,-5 5 0-16,-4 3 0 15,-4 12 1-15,-9 12 1 16,-4 8 0-16,-9 3 0 16,-5 12 0-16,-8 12 0 15,-5-4 0-15,-4-12 1 0,5 0-2 16,4 0 1-16,4-4-1 16,4-3 0-16,5-9-1 15,9-3 0-15,4-4 0 16,13-12 0-16,9 4-1 15,0-11 1-15,4-8 0 16,0-8 0-16,0-1-1 16,-4 5 1-16,-4 4-1 15,-5 8 1-15,0 3 0 16,-5 16 0-16,-8 4 0 16,-4 7 0-16,-9 8 0 15,-4 4 1-15,-10-3-1 16,-8-1 1-16,5 0 0 15,-1 1 0-15,10-5-1 16,-1-4 1-16,4-3-4 16,5-4 1-16,4 0-8 0,5-5 1 15,13 5-8-15,8-4 1 16</inkml:trace>
+          <inkml:trace contextRef="#ctx0" brushRef="#br0" timeOffset="45069.764">-1885 4463 29 0,'-4'-15'14'0,"4"-20"-4"16,0 27 12-16,0 4-18 15,-4-4 0-15,-1 8 1 16,-3 4 1-16,-10 12-7 16,-4 3 1-16,-8 8 5 15,-5 4 0-15,-4 4-2 16,-5-12 1-16,9 1-1 15,4-1 0-15,5-4-2 16,4-3 1-16,9-5-2 0,5-7 1 16,8-4-2-16,13 0 0 15,9-11-1-15,8-16 0 16,5-8 0-16,0 0 1 16,0-8-1-16,0 4 1 15,-9 1 1-15,-4 14 0 16,-5 5 0-16,-4 3 0 15,-4 12 1-15,-9 12 1 16,-4 8 0-16,-9 3 0 16,-5 12 0-16,-8 12 0 15,-5-4 0-15,-4-12 1 0,5 0-2 16,4 0 1-16,4-4-1 16,4-3 0-16,5-9-1 15,9-3 0-15,4-4 0 16,13-12 0-16,9 4-1 15,0-11 1-15,4-8 0 16,0-8 0-16,0-1-1 16,-4 5 1-16,-4 4-1 15,-5 8 1-15,0 3 0 16,-5 16 0-16,-8 4 0 16,-4 7 0-16,-9 8 0 15,-4 4 1-15,-10-3-1 16,-8-1 1-16,5 0 0 15,-1 1 0-15,10-5-1 16,-1-4 1-16,4-3-4 16,5-4 1-16,4 0-8 0,5-5 1 15,13 5-8-15,8-4 1 16</inkml:trace>
           <inkml:trace contextRef="#ctx0" brushRef="#br0" timeOffset="16875.558">-2596 4393 38 0,'-9'0'19'0,"9"-4"-19"0,0 4 31 16,0 0-25-16,9 8 0 16,0 4 3-16,4 7 0 15,0 12-11-15,5 4 0 16,8-4 7-16,0 8 1 15,4 4-3-15,5-1 0 16,-4-3-1-16,-5-12 0 16,5-8 0-16,4-15 0 15,8-15-1-15,5-9 1 16,4-7 0-16,-4-15 0 0,-8-1-1 16,3-4 0-16,-8 1-9 15,5 3 0-15,12 8-11 16,0 0 1-16</inkml:trace>
           <inkml:trace contextRef="#ctx0" brushRef="#br0" timeOffset="46106.3462">-2618 4459 24 0,'-8'-39'12'0,"-5"24"1"0,13 15 9 15,-5-8-18-15,1 4 1 16,4 4 1-16,0 0 0 15,9 4-6-15,-1 8 0 16,5 3 6-16,0 9 0 16,1-1-2-16,7 16 0 15,6-12-1-15,7 0 1 16,1 4-2-16,0 0 0 0,-4-4-1 16,-9 0 0-16,-1-7 0 15,-3-5 1-15,-5-3-1 16,0-5 1-16,-4-7 0 15,-9 0 0-15,-5-11 0 16,1-9 0-16,-5 5-1 16,-8-8 0-16,-5-4-1 15,0-8 0-15,-4 0-2 16,0-4 1-16,0 4-1 16,4 0 1-16,4 0 0 15,5 4 1-15,0 8 0 16,5 4 0-16,-1-1 0 15,4 9 0-15,5 11 0 16,5 7 1-16,-1 13 1 16,5 7 0-16,8 8-1 15,5 7 0-15,0 1 0 0,0-12 1 16,0 0-1-16,-1 0 0 16,-3-4-1-16,-1-3 0 15,-4-5 1-15,1-4 0 16,-10-7 0-16,-4-4 1 15,-4-8-1-15,-5-7 1 16,-4 3-1-16,-9-8 0 16,0-3-1-16,-4-8 1 15,4-4-1-15,0-4 1 16,0 4-1-16,1 0 0 0,3 8-1 16,1-5 1-16,4 13-1 15,8 3 0-15,5 12 0 16,5 4 0-16,3 8 0 15,5 3 0-15,5 12 0 16,8 4 0-16,0 4 1 16,5-11 0-16,-5 3-3 15,5 0 1-15,-5 0-5 16,-4 0 0-16,-1 0-10 16,10 0 1-16,4-7-2 15,-5-9 0-15</inkml:trace>
           <inkml:trace contextRef="#ctx0" brushRef="#br0" timeOffset="47834.0146">-2430 3288 13 0,'-13'-4'6'0,"22"4"3"0,-9 0 6 0,0 0-12 15,4 0 1-15,0 0 3 16,1-8 0-16,3-7-8 15,1-4 0-15,4-1 6 16,5-3 0-16,4-4-2 16,-9-8 1-16,4-12-2 15,1 1 0-15,3-1-1 16,1 5 1-16,4 7-1 16,5 4 0-16,-1 0 0 15,1 7 0-15,4 1 0 16,0 4 0-16,0 3 1 15,-5 5 0-15,-4 3 1 16,1 8 0-16,-6 4 1 16,-3 11 1-16,4 5-1 15,4 14 0-15,4 13-1 16,5 7 0-16,0 1-1 16,0-1 0-16,-9-8-1 0,0-7 1 15,-4-12-1-15,0-3 0 16,0-5 0-16,-5-4 1 15,-4 1-1-15,-4-4 1 16,-5-5-1-16,-4-3 1 31,-8 4 0-31,3-4 0 16,-3-8-1-16,-10-4 0 16,1-7 0-16,-5-1 0 15,0-7-1-15,-8 0 0 0,-1-8-1 16,5-4 1-16,4 0-1 15,-4 0 1-15,0 8-1 16,-1 0 0-16,1 3 0 16,-4 5 1-16,-5 4-2 15,-4 7 1-15,-5 12 0 16,-4 3 0-16,9 17-1 16,4 11 1-16,-9-1 0 15,1 5 0-15,-10 8 0 16,1-16 1-16,8 4-1 15,5 0 1-15,0 0 0 16,8-8 0-16,5 0 0 16,4-8 0-16,5-3 0 15,4-5 1-15,4-11-1 16,9-15 1-16,4-5-1 0,5 9 0 16,8-16 0-16,14-8 0 15,8-4 0-15,1-8 0 16,3 5-1-16,5-5 0 15,5 8 0-15,3 5 1 16,10-1-1-16,-1 15 1 16,-8 13-1-16,4 7 1 15,-9 11 0-15,1 5 0 16,-10 15 0-16,1-4 0 16,-5 4 0-16,-4 0 1 15,-9 4 1-15,0 0 0 0,-4-8-1 16,-4-8 1-16,-1 1 0 15,1-1 1-15,-5 0-1 16,-5-3 0-16,-3-1-1 16,-1 1 0-16,-4-4 0 15,0-5 1-15,-4 1-1 16,-1-8 0-16,1 0 0 16,0-8 0-16,-5 1-1 15,0-1 1-15,-8-4-1 16,-1-3 0-16,-8-9-1 15,-9-3 1-15,5 0-1 16,3-4 0-16,1 0-1 16,4 4 1-16,1 0-1 15,3 4 1-15,5 7-1 16,0 0 0-16,0 9 0 0,-4 7 1 16,-1 7-1-16,1 9 1 15,-1 0-1-15,-4 3 1 16,5 4 1-16,-5 0 0 15,5 5-2-15,-5-1 0 16,13-12-11-16,18 8 0 16,4-7-4-16,-9-24 0 15</inkml:trace>
@@ -4530,7 +4636,7 @@
         </emma:interpretation>
       </emma:emma>
     </inkml:annotationXML>
-    <inkml:trace contextRef="#ctx0" brushRef="#br0">3425 1392 28 0,'-18'-12'14'0,"18"4"-2"16,0 8 14-16,0 0-22 15,0 0 1-15,0 0 3 16,0 4 1-16,0 4-10 15,0 4 0-15,0 11 8 16,0 8 0-16,0 15 0 16,0 5 0-16,0 11-2 15,-4-4 0-15,-1 12-1 0,1 7 1 16,0 1-2-16,-1 7 0 16,5 1-2-16,-4-5 1 15,4-7-1-15,-4 3 1 16,4-15-2-16,0-19 1 15,0-8-1-15,0-4 1 16,0-8-1-16,0-3 1 16,0-5 0-16,-5 1 0 15,1-16-1-15,0-8 1 16,-1-12-1-16,1-11 1 0,-5-15-2 16,5-16 1-16,-1-8-1 15,5-19 0-15,9 11 0 16,4-3 0-16,0 7 0 15,0 1 0-15,0-5 1 16,-4 8 0-16,-4 4 1 16,-1 12 0-16,0 7 0 15,-4 13 0-15,0 3 1 16,0 7 0-16,0 9-1 16,0 7 1-16,5 35 1 15,-5 8 0-15,0 19-1 16,-5 4 1-16,-3 20-1 15,3 11 0-15,1 8 0 16,4-4 0-16,4 0-2 16,5-4 1-16,-5-7-6 15,5-16 1-15,-5-16-15 0,5-11 0 16,-9-27-5-16,-9-16 0 16</inkml:trace>
+    <inkml:trace contextRef="#ctx0" brushRef="#br0">3428 1392 28 0,'-19'-12'14'0,"19"4"-2"16,0 8 14-16,0 0-22 15,0 0 1-15,0 0 3 16,0 4 1-16,0 4-10 15,0 4 0-15,0 11 8 16,0 8 0-16,0 15 0 16,0 5 0-16,0 11-2 15,-4-4 0-15,-1 12-1 0,1 7 1 16,0 1-2-16,-1 7 0 16,5 1-2-16,-5-5 1 15,5-7-1-15,-4 3 1 16,4-15-2-16,0-19 1 15,0-8-1-15,0-4 1 16,0-8-1-16,0-3 1 16,0-5 0-16,-5 1 0 15,1-16-1-15,0-8 1 16,-1-12-1-16,1-11 1 0,-6-15-2 16,6-16 1-16,-1-8-1 15,5-19 0-15,9 11 0 16,5-3 0-16,-1 7 0 15,1 1 0-15,-1-5 1 16,-4 8 0-16,-4 4 1 16,-1 12 0-16,1 7 0 15,-5 13 0-15,0 3 1 16,0 7 0-16,0 9-1 16,0 7 1-16,5 35 1 15,-5 8 0-15,0 19-1 16,-5 4 1-16,-4 20-1 15,4 11 0-15,1 8 0 16,4-4 0-16,4 0-2 16,5-4 1-16,-4-7-6 15,4-16 1-15,-5-16-15 0,5-11 0 16,-9-27-5-16,-9-16 0 16</inkml:trace>
   </inkml:traceGroup>
 </inkml:ink>
 </file>
@@ -4666,26 +4772,26 @@
               </emma:one-of>
             </emma:emma>
           </inkml:annotationXML>
-          <inkml:trace contextRef="#ctx0" brushRef="#br0">-437-1787 42 0,'-4'-43'21'0,"4"31"-22"0,4 8 36 16,5-3-32-16,4-1 1 15,9 0-1-15,13 0 1 16,17 1-6-16,18-1 1 15,9 4 3-15,12 0 1 16,-8 4-2-16,-13 0 0 16,-5-4 0-16,-12 4 0 0,-10-4 1 15,-8 4 1 1,-9 4 0-16,-4 4 1 0,-9 11 0 16,-4 12 1-16,0 4-1 15,-5 12 0-15,-4 11-1 16,0 12 1-16,0 0-2 15,0-16 1-15,-4 20-2 16,-1 3 1-16,1 5-1 16,0-9 0-16,4-3 0 15,0 4 0-15,0-8 0 16,-5-8 1-16,5-12-1 16,-4-7 1-16,-1-4 0 15,1-8 0-15,0-7 0 16,-5-1 1-16,-8-7-1 15,-5-1 1-15,-9-7-1 16,-12 0 0-16,-10-4-1 16,-21 4 1-16,-13 4-2 15,0-1 1-15,-9-3-1 16,4 0 1-16,13 0-5 0,18 0 1 16,13 0-12-16,18 3 1 15,21 1-10-15,18-4 0 16</inkml:trace>
-          <inkml:trace contextRef="#ctx0" brushRef="#br0" timeOffset="-570.4696">-363-1850 23 0,'5'-7'11'0,"-14"-1"-3"0,9 8 11 16,-4-4-15-16,4 4 0 15,-5 0 2-15,1 4 0 16,0 8-7-16,-1 7 0 15,-3 8 6-15,-1 12 1 16,0 15-1-16,0 12 0 16,-4 4-1-16,0 7 0 15,-4-7-1-15,4 8 1 0,0 3-1 16,0-3 0-16,-1-1-2 16,-3-3 1-16,4-4-1 15,0-8 1-15,0-12-2 16,0-11 0-16,4-8-5 15,0-8 1-15,0-7-6 16,1-4 0-16,3-9-6 16,1-6 0-16</inkml:trace>
-          <inkml:trace contextRef="#ctx0" brushRef="#br0" timeOffset="2462.2979">-520-861 39 0,'-21'-27'19'16,"21"27"-24"-16,0 0 33 0,8 0-29 16,14 0 1-16,0 0-13 15,4 0 1-15,9 0 8 16,4 0 1-16</inkml:trace>
-          <inkml:trace contextRef="#ctx0" brushRef="#br0" timeOffset="2628.9152">-240-938 36 0,'-5'-8'18'0,"31"4"-34"15,-12 0 32-15,7 4-29 16,10 4 0-16</inkml:trace>
-          <inkml:trace contextRef="#ctx0" brushRef="#br0" timeOffset="2702.7254">78-985 31 0,'-4'0'15'0,"17"-4"-33"0,-4 4 31 15,8 12-23-15,-4 4 0 16</inkml:trace>
-          <inkml:trace contextRef="#ctx0" brushRef="#br0" timeOffset="1937.1897">-402-1210 45 0,'-9'0'22'0,"1"-4"-27"0,8 4 41 15,0 0-38-15,8 0 1 16,6 0-12-16,3 0 1 16,14 0 7-16,3 4 0 15</inkml:trace>
-          <inkml:trace contextRef="#ctx0" brushRef="#br0" timeOffset="2083.1284">-35-1237 39 0,'-9'-19'19'0,"5"19"-26"16,4 0 31-16,8-4-29 16,5 4 0-16,5 0-13 15,17 8 0-15</inkml:trace>
-          <inkml:trace contextRef="#ctx0" brushRef="#br0" timeOffset="2207.0536">248-1252 40 0,'-17'-8'20'0,"12"0"-26"16,5 12 34-16,0-8-37 15,0 4 0-15,9 8-11 16,-13 7 0-16</inkml:trace>
-          <inkml:trace contextRef="#ctx0" brushRef="#br0" timeOffset="1432.4635">-267-1462 28 0,'-17'-11'14'0,"21"-1"-18"15,-4 12 26-15,5-4-22 16,3-4 0-16,6 1-3 15,7 3 1-15,6 4-2 16,3-4 0 0</inkml:trace>
+          <inkml:trace contextRef="#ctx0" brushRef="#br0">-437-1787 42 0,'-4'-43'21'0,"4"31"-22"0,4 8 36 16,5-3-32-16,4-1 1 15,9 0-1-15,13 0 1 16,17 1-6-16,18-1 1 15,8 4 3-15,13 0 1 16,-8 4-2-16,-13 0 0 16,-5-4 0-16,-12 4 0 0,-10-4 1 15,-8 4 1 1,-9 4 0-16,-4 4 1 0,-9 11 0 16,-4 12 1-16,0 4-1 15,-5 12 0-15,-4 11-1 16,0 12 1-16,0 0-2 15,0-16 1-15,-4 20-2 16,-1 3 1-16,1 6-1 16,0-10 0-16,4-3 0 15,0 4 0-15,0-8 0 16,-5-8 1-16,5-12-1 16,-4-7 1-16,-1-4 0 15,1-8 0-15,0-7 0 16,-5-1 1-16,-8-7-1 15,-5-1 1-15,-9-7-1 16,-12 0 0-16,-10-4-1 16,-21 4 1-16,-13 4-2 15,0-1 1-15,-9-3-1 16,5 0 1-16,12 0-5 0,18 0 1 16,13 0-12-16,18 3 1 15,21 1-10-15,18-4 0 16</inkml:trace>
+          <inkml:trace contextRef="#ctx0" brushRef="#br0" timeOffset="-570.4695">-363-1850 23 0,'5'-7'11'0,"-14"-1"-3"0,9 8 11 16,-4-4-15-16,4 4 0 15,-5 0 2-15,1 4 0 16,0 8-7-16,-1 7 0 15,-3 8 6-15,-1 12 1 16,0 15-1-16,0 12 0 16,-4 4-1-16,0 7 0 15,-4-7-1-15,4 8 1 0,0 4-1 16,0-4 0-16,-1-1-2 16,-3-3 1-16,4-4-1 15,0-8 1-15,0-12-2 16,0-11 0-16,4-8-5 15,0-8 1-15,0-7-6 16,1-4 0-16,3-9-6 16,1-6 0-16</inkml:trace>
+          <inkml:trace contextRef="#ctx0" brushRef="#br0" timeOffset="2462.2979">-520-860 39 0,'-21'-27'19'16,"21"27"-24"-16,0 0 33 0,8 0-29 16,14 0 1-16,0 0-13 15,4 0 1-15,9 0 8 16,4 0 1-16</inkml:trace>
+          <inkml:trace contextRef="#ctx0" brushRef="#br0" timeOffset="2628.9152">-240-937 36 0,'-5'-8'18'0,"31"4"-34"15,-12 0 32-15,6 4-29 16,11 4 0-16</inkml:trace>
+          <inkml:trace contextRef="#ctx0" brushRef="#br0" timeOffset="2702.7253">77-984 31 0,'-4'0'15'0,"17"-4"-33"0,-4 4 31 15,8 12-23-15,-4 4 0 16</inkml:trace>
+          <inkml:trace contextRef="#ctx0" brushRef="#br0" timeOffset="1937.1897">-402-1209 45 0,'-9'0'22'0,"1"-4"-27"0,8 4 41 15,0 0-38-15,8 0 1 16,6 0-12-16,3 0 1 16,14 0 7-16,3 4 0 15</inkml:trace>
+          <inkml:trace contextRef="#ctx0" brushRef="#br0" timeOffset="2083.1283">-36-1236 39 0,'-9'-19'19'0,"5"19"-26"16,4 0 31-16,8-4-29 16,5 4 0-16,5 0-13 15,17 8 0-15</inkml:trace>
+          <inkml:trace contextRef="#ctx0" brushRef="#br0" timeOffset="2207.0536">247-1251 40 0,'-17'-8'20'0,"12"0"-26"16,5 12 34-16,0-8-37 15,0 4 0-15,9 8-11 16,-13 7 0-16</inkml:trace>
+          <inkml:trace contextRef="#ctx0" brushRef="#br0" timeOffset="1432.4635">-267-1462 28 0,'-17'-11'14'0,"21"-1"-18"15,-4 12 26-15,5-4-22 16,3-4 0-16,6 1-3 15,7 3 1-15,6 4-2 16,2-4 0 0</inkml:trace>
           <inkml:trace contextRef="#ctx0" brushRef="#br0" timeOffset="1260.5355">-371-1512 9 0,'-5'11'4'0,"10"-11"8"0,-5 0-19 15,0 0 7-15,0 0 0 16,4 0 2-16,0 4 1 16,-4-4-2-16,0 0 0 0,9 0 1 15,-9 0 1-15,9-4-5 16,4 1 0-16</inkml:trace>
-          <inkml:trace contextRef="#ctx0" brushRef="#br0" timeOffset="1552.3127">26-1489 28 0,'-9'-4'14'0,"9"-11"-15"0,0 15 19 15,9 0-19-15,4 0 0 16,4 7-13-16,9 1 0 16</inkml:trace>
-          <inkml:trace contextRef="#ctx1" brushRef="#br0">0 0 0,'0'0'16,"0"0"0,0 0-1</inkml:trace>
-          <inkml:trace contextRef="#ctx0" brushRef="#br0" timeOffset="4220.6851">-738-186 39 0,'-4'-23'19'0,"8"11"-19"0,1-3 38 16,-1 3-33-16,0 4 0 15,-4 8 3-15,5 8 1 16,-1 15-10-16,0 1 1 16,-4 14 7-16,0 5 1 15,-4 7-4-15,0-7 1 16,-1 4-2-16,1-1 0 15,0 5-4-15,-1-1 1 16,1-7-8-16,0-8 0 0,4-4-9 16,0-8 0-16,4-12-3 15,-4-11 1-15</inkml:trace>
-          <inkml:trace contextRef="#ctx0" brushRef="#br0" timeOffset="4774.1411">-720 190 42 0,'-18'-19'21'0,"23"11"-29"0,3 4 40 0,1 4-32 15,4 0 0-15,5-4-7 16,-1 4 1-16,1 0-2 15,8 4 1-15</inkml:trace>
-          <inkml:trace contextRef="#ctx0" brushRef="#br0" timeOffset="4908.2399">-341 167 39 0,'-13'-23'19'0,"13"27"-35"16,5-1 31-16,3-3-29 15,10 0 1-15</inkml:trace>
-          <inkml:trace contextRef="#ctx0" brushRef="#br0" timeOffset="5029.8044">48 167 37 0,'-5'0'18'0,"14"-4"-28"0,-9 4 37 16,4-4-33-16,-4 4 1 15,5 0-12-15,-5 8 0 16</inkml:trace>
-          <inkml:trace contextRef="#ctx0" brushRef="#br0" timeOffset="4300.1806">-589-4 44 0,'-18'-23'22'0,"23"19"-36"0,-1 4 35 16,5 0-31-16,-1 0 0 15,14 8-8-15,-4-4 1 16</inkml:trace>
-          <inkml:trace contextRef="#ctx0" brushRef="#br0" timeOffset="4414.7649">-275-4 33 0,'-5'-11'16'0,"14"3"-42"15,0 4 28-15,4 8-8 16,4 0 0-16</inkml:trace>
-          <inkml:trace contextRef="#ctx0" brushRef="#br0" timeOffset="4533.8555">-40-8 38 0,'9'-46'19'0,"0"46"-29"16,-9 0 38-16,0 0-39 15,8 0 1-15,-3 8-8 16,-10-1 0-16</inkml:trace>
-          <inkml:trace contextRef="#ctx0" brushRef="#br0" timeOffset="4223.6901">-677-291 53 0,'-4'-3'26'0,"35"-9"-32"15,-14 8 53-15,18-4-48 16,13 4 1-16,13 0 0 16,9 1 0-16,8 3 0 15,1 3 0-15,-9 1 0 16,-14 0 0-16,-12 0 2 15,-5 0 0-15,-8 8 2 0,-9-1 0 16,-1 9 0-16,-3 7 1 16,-1 12 0-16,5-8 1 15,0 11-3-15,0 9 1 16,0-1-3-16,-1-3 1 16,1 3-1-16,0 0 0 15,-5 5-1-15,-3-13 0 16,-6-3 0-16,-8-4 1 15,0-4 0-15,-8-12 0 0,-10 1 0 16,-12-8 1-16,-5-9-1 16,-13 1 0-16,-27-4 0 15,-7 0 0-15,-6 0-1 16,-12 0 0-16,-5 0-1 16,1 0 1-16,3 4-2 15,23 0 1-15,12-4-6 16,18 4 0-16,22 4-9 15,17-1 0-15,14 1-5 16,-5-4 0-16</inkml:trace>
+          <inkml:trace contextRef="#ctx0" brushRef="#br0" timeOffset="1552.3127">25-1489 28 0,'-9'-4'14'0,"9"-11"-15"0,0 15 19 15,9 0-19-15,4 0 0 16,4 7-13-16,9 1 0 16</inkml:trace>
+          <inkml:trace contextRef="#ctx1" brushRef="#br0">-1 2 0,'0'0'16,"0"0"0,0 0-1</inkml:trace>
+          <inkml:trace contextRef="#ctx0" brushRef="#br0" timeOffset="4220.6851">-738-185 39 0,'-4'-23'19'0,"8"11"-19"0,1-3 38 16,-1 3-33-16,0 4 0 15,-4 8 3-15,5 8 1 16,-1 15-10-16,0 1 1 16,-4 14 7-16,0 6 1 15,-4 6-4-15,0-7 1 16,-1 4-2-16,1-1 0 15,0 5-4-15,-1-1 1 16,1-7-8-16,0-8 0 0,4-4-9 16,0-8 0-16,4-12-3 15,-4-11 1-15</inkml:trace>
+          <inkml:trace contextRef="#ctx0" brushRef="#br0" timeOffset="4774.1411">-720 192 42 0,'-18'-19'21'0,"23"11"-29"0,3 4 40 0,1 4-32 15,4 0 0-15,5-4-7 16,-1 4 1-16,1 0-2 15,8 4 1-15</inkml:trace>
+          <inkml:trace contextRef="#ctx0" brushRef="#br0" timeOffset="4908.2398">-341 169 39 0,'-13'-23'19'0,"13"27"-35"16,5-1 31-16,3-3-29 15,10 0 1-15</inkml:trace>
+          <inkml:trace contextRef="#ctx0" brushRef="#br0" timeOffset="5029.8044">47 169 37 0,'-5'0'18'0,"14"-4"-28"0,-9 4 37 16,4-4-33-16,-4 4 1 15,5 0-12-15,-5 8 0 16</inkml:trace>
+          <inkml:trace contextRef="#ctx0" brushRef="#br0" timeOffset="4300.1806">-589-2 44 0,'-18'-23'22'0,"23"19"-36"0,-1 4 35 16,5 0-31-16,-1 0 0 15,14 8-8-15,-4-4 1 16</inkml:trace>
+          <inkml:trace contextRef="#ctx0" brushRef="#br0" timeOffset="4414.7649">-275-2 33 0,'-5'-11'16'0,"14"3"-42"15,0 4 28-15,4 8-8 16,4 0 0-16</inkml:trace>
+          <inkml:trace contextRef="#ctx0" brushRef="#br0" timeOffset="4533.8555">-41-6 38 0,'9'-46'19'0,"0"46"-29"16,-9 0 38-16,0 0-39 15,8 0 1-15,-3 8-8 16,-10-1 0-16</inkml:trace>
+          <inkml:trace contextRef="#ctx0" brushRef="#br0" timeOffset="4223.6901">-677-290 53 0,'-4'-3'26'0,"35"-9"-32"15,-14 8 53-15,18-4-48 16,13 4 1-16,13 0 0 16,9 1 0-16,8 3 0 15,1 3 0-15,-10 1 0 16,-13 0 0-16,-12 0 2 15,-5 0 0-15,-8 8 2 0,-9-1 0 16,-1 9 0-16,-3 7 1 16,-1 12 0-16,5-8 1 15,0 12-3-15,0 8 1 16,0-1-3-16,-1-3 1 16,1 3-1-16,0 0 0 15,-5 5-1-15,-3-13 0 16,-6-3 0-16,-8-4 1 15,0-4 0-15,-8-12 0 0,-10 1 0 16,-12-8 1-16,-5-9-1 16,-13 1 0-16,-27-4 0 15,-7 0 0-15,-6 0-1 16,-11 0 0-16,-6 0-1 16,1 0 1-16,3 4-2 15,23 0 1-15,12-4-6 16,18 4 0-16,22 4-9 15,17-1 0-15,14 1-5 16,-5-4 0-16</inkml:trace>
         </inkml:traceGroup>
       </inkml:traceGroup>
     </inkml:traceGroup>
@@ -4894,10 +5000,10 @@
           </inkml:annotationXML>
           <inkml:trace contextRef="#ctx0" brushRef="#br0">6758 2695 44 0,'-27'-31'22'0,"14"27"-13"0,9 8 22 16,-5 3-30-16,-8 13 1 15,-5 3 1-15,0 8 1 16,-4 23-4-16,0 5 0 0,-9-1 3 16,0 0 1-16,4-8-1 15,1-3 0-15,8-12-1 16,5-8 0-16,8-15-1 15,13-9 0-15,5-10-1 16,9-13 1-16,3-11-1 16,-3-11 0-16,8-5 1 15,0 1 0-15,5 7 1 16,-5 4 1-16,0 8-1 16,5 7 0-16,-5 9 1 15,0 7 0-15,0 8-2 16,9 0 1-16,0 11-2 15,4 12 1-15,5 8-6 16,4-4 1-16,8-4-9 16,-3-3 1-16,-5-9-8 15,-5-7 1-15</inkml:trace>
           <inkml:trace contextRef="#ctx0" brushRef="#br0" timeOffset="359.8737">6793 2803 52 0,'-22'-15'26'0,"4"7"-25"0,14 12 44 0,-9 0-42 16,0 4 1-16,0 7 3 15,0 24 0-15,4 4-8 16,0 11 0-16,0 12 6 15,-4-8 0-15,5 16-2 16,-6 3 1-16,6 20-2 16,-5 12 1-16,0-1-1 15,-1-7 0-15,6 4-1 16,-1-12 1-16,0-8-1 16,5-7 1-16,0-16-2 15,-1 0 0-15,1-16-3 16,4-15 0-16,0 0-6 15,0-11 0-15,4-12-7 16,-4 3 1-16,5 12-7 16,-1-11 1-16</inkml:trace>
-          <inkml:trace contextRef="#ctx0" brushRef="#br0" timeOffset="1309.7342">6923 3982 54 0,'-13'-27'27'0,"22"15"-26"15,-9 5 49-15,0 7-45 0,0 4 0 16,-4 3 2-16,-9 1 1 16,-9 11-10-16,-4 20 0 15,-9 0 6-15,-5 23 0 16,6 4-14-16,7 4 1 15,10-8-11-15,17-20 0 16</inkml:trace>
+          <inkml:trace contextRef="#ctx0" brushRef="#br0" timeOffset="1309.7341">6923 3982 54 0,'-13'-27'27'0,"22"15"-26"15,-9 5 49-15,0 7-45 0,0 4 0 16,-4 3 2-16,-9 1 1 16,-9 11-10-16,-4 20 0 15,-9 0 6-15,-5 23 0 16,6 4-14-16,7 4 1 15,10-8-11-15,17-20 0 16</inkml:trace>
           <inkml:trace contextRef="#ctx0" brushRef="#br0" timeOffset="23989.6024">6801 4203 13 0,'-4'-8'6'0,"-9"-3"0"15,13 3 7-15,0 0-11 16,0 1 1-16,4-1 0 16,5-8 1-16,4 1-4 15,0-1 0-15,0 1 5 16,-4-5 0-16,-5 9 0 16,-4-1 0-16,-8 8 0 15,-6 8 0-15,-7 12 1 16,-14 15 0-16,0 4-2 15,-4 3 0-15,8 17-1 16,5-9 0-16,-9 1 0 16,9-9 0-16,4 5-1 15,-4-8 0-15,8-8-1 16,5-4 0-16,0-11-1 0,9 0 0 16,4-12-2-16,13-12 1 15,0-11-2-15,4-16 1 16,5-4 0-16,4 5 0 15,1-1 0-15,3 4 1 16,-8 4 2-16,0 8 0 16,-9 7 1-16,-4 8 1 15,-14 8 0-15,-4 8 0 16,-4 15-1-16,-4 5 1 16,-5 14-1-16,0 1 0 0,5-4-1 15,-1-4 0-15,1 7-1 16,4-7 0-16,4-12 1 15,0-3 0-15,9-9-2 16,5-3 1-16,3-12-2 16,6-11 1-16,3-9 0 15,5-14 0-15,13-13-1 16,0 5 1-16,4-1 0 16,-4 5 0-16,-5 3 2 15,-3 8 0-15,-6 7 0 16,-8 5 0-16,-4 11 1 15,-13 12 1-15,-9 8 0 16,-13 15 1-16,-5 12-2 16,-4 7 1-16,0 5-1 15,5 7 0-15,8-4 0 16,-4-15 0-16,13-4-2 0,-1-8 1 16,6-4 0-16,3-11 0 15,1-4-1-15,4-8 0 16,13-20 0-16,5-7 1 15,8-19-1-15,4-13 0 16,5-3-1-16,4 8 1 16,1 0-1-16,-10 7 0 15,-4 12 0-15,-8 8 1 16,-9 8 0-16,-9 15 0 16,-9 12 0-16,-9 3 0 15,-12 20 0-15,-5 12 1 16,0 4-1-16,0 3 0 0,0 4-7 15,-8 1 1-15,3-1-11 16,10 8 0-16,4-16-2 16,4-11 1-16</inkml:trace>
           <inkml:trace contextRef="#ctx0" brushRef="#br0" timeOffset="24952.4728">6073 4180 42 0,'-5'-8'21'0,"14"0"-19"16,-5 8 39-16,5 4-38 15,9 4 0-15,8 8 2 16,4 15 1-16,1 4-8 16,8 11 1-16,13 1 4 15,-4 3 0-15,-4 0-2 16,-9-7 1-16,-4-12-1 16,-10-4 0-16,-3-7 1 15,-5-5 1-15,-4 1-1 0,-5-9 1 16,-13-7-1-16,-8-7 0 15,-5-13 0-15,-9-3 0 16,1-8-2-16,-1-8 0 16,-4-11-1-16,-4 3 1 15,0 1-1-15,4-1 1 16,0 5 0-16,5 3 0 16,8 8 1-16,4 7 0 15,5 5 0-15,9 7 0 16,4 12-1-16,17 8 1 15,5 4-1-15,9 11 1 0,-1 8-2 16,1 8 1-16,4 0 0 16,0-1 0-16,-1 1 0 15,-7 0 1-15,-6-12-1 16,-3 0 1-16,-5-11 0 16,-9-5 0-16,-4-3 0 15,-8-8 1-15,-5-11-1 16,-5-1 0-16,-4-15 0 15,-4-4 0-15,-4-8-1 16,-1 4 1-16,0 0-1 16,5 8 0-16,9 4 0 15,4 3 0-15,8 9 0 16,5 11 0-16,13 4-1 16,-4-1 1-16,13 32-1 15,4 16 1-15,9-1-8 16,9 12 0-16,12 8-12 15,6-8 0-15</inkml:trace>
-          <inkml:trace contextRef="#ctx0" brushRef="#br0" timeOffset="1308.7342">6051 4300 44 0,'-22'-39'22'0,"31"24"-19"0,0 11 35 16,4 8-34-16,4-4 0 0,5 8 4 15,4 3 0-15,5 9-9 16,3 7 1-16,6 4 6 15,-5 8 0-15,0-1-2 16,-5 5 0-16,1-4-2 16,-1-8 0-16,-4-4-8 15,1-8 1-15,-1-3-9 16,0-8 1-16,13-16-6 16,5-8 0-16</inkml:trace>
+          <inkml:trace contextRef="#ctx0" brushRef="#br0" timeOffset="1308.7341">6051 4300 44 0,'-22'-39'22'0,"31"24"-19"0,0 11 35 16,4 8-34-16,4-4 0 0,5 8 4 15,4 3 0-15,5 9-9 16,3 7 1-16,6 4 6 15,-5 8 0-15,0-1-2 16,-5 5 0-16,1-4-2 16,-1-8 0-16,-4-4-8 15,1-8 1-15,-1-3-9 16,0-8 1-16,13-16-6 16,5-8 0-16</inkml:trace>
           <inkml:trace contextRef="#ctx0" brushRef="#br0" timeOffset="32564.5671">6587 2834 29 0,'-8'-15'14'0,"3"3"-5"0,5 12 15 0,0-8-21 16,0 8 0-16,0 0 1 15,-4 4 1-15,0 12-5 16,-1 15 0-16,-8 12 4 16,-4 7 1-16,-5 4-2 15,0-3 0-15,-4-1-1 16,0-15 0-16,4-4-1 15,5-4 0-15,3-4 0 16,1-3 0-16,5-9 1 16,-1-3 0-16,5-4-1 15,-1 0 0-15,10-16-1 16,3-3 1-16,5-5-2 16,5-7 1-16,8-8-2 15,5-7 1-15,-5-1-1 16,4 0 0-16,5 8 0 15,0-3 1-15,0 11 0 0,4 7 1 16,-4 12 1-16,0 8 0 16,0 16 0-16,-5 7 0 15,1 4 1-15,0 8 1 16,-5 0-2-16,4 4 1 16,1-4-1-16,-1 0 0 15,1-8-1-15,-9 0 1 16,-1 0-1-16,1-7 1 15,-9-1 0-15,0-7 0 16,-8-5 0-16,-1-7 0 0,-4 0 0 16,-4 0 1-16,-5-11-1 15,-4-5 0-15,0-3-1 16,0-8 1-16,0-4-1 16,0-8 1-16,-5-4-1 15,1-11 0-15,-1 7 0 16,1 5 0-16,-5 3-1 15,0 8 1-15,0 4-1 16,1 7 0-16,-6 9 0 16,-3 7 0-16,-1 0 0 15,1 8 0-15,-1 11 1 16,-4 9 0-16,9 11 2 16,-9 3 0-16,0 9 0 15,5-5 0-15,-5 1 0 16,0 0 1-16,5-4-1 15,3-12 0-15,6-12-1 16,3 5 1-16,5-5-1 0,4-3 0 16,1-4 0-16,-1-5 1 15,4-6-1-15,1-13 0 16,8-3-1-16,10-5 0 16,3-3-1-16,9-8 1 15,5-3-1-15,-1-5 1 16,1 8-1-16,-1 0 0 15,10 4 0-15,-1 8 0 16,9 11 1-16,-5 1 0 16,-3 14-1-16,-1 5 0 15,-4 8 1-15,0 3 1 0,-5 4-1 16,-4 8 1-16,-4 0-1 16,0 0 1-16,0-3 0 15,0 3 1-15,0-8-3 16,-1 0 0-16,1-4-8 15,-9 1 0-15,-4-5-10 16,-9 5 0-16,-9-12-1 16,1-16 1-16</inkml:trace>
           <inkml:trace contextRef="#ctx0" brushRef="#br0" timeOffset="32567.5748">6653 3152 33 0,'-9'-4'16'0,"0"-3"-13"0,9 7 30 16,-4 4-29-16,4-4 1 15,0 0 2-15,0 7 1 16,0 1-10-16,0 11 0 0,-4 5 7 16,-5-9 1-16,5 12-3 15,-5 12 1-15,0 8-1 16,0 15 0-16,1 11-1 16,3 5 0-16,1 3-1 15,0-11 1-15,-1 8-2 16,1-5 1-16,4 1 0 15,-4-8 0-15,4 0 0 16,0-12 0-16,0-3 0 16,0-16 1-16,0-8-1 15,0-12 1-15,0-11-1 16,0-12 0-16,0-3-1 16,0-13 1-16,0-10-3 15,0-5 0-15,0-12-2 16,0-15 1-16,4-11-2 15,5-16 1-15,8-4-1 0,1-4 1 16,-1 24 3-16,5 7 0 16,-9 12 2-16,0 7 0 15,-4 5 2-15,-1 15 0 16,-3 3 0-16,-1 17 0 16,-4 15-1-16,-4 0 1 31,-14 69-1-31,1 24 1 15,4-4-1-15,0 0 1 16,-5-4-1-16,5 5 1 16,0-5-1-16,4 12 0 0,5 3-1 15,0-15 1-15,-1-3-1 16,1-5 0-16,0-23-1 16,-1-3 1-16,1-17-1 15,4-7 1-15,0-7 0 16,0-5 0-16,-5-11-1 15,5-8 1-15,5-19-3 16,-5-5 0-16,0-11-8 16,0 0 0-16,9 1-10 15,8-1 0-15,9 7-1 16,-35 13 1-16</inkml:trace>
         </inkml:traceGroup>
@@ -4994,7 +5100,7 @@
           <inkml:trace contextRef="#ctx0" brushRef="#br0" timeOffset="628.2596">425 972 53 0,'-9'-19'26'0,"18"27"-28"16,-9-8 45-16,8 3-42 16,5 13 1-16,5-4-1 15,4-1 0-15,4 9-2 16,0 7 1-16,0 4-2 15,0 8 1-15,1-1-7 16,-10 5 1-16,5-4-7 16,-5 7 0-16,1-11-2 15,-1-4 1 1</inkml:trace>
           <inkml:trace contextRef="#ctx0" brushRef="#br0" timeOffset="453641.1102">-5042 3035 6 0,'5'0'3'0,"12"12"4"15,-13-12 3-15,5-4-6 16,0 0 1-16,0 4 2 16,4-4 1-16,0-4-10 15,4-3 0-15,1-9 7 16,3 9 0-16,1-9-3 15,9-7 1-15,-5-4-2 16,-4-4 1-16,-5-3-1 0,-8 3 0 16,0 4 0-16,-18 7 0 15,-4 1 0-15,-18 8 1 16,-12 7-2-16,-10 8 1 16,-8 23-1-16,-4 4 1 15,-1 0 0-15,10 16 0 16,3 4 0-16,14-9 1 15,9-3-1-15,12-4 1 16,9-15-1-16,14 7 0 0,12-11-1 16,5-12 1-16,4 0 0 15,0-12 1-15,1-3 1 16,-1 3 1-16,-4 0-1 16,-1 1 0-16,-3 3-1 15,-5 4 0-15,0 4-2 16,0 8 0-16,5 3-2 15,-5 9 1-15,4 22-1 16,-4 13 1-16,-4 3-1 16,-5 19 1-16,-8 1 1 15,-9 7 1-15,-9-3 0 16,-4-12 0-16,-13-8 0 16,-5-12 1-16,-8-7 0 15,-1-16 0-15,5-4 0 16,-4-15 0-16,8 0-1 15,-4-8 1-15,9-20-2 16,8-3 1-16,14-12-1 16,8-8 0-16,18-7-4 0,8 0 0 15,10-5-5-15,16-7 1 16,18 8-6-16,9 0 0 16</inkml:trace>
           <inkml:trace contextRef="#ctx0" brushRef="#br0" timeOffset="454000.6515">-4527 2768 28 0,'0'0'14'0,"-9"-4"-18"16,9 4 18-16,0-8-9 15,0 0 1-15,0 4 3 16,0 4 1-16,0 0-13 16,0 4 0-16,0 4 7 15,5 11 0-15,-1 5-3 16,-4 11 1-16,4-4-3 16,-4 3 1-16,0-3-1 15,0 1 1-15,-8-9 1 16,3 0 0-16,-3-15 0 15,-1-8 0-15,4-12-2 16,10-11 0-16,4-12-4 0,8-8 1 16,9-7-6-16,9 3 1 15,4 9-2-15,5 3 0 16</inkml:trace>
-          <inkml:trace contextRef="#ctx0" brushRef="#br0" timeOffset="455985.1587">-4082 2686 29 0,'4'8'14'0,"1"42"-16"0,-1-42 28 16,5 4-26-16,0-5 1 0,-1 5 0 16,1-8 0-16,0 4-1 15,-5-4 0-15,-4-4 2 16,0 0 1-16,-4-12-2 16,-1 0 1-16,1 1 0 15,-5-5 0-15,1 1-1 16,3 3 1-16,-4 0-2 15,1 1 1-15,-5 3-1 16,-5 4 1-16,-4 4-1 16,-4 4 1-16,-4 12-1 15,3 7 0-15,10 4 0 16,4 0 0-16,4 4 0 16,9-4 0-16,9-3-1 15,4-9 1-15,4 1 0 16,10-9 0-16,3 1-1 15,1-12 1-15,4-4 1 16,-5-3 0-16,-4-5 0 16,-4 5 1-16,-4 3 1 15,-1-4 0-15,-8 5 0 0,0-1 0 16,-1-4-2-16,-8 12 1 16,0 0-2-16,-4 16 1 15,0-5-2-15,-1 13 0 16,5-5-1-16,0 0 0 15,5 5 1-15,3-5 0 16,5-3-1-16,9-13 1 16,0-6-1-16,8-5 1 15,1-4 0-15,0-3 1 0,-1-5 0 16,5-7 0-16,-4-4 2 16,-1-4 1-16,-8 8 0 15,0 8 1-15,-5 3-1 16,1 1 0-16,-5 11-1 15,0 4 1-15,0 7-2 16,-4 13 0-16,-1 7-1 16,5 20 0-16,-8 7-1 15,-1 12 1-15,-4 11-1 16,0 5 1-16,-4 7-1 16,-1-8 1-16,-8-7-1 15,5-8 1-15,-1-12-2 16,0-15 1-16,-4-8-2 15,0-23 1-15,-4-16-2 16,3-23 0-16,6-12 1 16,3-23 0-16,10-19 0 15,12-20 1-15,14-3 1 16,4 11 0-16,4 15 1 0,4 13 0 16,1 3 1-16,-5 19 0 15,-4 8-1-15,-4 24 1 16,-5 3 0-16,-9 12 1 15,-8 8-1-15,-9 8 0 16,-4 3-1-16,-5 0 0 16,-8 5 0-16,-5-5 0 15,-4 4-1-15,-1 1 1 16,-3-5-1-16,-1 0 1 0,5 1-1 16,0-1 0-16,4-3-1 15,9-1 1-15,0-3 0 16,4 3 1-16,9-3-1 15,13-8 1-15,5 4 0 16,4-5 0-16,8-3 0 16,9 0 1-16,5-3 0 15,8-5 0-15,1-8 0 16,4 1 0-16,8-9 0 16,-4-3 0-16,-4-8-1 15,-1-7 1-15,-8-9-1 16,0-3 0-16,-13-8 0 15,-8 0 1-15,-10 0 0 16,-4 4 0-16,-9 3 0 16,-4 13 1-16,-4 7-1 15,-5 19 1-15,-4 13-2 16,-9 14 0-16,-8 5 0 0,-1 19 0 16,-4 15 0-16,9 12 0 15,4 4 0-15,5 0 1 16,4 0 0-16,4-4 1 15,5-8-1-15,4-3 0 16,9-17-1-16,4-6 0 16,8-17-1-16,6-7 1 15,8-16-1-15,-5 1 1 16,1-1-1-16,-5-3 0 0,0 3 1 16,-4 0 0-16,-5-3 1 15,-4 15 1-15,0 0 1 16,-4 0 0-16,4 23-1 15,0-3 1-15,5 3-1 16,8 8 0-16,4-12-3 16,10 5 0-16,3-9-10 15,32-27 1-15,-1-7-5 16,9-31 0-16</inkml:trace>
+          <inkml:trace contextRef="#ctx0" brushRef="#br0" timeOffset="455985.1586">-4082 2686 29 0,'4'8'14'0,"1"42"-16"0,-1-42 28 16,5 4-26-16,0-5 1 0,-1 5 0 16,1-8 0-16,0 4-1 15,-5-4 0-15,-4-4 2 16,0 0 1-16,-4-12-2 16,-1 0 1-16,1 1 0 15,-5-5 0-15,1 1-1 16,3 3 1-16,-4 0-2 15,1 1 1-15,-5 3-1 16,-5 4 1-16,-4 4-1 16,-4 4 1-16,-4 12-1 15,3 7 0-15,10 4 0 16,4 0 0-16,4 4 0 16,9-4 0-16,9-3-1 15,4-9 1-15,4 1 0 16,10-9 0-16,3 1-1 15,1-12 1-15,4-4 1 16,-5-3 0-16,-4-5 0 16,-4 5 1-16,-4 3 1 15,-1-4 0-15,-8 5 0 0,0-1 0 16,-1-4-2-16,-8 12 1 16,0 0-2-16,-4 16 1 15,0-5-2-15,-1 13 0 16,5-5-1-16,0 0 0 15,5 5 1-15,3-5 0 16,5-3-1-16,9-13 1 16,0-6-1-16,8-5 1 15,1-4 0-15,0-3 1 0,-1-5 0 16,5-7 0-16,-4-4 2 16,-1-4 1-16,-8 8 0 15,0 8 1-15,-5 3-1 16,1 1 0-16,-5 11-1 15,0 4 1-15,0 7-2 16,-4 13 0-16,-1 7-1 16,5 20 0-16,-8 7-1 15,-1 12 1-15,-4 11-1 16,0 5 1-16,-4 7-1 16,-1-8 1-16,-8-7-1 15,5-8 1-15,-1-12-2 16,0-15 1-16,-4-8-2 15,0-23 1-15,-4-16-2 16,3-23 0-16,6-12 1 16,3-23 0-16,10-19 0 15,12-20 1-15,14-3 1 16,4 11 0-16,4 15 1 0,4 13 0 16,1 3 1-16,-5 19 0 15,-4 8-1-15,-4 24 1 16,-5 3 0-16,-9 12 1 15,-8 8-1-15,-9 8 0 16,-4 3-1-16,-5 0 0 16,-8 5 0-16,-5-5 0 15,-4 4-1-15,-1 1 1 16,-3-5-1-16,-1 0 1 0,5 1-1 16,0-1 0-16,4-3-1 15,9-1 1-15,0-3 0 16,4 3 1-16,9-3-1 15,13-8 1-15,5 4 0 16,4-5 0-16,8-3 0 16,9 0 1-16,5-3 0 15,8-5 0-15,1-8 0 16,4 1 0-16,8-9 0 16,-4-3 0-16,-4-8-1 15,-1-7 1-15,-8-9-1 16,0-3 0-16,-13-8 0 15,-8 0 1-15,-10 0 0 16,-4 4 0-16,-9 3 0 16,-4 13 1-16,-4 7-1 15,-5 19 1-15,-4 13-2 16,-9 14 0-16,-8 5 0 0,-1 19 0 16,-4 15 0-16,9 12 0 15,4 4 0-15,5 0 1 16,4 0 0-16,4-4 1 15,5-8-1-15,4-3 0 16,9-17-1-16,4-6 0 16,8-17-1-16,6-7 1 15,8-16-1-15,-5 1 1 16,1-1-1-16,-5-3 0 0,0 3 1 16,-4 0 0-16,-5-3 1 15,-4 15 1-15,0 0 1 16,-4 0 0-16,4 23-1 15,0-3 1-15,5 3-1 16,8 8 0-16,4-12-3 16,10 5 0-16,3-9-10 15,32-27 1-15,-1-7-5 16,9-31 0-16</inkml:trace>
         </inkml:traceGroup>
       </inkml:traceGroup>
     </inkml:traceGroup>
@@ -5041,7 +5147,7 @@
         </emma:interpretation>
       </emma:emma>
     </inkml:annotationXML>
-    <inkml:trace contextRef="#ctx0" brushRef="#br0">98 109 29 0,'0'-27'14'0,"13"19"-15"16,-13 8 14-16,9-4-13 16,0 4 0-16,8-3 4 15,-8-1 0-15,0 4-3 16,0-4 0-16,4 0 3 16,0 0 0-16,4 0 1 15,5 0 0-15,13-3-2 16,13-1 0-16,0 0 0 15,4-4 1-15,14 5-2 16,8 3 1-16,13 4-1 0,5 8 0 16,12 7-1-16,-12 4 1 15,0 5-2-15,4 7 1 16,0 11-1-16,-9 5 0 16,-9 3 0-16,-12-3 1 15,-14-8 0-15,-8 3 0 16,-5-3 0-16,-8 0 0 15,-10-4 0-15,-8 4 1 16,-8 7 0-16,-5 8 0 16,-5 8-1-16,-3 8 1 15,-10 8 0-15,1 3 0 0,-5-3-1 16,0 3 1-16,0 8 0 16,5 8 0-16,0 16 0 15,-1 3 1-15,1-7-1 16,-5 11 0-16,0 0 0 15,5 8 0-15,-1 0-1 16,-4-4 0-16,5-19 0 16,4 3 0-16,0-7 0 15,8 0 1-15,5 0-1 16,5-8 0-16,3-12 0 16,10-7 0-16,-1-4-1 15,14-4 1-15,-1-16-1 16,10-19 0-16,-1 0 0 15,4-11 1-15,5-1-1 16,5-11 0-16,-5-20 0 16,-5 4 0-16,-3-11-1 0,-10-4 0 15,-4 0 0-15,-8-1 0 16,-9-3-1-16,-1 0 1 16,-8 8 0-16,-4 3 0 15,-9 4-1-15,-5 5 1 16,-3 7-1-16,-1 7 0 15,0 5 0-15,0 7 0 16,0 12 2-16,5 16 0 16,-1-8 0-16,1 15 1 15,0 8 0-15,-1 20 1 16,1 7-1-16,4 15 1 0,-1-7-1 16,6 16 1-16,-1 11-1 15,0 4 1-15,1-4-1 16,-1-4 0-16,0 4 0 15,0 4 0-15,5 8 0 16,0-4 0-16,-5-12 0 16,0 8 0-16,1-8-1 15,-1 8 1-15,-4 8-1 16,-5-8 1-16,-4-16 0 16,-4 1 0-16,-4-16-1 15,-10-8 1-15,14-19 0 16,-13-8 1-16,-18-12-1 15,1-11 1-15,-10-8-1 16,-17 0 1-16,-13 0 0 16,5 0 1-16,-18-4-1 15,0-3 1-15,-5-1-2 0,5 0 1 16,9-4-2-16,12 1 1 16,14-9-5-16,18-7 0 15,12-11-10-15,13-9 1 16,27-27-11-16,17-7 0 15</inkml:trace>
+    <inkml:trace contextRef="#ctx0" brushRef="#br0">98 109 29 0,'0'-27'14'0,"13"19"-15"16,-13 8 14-16,9-4-13 16,0 4 0-16,8-3 4 15,-8-1 0-15,0 4-3 16,0-4 0-16,4 0 3 16,0 0 0-16,4 0 1 15,5 0 0-15,13-3-2 16,13-1 0-16,0 0 0 15,4-4 1-15,15 5-2 16,7 3 1-16,13 4-1 0,5 8 0 16,12 7-1-16,-12 4 1 15,0 5-2-15,4 7 1 16,0 11-1-16,-9 5 0 16,-9 3 0-16,-11-3 1 15,-15-8 0-15,-8 3 0 16,-5-3 0-16,-8 0 0 15,-10-4 0-15,-8 4 1 16,-8 7 0-16,-5 8 0 16,-5 8-1-16,-3 8 1 15,-10 8 0-15,1 3 0 0,-5-3-1 16,0 3 1-16,0 8 0 16,5 8 0-16,0 16 0 15,-1 3 1-15,1-7-1 16,-5 11 0-16,0 0 0 15,5 8 0-15,-2 0-1 16,-3-4 0-16,5-19 0 16,4 3 0-16,0-7 0 15,8 0 1-15,5 0-1 16,5-8 0-16,3-12 0 16,10-7 0-16,-1-4-1 15,15-4 1-15,-2-16-1 16,10-19 0-16,-1 0 0 15,4-11 1-15,5-2-1 16,5-10 0-16,-5-20 0 16,-5 5 0-16,-3-12-1 0,-10-4 0 15,-4 0 0-15,-8-1 0 16,-9-3-1-16,-1 0 1 16,-8 8 0-16,-4 3 0 15,-9 4-1-15,-5 5 1 16,-3 7-1-16,-1 7 0 15,0 5 0-15,0 7 0 16,0 12 2-16,5 16 0 16,-1-8 0-16,1 14 1 15,0 9 0-15,-1 20 1 16,1 7-1-16,4 15 1 0,-1-7-1 16,6 16 1-16,-1 11-1 15,0 4 1-15,1-4-1 16,-1-4 0-16,0 4 0 15,0 4 0-15,5 8 0 16,0-4 0-16,-5-12 0 16,0 8 0-16,1-8-1 15,-1 8 1-15,-4 8-1 16,-5-8 1-16,-4-16 0 16,-4 1 0-16,-5-16-1 15,-9-8 1-15,14-19 0 16,-13-8 1-16,-18-12-1 15,1-11 1-15,-10-8-1 16,-17 0 1-16,-13 0 0 16,5 0 1-16,-18-4-1 15,0-3 1-15,-5-1-2 0,4 0 1 16,10-4-2-16,12 1 1 16,14-9-5-16,18-7 0 15,12-11-10-15,13-9 1 16,27-27-11-16,17-7 0 15</inkml:trace>
   </inkml:traceGroup>
 </inkml:ink>
 </file>
@@ -5129,7 +5235,7 @@
           <inkml:trace contextRef="#ctx0" brushRef="#br0" timeOffset="1346.4551">-1088 109 39 0,'-22'-15'19'0,"31"-8"-18"0,4 15 24 15,0-4-24-15,9 5 0 16,8-1 1-16,10 0 0 16,3 0-3-16,1 8 1 15,0 0 1-15,-1 8 0 16,-4 8-1-16,-8 7 1 15,-5 8-1-15,-17 0 1 16,-13 8-1-16,-10-1 1 16,-7 5 2-16,-10-4 0 15,1 0 0-15,-1-8 1 16,0-4-1-16,10-8 1 0,3-3-1 16,5-1 1-16,4 1-2 15,9-5 1-15,9 5-2 16,9-4 0-16,3 3 0 15,6 1 0-15,-1-1 0 16,0 8 0-16,0-3-1 16,0-1 0-16,0 0 0 15,1-3 1-15,-6-4-3 16,1-1 1-16,-9-3-7 16,0 0 0-16,1-4-9 15,-1-4 1-15</inkml:trace>
           <inkml:trace contextRef="#ctx0" brushRef="#br0" timeOffset="731.0715">-883 160 22 0,'-13'-20'11'0,"9"1"-5"0,4 11 11 0,0 1-13 15,0-1 1-15,0 8 3 16,0-8 1-16,0 4-11 16,-5 4 0-16,1 4 7 15,0 8 1-15,-1 11-2 16,1 4 0-16,-1 8-2 15,1 4 1-15,0 3-1 16,-1 1 1-16,1 0-1 16,0-1 0-16,-1 1-1 15,1 0 0-15,0-1 0 16,-1-3 0-16,1-8 0 16,-1-11 0-16,-3-5 0 15,3 1 1-15,1-9-1 16,-5 1 1-16,5-4-1 15,0 0 0-15,-1-4-1 16,1 0 1-16,-1 0-1 0,5-4 1 16,0 0-1-16,0 4 0 15,0 0-1-15,0-4 1 16,0 4-1-16,0 0 0 16,0 0-5-16,0 0 0 15,5-4-10-15,4-3 1 16</inkml:trace>
           <inkml:trace contextRef="#ctx0" brushRef="#br0" timeOffset="2111.0416">-477 230 37 0,'-13'11'18'0,"8"-26"-14"0,5 15 27 16,0 4-26-16,0 7 0 0,-4 1 2 16,4 3 1-16,-9 9-10 15,1 7 1-15,-1 0 6 16,-4-4 1-16,4 4-2 15,5 4 1-15,-1 0-1 16,5 0 0-16,5 3-2 16,3-10 1-16,10-5-1 15,-5-4 1-15,0-3-3 16,4-5 0-16,10-7-6 16,-1-8 0-16,9-7-7 15,0-5 0-15,-9 5-6 16,0-5 0-16</inkml:trace>
-          <inkml:trace contextRef="#ctx0" brushRef="#br0" timeOffset="2262.6498">-512 540 36 0,'-9'0'18'0,"27"0"-23"0,-10-4 27 15,1-4-26-15,13-3 1 16,4 3-12-16,9 0 1 15,9 0 14-15,-5-3 0 16</inkml:trace>
+          <inkml:trace contextRef="#ctx0" brushRef="#br0" timeOffset="2262.6497">-512 540 36 0,'-9'0'18'0,"27"0"-23"0,-10-4 27 15,1-4-26-15,13-3 1 16,4 3-12-16,9 0 1 15,9 0 14-15,-5-3 0 16</inkml:trace>
           <inkml:trace contextRef="#ctx0" brushRef="#br0" timeOffset="1840.8587">-525 261 28 0,'-22'-4'14'0,"31"-4"1"15,-9 8 11-15,8-8-23 16,1 1 1-16,4 3 2 16,0-4 0-16,13-4-8 0,1 5 0 15,3-1 3-15,5-8 1 16,4 9-8-16,-4-5 1 16,-9 4-8-16,-4 0 0 15</inkml:trace>
           <inkml:trace contextRef="#ctx0" brushRef="#br0" timeOffset="3077.7306">-45 156 35 0,'-5'-16'17'0,"1"13"-18"15,0-5 35-15,-5 8-32 16,-4 4 1-16,-5 3 1 15,-4 5 0-15,1 4-5 16,-1 7 0 0,4 0 3-16,5-3 1 0,5 3-3 15,3-4 0-15,10 4 0 16,3 1 0-16,5 3-1 16,5 0 0-16,-1-4 0 15,1-7 1-15,-1 3 0 16,1 1 1-16,-10-1 0 15,1 0 0-15,-9-3 0 16,-4-1 1-16,-9 1 0 16,-5-1 0-16,-8-3-1 15,0-4 1-15,-5-4-6 16,10 0 1-16,3-4-9 0,9-4 1 16,18-4-4-16,4 0 1 15</inkml:trace>
           <inkml:trace contextRef="#ctx0" brushRef="#br0" timeOffset="3357.7983">-111 86 26 0,'-17'-39'13'0,"8"36"-1"16,5-5 20-1,4 4-22 1,0 4 0-16,8-4 1 16,10 0 1-16,-1-4-17 15,18 5 0-15,4-1 11 16,9 0 0-16,-4-4-7 0,-5 0 0 16,9 1-12-16,-8 10 0 15,-10-14-3-15,-34 19 0 16</inkml:trace>
@@ -5279,9 +5385,9 @@
               </emma:one-of>
             </emma:emma>
           </inkml:annotationXML>
-          <inkml:trace contextRef="#ctx0" brushRef="#br0">138 105 34 0,'-17'-23'17'0,"21"19"-10"0,-4 4 14 15,0 0-17-15,0 8 1 16,-4 15 4-16,-1 12 1 16,1 15-12-16,-5 12 1 15,-4-4 6-15,0-7 1 16,0-8-2-16,0-5 1 0,0-7-2 16,0-7 1-16,4-9-1 15,0-7 0-15,1-4 0 16,8-12 0-16,8-11-2 15,-3-12 0-15,-5-16-2 16,0-3 1-16,4-9-2 16,0 5 1-16,1 4-1 15,-1 3 1-15,5 8 0 16,0 5 0-16,-5 6 1 16,5 13 1-16,-1 11 0 15,5 12 1-15,1 11-1 16,3 12 1-16,5 8-1 15,0 4 1-15,-1-1-1 16,1-7 1-16,0-4-2 16,0-8 0-16,0-7 1 15,0-1 0-15,-1-15-1 0,1-15 1 16,0-1 0-16,-5-15 1 16,5-11-2-16,0-1 1 15,4 0-1-15,0 1 0 16,1 3 0-16,-6 8 0 15,1 8-1-15,-4 7 0 16,-1 12 1-16,-4 16 0 16,-4 11-1-16,-5 16 1 15,1 11 0-15,-1 9 0 16,-4 3-2-16,0 0 1 16,-4-4-5-16,-1-4 0 0,1-3-8 15,0-5 1-15,8-3-6 16,5-24 0-16</inkml:trace>
-          <inkml:trace contextRef="#ctx0" brushRef="#br0" timeOffset="585.4533">902 190 41 0,'-5'4'20'0,"-3"70"-20"16,8-55 33-16,-5 8-29 15,-4 16 1-15,1-8 1 16,-1-4 1-16,0 0-9 16,1-8 0-16,3 1 6 15,1-9 0-15,-1-7-3 0,1-4 1 16,0-4-2-16,4-4 1 16,0-12-2-16,0-7 1 15,0-16-2-15,0-7 1 16,4-20 0-16,5 12 0 15,8-1 0-15,1 5 1 16,-1 7 0-16,1 12 0 16,-1 8 1-16,1 15 0 15,-5 4 1-15,0 16 1 16,-5 11-1-16,1 16 1 16,0 4-1-16,-5-1 1 0,5 1-2 15,0-8 1-15,-1-4-1 16,6-4 1-16,3-11-1 15,0-9 1-15,5-7-1 16,4-11 0-16,1-5 0 16,3-19 0-16,-4-7-1 15,0-1 0-15,-4-4-1 16,-4 5 1-16,-1 7-1 16,-4 4 1-16,0 8 0 15,0 7 0-15,-4 12 0 16,0 8 1-16,0 15 0 15,-5 16 0-15,-4 12 0 16,9 7 1-16,-9 8-2 16,0-4 1-16,4-3-5 15,-4-5 1-15,4-3-8 16,5-5 0-16,4-7-8 16,5-12 0-16</inkml:trace>
-          <inkml:trace contextRef="#ctx0" brushRef="#br0" timeOffset="1367.0089">2097-85 54 0,'-31'-4'27'0,"-17"35"-31"0,27-19 45 0,-14 3-38 16,-4 9 1-16,-1 3 0 15,1 4 1-15,8 8-7 16,5 3 0-16,9-7 4 16,8 0 0-16,9 0-2 15,9-4 1-15,17-4-2 16,0 0 1-16,5 0-1 16,8 1 1-16,-13-1 0 15,-4 0 0 1,-5 4 2-1,-8 0 1-15,-13 0 0 16,-22-4 1-16,-14 0-1 16,-8-4 1-16,-4-3 0 15,0-5 0-15,4-11-6 0,17-4 0 16,5-4-11-16,8 0 1 16,10 4-8-16,-1 0 0 15</inkml:trace>
+          <inkml:trace contextRef="#ctx0" brushRef="#br0">138 104 34 0,'-17'-23'17'0,"21"19"-10"0,-4 4 14 15,0 0-17-15,0 8 1 16,-4 15 4-16,-1 11 1 16,1 16-12-16,-5 12 1 15,-4-5 6-15,0-6 1 16,0-8-2-16,0-6 1 0,0-6-2 16,0-7 1-16,4-9-1 15,0-7 0-15,1-4 0 16,8-12 0-16,8-11-2 15,-3-12 0-15,-5-15-2 16,0-4 1-16,4-9-2 16,0 6 1-16,1 3-1 15,-1 3 1-15,5 9 0 16,0 4 0-16,-5 6 1 16,5 13 1-16,-1 11 0 15,5 12 1-15,1 11-1 16,3 12 1-16,5 7-1 15,0 5 1-15,-1-1-1 16,1-7 1-16,0-5-2 16,0-7 0-16,0-7 1 15,0-1 0-15,-1-15-1 0,1-15 1 16,0-1 0-16,-5-15 1 16,5-10-2-16,0-2 1 15,4 0-1-15,0 2 0 16,1 2 0-16,-6 8 0 15,1 8-1-15,-4 7 0 16,-1 12 1-16,-4 16 0 16,-4 11-1-16,-5 16 1 15,1 11 0-15,-1 8 0 16,-4 4-2-16,0-1 1 16,-4-3-5-16,-1-4 0 0,1-4-8 15,0-4 1-15,8-3-6 16,5-25 0-16</inkml:trace>
+          <inkml:trace contextRef="#ctx0" brushRef="#br0" timeOffset="585.4533">902 188 41 0,'-5'4'20'0,"-3"70"-20"16,8-56 33-16,-5 9-29 15,-4 16 1-15,1-8 1 16,-1-4 1-16,0-1-9 16,1-7 0-16,3 1 6 15,1-9 0-15,-1-7-3 0,1-4 1 16,0-4-2-16,4-4 1 16,0-12-2-16,0-7 1 15,0-16-2-15,0-6 1 16,4-21 0-16,5 12 0 15,8 0 0-15,1 4 1 16,-1 8 0-16,1 11 0 16,-1 8 1-16,1 15 0 15,-5 4 1-15,0 16 1 16,-5 11-1-16,1 15 1 16,0 5-1-16,-5-1 1 0,5 1-2 15,0-9 1-15,-1-3-1 16,6-4 1-16,2-11-1 15,1-9 1-15,5-7-1 16,4-11 0-16,1-5 0 16,3-19 0-16,-4-7-1 15,0 0 0-15,-4-5-1 16,-4 5 1-16,-1 8-1 16,-4 3 1-16,0 8 0 15,0 7 0-15,-4 12 0 16,0 8 1-16,0 15 0 15,-5 16 0-15,-4 11 0 16,9 8 1-16,-9 8-2 16,0-5 1-16,4-2-5 15,-4-5 1-15,4-4-8 16,5-4 0-16,4-7-8 16,5-13 0-16</inkml:trace>
+          <inkml:trace contextRef="#ctx0" brushRef="#br0" timeOffset="1367.0089">2096-85 54 0,'-31'-4'27'0,"-17"35"-31"0,27-19 45 0,-14 3-38 16,-4 8 1-16,-1 4 0 15,1 4 1-15,8 8-7 16,5 3 0-16,9-8 4 16,8 1 0-16,9 0-2 15,9-4 1-15,17-5-2 16,0 1 1-16,5 0-1 16,8 1 1-16,-13-1 0 15,-4-1 0 1,-5 5 2-1,-8 0 1-15,-13 0 0 16,-22-4 1-16,-14-1-1 16,-8-3 1-16,-4-3 0 15,0-5 0-15,4-11-6 0,17-4 0 16,5-4-11-16,8 0 1 16,10 4-8-16,-1 0 0 15</inkml:trace>
         </inkml:traceGroup>
       </inkml:traceGroup>
     </inkml:traceGroup>
@@ -5365,8 +5471,8 @@
               </emma:one-of>
             </emma:emma>
           </inkml:annotationXML>
-          <inkml:trace contextRef="#ctx0" brushRef="#br0">410 5138 21 0,'0'-27'10'0,"-9"34"-4"15,9-7 11-15,-4 0-14 16,4-7 1-16,-4 3 1 16,-1 4 0-16,-3 0-6 0,-1 4 0 15,0 3 5-15,-4 1 0 16,0 4-1-16,-5 11 1 16,1 8 0-16,-5 0 0 15,5-4-1-15,4 4 1 16,4 8-1-16,13 4 0 15,14-1-1-15,17-7 1 16,0-8-2-16,17-3 1 16,22-13-1-16,9-11 0 0,0-7 0 15,0-9 1-15,-5-11-1 16,-8 0 1-16,-13-4 0 16,-18-8 0-16,-17-4 0 15,-18-3 1-15,-17-9-2 16,-9-3 1-16,-17 4-3 15,-22 15 1-15,-13 16-7 16,0 23 0-16,-5 15-8 16,1 24 0-16,16-4-2 15,14-8 1-15</inkml:trace>
-          <inkml:trace contextRef="#ctx0" brushRef="#br0" timeOffset="718.867">345 5576 39 0,'4'-39'19'0,"5"31"-20"0,-1 8 37 15,-8 0-33-15,0 4 1 16,-8 8 1-16,-14 11 0 0,-13 12-7 16,-4 0 1-16,-9 8 4 15,-5-5 1-15,1 1-3 16,0 0 1-16,4-4-1 16,4-4 0-16,5-4 0 15,8-8 0-15,9 1-1 16,5-8 0-16,4-5 0 15,0 1 1-15,4-4-1 16,0-4 0-16,5 0 0 16,-5 0 0-16,5-4 0 15,0 0 1-15,-1 0-1 16,1 0 1-16,-1 1-1 16,1-1 0-16,4 4 0 15,-4 0 0-15,-1 4 0 16,5-4 0-16,-8 3-1 15,3 1 1-15,-3-4 0 16,-6 4 1-16,-3 0-1 16,0 4 1-16,-14 7-1 15,-4-11 1-15,0 8 0 0,-8 7 1 16,-1 8 0-16,0 8 0 16,9 4-1-16,9 0 1 15,13 11-1-15,13 4 1 16,18 1-1-16,8-13 0 15,17-7 0-15,14-11 0 16,0-13 0-16,0-11 0 16,4-15-1-16,0-12 1 15,-5-1 0-15,-12-10 0 16,-9-9 0-16,-13-3 0 0,-13 7 0 16,-14-7 0-16,-8 3-4 15,-9 1 1-15,0 11-7 16,1 11 0-16,3 13-10 15,9 19 1-15,18-5-1 16,9-3 0-16</inkml:trace>
+          <inkml:trace contextRef="#ctx0" brushRef="#br0">409 5138 21 0,'0'-27'10'0,"-9"34"-4"15,9-7 11-15,-4 0-14 16,4-7 1-16,-4 3 1 16,-1 4 0-16,-3 0-6 0,-1 4 0 15,0 3 5-15,-4 1 0 16,0 4-1-16,-5 11 1 16,1 8 0-16,-5-1 0 15,5-3-1-15,4 4 1 16,4 8-1-16,13 4 0 15,14-1-1-15,17-7 1 16,0-8-2-16,17-3 1 16,22-13-1-16,9-11 0 0,-1-7 0 15,1-9 1-15,-5-11-1 16,-8 0 1-16,-13-4 0 16,-18-8 0-16,-17-4 0 15,-18-3 1-15,-17-9-2 16,-9-2 1-16,-17 3-3 15,-22 15 1-15,-13 16-7 16,0 23 0-16,-5 15-8 16,2 24 0-16,15-4-2 15,14-8 1-15</inkml:trace>
+          <inkml:trace contextRef="#ctx0" brushRef="#br0" timeOffset="718.8669">344 5574 39 0,'4'-38'19'0,"5"30"-20"0,-1 8 37 15,-8 0-33-15,0 4 1 16,-8 8 1-16,-14 10 0 0,-13 13-7 16,-4 0 1-16,-9 8 4 15,-5-5 1-15,1 1-3 16,0 0 1-16,4-4-1 16,4-4 0-16,5-4 0 15,8-9 0-15,9 2-1 16,5-8 0-16,4-5 0 15,0 1 1-15,4-4-1 16,0-4 0-16,5 0 0 16,-5 0 0-16,5-4 0 15,0 0 1-15,-1 0-1 16,2 0 1-16,-2 1-1 16,1-1 0-16,4 4 0 15,-4 0 0-15,-1 4 0 16,5-4 0-16,-8 3-1 15,3 1 1-15,-3-4 0 16,-6 4 1-16,-3 0-1 16,0 4 1-16,-14 7-1 15,-4-11 1-15,0 8 0 0,-8 7 1 16,-1 8 0-16,0 8 0 16,9 4-1-16,9 0 1 15,13 11-1-15,13 3 1 16,18 2-1-16,8-13 0 15,17-7 0-15,14-11 0 16,0-13 0-16,0-11 0 16,4-15-1-16,0-12 1 15,-6-1 0-15,-11-10 0 16,-9-9 0-16,-13-2 0 0,-13 6 0 16,-14-7 0-16,-8 3-4 15,-9 1 1-15,0 11-7 16,1 11 0-16,3 13-10 15,9 19 1-15,18-5-1 16,9-3 0-16</inkml:trace>
         </inkml:traceGroup>
       </inkml:traceGroup>
     </inkml:traceGroup>
@@ -5451,9 +5557,9 @@
             </emma:emma>
           </inkml:annotationXML>
           <inkml:trace contextRef="#ctx0" brushRef="#br0">-3853-1058 26 0,'-30'-16'13'0,"-27"16"-5"0,44-4 19 16,4 4-23-16,1-4 0 15,3 0 4-15,1 4 0 16,4 0-9-16,0 0 0 16,22 0 6-16,8-3 0 0,5-1-2 15,13-4 0-15,13 0-8 16,5 0 1-16,-5 1-9 16,-9-1 1-16,-17 8-2 15,-22 4 0-15</inkml:trace>
-          <inkml:trace contextRef="#ctx0" brushRef="#br0" timeOffset="1370.0237">-2792-1004 40 0,'-5'-20'20'0,"-4"5"-19"0,5 11 36 15,-9 0-35-15,-13 4 0 16,-9 4 2-16,-4 4 1 16,4 3-5-16,-9 5 0 15,-8 7 3-15,8 4 1 0,0 4-2 16,10 0 0-16,3-3-1 16,9 3 0-16,5 0-1 15,12-4 0-15,19 0-1 16,12-8 0-16,9-3-1 15,8-5 1-15,10-3-1 16,3 4 1-16,1-1-1 16,-9 1 1-16,-4 0 0 15,-9 3 0-15,-5 9 2 16,-12-13 0-16,-10 9 1 16,-12-1 0-16,-14 4 2 15,-16 8 0-15,-10 0 1 16,0 0 1-16,-12 0-2 15,-14-4 0-15,13-7-1 16,0-5 0-16,9-7-4 16,5-4 0-16,8-4-8 15,4 0 0-15,18 0-11 0,-4-8 1 16</inkml:trace>
-          <inkml:trace contextRef="#ctx0" brushRef="#br0" timeOffset="329.3647">-3988-1051 40 0,'-17'-19'20'0,"21"19"-22"16,-4 0 41-16,0 4-34 15,-4 4 0-15,-1 3 3 16,1 1 1-16,-5 11-10 15,1 12 0-15,-1 12 8 16,-4 3 0-16,4 0-2 16,0 9 1-16,1-9-2 0,-6 4 0 15,1 4-1-15,-4 4 0 16,8-3-2-16,0-1 1 16,9-4-1-16,9-7 1 15,9-9-1-15,3-7 0 16,10-7-1-16,4-9 1 15,17-11-3-15,-12-19 0 16,3-5-5-16,5-3 0 16,0-4-9-16,0 0 0 15,-4 3-5-15,-14 1 0 0</inkml:trace>
-          <inkml:trace contextRef="#ctx0" brushRef="#br0" timeOffset="509.614">-4036-523 45 0,'-22'-8'22'0,"18"4"-29"16,4 4 37-16,9 0-29 15,4 0 1-15,13 0-1 16,13-4 1-16,9-4-5 16,13-7 0-16,18-1-4 15,4 1 0-15,4-1-5 16,0 1 0-16</inkml:trace>
+          <inkml:trace contextRef="#ctx0" brushRef="#br0" timeOffset="1370.0237">-2793-1004 40 0,'-5'-20'20'0,"-4"5"-19"0,5 11 36 15,-9 0-35-15,-13 4 0 16,-9 4 2-16,-4 4 1 16,4 3-5-16,-9 5 0 15,-8 7 3-15,8 3 1 0,0 5-2 16,10 0 0-16,3-3-1 16,9 3 0-16,5 0-1 15,12-4 0-15,19 0-1 16,12-8 0-16,9-3-1 15,8-5 1-15,10-3-1 16,3 4 1-16,1-1-1 16,-9 0 1-16,-4 1 0 15,-9 3 0-15,-5 9 2 16,-12-13 0-16,-10 9 1 16,-12-1 0-16,-14 4 2 15,-16 8 0-15,-10 0 1 16,0 0 1-16,-12 0-2 15,-14-4 0-15,13-8-1 16,0-4 0-16,9-7-4 16,5-4 0-16,8-4-8 15,4 0 0-15,18 0-11 0,-4-8 1 16</inkml:trace>
+          <inkml:trace contextRef="#ctx0" brushRef="#br0" timeOffset="329.3647">-3988-1051 40 0,'-17'-19'20'0,"21"19"-22"16,-4 0 41-16,0 4-34 15,-4 4 0-15,-1 3 3 16,1 1 1-16,-5 11-10 15,1 11 0-15,-1 13 8 16,-4 3 0-16,4 0-2 16,0 9 1-16,1-9-2 0,-6 3 0 15,1 5-1-15,-4 4 0 16,8-3-2-16,0-1 1 16,9-4-1-16,9-8 1 15,9-8-1-15,3-7 0 16,10-7-1-16,4-9 1 15,17-11-3-15,-12-19 0 16,3-5-5-16,5-3 0 16,0-4-9-16,0 0 0 15,-4 3-5-15,-14 2 0 0</inkml:trace>
+          <inkml:trace contextRef="#ctx0" brushRef="#br0" timeOffset="509.614">-4036-525 45 0,'-22'-8'22'0,"18"4"-29"16,4 4 37-16,9 0-29 15,4 0 1-15,13 0-1 16,13-4 1-16,9-4-5 16,13-7 0-16,18-1-4 15,4 1 0-15,4-1-5 16,0 1 0-16</inkml:trace>
         </inkml:traceGroup>
       </inkml:traceGroup>
     </inkml:traceGroup>
@@ -5540,12 +5646,12 @@
               </emma:one-of>
             </emma:emma>
           </inkml:annotationXML>
-          <inkml:trace contextRef="#ctx0" brushRef="#br0">524 1355 41 0,'0'-24'20'0,"13"-7"-25"16,-4 20 39-16,8-1-34 15,9 0 1-15,5 1-1 16,4 3 1-16,0 12-2 0,0 4 1 16,-5-1 0-16,-8 5 1 15,-4 0-1-15,-10 3 1 16,-12 8 1-16,-5 1 0 16,-4 3 0-16,-9 0 0 15,-4 0 0-15,-4 0 0 16,-1-3-1-16,5-1 1 15,4-4-1-15,0-3 0 16,9-5 0-16,0-3 1 0,9 4-1 16,-5-1 1-16,5-3-1 15,4 0 1-15,8 4-1 16,5-1 1-16,9 5-1 16,4 3 0-16,5 0 0 15,4 5 0-15,0-1 0 16,0 0 0-16,-5 1 0 15,-3-5 0-15,-6 0-1 16,-3-3 1-16,-1-5-5 16,1-3 1-16,-9-4-7 15,-1 4 0-15,-3 0-6 16,-10-8 0-16</inkml:trace>
-          <inkml:trace contextRef="#ctx0" brushRef="#br0" timeOffset="-273.4284">576 1355 36 0,'-8'-16'18'0,"-1"16"-10"0,9 0 19 0,0 0-25 15,-4 4 0-15,-1 8 3 16,1 7 1-16,4 12-6 16,-5 8 0-16,5 7 4 15,-4 9 0-15,0 3-1 16,-5-8 0-16,0 1-2 16,-4-5 0-16,4-11-7 15,1-4 1-15,-1-8-8 16,9-3 1-16,4-5-3 15,5-15 0-15</inkml:trace>
-          <inkml:trace contextRef="#ctx0" brushRef="#br0" timeOffset="705.6265">1160 1440 40 0,'-9'-43'20'0,"-4"24"-16"0,13 11 28 16,9 4-30-16,0-4 0 16,4 1-2-16,0 3 1 15,9 0-2-15,8 8 0 16,9 4 1-16,9 3 0 15,0 13-1-15,0 3 1 16,-4 4 0-16,-9 4 0 16,-5 11 1-16,-8 5 0 0,-9-5 0 15,-13-3 1-15,-13-1 1 16,-13 1 0-16,-13-4 0 16,-5 0 1-16,1-8-2 15,3 0 0-15,-3-4-4 16,12 0 0-16,5-12-8 15,17-3 0-15,14-4-6 16,16-16 1-16</inkml:trace>
-          <inkml:trace contextRef="#ctx0" brushRef="#br0" timeOffset="376.0427">1199 1498 37 0,'0'-12'18'0,"-8"5"-10"0,8 7 26 0,0 0-30 16,0 0 1-16,0 4 1 15,0 3 0-15,0 9-8 16,0 3 1-16,4 4 5 15,-4 12 0-15,4-4-2 16,1 4 0-16,-1 0-3 16,-4-4 1-16,0-4-8 15,4 1 1-15,-4-9-9 16,0 0 0-16</inkml:trace>
-          <inkml:trace contextRef="#ctx0" brushRef="#br0" timeOffset="1540.3136">1854 1455 40 0,'4'-38'20'0,"18"-1"-18"16,-22 27 34-16,9 1-34 15,4 3 0-15,8 0 0 16,10 4 1-16,4 0-4 15,0-3 0-15,4 3 2 16,-8 8 0-16,-5 3-1 16,-4 9 0-16,-9 7 0 15,-13 4 0-15,-5 4 0 16,-8 0 1-16,-13 12-1 16,-4-4 1-16,-1 7 0 15,0-3 0-15,5-8 0 16,4-8 0-16,5-4 0 15,4-7 0-15,9-5-1 16,8-11 1-16,18 0-1 16,8-11 0-16,14 3-1 15,4-4 1-15,4 12-1 16,-8 8 1-16,4 0-1 0,-9 11 0 16,-4 1 1-16,-4 7 1 15,-18 0 1-15,-13 4 0 16,-9 0 2-16,-4-8 1 15,-13 4 0-15,-18 1 0 16,-8-5-1-16,-1 0 1 16,-3-4-2-16,16-3 0 0,5-4-3 15,5-5 1-15,4-3-6 16,8 0 0-16,5-4-11 16,13 4 0-16,18 0-4 15,3-27 1-15</inkml:trace>
-          <inkml:trace contextRef="#ctx0" brushRef="#br0" timeOffset="1539.3109">1910 1440 46 0,'-4'0'23'0,"0"31"-22"16,4-19 42-16,0 11-40 16,-5 8 0-16,5 15 1 15,0 5 0-15,0-5-6 0,0 5 1 16,-4-5 3-16,4-3 1 16,-4-4-8-16,-1-12 1 15,1-4-7-15,-5-3 1 16,0-9-6-16,1-3 0 15</inkml:trace>
+          <inkml:trace contextRef="#ctx0" brushRef="#br0">524 1356 41 0,'0'-25'20'0,"13"-6"-25"16,-4 20 39-16,8-1-34 15,9 0 1-15,5 1-1 16,4 3 1-16,0 12-2 0,0 4 1 16,-5-1 0-16,-8 5 1 15,-4 0-1-15,-10 3 1 16,-12 8 1-16,-5 2 0 16,-4 2 0-16,-9 0 0 15,-4 0 0-15,-4 0 0 16,-1-3-1-16,5 0 1 15,4-5-1-15,0-3 0 16,9-5 0-16,0-3 1 0,9 4-1 16,-5-1 1-16,5-3-1 15,4 0 1-15,8 4-1 16,5-1 1-16,9 5-1 16,4 3 0-16,5 1 0 15,4 4 0-15,0-1 0 16,0 0 0-16,-5 1 0 15,-3-5 0-15,-6 0-1 16,-3-3 1-16,-1-4-5 16,1-4 1-16,-9-4-7 15,-1 4 0-15,-3 0-6 16,-10-8 0-16</inkml:trace>
+          <inkml:trace contextRef="#ctx0" brushRef="#br0" timeOffset="-273.4283">576 1356 36 0,'-8'-16'18'0,"-1"16"-10"0,9 0 19 0,0 0-25 15,-4 4 0-15,-1 8 3 16,1 7 1-16,4 12-6 16,-5 8 0-16,5 7 4 15,-4 10 0-15,0 2-1 16,-5-8 0-16,0 2-2 16,-4-6 0-16,4-11-7 15,1-4 1-15,-1-7-8 16,9-4 1-16,4-5-3 15,5-15 0-15</inkml:trace>
+          <inkml:trace contextRef="#ctx0" brushRef="#br0" timeOffset="705.6265">1159 1441 40 0,'-9'-43'20'0,"-4"24"-16"0,13 11 28 16,9 4-30-16,0-4 0 16,4 1-2-16,0 3 1 15,9 0-2-15,8 8 0 16,9 4 1-16,9 3 0 15,0 13-1-15,0 3 1 16,-4 4 0-16,-9 4 0 16,-5 12 1-16,-8 4 0 0,-9-5 0 15,-13-2 1-15,-13-2 1 16,-13 1 0-16,-13-4 0 16,-5 1 1-16,1-9-2 15,3 0 0-15,-3-4-4 16,12 0 0-16,5-12-8 15,17-3 0-15,14-4-6 16,16-16 1-16</inkml:trace>
+          <inkml:trace contextRef="#ctx0" brushRef="#br0" timeOffset="376.0427">1198 1500 37 0,'0'-13'18'0,"-8"6"-10"0,8 7 26 0,0 0-30 16,0 0 1-16,0 4 1 15,0 3 0-15,0 10-8 16,0 2 1-16,4 4 5 15,-4 12 0-15,4-4-2 16,1 4 0-16,-1 1-3 16,-4-5 1-16,0-4-8 15,4 1 1-15,-4-9-9 16,0 0 0-16</inkml:trace>
+          <inkml:trace contextRef="#ctx0" brushRef="#br0" timeOffset="1540.3136">1853 1456 40 0,'4'-38'20'0,"18"-1"-18"16,-22 27 34-16,8 1-34 15,5 3 0-15,8 0 0 16,10 4 1-16,4-1-4 15,0-2 0-15,4 3 2 16,-8 8 0-16,-5 3-1 16,-4 10 0-16,-9 6 0 15,-13 4 0-15,-5 4 0 16,-8 0 1-16,-13 13-1 16,-4-5 1-16,-1 7 0 15,0-3 0-15,5-7 0 16,4-9 0-16,5-4 0 15,4-7 0-15,9-5-1 16,8-11 1-16,18 0-1 16,8-11 0-16,14 3-1 15,4-4 1-15,4 12-1 16,-8 8 1-16,4 0-1 0,-9 11 0 16,-4 1 1-16,-4 7 1 15,-18 0 1-15,-13 5 0 16,-9-1 2-16,-4-8 1 15,-13 4 0-15,-18 1 0 16,-8-5-1-16,-1 1 1 16,-3-5-2-16,16-3 0 0,5-4-3 15,5-5 1-15,4-3-6 16,8 0 0-16,5-4-11 16,13 4 0-16,18 0-4 15,3-27 1-15</inkml:trace>
+          <inkml:trace contextRef="#ctx0" brushRef="#br0" timeOffset="1539.3109">1908 1441 46 0,'-4'0'23'0,"0"31"-22"16,4-19 42-16,0 12-40 16,-5 7 0-16,5 15 1 15,0 5 0-15,0-4-6 0,0 4 1 16,-4-5 3-16,4-3 1 16,-4-3-8-16,-1-13 1 15,2-4-7-15,-6-3 1 16,0-9-6-16,1-3 0 15</inkml:trace>
         </inkml:traceGroup>
       </inkml:traceGroup>
     </inkml:traceGroup>
@@ -5631,7 +5737,7 @@
         </emma:interpretation>
       </emma:emma>
     </inkml:annotationXML>
-    <inkml:trace contextRef="#ctx0" brushRef="#br0">2219 133 37 0,'-5'-58'18'0,"-52"15"-17"16,36 32 18-16,-19-1-20 16,1 8 0-16,-31 0 0 15,-13 0 1-15,-22 4 1 16,-17 4 0-16,-5 8 0 16,-12-4 0-16,-6 3 1 15,-7 5 1-15,7-1 2 16,-7 5 0-16,16 3 0 15,5-4 1-15,9 8-2 16,13 12 1-16,13 0-1 16,21 4 0-16,19 3-3 0,12 1 1 15,13-1-1-15,14-3 0 32,74 15 0-32,34-4 0 15,14-7 0-15,39-4 0 16,14-5 0-16,16-3 1 15,36-8 0-15,4-7 1 16,0-9-1-16,17-7 0 16,-8-4-1-16,-18-15 1 15,1-8-1-15,-27-5 1 16,-9 5-2-16,-17-4 1 0,-9-8 0 16,-22-8 0-16,-8-3 0 15,-22-5 1-15,-23-3 0 16,-25 0 0-16,-22 0-1 15,-31-5 1-15,-26 5-2 16,-43-4 1-16,-58 11-1 16,-43 1 0-16,-57 19-2 15,-13-4 0-15,-21 11-13 16,8 32 1-16,13 3-6 16,35-18 1-16</inkml:trace>
+    <inkml:trace contextRef="#ctx0" brushRef="#br0">2219 131 37 0,'-5'-57'18'0,"-52"14"-17"16,36 32 18-16,-19 0-20 16,1 7 0-16,-31 0 0 15,-13 0 1-15,-22 4 1 16,-17 4 0-16,-5 8 0 16,-12-5 0-16,-6 4 1 15,-7 5 1-15,7-1 2 16,-7 4 0-16,16 4 0 15,5-4 1-15,9 7-2 16,13 13 1-16,13-1-1 16,21 4 0-16,19 4-3 0,12 0 1 15,13-1-1-15,14-3 0 32,74 16 0-32,34-5 0 15,14-7 0-15,39-4 0 16,14-4 0-16,16-4 1 15,36-7 0-15,4-8 1 16,0-8-1-16,17-7 0 16,-8-4-1-16,-18-15 1 15,1-7-1-15,-27-6 1 16,-9 5-2-16,-17-3 1 0,-9-9 0 16,-22-7 0-16,-8-3 0 15,-22-5 1-15,-23-3 0 16,-25-1 0-16,-22 1-1 15,-31-5 1-15,-26 5-2 16,-43-4 1-16,-58 11-1 16,-43 1 0-16,-57 18-2 15,-13-3 0-15,-21 10-13 16,8 32 1-16,13 2-6 16,35-17 1-16</inkml:trace>
   </inkml:traceGroup>
 </inkml:ink>
 </file>
@@ -5674,7 +5780,7 @@
         </emma:interpretation>
       </emma:emma>
     </inkml:annotationXML>
-    <inkml:trace contextRef="#ctx0" brushRef="#br0">3306 424 19 0,'4'-16'9'0,"5"-11"3"15,-4 20 2-15,-1-1-12 16,0 0 0-16,1 0 4 16,-5 8 1-16,0-8-7 15,0 1 0-15,0 7 5 16,0 0 0-16,0 0 0 0,0 7 0 15,0 5-2-15,0 8 1 16,-5 7-1-16,1 8 0 16,-5 7-1-16,0 1 1 15,1 15-1-15,-1 12 1 16,0 19-1-16,0 8 1 16,-4 12-1-16,-4-5 1 15,-1 13-1-15,1 14 1 0,4-3-2 16,-5 0 1-16,1 0-1 15,-1-7 0-15,5 10 1 16,-4 1 0-16,-1-15 0 16,5-5 1-16,0-15-2 15,0-12 1-15,4-7 0 16,1-8 0-16,3-4-2 16,5-16 1-16,0-7-1 15,0-1 1-15,0 1-1 16,0-8 1-16,0-4-1 15,-4-8 1-15,4 0-1 16,-4-3 0-16,-1-1 0 16,5-3 1-16,0 3-1 15,0-7 0-15,0-1 0 16,-4 1 1-16,4-8-1 16,0 4 0-16,-5-1 0 15,5-7 1-15,0 4 0 16,-4-4 0-16,4-4-1 15,-4 4 0-15,-1 4 0 0,1-4 0 16,-5 0 0-16,-4-7 1 16,-9 7-1-16,-13 0 0 15,-13-4 1-15,-8-4 1 16,-19 16-2-16,-8-8 1 16,-8 4-4-16,-19-4 1 15,-8 3-14-15,5 13 0 16,12-24-5-16,23-15 1 15</inkml:trace>
+    <inkml:trace contextRef="#ctx0" brushRef="#br0">3305 424 19 0,'4'-16'9'0,"5"-11"3"15,-4 20 2-15,-1-1-12 16,0 0 0-16,1 0 4 16,-5 8 1-16,0-8-7 15,0 1 0-15,0 7 5 16,0 0 0-16,0 0 0 0,0 7 0 15,0 5-2-15,0 8 1 16,-5 7-1-16,1 8 0 16,-5 7-1-16,0 1 1 15,1 15-1-15,-1 12 1 16,0 19-1-16,0 8 1 16,-4 12-1-16,-4-4 1 15,-1 12-1-15,1 14 1 0,4-3-2 16,-5 0 1-16,1 0-1 15,-1-7 0-15,5 10 1 16,-4 1 0-16,-1-15 0 16,5-5 1-16,0-15-2 15,0-11 1-15,4-8 0 16,1-8 0-16,3-4-2 16,5-16 1-16,0-7-1 15,0-1 1-15,0 1-1 16,0-8 1-16,0-4-1 15,-4-8 1-15,4 0-1 16,-4-3 0-16,-1-1 0 16,5-3 1-16,0 3-1 15,0-7 0-15,0-1 0 16,-4 1 1-16,4-8-1 16,0 4 0-16,-5-1 0 15,5-7 1-15,0 4 0 16,-4-4 0-16,4-4-1 15,-4 4 0-15,-1 4 0 0,1-4 0 16,-5 0 0-16,-4-7 1 16,-9 7-1-16,-13 0 0 15,-13-4 1-15,-8-4 1 16,-19 16-2-16,-7-8 1 16,-9 4-4-16,-19-4 1 15,-8 3-14-15,5 13 0 16,12-24-5-16,23-15 1 15</inkml:trace>
   </inkml:traceGroup>
 </inkml:ink>
 </file>
@@ -5718,8 +5824,8 @@
         </emma:interpretation>
       </emma:emma>
     </inkml:annotationXML>
-    <inkml:trace contextRef="#ctx0" brushRef="#br0">-7 786 19 0,'4'-4'9'0,"-12"4"-4"0,8 0 9 16,0 0-13-16,0 0 1 15,0 0 1-15,4 0 1 0,0 4-4 16,1 0 1-16,3 3 3 16,1 5 0-16,0 0 0 15,4 3 0-15,0 5-1 16,0 3 1-16,0 0-2 16,5 8 1-16,-5 16-1 15,0-1 0-15,4 5-1 16,1-1 1-16,-1 4-1 15,-4 4 0-15,0-3 0 16,0 7 0-16,1-4 0 16,-1-4 1-16,0 8 0 15,4 4 0-15,1-4 0 16,3 0 0-16,1-7-1 16,0-1 0-16,0 0 0 15,0 1 0-15,-1-17-1 16,1 1 1-16,-4 0-1 0,-1-4 0 15,1-4 0-15,-1-4 1 16,1-8-1-16,-1 1 1 16,5-9 0-16,-5 1 0 15,5-8-1-15,0 0 1 16,0-4-1-16,-1 0 1 16,6-4-1-16,-1 0 0 15,-4-4-2-15,-1 0 1 16,6 1-1-16,3-1 1 15,5 4-1-15,9-4 0 0,8 4 0 16,9 1 1-16,0 3 0 16,13 3 1-16,9-3-1 15,5 0 1-15,12-3-1 16,13 3 0-16,18 3 0 16,4-6 0-16,14-1 0 15,-1 0 1-15,27 4-2 16,-1-8 1-16,9 4 0 15,9 4 1-15,-4 0 0 16,17-4 0-16,0 4-1 16,-9 0 1-16,18-4 0 15,-5 4 0-15,1 0 0 16,8 0 0-16,-4 0 0 16,8 4 0-16,1-8 0 15,4 4 0-15,-1 0 0 16,6 0 0-16,-6 4 0 15,1 0 0-15,0 0-1 0,-9 4 1 32,127 3-1-32,-40 1 1 15,-30-4-1-15,-13-4 0 16,-13 3 0-16,-27-7 1 16,1 0-1-16,-5 0 0 15,-13 0 1-15,0-3 0 16,4-1 0-16,1 4 0 15,-14-4 0-15,13 0 0 16,-12 4 0-16,-1-4 0 0,9 0 0 16,-13 4 0-16,13 0 0 15,-17-4 0-15,-1-3 0 16,-8-1 1-16,4 8-1 16,-17-4 0-16,4-4-1 15,-4 8 1-15,13 0 0 16,-22-4 0-16,4 0 0 15,-4-3 0-15,0 3 0 16,-8 0 1-16,-5 4-1 16,4-4 1-16,0-4-1 15,-4 8 0-15,-8-4 0 16,-6 0 1-16,1-3-1 16,-4-5 0-16,-14 4 0 15,1 4 0-15,-5 1 0 16,-13-5 1-16,-5-8-1 15,-8 9 1-15,-4-5-1 0,-9 0 1 16,-5 1 1-16,-4 3 0 16,-9-4-1-16,1 1 1 15,-10-1-1-15,-3 0 0 16,3 5 0-16,-3-5 0 16,-6-4-1-16,-3 1 1 15,-5 3-1-15,0-7 1 16,1-4-1-16,-1-4 1 15,-4-1-1-15,-5 1 1 16,0 0 0-16,-3 0 0 16,-6-12-1-16,1 4 1 0,0-4 0 15,-1 12 0-15,1-8 0 16,-4 1 0-16,-1-5 0 16,-4-4 0-16,4-7-1 15,-4-8 1-15,0-8 0 16,5 11 0-16,-5 1-1 15,0-4 1-15,0 0-1 16,0 0 0-16,0 7 0 16,0 1 1-16,0 3-1 15,0-3 0-15,-5 3 0 16,1-3 1-16,4-4 0 16,-4-5 0-16,-1 5-1 15,-4 8 1-15,5-1-1 16,0 4 1-16,-1 1-1 15,5 3 0-15,0 0 0 16,0 8 0-16,0 4 0 0,0 0 0 16,0 0 0-16,-4 0 0 15,0-1 0-15,-1 5 0 16,1 4-1-16,0-1 1 16,-1 5-4-16,1 7 0 15,4 8-10-15,9 12 0 16</inkml:trace>
-    <inkml:trace contextRef="#ctx0" brushRef="#br0" timeOffset="10894.242">399 2271 18 0,'8'-23'9'0,"-3"3"-2"16,-5 13 9-16,0-1-12 15,-5 0 1-15,1 4 1 16,0 0 0-16,4 4-8 15,0 0 0-15,0 0 6 16,0 0 1-16,8 0-2 16,5 0 1-16,1 0-2 15,-1 0 1-15,-5 4-1 16,1 8 1-16,0 3-1 16,-5 9 1-16,1-1-1 15,-1 20 1-15,0 19-1 0,1 7 1 16,-1 1-1-16,0-8 0 15,1 8 0-15,-1 4 0 16,-4 3-1-16,0 5 1 16,-4 3-1-16,-5-4 1 15,0-3-1-15,1 0 1 16,-1-13-1-16,0-22 1 16,0-4-1-16,5-8 1 15,0-8-1-15,-1 0 0 16,5-7 0-16,5-4 0 15,3-5-1-15,10 1 1 0,4-4-1 16,13 0 1-16,8 4-1 16,10-8 0-16,-1 4-1 15,5-8 0-15,12 8 0 16,10-4 0-16,-1 3-1 16,18-3 1-16,0-3 0 15,18-1 0-15,12 8 1 16,5-4 0-16,13 3 0 15,9 1 0-15,8 0-1 16,1 4 1-16,3 0 0 16,14-4 0-16,5-1-1 15,-1 9 1-15,-9-8 0 16,14 0 1-16,-5 0-1 16,5 3 0-16,-14-7 0 15,9 0 1-15,-8 4-1 16,4 0 1-16,0-8-1 0,8 4 1 15,-8 0 0-15,4-4 0 16,1 1 0-16,3 3 0 16,10 0-1-16,-19 0 1 15,14 0-1-15,0 3 0 16,-8-3 0-16,-1 0 1 16,4-3-1-16,-3 6 0 15,-14-3 0-15,0 0 0 16,9 0 0-16,-18 8 0 15,5-4 0-15,-18 0 1 0,18-4 0 16,-9 8 0-16,9-4 0 16,-9-1 0-16,22-3 0 15,-13 4 0-15,12 4-1 16,-12-4 1-16,22-4-1 16,-22 8 1-16,4-4-1 15,4-1 0-15,9-3 0 16,-12 8 0-16,3-8 0 15,14 0 0-15,4-4 0 16,0 8 1-16,-14-8-1 16,10 0 0-16,-13 4 0 15,16 0 0-15,-33-3 0 16,3-1 1-16,0 0-1 16,-12 8 1-16,3-4-1 15,-21 0 1-15,5-4 0 16,7 4 0-16,-12 0-1 0,5 4 0 15,-14-8 0-15,-9 0 1 16,1 0-1-16,3 0 0 16,-12 0 0-16,-18 8 1 15,5-4-1-15,8 4 1 16,-21-8-1-16,8 4 1 16,0-4-1-16,5 0 0 15,-5 1 0-15,-8-1 1 16,-14 0-1-16,-12 4 1 15,3-4 0-15,-3 4 0 16,-1-4 0-16,-8 4 0 0,-1-4-1 16,-8-4 1-16,-4 1-1 15,-1-1 1-15,5-4-1 16,0 5 0-16,0-9 0 16,0 16 0-16,0-4 0 15,0 4 1-15,-1-8 0 16,-3 1 0-16,-5-9-1 15,-4 1 1-15,0-9 0 16,-5-3 0-16,1-12 0 16,-5-15 0-16,4-4 0 15,-8-16 1-15,0-11-1 16,4 7 0-16,0-7-1 16,4-23 1-16,1-9-3 15,-5 32 1-15,4-20-7 16,1 20 0-16,-5 11-13 0,0 8 0 15</inkml:trace>
+    <inkml:trace contextRef="#ctx0" brushRef="#br0">-7 785 19 0,'4'-4'9'0,"-12"4"-4"0,8 0 9 16,0 0-13-16,0 0 1 15,0 0 1-15,4 0 1 0,0 4-4 16,1 0 1-16,3 3 3 16,1 5 0-16,0 0 0 15,4 3 0-15,0 5-1 16,0 3 1-16,0 0-2 16,5 8 1-16,-5 16-1 15,0-1 0-15,4 5-1 16,1-2 1-16,-1 5-1 15,-4 4 0-15,0-3 0 16,0 7 0-16,1-4 0 16,-1-4 1-16,0 8 0 15,4 4 0-15,1-4 0 16,3 0 0-16,1-7-1 16,0-2 0-16,0 1 0 15,0 1 0-15,-1-17-1 16,1 1 1-16,-4 0-1 0,-1-4 0 15,1-4 0-15,-1-4 1 16,1-8-1-16,-1 1 1 16,5-9 0-16,-5 1 0 15,5-8-1-15,0 0 1 16,0-4-1-16,-1 0 1 16,6-4-1-16,-1 0 0 15,-4-4-2-15,-1 0 1 16,6 1-1-16,3-1 1 15,5 4-1-15,9-4 0 0,8 4 0 16,9 1 1-16,0 3 0 16,12 3 1-16,10-3-1 15,5 0 1-15,12-3-1 16,13 3 0-16,18 3 0 16,4-6 0-16,14-1 0 15,-1 0 1-15,27 4-2 16,-1-8 1-16,9 4 0 15,9 4 1-15,-4 0 0 16,17-4 0-16,-1 4-1 16,-8 0 1-16,18-4 0 15,-5 4 0-15,1 0 0 16,8 0 0-16,-4 0 0 16,8 4 0-16,1-8 0 15,4 4 0-15,-1 0 0 16,5 0 0-16,-5 4 0 15,1 0 0-15,0 0-1 0,-9 4 1 32,127 3-1-32,-40 1 1 15,-30-4-1-15,-13-4 0 16,-14 3 0-16,-26-7 1 16,1 0-1-16,-5 0 0 15,-13 0 1-15,0-3 0 16,4-1 0-16,1 4 0 15,-14-4 0-15,13 0 0 16,-13 4 0-16,0-4 0 0,9 0 0 16,-13 4 0-16,13 0 0 15,-17-4 0-15,-1-3 0 16,-8-1 1-16,4 8-1 16,-17-4 0-16,4-4-1 15,-4 8 1-15,12 0 0 16,-21-4 0-16,4 0 0 15,-4-3 0-15,0 3 0 16,-8 0 1-16,-5 4-1 16,4-4 1-16,0-4-1 15,-4 8 0-15,-8-4 0 16,-6 0 1-16,1-3-1 16,-4-5 0-16,-14 4 0 15,1 4 0-15,-6 1 0 16,-12-5 1-16,-5-8-1 15,-8 9 1-15,-4-5-1 0,-9 0 1 16,-5 1 1-16,-4 3 0 16,-9-4-1-16,1 1 1 15,-10-1-1-15,-3 0 0 16,3 5 0-16,-3-5 0 16,-6-4-1-16,-3 1 1 15,-5 3-1-15,0-7 1 16,1-4-1-16,-1-3 1 15,-4-2-1-15,-5 1 1 16,0 0 0-16,-3 0 0 16,-6-12-1-16,1 4 1 0,0-4 0 15,-1 12 0-15,1-8 0 16,-4 1 0-16,-1-5 0 16,-4-4 0-16,4-7-1 15,-4-8 1-15,0-8 0 16,5 11 0-16,-5 1-1 15,0-3 1-15,0-1-1 16,0 0 0-16,0 7 0 16,0 1 1-16,0 3-1 15,0-3 0-15,-5 3 0 16,1-3 1-16,4-4 0 16,-4-5 0-16,-1 5-1 15,-4 8 1-15,5-1-1 16,0 5 1-16,-1 0-1 15,5 3 0-15,0 0 0 16,0 8 0-16,0 4 0 0,0 0 0 16,0 0 0-16,-4 0 0 15,0-1 0-15,-1 5 0 16,1 4-1-16,0-1 1 16,-1 5-4-16,1 7 0 15,4 8-10-15,9 12 0 16</inkml:trace>
+    <inkml:trace contextRef="#ctx0" brushRef="#br0" timeOffset="10894.242">399 2268 18 0,'8'-23'9'0,"-3"3"-2"16,-5 13 9-16,0-1-12 15,-5 0 1-15,1 4 1 16,0 0 0-16,4 4-8 15,0 0 0-15,0 0 6 16,0 0 1-16,8 0-2 16,5 0 1-16,1 0-2 15,-1 0 1-15,-5 4-1 16,1 8 1-16,0 3-1 16,-5 9 1-16,1-1-1 15,-1 20 1-15,0 19-1 0,1 7 1 16,-1 1-1-16,0-9 0 15,1 9 0-15,-1 4 0 16,-4 3-1-16,0 5 1 16,-4 3-1-16,-5-4 1 15,0-3-1-15,1 0 1 16,-1-14-1-16,0-21 1 16,0-4-1-16,5-8 1 15,0-8-1-15,-1 0 0 16,5-7 0-16,5-4 0 15,3-5-1-15,10 1 1 0,4-4-1 16,13 0 1-16,8 4-1 16,10-8 0-16,-1 4-1 15,5-8 0-15,12 8 0 16,10-4 0-16,-1 3-1 16,18-3 1-16,-1-3 0 15,19-1 0-15,12 8 1 16,5-4 0-16,13 3 0 15,9 1 0-15,8 0-1 16,1 4 1-16,3 0 0 16,14-4 0-16,5-1-1 15,-1 9 1-15,-9-8 0 16,14 0 1-16,-6 0-1 16,6 3 0-16,-14-7 0 15,9 0 1-15,-8 4-1 16,4 0 1-16,0-8-1 0,8 4 1 15,-8 0 0-15,4-4 0 16,1 1 0-16,3 3 0 16,10 0-1-16,-20 0 1 15,15 0-1-15,0 3 0 16,-8-3 0-16,-1 0 1 16,4-3-1-16,-3 6 0 15,-14-3 0-15,0 0 0 16,9 0 0-16,-18 8 0 15,5-4 0-15,-18 0 1 0,17-4 0 16,-8 8 0-16,9-4 0 16,-9-1 0-16,22-3 0 15,-13 4 0-15,12 4-1 16,-12-4 1-16,22-4-1 16,-22 8 1-16,4-4-1 15,4-1 0-15,9-3 0 16,-13 8 0-16,4-8 0 15,14 0 0-15,4-4 0 16,0 8 1-16,-14-8-1 16,10 0 0-16,-13 4 0 15,16 0 0-15,-33-3 0 16,3-1 1-16,0 0-1 16,-12 8 1-16,2-4-1 15,-20 0 1-15,5-4 0 16,7 4 0-16,-12 0-1 0,5 4 0 15,-14-8 0-15,-9 0 1 16,1 0-1-16,3 0 0 16,-12 0 0-16,-18 8 1 15,5-4-1-15,8 4 1 16,-21-8-1-16,8 4 1 16,0-4-1-16,5 0 0 15,-5 1 0-15,-8-1 1 16,-14 0-1-16,-13 4 1 15,4-4 0-15,-3 4 0 16,-1-4 0-16,-8 4 0 0,-1-4-1 16,-8-4 1-16,-4 1-1 15,-1-1 1-15,5-4-1 16,0 5 0-16,0-9 0 16,0 16 0-16,0-4 0 15,0 4 1-15,-1-8 0 16,-3 1 0-16,-5-9-1 15,-4 1 1-15,0-9 0 16,-5-3 0-16,1-12 0 16,-5-15 0-16,4-3 0 15,-8-17 1-15,0-11-1 16,4 7 0-16,0-7-1 16,4-23 1-16,1-9-3 15,-5 32 1-15,4-19-7 16,1 19 0-16,-5 11-13 0,0 8 0 15</inkml:trace>
   </inkml:traceGroup>
 </inkml:ink>
 </file>
@@ -5953,7 +6059,7 @@
           <a:p>
             <a:fld id="{C6F525E1-764E-4E19-B2AE-3E573C03A4C5}" type="datetimeFigureOut">
               <a:rPr lang="en-US" smtClean="0"/>
-              <a:t>2/25/2016</a:t>
+              <a:t>7/13/17</a:t>
             </a:fld>
             <a:endParaRPr lang="en-US"/>
           </a:p>
@@ -6228,7 +6334,7 @@
           <a:p>
             <a:fld id="{C6F525E1-764E-4E19-B2AE-3E573C03A4C5}" type="datetimeFigureOut">
               <a:rPr lang="en-US" smtClean="0"/>
-              <a:t>2/25/2016</a:t>
+              <a:t>7/13/17</a:t>
             </a:fld>
             <a:endParaRPr lang="en-US"/>
           </a:p>
@@ -6422,7 +6528,7 @@
           <a:p>
             <a:fld id="{C6F525E1-764E-4E19-B2AE-3E573C03A4C5}" type="datetimeFigureOut">
               <a:rPr lang="en-US" smtClean="0"/>
-              <a:t>2/25/2016</a:t>
+              <a:t>7/13/17</a:t>
             </a:fld>
             <a:endParaRPr lang="en-US"/>
           </a:p>
@@ -6695,7 +6801,7 @@
           <a:p>
             <a:fld id="{C6F525E1-764E-4E19-B2AE-3E573C03A4C5}" type="datetimeFigureOut">
               <a:rPr lang="en-US" smtClean="0"/>
-              <a:t>2/25/2016</a:t>
+              <a:t>7/13/17</a:t>
             </a:fld>
             <a:endParaRPr lang="en-US"/>
           </a:p>
@@ -7036,7 +7142,7 @@
           <a:p>
             <a:fld id="{C6F525E1-764E-4E19-B2AE-3E573C03A4C5}" type="datetimeFigureOut">
               <a:rPr lang="en-US" smtClean="0"/>
-              <a:t>2/25/2016</a:t>
+              <a:t>7/13/17</a:t>
             </a:fld>
             <a:endParaRPr lang="en-US"/>
           </a:p>
@@ -7659,7 +7765,7 @@
           <a:p>
             <a:fld id="{C6F525E1-764E-4E19-B2AE-3E573C03A4C5}" type="datetimeFigureOut">
               <a:rPr lang="en-US" smtClean="0"/>
-              <a:t>2/25/2016</a:t>
+              <a:t>7/13/17</a:t>
             </a:fld>
             <a:endParaRPr lang="en-US"/>
           </a:p>
@@ -8519,7 +8625,7 @@
           <a:p>
             <a:fld id="{C6F525E1-764E-4E19-B2AE-3E573C03A4C5}" type="datetimeFigureOut">
               <a:rPr lang="en-US" smtClean="0"/>
-              <a:t>2/25/2016</a:t>
+              <a:t>7/13/17</a:t>
             </a:fld>
             <a:endParaRPr lang="en-US"/>
           </a:p>
@@ -8689,7 +8795,7 @@
           <a:p>
             <a:fld id="{C6F525E1-764E-4E19-B2AE-3E573C03A4C5}" type="datetimeFigureOut">
               <a:rPr lang="en-US" smtClean="0"/>
-              <a:t>2/25/2016</a:t>
+              <a:t>7/13/17</a:t>
             </a:fld>
             <a:endParaRPr lang="en-US"/>
           </a:p>
@@ -8869,7 +8975,7 @@
           <a:p>
             <a:fld id="{C6F525E1-764E-4E19-B2AE-3E573C03A4C5}" type="datetimeFigureOut">
               <a:rPr lang="en-US" smtClean="0"/>
-              <a:t>2/25/2016</a:t>
+              <a:t>7/13/17</a:t>
             </a:fld>
             <a:endParaRPr lang="en-US"/>
           </a:p>
@@ -9039,7 +9145,7 @@
           <a:p>
             <a:fld id="{C6F525E1-764E-4E19-B2AE-3E573C03A4C5}" type="datetimeFigureOut">
               <a:rPr lang="en-US" smtClean="0"/>
-              <a:t>2/25/2016</a:t>
+              <a:t>7/13/17</a:t>
             </a:fld>
             <a:endParaRPr lang="en-US"/>
           </a:p>
@@ -9286,7 +9392,7 @@
           <a:p>
             <a:fld id="{C6F525E1-764E-4E19-B2AE-3E573C03A4C5}" type="datetimeFigureOut">
               <a:rPr lang="en-US" smtClean="0"/>
-              <a:t>2/25/2016</a:t>
+              <a:t>7/13/17</a:t>
             </a:fld>
             <a:endParaRPr lang="en-US"/>
           </a:p>
@@ -9578,7 +9684,7 @@
           <a:p>
             <a:fld id="{C6F525E1-764E-4E19-B2AE-3E573C03A4C5}" type="datetimeFigureOut">
               <a:rPr lang="en-US" smtClean="0"/>
-              <a:t>2/25/2016</a:t>
+              <a:t>7/13/17</a:t>
             </a:fld>
             <a:endParaRPr lang="en-US"/>
           </a:p>
@@ -10022,7 +10128,7 @@
           <a:p>
             <a:fld id="{C6F525E1-764E-4E19-B2AE-3E573C03A4C5}" type="datetimeFigureOut">
               <a:rPr lang="en-US" smtClean="0"/>
-              <a:t>2/25/2016</a:t>
+              <a:t>7/13/17</a:t>
             </a:fld>
             <a:endParaRPr lang="en-US"/>
           </a:p>
@@ -10140,7 +10246,7 @@
           <a:p>
             <a:fld id="{C6F525E1-764E-4E19-B2AE-3E573C03A4C5}" type="datetimeFigureOut">
               <a:rPr lang="en-US" smtClean="0"/>
-              <a:t>2/25/2016</a:t>
+              <a:t>7/13/17</a:t>
             </a:fld>
             <a:endParaRPr lang="en-US"/>
           </a:p>
@@ -10235,7 +10341,7 @@
           <a:p>
             <a:fld id="{C6F525E1-764E-4E19-B2AE-3E573C03A4C5}" type="datetimeFigureOut">
               <a:rPr lang="en-US" smtClean="0"/>
-              <a:t>2/25/2016</a:t>
+              <a:t>7/13/17</a:t>
             </a:fld>
             <a:endParaRPr lang="en-US"/>
           </a:p>
@@ -10514,7 +10620,7 @@
           <a:p>
             <a:fld id="{C6F525E1-764E-4E19-B2AE-3E573C03A4C5}" type="datetimeFigureOut">
               <a:rPr lang="en-US" smtClean="0"/>
-              <a:t>2/25/2016</a:t>
+              <a:t>7/13/17</a:t>
             </a:fld>
             <a:endParaRPr lang="en-US"/>
           </a:p>
@@ -10789,7 +10895,7 @@
           <a:p>
             <a:fld id="{C6F525E1-764E-4E19-B2AE-3E573C03A4C5}" type="datetimeFigureOut">
               <a:rPr lang="en-US" smtClean="0"/>
-              <a:t>2/25/2016</a:t>
+              <a:t>7/13/17</a:t>
             </a:fld>
             <a:endParaRPr lang="en-US"/>
           </a:p>
@@ -11218,7 +11324,7 @@
           <a:p>
             <a:fld id="{C6F525E1-764E-4E19-B2AE-3E573C03A4C5}" type="datetimeFigureOut">
               <a:rPr lang="en-US" smtClean="0"/>
-              <a:t>2/25/2016</a:t>
+              <a:t>7/13/17</a:t>
             </a:fld>
             <a:endParaRPr lang="en-US"/>
           </a:p>
@@ -11847,7 +11953,7 @@
           <a:p>
             <a:r>
               <a:rPr lang="en-US" dirty="0" smtClean="0"/>
-              <a:t>NOSQL</a:t>
+              <a:t>Getting elements</a:t>
             </a:r>
             <a:endParaRPr lang="en-US" dirty="0"/>
           </a:p>
@@ -11866,69 +11972,92 @@
         <p:spPr/>
         <p:txBody>
           <a:bodyPr>
-            <a:normAutofit lnSpcReduction="10000"/>
+            <a:normAutofit/>
           </a:bodyPr>
           <a:lstStyle/>
           <a:p>
             <a:r>
+              <a:rPr lang="en-US" dirty="0"/>
+              <a:t>Create instances of </a:t>
+            </a:r>
+            <a:r>
+              <a:rPr lang="en-US" dirty="0" err="1"/>
+              <a:t>ElasticHelper</a:t>
+            </a:r>
+            <a:r>
+              <a:rPr lang="en-US" dirty="0"/>
+              <a:t> and </a:t>
+            </a:r>
+            <a:r>
+              <a:rPr lang="en-US" dirty="0" err="1"/>
+              <a:t>PostgresHelper</a:t>
+            </a:r>
+            <a:endParaRPr lang="en-US" dirty="0"/>
+          </a:p>
+          <a:p>
+            <a:r>
+              <a:rPr lang="en-US" dirty="0"/>
+              <a:t>Get all other relevant information, validation, etc. form </a:t>
+            </a:r>
+            <a:r>
               <a:rPr lang="en-US" dirty="0" smtClean="0"/>
-              <a:t>All access to ES is done via the ElasticHelper.java</a:t>
+              <a:t>request</a:t>
             </a:r>
           </a:p>
           <a:p>
             <a:r>
               <a:rPr lang="en-US" dirty="0" smtClean="0"/>
-              <a:t>This currently uses the connection factory that ES library JEST provides</a:t>
-            </a:r>
-          </a:p>
-          <a:p>
-            <a:pPr lvl="1"/>
+              <a:t>Access </a:t>
+            </a:r>
             <a:r>
               <a:rPr lang="en-US" dirty="0" smtClean="0"/>
-              <a:t>We can switch to a different library, which should be simple enough in the code. But, the issue may arise when dealing with Alfresco and the POM.XML file, and whether it will work with all the other </a:t>
+              <a:t>DB</a:t>
+            </a:r>
+            <a:r>
+              <a:rPr lang="en-US" dirty="0" smtClean="0"/>
+              <a:t> </a:t>
+            </a:r>
+            <a:r>
+              <a:rPr lang="en-US" dirty="0" smtClean="0"/>
+              <a:t>to get the </a:t>
             </a:r>
             <a:r>
               <a:rPr lang="en-US" dirty="0" err="1" smtClean="0"/>
-              <a:t>depencencies</a:t>
+              <a:t>ElasticSearch</a:t>
             </a:r>
             <a:r>
               <a:rPr lang="en-US" dirty="0" smtClean="0"/>
-              <a:t> etc. </a:t>
+              <a:t> IDs for all documents that we are interested in</a:t>
             </a:r>
           </a:p>
           <a:p>
             <a:r>
               <a:rPr lang="en-US" dirty="0" smtClean="0"/>
-              <a:t>The document for each node is slightly different now. It has two root objects: metadata and element, these are combined into one when returning to </a:t>
+              <a:t>Access ES via </a:t>
             </a:r>
             <a:r>
               <a:rPr lang="en-US" dirty="0" err="1" smtClean="0"/>
-              <a:t>ViewEditor</a:t>
+              <a:t>ElasticHelper</a:t>
             </a:r>
             <a:r>
               <a:rPr lang="en-US" dirty="0" smtClean="0"/>
-              <a:t> etc. </a:t>
-            </a:r>
-          </a:p>
-          <a:p>
-            <a:pPr lvl="1"/>
+              <a:t> and get those </a:t>
+            </a:r>
             <a:r>
               <a:rPr lang="en-US" dirty="0" smtClean="0"/>
-              <a:t>TODO: consider changing </a:t>
-            </a:r>
-            <a:r>
-              <a:rPr lang="en-US" dirty="0" err="1" smtClean="0"/>
-              <a:t>ViewEditor</a:t>
-            </a:r>
+              <a:t>documents</a:t>
+            </a:r>
+            <a:endParaRPr lang="en-US" dirty="0"/>
+          </a:p>
+          <a:p>
             <a:r>
               <a:rPr lang="en-US" dirty="0" smtClean="0"/>
-              <a:t> and other clients to actually consume this directly for performance and simplicity/</a:t>
-            </a:r>
-            <a:r>
-              <a:rPr lang="en-US" dirty="0" err="1" smtClean="0"/>
-              <a:t>consisitency</a:t>
-            </a:r>
-            <a:endParaRPr lang="en-US" dirty="0" smtClean="0"/>
+              <a:t>Create </a:t>
+            </a:r>
+            <a:r>
+              <a:rPr lang="en-US" dirty="0"/>
+              <a:t>JSON response and return</a:t>
+            </a:r>
           </a:p>
           <a:p>
             <a:endParaRPr lang="en-US" dirty="0"/>
@@ -11938,7 +12067,7 @@
     </p:spTree>
     <p:extLst>
       <p:ext uri="{BB962C8B-B14F-4D97-AF65-F5344CB8AC3E}">
-        <p14:creationId xmlns:p14="http://schemas.microsoft.com/office/powerpoint/2010/main" val="3078871297"/>
+        <p14:creationId xmlns:p14="http://schemas.microsoft.com/office/powerpoint/2010/main" val="3171297992"/>
       </p:ext>
     </p:extLst>
   </p:cSld>
@@ -11982,11 +12111,7 @@
           <a:p>
             <a:r>
               <a:rPr lang="en-US" dirty="0" smtClean="0"/>
-              <a:t>Document example in </a:t>
-            </a:r>
-            <a:r>
-              <a:rPr lang="en-US" dirty="0" err="1" smtClean="0"/>
-              <a:t>es</a:t>
+              <a:t>Some finer points</a:t>
             </a:r>
             <a:endParaRPr lang="en-US" dirty="0"/>
           </a:p>
@@ -12004,295 +12129,68 @@
         </p:nvSpPr>
         <p:spPr/>
         <p:txBody>
-          <a:bodyPr>
-            <a:noAutofit/>
-          </a:bodyPr>
+          <a:bodyPr/>
           <a:lstStyle/>
           <a:p>
-            <a:pPr marL="0" indent="0">
-              <a:buNone/>
-            </a:pPr>
-            <a:r>
-              <a:rPr lang="en-US" sz="900" b="1" dirty="0"/>
-              <a:t>{</a:t>
-            </a:r>
-          </a:p>
-          <a:p>
-            <a:pPr marL="0" indent="0">
-              <a:buNone/>
-            </a:pPr>
-            <a:r>
-              <a:rPr lang="en-US" sz="1200" b="1" dirty="0"/>
-              <a:t>   "metadata":{</a:t>
-            </a:r>
-          </a:p>
-          <a:p>
-            <a:pPr marL="0" indent="0">
-              <a:buNone/>
-            </a:pPr>
-            <a:r>
-              <a:rPr lang="en-US" sz="1200" b="1" dirty="0"/>
-              <a:t>      "</a:t>
-            </a:r>
-            <a:r>
-              <a:rPr lang="en-US" sz="1200" b="1" dirty="0" err="1"/>
-              <a:t>creator":"admin</a:t>
-            </a:r>
-            <a:r>
-              <a:rPr lang="en-US" sz="1200" b="1" dirty="0"/>
-              <a:t>",</a:t>
-            </a:r>
-          </a:p>
-          <a:p>
-            <a:pPr marL="0" indent="0">
-              <a:buNone/>
-            </a:pPr>
-            <a:r>
-              <a:rPr lang="en-US" sz="1200" b="1" dirty="0"/>
-              <a:t>      "</a:t>
-            </a:r>
-            <a:r>
-              <a:rPr lang="en-US" sz="1200" b="1" dirty="0" err="1"/>
-              <a:t>qualifiedId</a:t>
-            </a:r>
-            <a:r>
-              <a:rPr lang="en-US" sz="1200" b="1" dirty="0"/>
-              <a:t>":"</a:t>
-            </a:r>
-            <a:r>
-              <a:rPr lang="en-US" sz="1200" b="1" dirty="0" err="1"/>
-              <a:t>europa</a:t>
-            </a:r>
-            <a:r>
-              <a:rPr lang="en-US" sz="1200" b="1" dirty="0"/>
-              <a:t>/JW_TEST/</a:t>
-            </a:r>
-            <a:r>
-              <a:rPr lang="en-US" sz="1200" b="1" dirty="0" err="1"/>
-              <a:t>dlam</a:t>
-            </a:r>
-            <a:r>
-              <a:rPr lang="en-US" sz="1200" b="1" dirty="0"/>
-              <a:t>",</a:t>
-            </a:r>
-          </a:p>
-          <a:p>
-            <a:pPr marL="0" indent="0">
-              <a:buNone/>
-            </a:pPr>
-            <a:r>
-              <a:rPr lang="en-US" sz="1200" b="1" dirty="0"/>
-              <a:t>      "created":"2016-02-12T09:43:07.735-0800",</a:t>
-            </a:r>
-          </a:p>
-          <a:p>
-            <a:pPr marL="0" indent="0">
-              <a:buNone/>
-            </a:pPr>
-            <a:r>
-              <a:rPr lang="en-US" sz="1200" b="1" dirty="0"/>
-              <a:t>      "</a:t>
-            </a:r>
-            <a:r>
-              <a:rPr lang="en-US" sz="1200" b="1" dirty="0" err="1"/>
-              <a:t>qualifiedName</a:t>
-            </a:r>
-            <a:r>
-              <a:rPr lang="en-US" sz="1200" b="1" dirty="0"/>
-              <a:t>":"</a:t>
-            </a:r>
-            <a:r>
-              <a:rPr lang="en-US" sz="1200" b="1" dirty="0" err="1"/>
-              <a:t>europa</a:t>
-            </a:r>
-            <a:r>
-              <a:rPr lang="en-US" sz="1200" b="1" dirty="0"/>
-              <a:t>/123456/</a:t>
-            </a:r>
-            <a:r>
-              <a:rPr lang="en-US" sz="1200" b="1" dirty="0" err="1"/>
-              <a:t>dlam</a:t>
-            </a:r>
-            <a:r>
-              <a:rPr lang="en-US" sz="1200" b="1" dirty="0"/>
-              <a:t>",</a:t>
-            </a:r>
-          </a:p>
-          <a:p>
-            <a:pPr marL="0" indent="0">
-              <a:buNone/>
-            </a:pPr>
-            <a:r>
-              <a:rPr lang="en-US" sz="1200" b="1" dirty="0"/>
-              <a:t>      "</a:t>
-            </a:r>
-            <a:r>
-              <a:rPr lang="en-US" sz="1200" b="1" dirty="0" err="1"/>
-              <a:t>modifier":"admin</a:t>
-            </a:r>
-            <a:r>
-              <a:rPr lang="en-US" sz="1200" b="1" dirty="0"/>
-              <a:t>",</a:t>
-            </a:r>
-          </a:p>
-          <a:p>
-            <a:pPr marL="0" indent="0">
-              <a:buNone/>
-            </a:pPr>
-            <a:r>
-              <a:rPr lang="en-US" sz="1200" b="1" dirty="0"/>
-              <a:t>      "modified":"2016-02-12T09:43:07.735-0800"      </a:t>
-            </a:r>
-          </a:p>
-          <a:p>
-            <a:pPr marL="0" indent="0">
-              <a:buNone/>
-            </a:pPr>
-            <a:r>
-              <a:rPr lang="en-US" sz="1200" b="1" dirty="0" smtClean="0"/>
-              <a:t>   },</a:t>
-            </a:r>
-          </a:p>
-          <a:p>
-            <a:pPr marL="0" indent="0">
-              <a:buNone/>
-            </a:pPr>
-            <a:r>
-              <a:rPr lang="en-US" sz="600" b="1" dirty="0" smtClean="0"/>
-              <a:t>   "element":{</a:t>
-            </a:r>
-          </a:p>
-          <a:p>
-            <a:pPr marL="0" indent="0">
-              <a:buNone/>
-            </a:pPr>
-            <a:r>
-              <a:rPr lang="en-US" sz="600" b="1" dirty="0" smtClean="0"/>
-              <a:t>      "owner":"123456",</a:t>
-            </a:r>
-          </a:p>
-          <a:p>
-            <a:pPr marL="0" indent="0">
-              <a:buNone/>
-            </a:pPr>
-            <a:r>
-              <a:rPr lang="en-US" sz="600" b="1" dirty="0" smtClean="0"/>
-              <a:t>      "</a:t>
-            </a:r>
-            <a:r>
-              <a:rPr lang="en-US" sz="600" b="1" dirty="0" err="1" smtClean="0"/>
-              <a:t>documentation":"to</a:t>
-            </a:r>
-            <a:r>
-              <a:rPr lang="en-US" sz="600" b="1" dirty="0" smtClean="0"/>
-              <a:t> make compatible with value specs (this is just a Element)",</a:t>
-            </a:r>
-          </a:p>
-          <a:p>
-            <a:pPr marL="0" indent="0">
-              <a:buNone/>
-            </a:pPr>
-            <a:r>
-              <a:rPr lang="en-US" sz="600" b="1" dirty="0" smtClean="0"/>
-              <a:t>      "name":"</a:t>
-            </a:r>
-            <a:r>
-              <a:rPr lang="en-US" sz="600" b="1" dirty="0" err="1" smtClean="0"/>
-              <a:t>dlam</a:t>
-            </a:r>
-            <a:r>
-              <a:rPr lang="en-US" sz="600" b="1" dirty="0" smtClean="0"/>
-              <a:t>",</a:t>
-            </a:r>
-          </a:p>
-          <a:p>
-            <a:pPr marL="0" indent="0">
-              <a:buNone/>
-            </a:pPr>
-            <a:r>
-              <a:rPr lang="en-US" sz="600" b="1" dirty="0" smtClean="0"/>
-              <a:t>      "</a:t>
-            </a:r>
-            <a:r>
-              <a:rPr lang="en-US" sz="600" b="1" dirty="0" err="1" smtClean="0"/>
-              <a:t>sysmlid</a:t>
-            </a:r>
-            <a:r>
-              <a:rPr lang="en-US" sz="600" b="1" dirty="0" smtClean="0"/>
-              <a:t>":"</a:t>
-            </a:r>
-            <a:r>
-              <a:rPr lang="en-US" sz="600" b="1" dirty="0" err="1" smtClean="0"/>
-              <a:t>dlam</a:t>
-            </a:r>
-            <a:r>
-              <a:rPr lang="en-US" sz="600" b="1" dirty="0" smtClean="0"/>
-              <a:t>"      </a:t>
-            </a:r>
-          </a:p>
-          <a:p>
-            <a:pPr marL="0" indent="0">
-              <a:buNone/>
-            </a:pPr>
-            <a:r>
-              <a:rPr lang="en-US" sz="600" b="1" dirty="0" smtClean="0"/>
-              <a:t>   }   </a:t>
-            </a:r>
-          </a:p>
-          <a:p>
-            <a:pPr marL="0" indent="0">
-              <a:buNone/>
-            </a:pPr>
-            <a:r>
-              <a:rPr lang="en-US" sz="900" b="1" dirty="0" smtClean="0"/>
-              <a:t>}</a:t>
-            </a:r>
-            <a:endParaRPr lang="en-US" sz="900" b="1" dirty="0"/>
-          </a:p>
-        </p:txBody>
-      </p:sp>
-      <p:sp>
-        <p:nvSpPr>
-          <p:cNvPr id="4" name="Rectangular Callout 3"/>
-          <p:cNvSpPr/>
-          <p:nvPr/>
-        </p:nvSpPr>
-        <p:spPr>
-          <a:xfrm>
-            <a:off x="7488936" y="2249487"/>
-            <a:ext cx="2935224" cy="1737360"/>
-          </a:xfrm>
-          <a:prstGeom prst="wedgeRectCallout">
-            <a:avLst>
-              <a:gd name="adj1" fmla="val -162471"/>
-              <a:gd name="adj2" fmla="val -4555"/>
-            </a:avLst>
-          </a:prstGeom>
-        </p:spPr>
-        <p:style>
-          <a:lnRef idx="2">
-            <a:schemeClr val="accent5">
-              <a:shade val="50000"/>
-            </a:schemeClr>
-          </a:lnRef>
-          <a:fillRef idx="1">
-            <a:schemeClr val="accent5"/>
-          </a:fillRef>
-          <a:effectRef idx="0">
-            <a:schemeClr val="accent5"/>
-          </a:effectRef>
-          <a:fontRef idx="minor">
-            <a:schemeClr val="lt1"/>
-          </a:fontRef>
-        </p:style>
-        <p:txBody>
-          <a:bodyPr rtlCol="0" anchor="ctr"/>
-          <a:lstStyle/>
-          <a:p>
-            <a:pPr algn="ctr"/>
             <a:r>
               <a:rPr lang="en-US" dirty="0" smtClean="0"/>
-              <a:t>Metadata object introduced by the MMS middle layer to store information.</a:t>
+              <a:t>ES supports types, which we are currently using</a:t>
+            </a:r>
+          </a:p>
+          <a:p>
+            <a:r>
+              <a:rPr lang="en-US" dirty="0" smtClean="0"/>
+              <a:t>For each </a:t>
+            </a:r>
+            <a:r>
+              <a:rPr lang="en-US" dirty="0" smtClean="0"/>
+              <a:t>ref, </a:t>
+            </a:r>
+            <a:r>
+              <a:rPr lang="en-US" dirty="0" smtClean="0"/>
+              <a:t>we essentially copy the current state of the </a:t>
+            </a:r>
+            <a:r>
+              <a:rPr lang="en-US" dirty="0" err="1" smtClean="0"/>
+              <a:t>nodes,edges</a:t>
+            </a:r>
+            <a:r>
+              <a:rPr lang="en-US" dirty="0" smtClean="0"/>
+              <a:t> </a:t>
+            </a:r>
+            <a:r>
+              <a:rPr lang="en-US" dirty="0" smtClean="0"/>
+              <a:t>tables</a:t>
+            </a:r>
+          </a:p>
+          <a:p>
+            <a:pPr lvl="1"/>
+            <a:r>
+              <a:rPr lang="en-US" dirty="0" smtClean="0"/>
+              <a:t>Can this get expensive? I don’t suspect </a:t>
+            </a:r>
+            <a:r>
+              <a:rPr lang="en-US" dirty="0" smtClean="0"/>
+              <a:t>too </a:t>
+            </a:r>
+            <a:r>
+              <a:rPr lang="en-US" dirty="0" smtClean="0"/>
+              <a:t>bad. But depends. </a:t>
+            </a:r>
+          </a:p>
+          <a:p>
+            <a:pPr lvl="1"/>
+            <a:r>
+              <a:rPr lang="en-US" dirty="0" smtClean="0"/>
+              <a:t>For example: a million nodes and edges cost us roughly 30 MB to store in the database. lets go conservative and say 100 MB. So we can save 10 </a:t>
+            </a:r>
+            <a:r>
+              <a:rPr lang="en-US" dirty="0" smtClean="0"/>
+              <a:t>refs </a:t>
+            </a:r>
+            <a:r>
+              <a:rPr lang="en-US" dirty="0" smtClean="0"/>
+              <a:t>per 1 GB. Which seems very tractable… </a:t>
             </a:r>
             <a:endParaRPr lang="en-US" dirty="0"/>
           </a:p>
@@ -12301,7 +12199,7 @@
     </p:spTree>
     <p:extLst>
       <p:ext uri="{BB962C8B-B14F-4D97-AF65-F5344CB8AC3E}">
-        <p14:creationId xmlns:p14="http://schemas.microsoft.com/office/powerpoint/2010/main" val="418275940"/>
+        <p14:creationId xmlns:p14="http://schemas.microsoft.com/office/powerpoint/2010/main" val="97901544"/>
       </p:ext>
     </p:extLst>
   </p:cSld>
@@ -12345,11 +12243,7 @@
           <a:p>
             <a:r>
               <a:rPr lang="en-US" dirty="0" smtClean="0"/>
-              <a:t>Document example in </a:t>
-            </a:r>
-            <a:r>
-              <a:rPr lang="en-US" dirty="0" err="1" smtClean="0"/>
-              <a:t>es</a:t>
+              <a:t>How to do commits</a:t>
             </a:r>
             <a:endParaRPr lang="en-US" dirty="0"/>
           </a:p>
@@ -12368,294 +12262,59 @@
         <p:spPr/>
         <p:txBody>
           <a:bodyPr>
-            <a:noAutofit/>
+            <a:normAutofit/>
           </a:bodyPr>
           <a:lstStyle/>
           <a:p>
-            <a:pPr marL="0" indent="0">
-              <a:buNone/>
-            </a:pPr>
-            <a:r>
-              <a:rPr lang="en-US" sz="900" b="1" dirty="0"/>
-              <a:t>{</a:t>
-            </a:r>
-          </a:p>
-          <a:p>
-            <a:pPr marL="0" indent="0">
-              <a:buNone/>
-            </a:pPr>
-            <a:r>
-              <a:rPr lang="en-US" sz="600" dirty="0"/>
-              <a:t>   "metadata":{</a:t>
-            </a:r>
-          </a:p>
-          <a:p>
-            <a:pPr marL="0" indent="0">
-              <a:buNone/>
-            </a:pPr>
-            <a:r>
-              <a:rPr lang="en-US" sz="600" dirty="0"/>
-              <a:t>      "</a:t>
-            </a:r>
-            <a:r>
-              <a:rPr lang="en-US" sz="600" dirty="0" err="1"/>
-              <a:t>creator":"admin</a:t>
-            </a:r>
-            <a:r>
-              <a:rPr lang="en-US" sz="600" dirty="0"/>
-              <a:t>",</a:t>
-            </a:r>
-          </a:p>
-          <a:p>
-            <a:pPr marL="0" indent="0">
-              <a:buNone/>
-            </a:pPr>
-            <a:r>
-              <a:rPr lang="en-US" sz="600" dirty="0"/>
-              <a:t>      "</a:t>
-            </a:r>
-            <a:r>
-              <a:rPr lang="en-US" sz="600" dirty="0" err="1"/>
-              <a:t>qualifiedId</a:t>
-            </a:r>
-            <a:r>
-              <a:rPr lang="en-US" sz="600" dirty="0"/>
-              <a:t>":"</a:t>
-            </a:r>
-            <a:r>
-              <a:rPr lang="en-US" sz="600" dirty="0" err="1"/>
-              <a:t>europa</a:t>
-            </a:r>
-            <a:r>
-              <a:rPr lang="en-US" sz="600" dirty="0"/>
-              <a:t>/JW_TEST/</a:t>
-            </a:r>
-            <a:r>
-              <a:rPr lang="en-US" sz="600" dirty="0" err="1"/>
-              <a:t>dlam</a:t>
-            </a:r>
-            <a:r>
-              <a:rPr lang="en-US" sz="600" dirty="0"/>
-              <a:t>",</a:t>
-            </a:r>
-          </a:p>
-          <a:p>
-            <a:pPr marL="0" indent="0">
-              <a:buNone/>
-            </a:pPr>
-            <a:r>
-              <a:rPr lang="en-US" sz="600" dirty="0"/>
-              <a:t>      "created":"2016-02-12T09:43:07.735-0800",</a:t>
-            </a:r>
-          </a:p>
-          <a:p>
-            <a:pPr marL="0" indent="0">
-              <a:buNone/>
-            </a:pPr>
-            <a:r>
-              <a:rPr lang="en-US" sz="600" dirty="0"/>
-              <a:t>      "</a:t>
-            </a:r>
-            <a:r>
-              <a:rPr lang="en-US" sz="600" dirty="0" err="1"/>
-              <a:t>qualifiedName</a:t>
-            </a:r>
-            <a:r>
-              <a:rPr lang="en-US" sz="600" dirty="0"/>
-              <a:t>":"</a:t>
-            </a:r>
-            <a:r>
-              <a:rPr lang="en-US" sz="600" dirty="0" err="1"/>
-              <a:t>europa</a:t>
-            </a:r>
-            <a:r>
-              <a:rPr lang="en-US" sz="600" dirty="0"/>
-              <a:t>/123456/</a:t>
-            </a:r>
-            <a:r>
-              <a:rPr lang="en-US" sz="600" dirty="0" err="1"/>
-              <a:t>dlam</a:t>
-            </a:r>
-            <a:r>
-              <a:rPr lang="en-US" sz="600" dirty="0"/>
-              <a:t>",</a:t>
-            </a:r>
-          </a:p>
-          <a:p>
-            <a:pPr marL="0" indent="0">
-              <a:buNone/>
-            </a:pPr>
-            <a:r>
-              <a:rPr lang="en-US" sz="600" dirty="0"/>
-              <a:t>      "</a:t>
-            </a:r>
-            <a:r>
-              <a:rPr lang="en-US" sz="600" dirty="0" err="1"/>
-              <a:t>modifier":"admin</a:t>
-            </a:r>
-            <a:r>
-              <a:rPr lang="en-US" sz="600" dirty="0"/>
-              <a:t>",</a:t>
-            </a:r>
-          </a:p>
-          <a:p>
-            <a:pPr marL="0" indent="0">
-              <a:buNone/>
-            </a:pPr>
-            <a:r>
-              <a:rPr lang="en-US" sz="600" dirty="0"/>
-              <a:t>      "modified":"2016-02-12T09:43:07.735-0800"      </a:t>
-            </a:r>
-          </a:p>
-          <a:p>
-            <a:pPr marL="0" indent="0">
-              <a:buNone/>
-            </a:pPr>
-            <a:r>
-              <a:rPr lang="en-US" sz="600" dirty="0" smtClean="0"/>
-              <a:t>   },</a:t>
-            </a:r>
-          </a:p>
-          <a:p>
-            <a:pPr marL="0" indent="0">
-              <a:buNone/>
-            </a:pPr>
-            <a:r>
-              <a:rPr lang="en-US" sz="1200" b="1" dirty="0" smtClean="0"/>
-              <a:t>   "element":{</a:t>
-            </a:r>
-          </a:p>
-          <a:p>
-            <a:pPr marL="0" indent="0">
-              <a:buNone/>
-            </a:pPr>
-            <a:r>
-              <a:rPr lang="en-US" sz="1200" b="1" dirty="0" smtClean="0"/>
-              <a:t>      "owner":"123456",</a:t>
-            </a:r>
-          </a:p>
-          <a:p>
-            <a:pPr marL="0" indent="0">
-              <a:buNone/>
-            </a:pPr>
-            <a:r>
-              <a:rPr lang="en-US" sz="1200" b="1" dirty="0" smtClean="0"/>
-              <a:t>      "</a:t>
-            </a:r>
-            <a:r>
-              <a:rPr lang="en-US" sz="1200" b="1" dirty="0" err="1" smtClean="0"/>
-              <a:t>documentation":"to</a:t>
-            </a:r>
-            <a:r>
-              <a:rPr lang="en-US" sz="1200" b="1" dirty="0" smtClean="0"/>
-              <a:t> make compatible with value specs (this is just a Element)",</a:t>
-            </a:r>
-          </a:p>
-          <a:p>
-            <a:pPr marL="0" indent="0">
-              <a:buNone/>
-            </a:pPr>
-            <a:r>
-              <a:rPr lang="en-US" sz="1200" b="1" dirty="0" smtClean="0"/>
-              <a:t>      "name":"</a:t>
-            </a:r>
-            <a:r>
-              <a:rPr lang="en-US" sz="1200" b="1" dirty="0" err="1" smtClean="0"/>
-              <a:t>dlam</a:t>
-            </a:r>
-            <a:r>
-              <a:rPr lang="en-US" sz="1200" b="1" dirty="0" smtClean="0"/>
-              <a:t>",</a:t>
-            </a:r>
-          </a:p>
-          <a:p>
-            <a:pPr marL="0" indent="0">
-              <a:buNone/>
-            </a:pPr>
-            <a:r>
-              <a:rPr lang="en-US" sz="1200" b="1" dirty="0" smtClean="0"/>
-              <a:t>      "</a:t>
-            </a:r>
-            <a:r>
-              <a:rPr lang="en-US" sz="1200" b="1" dirty="0" err="1" smtClean="0"/>
-              <a:t>sysmlid</a:t>
-            </a:r>
-            <a:r>
-              <a:rPr lang="en-US" sz="1200" b="1" dirty="0" smtClean="0"/>
-              <a:t>":"</a:t>
-            </a:r>
-            <a:r>
-              <a:rPr lang="en-US" sz="1200" b="1" dirty="0" err="1" smtClean="0"/>
-              <a:t>dlam</a:t>
-            </a:r>
-            <a:r>
-              <a:rPr lang="en-US" sz="1200" b="1" dirty="0" smtClean="0"/>
-              <a:t>"      </a:t>
-            </a:r>
-          </a:p>
-          <a:p>
-            <a:pPr marL="0" indent="0">
-              <a:buNone/>
-            </a:pPr>
-            <a:r>
-              <a:rPr lang="en-US" sz="1200" b="1" dirty="0" smtClean="0"/>
-              <a:t>   }   </a:t>
-            </a:r>
-          </a:p>
-          <a:p>
-            <a:pPr marL="0" indent="0">
-              <a:buNone/>
-            </a:pPr>
-            <a:r>
-              <a:rPr lang="en-US" sz="900" b="1" dirty="0" smtClean="0"/>
-              <a:t>}</a:t>
-            </a:r>
-            <a:endParaRPr lang="en-US" sz="900" b="1" dirty="0"/>
-          </a:p>
-        </p:txBody>
-      </p:sp>
-      <p:sp>
-        <p:nvSpPr>
-          <p:cNvPr id="4" name="Rectangular Callout 3"/>
-          <p:cNvSpPr/>
-          <p:nvPr/>
-        </p:nvSpPr>
-        <p:spPr>
-          <a:xfrm>
-            <a:off x="7488936" y="2249487"/>
-            <a:ext cx="2935224" cy="1737360"/>
-          </a:xfrm>
-          <a:prstGeom prst="wedgeRectCallout">
-            <a:avLst>
-              <a:gd name="adj1" fmla="val -180367"/>
-              <a:gd name="adj2" fmla="val 82231"/>
-            </a:avLst>
-          </a:prstGeom>
-        </p:spPr>
-        <p:style>
-          <a:lnRef idx="2">
-            <a:schemeClr val="accent5">
-              <a:shade val="50000"/>
-            </a:schemeClr>
-          </a:lnRef>
-          <a:fillRef idx="1">
-            <a:schemeClr val="accent5"/>
-          </a:fillRef>
-          <a:effectRef idx="0">
-            <a:schemeClr val="accent5"/>
-          </a:effectRef>
-          <a:fontRef idx="minor">
-            <a:schemeClr val="lt1"/>
-          </a:fontRef>
-        </p:style>
-        <p:txBody>
-          <a:bodyPr rtlCol="0" anchor="ctr"/>
-          <a:lstStyle/>
-          <a:p>
-            <a:pPr algn="ctr"/>
             <a:r>
               <a:rPr lang="en-US" dirty="0" smtClean="0"/>
-              <a:t>Actual element data given to the MMS, completely untouched</a:t>
+              <a:t>Store commit data in ES</a:t>
+            </a:r>
+          </a:p>
+          <a:p>
+            <a:r>
+              <a:rPr lang="en-US" dirty="0" smtClean="0"/>
+              <a:t>Store reference in commits table for the workspace</a:t>
+            </a:r>
+          </a:p>
+          <a:p>
+            <a:r>
+              <a:rPr lang="en-US" dirty="0" smtClean="0"/>
+              <a:t>Special commit types</a:t>
+            </a:r>
+          </a:p>
+          <a:p>
+            <a:pPr lvl="1"/>
+            <a:r>
+              <a:rPr lang="en-US" dirty="0" smtClean="0"/>
+              <a:t>Branch: a marker to see who the parent branch is</a:t>
+            </a:r>
+          </a:p>
+          <a:p>
+            <a:pPr lvl="1"/>
+            <a:r>
+              <a:rPr lang="en-US" dirty="0" smtClean="0"/>
+              <a:t>Merge: a marker to indicate that a different branch was merged in</a:t>
+            </a:r>
+          </a:p>
+          <a:p>
+            <a:r>
+              <a:rPr lang="en-US" dirty="0" smtClean="0"/>
+              <a:t>Commit data contains: added, </a:t>
+            </a:r>
+            <a:r>
+              <a:rPr lang="en-US" dirty="0" smtClean="0"/>
+              <a:t>deleted, </a:t>
+            </a:r>
+            <a:r>
+              <a:rPr lang="en-US" dirty="0" smtClean="0"/>
+              <a:t>updated</a:t>
+            </a:r>
+          </a:p>
+          <a:p>
+            <a:r>
+              <a:rPr lang="en-US" dirty="0" smtClean="0"/>
+              <a:t>For each commit and state of graph, need to know how to reverse process</a:t>
             </a:r>
             <a:endParaRPr lang="en-US" dirty="0"/>
           </a:p>
@@ -12664,7 +12323,7 @@
     </p:spTree>
     <p:extLst>
       <p:ext uri="{BB962C8B-B14F-4D97-AF65-F5344CB8AC3E}">
-        <p14:creationId xmlns:p14="http://schemas.microsoft.com/office/powerpoint/2010/main" val="729213019"/>
+        <p14:creationId xmlns:p14="http://schemas.microsoft.com/office/powerpoint/2010/main" val="1713905118"/>
       </p:ext>
     </p:extLst>
   </p:cSld>
@@ -12708,170 +12367,11 @@
           <a:p>
             <a:r>
               <a:rPr lang="en-US" dirty="0" smtClean="0"/>
-              <a:t>Example </a:t>
-            </a:r>
-            <a:r>
-              <a:rPr lang="en-US" dirty="0" err="1" smtClean="0"/>
-              <a:t>webscript</a:t>
+              <a:t>How to do branching in past </a:t>
             </a:r>
             <a:r>
               <a:rPr lang="en-US" dirty="0" smtClean="0"/>
-              <a:t> in new world: </a:t>
-            </a:r>
-            <a:r>
-              <a:rPr lang="en-US" dirty="0" err="1" smtClean="0"/>
-              <a:t>modelpost</a:t>
-            </a:r>
-            <a:endParaRPr lang="en-US" dirty="0"/>
-          </a:p>
-        </p:txBody>
-      </p:sp>
-      <p:sp>
-        <p:nvSpPr>
-          <p:cNvPr id="3" name="Content Placeholder 2"/>
-          <p:cNvSpPr>
-            <a:spLocks noGrp="1"/>
-          </p:cNvSpPr>
-          <p:nvPr>
-            <p:ph idx="1"/>
-          </p:nvPr>
-        </p:nvSpPr>
-        <p:spPr/>
-        <p:txBody>
-          <a:bodyPr>
-            <a:normAutofit fontScale="92500"/>
-          </a:bodyPr>
-          <a:lstStyle/>
-          <a:p>
-            <a:r>
-              <a:rPr lang="en-US" dirty="0" smtClean="0"/>
-              <a:t>Create instances of </a:t>
-            </a:r>
-            <a:r>
-              <a:rPr lang="en-US" dirty="0" err="1" smtClean="0"/>
-              <a:t>ElasticHelper</a:t>
-            </a:r>
-            <a:r>
-              <a:rPr lang="en-US" dirty="0" smtClean="0"/>
-              <a:t> and </a:t>
-            </a:r>
-            <a:r>
-              <a:rPr lang="en-US" dirty="0" err="1" smtClean="0"/>
-              <a:t>PostgresHelper</a:t>
-            </a:r>
-            <a:endParaRPr lang="en-US" dirty="0" smtClean="0"/>
-          </a:p>
-          <a:p>
-            <a:r>
-              <a:rPr lang="en-US" dirty="0" smtClean="0"/>
-              <a:t>Get all other relevant information, validation, etc. form request</a:t>
-            </a:r>
-          </a:p>
-          <a:p>
-            <a:r>
-              <a:rPr lang="en-US" dirty="0" smtClean="0"/>
-              <a:t>Figure out if the elements are to go to the holding bin or not</a:t>
-            </a:r>
-          </a:p>
-          <a:p>
-            <a:r>
-              <a:rPr lang="en-US" dirty="0" smtClean="0"/>
-              <a:t>If owner is not found, we have a problem – BAIL</a:t>
-            </a:r>
-          </a:p>
-          <a:p>
-            <a:r>
-              <a:rPr lang="en-US" dirty="0" smtClean="0"/>
-              <a:t>Calculate the qualified name and ID information for each node</a:t>
-            </a:r>
-          </a:p>
-          <a:p>
-            <a:r>
-              <a:rPr lang="en-US" dirty="0" smtClean="0"/>
-              <a:t>Add metadata for each element</a:t>
-            </a:r>
-          </a:p>
-          <a:p>
-            <a:r>
-              <a:rPr lang="en-US" dirty="0" smtClean="0"/>
-              <a:t>Store elements in ES</a:t>
-            </a:r>
-          </a:p>
-          <a:p>
-            <a:r>
-              <a:rPr lang="en-US" dirty="0" smtClean="0"/>
-              <a:t>Update graph</a:t>
-            </a:r>
-          </a:p>
-          <a:p>
-            <a:r>
-              <a:rPr lang="en-US" dirty="0" smtClean="0"/>
-              <a:t>Create JSON response and return</a:t>
-            </a:r>
-            <a:endParaRPr lang="en-US" dirty="0"/>
-          </a:p>
-        </p:txBody>
-      </p:sp>
-    </p:spTree>
-    <p:extLst>
-      <p:ext uri="{BB962C8B-B14F-4D97-AF65-F5344CB8AC3E}">
-        <p14:creationId xmlns:p14="http://schemas.microsoft.com/office/powerpoint/2010/main" val="1194385329"/>
-      </p:ext>
-    </p:extLst>
-  </p:cSld>
-  <p:clrMapOvr>
-    <a:masterClrMapping/>
-  </p:clrMapOvr>
-</p:sld>
-</file>
-
-<file path=ppt/slides/slide14.xml><?xml version="1.0" encoding="utf-8"?>
-<p:sld xmlns:a="http://schemas.openxmlformats.org/drawingml/2006/main" xmlns:r="http://schemas.openxmlformats.org/officeDocument/2006/relationships" xmlns:p="http://schemas.openxmlformats.org/presentationml/2006/main">
-  <p:cSld>
-    <p:spTree>
-      <p:nvGrpSpPr>
-        <p:cNvPr id="1" name=""/>
-        <p:cNvGrpSpPr/>
-        <p:nvPr/>
-      </p:nvGrpSpPr>
-      <p:grpSpPr>
-        <a:xfrm>
-          <a:off x="0" y="0"/>
-          <a:ext cx="0" cy="0"/>
-          <a:chOff x="0" y="0"/>
-          <a:chExt cx="0" cy="0"/>
-        </a:xfrm>
-      </p:grpSpPr>
-      <p:sp>
-        <p:nvSpPr>
-          <p:cNvPr id="2" name="Title 1"/>
-          <p:cNvSpPr>
-            <a:spLocks noGrp="1"/>
-          </p:cNvSpPr>
-          <p:nvPr>
-            <p:ph type="title"/>
-          </p:nvPr>
-        </p:nvSpPr>
-        <p:spPr/>
-        <p:txBody>
-          <a:bodyPr/>
-          <a:lstStyle/>
-          <a:p>
-            <a:r>
-              <a:rPr lang="en-US" dirty="0" smtClean="0"/>
-              <a:t>Example </a:t>
-            </a:r>
-            <a:r>
-              <a:rPr lang="en-US" dirty="0" err="1" smtClean="0"/>
-              <a:t>webscript</a:t>
-            </a:r>
-            <a:r>
-              <a:rPr lang="en-US" dirty="0" smtClean="0"/>
-              <a:t> in new world: </a:t>
-            </a:r>
-            <a:r>
-              <a:rPr lang="en-US" dirty="0" err="1" smtClean="0"/>
-              <a:t>modelget</a:t>
+              <a:t>time (TBD)</a:t>
             </a:r>
             <a:endParaRPr lang="en-US" dirty="0"/>
           </a:p>
@@ -12896,1841 +12396,78 @@
           <a:p>
             <a:r>
               <a:rPr lang="en-US" dirty="0"/>
-              <a:t>Create instances of </a:t>
-            </a:r>
-            <a:r>
-              <a:rPr lang="en-US" dirty="0" err="1"/>
-              <a:t>ElasticHelper</a:t>
-            </a:r>
+              <a:t>Give a state of workspace W, S</a:t>
+            </a:r>
+            <a:r>
+              <a:rPr lang="en-US" baseline="-25000" dirty="0"/>
+              <a:t>W</a:t>
+            </a:r>
+          </a:p>
+          <a:p>
             <a:r>
               <a:rPr lang="en-US" dirty="0"/>
-              <a:t> and </a:t>
-            </a:r>
-            <a:r>
-              <a:rPr lang="en-US" dirty="0" err="1"/>
-              <a:t>PostgresHelper</a:t>
-            </a:r>
-            <a:endParaRPr lang="en-US" dirty="0"/>
-          </a:p>
-          <a:p>
+              <a:t>Given a series of commits C</a:t>
+            </a:r>
+            <a:r>
+              <a:rPr lang="en-US" baseline="-25000" dirty="0"/>
+              <a:t>0</a:t>
+            </a:r>
             <a:r>
               <a:rPr lang="en-US" dirty="0"/>
-              <a:t>Get all other relevant information, validation, etc. form </a:t>
-            </a:r>
+              <a:t> … C</a:t>
+            </a:r>
+            <a:r>
+              <a:rPr lang="en-US" baseline="-25000" dirty="0"/>
+              <a:t>n </a:t>
+            </a:r>
+          </a:p>
+          <a:p>
             <a:r>
               <a:rPr lang="en-US" dirty="0" smtClean="0"/>
-              <a:t>request</a:t>
+              <a:t>For each commit, reverse process state of workspace w.r.t. commit</a:t>
             </a:r>
           </a:p>
           <a:p>
             <a:r>
               <a:rPr lang="en-US" dirty="0" smtClean="0"/>
-              <a:t>Access PG to get the </a:t>
-            </a:r>
-            <a:r>
-              <a:rPr lang="en-US" dirty="0" err="1" smtClean="0"/>
-              <a:t>ElasticSearch</a:t>
-            </a:r>
+              <a:t>At the end of the commits, you have a new graph that reflects the workspace at the time in point you intended</a:t>
+            </a:r>
+          </a:p>
+          <a:p>
             <a:r>
               <a:rPr lang="en-US" dirty="0" smtClean="0"/>
-              <a:t> IDs for all documents that we are interested in</a:t>
-            </a:r>
-          </a:p>
-          <a:p>
+              <a:t>Now get data from ES etc</a:t>
+            </a:r>
             <a:r>
               <a:rPr lang="en-US" dirty="0" smtClean="0"/>
-              <a:t>Access ES via </a:t>
-            </a:r>
-            <a:r>
-              <a:rPr lang="en-US" dirty="0" err="1" smtClean="0"/>
-              <a:t>ElasticHelper</a:t>
-            </a:r>
+              <a:t>.</a:t>
+            </a:r>
+          </a:p>
+          <a:p>
             <a:r>
               <a:rPr lang="en-US" dirty="0" smtClean="0"/>
-              <a:t> and get those IDs</a:t>
-            </a:r>
-            <a:endParaRPr lang="en-US" dirty="0"/>
+              <a:t>OR</a:t>
+            </a:r>
           </a:p>
           <a:p>
             <a:r>
               <a:rPr lang="en-US" dirty="0" smtClean="0"/>
-              <a:t>Create </a:t>
-            </a:r>
-            <a:r>
-              <a:rPr lang="en-US" dirty="0"/>
-              <a:t>JSON response and return</a:t>
-            </a:r>
-          </a:p>
-          <a:p>
-            <a:endParaRPr lang="en-US" dirty="0"/>
+              <a:t>Get from elastic all element info at a certain commit time</a:t>
+            </a:r>
+          </a:p>
+          <a:p>
+            <a:r>
+              <a:rPr lang="en-US" dirty="0" smtClean="0"/>
+              <a:t>Recreate the nodes and edges table from element data</a:t>
+            </a:r>
+            <a:endParaRPr lang="en-US" dirty="0" smtClean="0"/>
           </a:p>
         </p:txBody>
       </p:sp>
     </p:spTree>
     <p:extLst>
       <p:ext uri="{BB962C8B-B14F-4D97-AF65-F5344CB8AC3E}">
-        <p14:creationId xmlns:p14="http://schemas.microsoft.com/office/powerpoint/2010/main" val="3171297992"/>
-      </p:ext>
-    </p:extLst>
-  </p:cSld>
-  <p:clrMapOvr>
-    <a:masterClrMapping/>
-  </p:clrMapOvr>
-</p:sld>
-</file>
-
-<file path=ppt/slides/slide15.xml><?xml version="1.0" encoding="utf-8"?>
-<p:sld xmlns:a="http://schemas.openxmlformats.org/drawingml/2006/main" xmlns:r="http://schemas.openxmlformats.org/officeDocument/2006/relationships" xmlns:p="http://schemas.openxmlformats.org/presentationml/2006/main">
-  <p:cSld>
-    <p:spTree>
-      <p:nvGrpSpPr>
-        <p:cNvPr id="1" name=""/>
-        <p:cNvGrpSpPr/>
-        <p:nvPr/>
-      </p:nvGrpSpPr>
-      <p:grpSpPr>
-        <a:xfrm>
-          <a:off x="0" y="0"/>
-          <a:ext cx="0" cy="0"/>
-          <a:chOff x="0" y="0"/>
-          <a:chExt cx="0" cy="0"/>
-        </a:xfrm>
-      </p:grpSpPr>
-      <p:sp>
-        <p:nvSpPr>
-          <p:cNvPr id="2" name="Title 1"/>
-          <p:cNvSpPr>
-            <a:spLocks noGrp="1"/>
-          </p:cNvSpPr>
-          <p:nvPr>
-            <p:ph type="title"/>
-          </p:nvPr>
-        </p:nvSpPr>
-        <p:spPr/>
-        <p:txBody>
-          <a:bodyPr/>
-          <a:lstStyle/>
-          <a:p>
-            <a:r>
-              <a:rPr lang="en-US" dirty="0" smtClean="0"/>
-              <a:t>General pattern for </a:t>
-            </a:r>
-            <a:r>
-              <a:rPr lang="en-US" dirty="0" err="1" smtClean="0"/>
-              <a:t>webscripts</a:t>
-            </a:r>
-            <a:endParaRPr lang="en-US" dirty="0"/>
-          </a:p>
-        </p:txBody>
-      </p:sp>
-      <p:sp>
-        <p:nvSpPr>
-          <p:cNvPr id="5" name="Content Placeholder 2"/>
-          <p:cNvSpPr>
-            <a:spLocks noGrp="1"/>
-          </p:cNvSpPr>
-          <p:nvPr>
-            <p:ph idx="1"/>
-          </p:nvPr>
-        </p:nvSpPr>
-        <p:spPr/>
-        <p:txBody>
-          <a:bodyPr>
-            <a:normAutofit/>
-          </a:bodyPr>
-          <a:lstStyle/>
-          <a:p>
-            <a:r>
-              <a:rPr lang="en-US" dirty="0"/>
-              <a:t>Create instances of </a:t>
-            </a:r>
-            <a:r>
-              <a:rPr lang="en-US" dirty="0" err="1"/>
-              <a:t>ElasticHelper</a:t>
-            </a:r>
-            <a:r>
-              <a:rPr lang="en-US" dirty="0"/>
-              <a:t> and </a:t>
-            </a:r>
-            <a:r>
-              <a:rPr lang="en-US" dirty="0" err="1"/>
-              <a:t>PostgresHelper</a:t>
-            </a:r>
-            <a:endParaRPr lang="en-US" dirty="0"/>
-          </a:p>
-          <a:p>
-            <a:r>
-              <a:rPr lang="en-US" dirty="0"/>
-              <a:t>Get all other relevant information, validation, etc. form </a:t>
-            </a:r>
-            <a:r>
-              <a:rPr lang="en-US" dirty="0" smtClean="0"/>
-              <a:t>request</a:t>
-            </a:r>
-          </a:p>
-          <a:p>
-            <a:r>
-              <a:rPr lang="en-US" b="1" dirty="0" smtClean="0"/>
-              <a:t>Understand how to</a:t>
-            </a:r>
-          </a:p>
-          <a:p>
-            <a:pPr lvl="1"/>
-            <a:r>
-              <a:rPr lang="en-US" b="1" dirty="0" smtClean="0"/>
-              <a:t>Add information to ES</a:t>
-            </a:r>
-          </a:p>
-          <a:p>
-            <a:pPr lvl="1"/>
-            <a:r>
-              <a:rPr lang="en-US" b="1" dirty="0" smtClean="0"/>
-              <a:t>Update the graph with the corresponding information from ES</a:t>
-            </a:r>
-            <a:endParaRPr lang="en-US" b="1" dirty="0"/>
-          </a:p>
-          <a:p>
-            <a:r>
-              <a:rPr lang="en-US" dirty="0" smtClean="0"/>
-              <a:t>Create </a:t>
-            </a:r>
-            <a:r>
-              <a:rPr lang="en-US" dirty="0"/>
-              <a:t>JSON response and return</a:t>
-            </a:r>
-          </a:p>
-          <a:p>
-            <a:endParaRPr lang="en-US" dirty="0"/>
-          </a:p>
-        </p:txBody>
-      </p:sp>
-      <p:sp>
-        <p:nvSpPr>
-          <p:cNvPr id="6" name="Rectangular Callout 5"/>
-          <p:cNvSpPr/>
-          <p:nvPr/>
-        </p:nvSpPr>
-        <p:spPr>
-          <a:xfrm>
-            <a:off x="5809673" y="3429000"/>
-            <a:ext cx="5772727" cy="997527"/>
-          </a:xfrm>
-          <a:prstGeom prst="wedgeRectCallout">
-            <a:avLst>
-              <a:gd name="adj1" fmla="val -63696"/>
-              <a:gd name="adj2" fmla="val 31019"/>
-            </a:avLst>
-          </a:prstGeom>
-        </p:spPr>
-        <p:style>
-          <a:lnRef idx="2">
-            <a:schemeClr val="accent5">
-              <a:shade val="50000"/>
-            </a:schemeClr>
-          </a:lnRef>
-          <a:fillRef idx="1">
-            <a:schemeClr val="accent5"/>
-          </a:fillRef>
-          <a:effectRef idx="0">
-            <a:schemeClr val="accent5"/>
-          </a:effectRef>
-          <a:fontRef idx="minor">
-            <a:schemeClr val="lt1"/>
-          </a:fontRef>
-        </p:style>
-        <p:txBody>
-          <a:bodyPr rtlCol="0" anchor="ctr"/>
-          <a:lstStyle/>
-          <a:p>
-            <a:pPr algn="ctr"/>
-            <a:r>
-              <a:rPr lang="en-US" dirty="0" smtClean="0"/>
-              <a:t>All the work is to be done here for each </a:t>
-            </a:r>
-            <a:r>
-              <a:rPr lang="en-US" dirty="0" err="1" smtClean="0"/>
-              <a:t>webscript</a:t>
-            </a:r>
-            <a:r>
-              <a:rPr lang="en-US" dirty="0" smtClean="0"/>
-              <a:t>. The pre and post should always be the same. </a:t>
-            </a:r>
-            <a:endParaRPr lang="en-US" dirty="0"/>
-          </a:p>
-        </p:txBody>
-      </p:sp>
-    </p:spTree>
-    <p:extLst>
-      <p:ext uri="{BB962C8B-B14F-4D97-AF65-F5344CB8AC3E}">
-        <p14:creationId xmlns:p14="http://schemas.microsoft.com/office/powerpoint/2010/main" val="2848589989"/>
-      </p:ext>
-    </p:extLst>
-  </p:cSld>
-  <p:clrMapOvr>
-    <a:masterClrMapping/>
-  </p:clrMapOvr>
-</p:sld>
-</file>
-
-<file path=ppt/slides/slide16.xml><?xml version="1.0" encoding="utf-8"?>
-<p:sld xmlns:a="http://schemas.openxmlformats.org/drawingml/2006/main" xmlns:r="http://schemas.openxmlformats.org/officeDocument/2006/relationships" xmlns:p="http://schemas.openxmlformats.org/presentationml/2006/main">
-  <p:cSld>
-    <p:spTree>
-      <p:nvGrpSpPr>
-        <p:cNvPr id="1" name=""/>
-        <p:cNvGrpSpPr/>
-        <p:nvPr/>
-      </p:nvGrpSpPr>
-      <p:grpSpPr>
-        <a:xfrm>
-          <a:off x="0" y="0"/>
-          <a:ext cx="0" cy="0"/>
-          <a:chOff x="0" y="0"/>
-          <a:chExt cx="0" cy="0"/>
-        </a:xfrm>
-      </p:grpSpPr>
-      <p:sp>
-        <p:nvSpPr>
-          <p:cNvPr id="2" name="Title 1"/>
-          <p:cNvSpPr>
-            <a:spLocks noGrp="1"/>
-          </p:cNvSpPr>
-          <p:nvPr>
-            <p:ph type="title"/>
-          </p:nvPr>
-        </p:nvSpPr>
-        <p:spPr/>
-        <p:txBody>
-          <a:bodyPr/>
-          <a:lstStyle/>
-          <a:p>
-            <a:r>
-              <a:rPr lang="en-US" dirty="0" smtClean="0"/>
-              <a:t>Search using elastic</a:t>
-            </a:r>
-            <a:endParaRPr lang="en-US" dirty="0"/>
-          </a:p>
-        </p:txBody>
-      </p:sp>
-      <p:sp>
-        <p:nvSpPr>
-          <p:cNvPr id="3" name="Content Placeholder 2"/>
-          <p:cNvSpPr>
-            <a:spLocks noGrp="1"/>
-          </p:cNvSpPr>
-          <p:nvPr>
-            <p:ph idx="1"/>
-          </p:nvPr>
-        </p:nvSpPr>
-        <p:spPr/>
-        <p:txBody>
-          <a:bodyPr>
-            <a:normAutofit fontScale="92500" lnSpcReduction="20000"/>
-          </a:bodyPr>
-          <a:lstStyle/>
-          <a:p>
-            <a:r>
-              <a:rPr lang="en-US" dirty="0" smtClean="0"/>
-              <a:t>Everything is a search in ES</a:t>
-            </a:r>
-          </a:p>
-          <a:p>
-            <a:r>
-              <a:rPr lang="en-US" dirty="0" smtClean="0"/>
-              <a:t>All depends on the query that you provide</a:t>
-            </a:r>
-          </a:p>
-          <a:p>
-            <a:r>
-              <a:rPr lang="en-US" dirty="0" smtClean="0"/>
-              <a:t>The query DSL is fully documented online</a:t>
-            </a:r>
-          </a:p>
-          <a:p>
-            <a:r>
-              <a:rPr lang="en-US" dirty="0" smtClean="0"/>
-              <a:t>What we have used so far:</a:t>
-            </a:r>
-          </a:p>
-          <a:p>
-            <a:pPr lvl="1"/>
-            <a:r>
-              <a:rPr lang="en-US" dirty="0" smtClean="0"/>
-              <a:t>Filtered queries</a:t>
-            </a:r>
-          </a:p>
-          <a:p>
-            <a:pPr lvl="1"/>
-            <a:r>
-              <a:rPr lang="en-US" dirty="0" smtClean="0"/>
-              <a:t>Match queries</a:t>
-            </a:r>
-          </a:p>
-          <a:p>
-            <a:pPr lvl="1"/>
-            <a:r>
-              <a:rPr lang="en-US" dirty="0" smtClean="0"/>
-              <a:t>Must queries</a:t>
-            </a:r>
-          </a:p>
-          <a:p>
-            <a:r>
-              <a:rPr lang="en-US" dirty="0" smtClean="0"/>
-              <a:t>ES only provides a certain number of results, so you have to iterate through them</a:t>
-            </a:r>
-          </a:p>
-          <a:p>
-            <a:pPr lvl="1"/>
-            <a:r>
-              <a:rPr lang="en-US" dirty="0" smtClean="0"/>
-              <a:t>Potentially may have to use streaming results in the future</a:t>
-            </a:r>
-          </a:p>
-          <a:p>
-            <a:r>
-              <a:rPr lang="en-US" dirty="0" smtClean="0"/>
-              <a:t>For getting all elements, we actually break the input list and issue multiple queries!</a:t>
-            </a:r>
-          </a:p>
-          <a:p>
-            <a:pPr marL="0" indent="0">
-              <a:buNone/>
-            </a:pPr>
-            <a:endParaRPr lang="en-US" dirty="0"/>
-          </a:p>
-        </p:txBody>
-      </p:sp>
-    </p:spTree>
-    <p:extLst>
-      <p:ext uri="{BB962C8B-B14F-4D97-AF65-F5344CB8AC3E}">
-        <p14:creationId xmlns:p14="http://schemas.microsoft.com/office/powerpoint/2010/main" val="1021872950"/>
-      </p:ext>
-    </p:extLst>
-  </p:cSld>
-  <p:clrMapOvr>
-    <a:masterClrMapping/>
-  </p:clrMapOvr>
-</p:sld>
-</file>
-
-<file path=ppt/slides/slide17.xml><?xml version="1.0" encoding="utf-8"?>
-<p:sld xmlns:a="http://schemas.openxmlformats.org/drawingml/2006/main" xmlns:r="http://schemas.openxmlformats.org/officeDocument/2006/relationships" xmlns:p="http://schemas.openxmlformats.org/presentationml/2006/main">
-  <p:cSld>
-    <p:spTree>
-      <p:nvGrpSpPr>
-        <p:cNvPr id="1" name=""/>
-        <p:cNvGrpSpPr/>
-        <p:nvPr/>
-      </p:nvGrpSpPr>
-      <p:grpSpPr>
-        <a:xfrm>
-          <a:off x="0" y="0"/>
-          <a:ext cx="0" cy="0"/>
-          <a:chOff x="0" y="0"/>
-          <a:chExt cx="0" cy="0"/>
-        </a:xfrm>
-      </p:grpSpPr>
-      <p:sp>
-        <p:nvSpPr>
-          <p:cNvPr id="2" name="Title 1"/>
-          <p:cNvSpPr>
-            <a:spLocks noGrp="1"/>
-          </p:cNvSpPr>
-          <p:nvPr>
-            <p:ph type="title"/>
-          </p:nvPr>
-        </p:nvSpPr>
-        <p:spPr/>
-        <p:txBody>
-          <a:bodyPr/>
-          <a:lstStyle/>
-          <a:p>
-            <a:r>
-              <a:rPr lang="en-US" dirty="0" smtClean="0"/>
-              <a:t>Elastic query </a:t>
-            </a:r>
-            <a:r>
-              <a:rPr lang="en-US" dirty="0" err="1" smtClean="0"/>
-              <a:t>dsl</a:t>
-            </a:r>
-            <a:r>
-              <a:rPr lang="en-US" dirty="0" smtClean="0"/>
-              <a:t> usage in mms example</a:t>
-            </a:r>
-            <a:endParaRPr lang="en-US" dirty="0"/>
-          </a:p>
-        </p:txBody>
-      </p:sp>
-      <p:sp>
-        <p:nvSpPr>
-          <p:cNvPr id="3" name="Content Placeholder 2"/>
-          <p:cNvSpPr>
-            <a:spLocks noGrp="1"/>
-          </p:cNvSpPr>
-          <p:nvPr>
-            <p:ph idx="1"/>
-          </p:nvPr>
-        </p:nvSpPr>
-        <p:spPr>
-          <a:xfrm>
-            <a:off x="1141412" y="1857983"/>
-            <a:ext cx="4021715" cy="4503905"/>
-          </a:xfrm>
-        </p:spPr>
-        <p:style>
-          <a:lnRef idx="1">
-            <a:schemeClr val="accent5"/>
-          </a:lnRef>
-          <a:fillRef idx="2">
-            <a:schemeClr val="accent5"/>
-          </a:fillRef>
-          <a:effectRef idx="1">
-            <a:schemeClr val="accent5"/>
-          </a:effectRef>
-          <a:fontRef idx="minor">
-            <a:schemeClr val="dk1"/>
-          </a:fontRef>
-        </p:style>
-        <p:txBody>
-          <a:bodyPr>
-            <a:noAutofit/>
-          </a:bodyPr>
-          <a:lstStyle/>
-          <a:p>
-            <a:pPr marL="0" indent="0">
-              <a:buNone/>
-            </a:pPr>
-            <a:r>
-              <a:rPr lang="en-US" sz="1200" b="1" dirty="0">
-                <a:latin typeface="+mj-lt"/>
-              </a:rPr>
-              <a:t>{</a:t>
-            </a:r>
-          </a:p>
-          <a:p>
-            <a:pPr marL="0" indent="0">
-              <a:buNone/>
-            </a:pPr>
-            <a:r>
-              <a:rPr lang="en-US" sz="1200" b="1" dirty="0">
-                <a:latin typeface="+mj-lt"/>
-              </a:rPr>
-              <a:t>    "query": {</a:t>
-            </a:r>
-          </a:p>
-          <a:p>
-            <a:pPr marL="0" indent="0">
-              <a:buNone/>
-            </a:pPr>
-            <a:r>
-              <a:rPr lang="en-US" sz="1200" b="1" dirty="0">
-                <a:latin typeface="+mj-lt"/>
-              </a:rPr>
-              <a:t>        "filtered": {</a:t>
-            </a:r>
-          </a:p>
-          <a:p>
-            <a:pPr marL="0" indent="0">
-              <a:buNone/>
-            </a:pPr>
-            <a:r>
-              <a:rPr lang="en-US" sz="1200" b="1" dirty="0">
-                <a:latin typeface="+mj-lt"/>
-              </a:rPr>
-              <a:t>            "filter": {</a:t>
-            </a:r>
-          </a:p>
-          <a:p>
-            <a:pPr marL="0" indent="0">
-              <a:buNone/>
-            </a:pPr>
-            <a:r>
-              <a:rPr lang="en-US" sz="1200" b="1" dirty="0">
-                <a:latin typeface="+mj-lt"/>
-              </a:rPr>
-              <a:t>                "term": {</a:t>
-            </a:r>
-          </a:p>
-          <a:p>
-            <a:pPr marL="0" indent="0">
-              <a:buNone/>
-            </a:pPr>
-            <a:r>
-              <a:rPr lang="en-US" sz="1200" b="1" dirty="0">
-                <a:latin typeface="+mj-lt"/>
-              </a:rPr>
-              <a:t>                    "</a:t>
-            </a:r>
-            <a:r>
-              <a:rPr lang="en-US" sz="1200" b="1" dirty="0" err="1">
-                <a:latin typeface="+mj-lt"/>
-              </a:rPr>
-              <a:t>element.sysmlid</a:t>
-            </a:r>
-            <a:r>
-              <a:rPr lang="en-US" sz="1200" b="1" dirty="0">
-                <a:latin typeface="+mj-lt"/>
-              </a:rPr>
-              <a:t>": "%s"</a:t>
-            </a:r>
-          </a:p>
-          <a:p>
-            <a:pPr marL="0" indent="0">
-              <a:buNone/>
-            </a:pPr>
-            <a:r>
-              <a:rPr lang="en-US" sz="1200" b="1" dirty="0">
-                <a:latin typeface="+mj-lt"/>
-              </a:rPr>
-              <a:t>                </a:t>
-            </a:r>
-            <a:r>
-              <a:rPr lang="en-US" sz="1200" b="1" dirty="0" smtClean="0">
-                <a:latin typeface="+mj-lt"/>
-              </a:rPr>
-              <a:t>} } } },</a:t>
-            </a:r>
-            <a:endParaRPr lang="en-US" sz="1200" b="1" dirty="0">
-              <a:latin typeface="+mj-lt"/>
-            </a:endParaRPr>
-          </a:p>
-          <a:p>
-            <a:pPr marL="0" indent="0">
-              <a:buNone/>
-            </a:pPr>
-            <a:r>
-              <a:rPr lang="en-US" sz="1200" b="1" dirty="0">
-                <a:latin typeface="+mj-lt"/>
-              </a:rPr>
-              <a:t>    "sort": [</a:t>
-            </a:r>
-          </a:p>
-          <a:p>
-            <a:pPr marL="0" indent="0">
-              <a:buNone/>
-            </a:pPr>
-            <a:r>
-              <a:rPr lang="en-US" sz="1200" b="1" dirty="0">
-                <a:latin typeface="+mj-lt"/>
-              </a:rPr>
-              <a:t>        </a:t>
-            </a:r>
-            <a:r>
-              <a:rPr lang="en-US" sz="1200" b="1" dirty="0" smtClean="0">
-                <a:latin typeface="+mj-lt"/>
-              </a:rPr>
-              <a:t>{</a:t>
-            </a:r>
-          </a:p>
-          <a:p>
-            <a:pPr marL="0" indent="0">
-              <a:buNone/>
-            </a:pPr>
-            <a:r>
-              <a:rPr lang="en-US" sz="1200" b="1" dirty="0" smtClean="0">
-                <a:latin typeface="+mj-lt"/>
-              </a:rPr>
-              <a:t>            "</a:t>
-            </a:r>
-            <a:r>
-              <a:rPr lang="en-US" sz="1200" b="1" dirty="0" err="1" smtClean="0">
-                <a:latin typeface="+mj-lt"/>
-              </a:rPr>
-              <a:t>metadata.modified</a:t>
-            </a:r>
-            <a:r>
-              <a:rPr lang="en-US" sz="1200" b="1" dirty="0" smtClean="0">
-                <a:latin typeface="+mj-lt"/>
-              </a:rPr>
-              <a:t>": {</a:t>
-            </a:r>
-          </a:p>
-          <a:p>
-            <a:pPr marL="0" indent="0">
-              <a:buNone/>
-            </a:pPr>
-            <a:r>
-              <a:rPr lang="en-US" sz="1200" b="1" dirty="0" smtClean="0">
-                <a:latin typeface="+mj-lt"/>
-              </a:rPr>
-              <a:t>                </a:t>
-            </a:r>
-            <a:r>
-              <a:rPr lang="en-US" sz="1200" b="1" dirty="0">
-                <a:latin typeface="+mj-lt"/>
-              </a:rPr>
-              <a:t>"order": "</a:t>
-            </a:r>
-            <a:r>
-              <a:rPr lang="en-US" sz="1200" b="1" dirty="0" err="1">
-                <a:latin typeface="+mj-lt"/>
-              </a:rPr>
-              <a:t>desc</a:t>
-            </a:r>
-            <a:r>
-              <a:rPr lang="en-US" sz="1200" b="1" dirty="0">
-                <a:latin typeface="+mj-lt"/>
-              </a:rPr>
-              <a:t>"</a:t>
-            </a:r>
-          </a:p>
-          <a:p>
-            <a:pPr marL="0" indent="0">
-              <a:buNone/>
-            </a:pPr>
-            <a:r>
-              <a:rPr lang="en-US" sz="1200" b="1" dirty="0">
-                <a:latin typeface="+mj-lt"/>
-              </a:rPr>
-              <a:t>            </a:t>
-            </a:r>
-            <a:r>
-              <a:rPr lang="en-US" sz="1200" b="1" dirty="0" smtClean="0">
-                <a:latin typeface="+mj-lt"/>
-              </a:rPr>
-              <a:t>} } ] }</a:t>
-            </a:r>
-            <a:endParaRPr lang="en-US" sz="1200" b="1" dirty="0">
-              <a:latin typeface="+mj-lt"/>
-            </a:endParaRPr>
-          </a:p>
-        </p:txBody>
-      </p:sp>
-      <p:sp>
-        <p:nvSpPr>
-          <p:cNvPr id="6" name="Content Placeholder 2"/>
-          <p:cNvSpPr txBox="1">
-            <a:spLocks/>
-          </p:cNvSpPr>
-          <p:nvPr/>
-        </p:nvSpPr>
-        <p:spPr>
-          <a:xfrm>
-            <a:off x="6096000" y="2249486"/>
-            <a:ext cx="4021715" cy="3957349"/>
-          </a:xfrm>
-          <a:prstGeom prst="rect">
-            <a:avLst/>
-          </a:prstGeom>
-        </p:spPr>
-        <p:style>
-          <a:lnRef idx="1">
-            <a:schemeClr val="accent5"/>
-          </a:lnRef>
-          <a:fillRef idx="2">
-            <a:schemeClr val="accent5"/>
-          </a:fillRef>
-          <a:effectRef idx="1">
-            <a:schemeClr val="accent5"/>
-          </a:effectRef>
-          <a:fontRef idx="minor">
-            <a:schemeClr val="dk1"/>
-          </a:fontRef>
-        </p:style>
-        <p:txBody>
-          <a:bodyPr vert="horz" lIns="91440" tIns="45720" rIns="91440" bIns="45720" rtlCol="0">
-            <a:noAutofit/>
-          </a:bodyPr>
-          <a:lstStyle>
-            <a:lvl1pPr marL="228600" indent="-228600" algn="l" defTabSz="914400" rtl="0" eaLnBrk="1" latinLnBrk="0" hangingPunct="1">
-              <a:lnSpc>
-                <a:spcPct val="120000"/>
-              </a:lnSpc>
-              <a:spcBef>
-                <a:spcPts val="1000"/>
-              </a:spcBef>
-              <a:buSzPct val="125000"/>
-              <a:buFont typeface="Arial" panose="020B0604020202020204" pitchFamily="34" charset="0"/>
-              <a:buChar char="•"/>
-              <a:defRPr sz="2400" kern="1200">
-                <a:solidFill>
-                  <a:schemeClr val="dk1"/>
-                </a:solidFill>
-                <a:latin typeface="+mn-lt"/>
-                <a:ea typeface="+mn-ea"/>
-                <a:cs typeface="+mn-cs"/>
-              </a:defRPr>
-            </a:lvl1pPr>
-            <a:lvl2pPr marL="685800" indent="-228600" algn="l" defTabSz="914400" rtl="0" eaLnBrk="1" latinLnBrk="0" hangingPunct="1">
-              <a:lnSpc>
-                <a:spcPct val="120000"/>
-              </a:lnSpc>
-              <a:spcBef>
-                <a:spcPts val="500"/>
-              </a:spcBef>
-              <a:buSzPct val="125000"/>
-              <a:buFont typeface="Arial" panose="020B0604020202020204" pitchFamily="34" charset="0"/>
-              <a:buChar char="•"/>
-              <a:defRPr sz="2000" kern="1200">
-                <a:solidFill>
-                  <a:schemeClr val="dk1"/>
-                </a:solidFill>
-                <a:latin typeface="+mn-lt"/>
-                <a:ea typeface="+mn-ea"/>
-                <a:cs typeface="+mn-cs"/>
-              </a:defRPr>
-            </a:lvl2pPr>
-            <a:lvl3pPr marL="1143000" indent="-228600" algn="l" defTabSz="914400" rtl="0" eaLnBrk="1" latinLnBrk="0" hangingPunct="1">
-              <a:lnSpc>
-                <a:spcPct val="120000"/>
-              </a:lnSpc>
-              <a:spcBef>
-                <a:spcPts val="500"/>
-              </a:spcBef>
-              <a:buSzPct val="125000"/>
-              <a:buFont typeface="Arial" panose="020B0604020202020204" pitchFamily="34" charset="0"/>
-              <a:buChar char="•"/>
-              <a:defRPr sz="1800" kern="1200">
-                <a:solidFill>
-                  <a:schemeClr val="dk1"/>
-                </a:solidFill>
-                <a:latin typeface="+mn-lt"/>
-                <a:ea typeface="+mn-ea"/>
-                <a:cs typeface="+mn-cs"/>
-              </a:defRPr>
-            </a:lvl3pPr>
-            <a:lvl4pPr marL="1600200" indent="-228600" algn="l" defTabSz="914400" rtl="0" eaLnBrk="1" latinLnBrk="0" hangingPunct="1">
-              <a:lnSpc>
-                <a:spcPct val="120000"/>
-              </a:lnSpc>
-              <a:spcBef>
-                <a:spcPts val="500"/>
-              </a:spcBef>
-              <a:buSzPct val="125000"/>
-              <a:buFont typeface="Arial" panose="020B0604020202020204" pitchFamily="34" charset="0"/>
-              <a:buChar char="•"/>
-              <a:defRPr sz="1600" kern="1200">
-                <a:solidFill>
-                  <a:schemeClr val="dk1"/>
-                </a:solidFill>
-                <a:latin typeface="+mn-lt"/>
-                <a:ea typeface="+mn-ea"/>
-                <a:cs typeface="+mn-cs"/>
-              </a:defRPr>
-            </a:lvl4pPr>
-            <a:lvl5pPr marL="2057400" indent="-228600" algn="l" defTabSz="914400" rtl="0" eaLnBrk="1" latinLnBrk="0" hangingPunct="1">
-              <a:lnSpc>
-                <a:spcPct val="120000"/>
-              </a:lnSpc>
-              <a:spcBef>
-                <a:spcPts val="500"/>
-              </a:spcBef>
-              <a:buSzPct val="125000"/>
-              <a:buFont typeface="Arial" panose="020B0604020202020204" pitchFamily="34" charset="0"/>
-              <a:buChar char="•"/>
-              <a:defRPr sz="1600" kern="1200">
-                <a:solidFill>
-                  <a:schemeClr val="dk1"/>
-                </a:solidFill>
-                <a:latin typeface="+mn-lt"/>
-                <a:ea typeface="+mn-ea"/>
-                <a:cs typeface="+mn-cs"/>
-              </a:defRPr>
-            </a:lvl5pPr>
-            <a:lvl6pPr marL="2514600" indent="-228600" algn="l" defTabSz="914400" rtl="0" eaLnBrk="1" latinLnBrk="0" hangingPunct="1">
-              <a:lnSpc>
-                <a:spcPct val="120000"/>
-              </a:lnSpc>
-              <a:spcBef>
-                <a:spcPts val="500"/>
-              </a:spcBef>
-              <a:buSzPct val="125000"/>
-              <a:buFont typeface="Arial" panose="020B0604020202020204" pitchFamily="34" charset="0"/>
-              <a:buChar char="•"/>
-              <a:defRPr sz="1400" kern="1200">
-                <a:solidFill>
-                  <a:schemeClr val="dk1"/>
-                </a:solidFill>
-                <a:latin typeface="+mn-lt"/>
-                <a:ea typeface="+mn-ea"/>
-                <a:cs typeface="+mn-cs"/>
-              </a:defRPr>
-            </a:lvl6pPr>
-            <a:lvl7pPr marL="2971800" indent="-228600" algn="l" defTabSz="914400" rtl="0" eaLnBrk="1" latinLnBrk="0" hangingPunct="1">
-              <a:lnSpc>
-                <a:spcPct val="120000"/>
-              </a:lnSpc>
-              <a:spcBef>
-                <a:spcPts val="500"/>
-              </a:spcBef>
-              <a:buSzPct val="125000"/>
-              <a:buFont typeface="Arial" panose="020B0604020202020204" pitchFamily="34" charset="0"/>
-              <a:buChar char="•"/>
-              <a:defRPr sz="1400" kern="1200">
-                <a:solidFill>
-                  <a:schemeClr val="dk1"/>
-                </a:solidFill>
-                <a:latin typeface="+mn-lt"/>
-                <a:ea typeface="+mn-ea"/>
-                <a:cs typeface="+mn-cs"/>
-              </a:defRPr>
-            </a:lvl7pPr>
-            <a:lvl8pPr marL="3429000" indent="-228600" algn="l" defTabSz="914400" rtl="0" eaLnBrk="1" latinLnBrk="0" hangingPunct="1">
-              <a:lnSpc>
-                <a:spcPct val="120000"/>
-              </a:lnSpc>
-              <a:spcBef>
-                <a:spcPts val="500"/>
-              </a:spcBef>
-              <a:buSzPct val="125000"/>
-              <a:buFont typeface="Arial" panose="020B0604020202020204" pitchFamily="34" charset="0"/>
-              <a:buChar char="•"/>
-              <a:defRPr sz="1400" kern="1200">
-                <a:solidFill>
-                  <a:schemeClr val="dk1"/>
-                </a:solidFill>
-                <a:latin typeface="+mn-lt"/>
-                <a:ea typeface="+mn-ea"/>
-                <a:cs typeface="+mn-cs"/>
-              </a:defRPr>
-            </a:lvl8pPr>
-            <a:lvl9pPr marL="3886200" indent="-228600" algn="l" defTabSz="914400" rtl="0" eaLnBrk="1" latinLnBrk="0" hangingPunct="1">
-              <a:lnSpc>
-                <a:spcPct val="120000"/>
-              </a:lnSpc>
-              <a:spcBef>
-                <a:spcPts val="500"/>
-              </a:spcBef>
-              <a:buSzPct val="125000"/>
-              <a:buFont typeface="Arial" panose="020B0604020202020204" pitchFamily="34" charset="0"/>
-              <a:buChar char="•"/>
-              <a:defRPr sz="1400" kern="1200">
-                <a:solidFill>
-                  <a:schemeClr val="dk1"/>
-                </a:solidFill>
-                <a:latin typeface="+mn-lt"/>
-                <a:ea typeface="+mn-ea"/>
-                <a:cs typeface="+mn-cs"/>
-              </a:defRPr>
-            </a:lvl9pPr>
-          </a:lstStyle>
-          <a:p>
-            <a:pPr>
-              <a:buFontTx/>
-              <a:buChar char="-"/>
-            </a:pPr>
-            <a:r>
-              <a:rPr lang="en-US" sz="1400" b="1" dirty="0" smtClean="0">
-                <a:latin typeface="+mj-lt"/>
-              </a:rPr>
-              <a:t>We use a filtered query to find the element that we are interested in</a:t>
-            </a:r>
-          </a:p>
-          <a:p>
-            <a:pPr>
-              <a:buFontTx/>
-              <a:buChar char="-"/>
-            </a:pPr>
-            <a:r>
-              <a:rPr lang="en-US" sz="1400" b="1" dirty="0" smtClean="0">
-                <a:latin typeface="+mj-lt"/>
-              </a:rPr>
-              <a:t>Note that the nested object “element” in each document can be accessed using dot notation</a:t>
-            </a:r>
-          </a:p>
-          <a:p>
-            <a:pPr>
-              <a:buFontTx/>
-              <a:buChar char="-"/>
-            </a:pPr>
-            <a:r>
-              <a:rPr lang="en-US" sz="1400" b="1" dirty="0" smtClean="0">
-                <a:latin typeface="+mj-lt"/>
-              </a:rPr>
-              <a:t>We further sort the results using the </a:t>
-            </a:r>
-            <a:r>
-              <a:rPr lang="en-US" sz="1400" b="1" dirty="0" err="1" smtClean="0">
-                <a:latin typeface="+mj-lt"/>
-              </a:rPr>
-              <a:t>metadata.modified</a:t>
-            </a:r>
-            <a:r>
-              <a:rPr lang="en-US" sz="1400" b="1" dirty="0" smtClean="0">
-                <a:latin typeface="+mj-lt"/>
-              </a:rPr>
-              <a:t> field in descending order so the most recent result is received first</a:t>
-            </a:r>
-          </a:p>
-          <a:p>
-            <a:pPr lvl="1">
-              <a:buFontTx/>
-              <a:buChar char="-"/>
-            </a:pPr>
-            <a:r>
-              <a:rPr lang="en-US" sz="1400" b="1" dirty="0" smtClean="0">
-                <a:latin typeface="+mj-lt"/>
-              </a:rPr>
-              <a:t>Metadata is the other object in the document</a:t>
-            </a:r>
-            <a:endParaRPr lang="en-US" sz="1400" b="1" dirty="0">
-              <a:latin typeface="+mj-lt"/>
-            </a:endParaRPr>
-          </a:p>
-        </p:txBody>
-      </p:sp>
-    </p:spTree>
-    <p:extLst>
-      <p:ext uri="{BB962C8B-B14F-4D97-AF65-F5344CB8AC3E}">
-        <p14:creationId xmlns:p14="http://schemas.microsoft.com/office/powerpoint/2010/main" val="3096183055"/>
-      </p:ext>
-    </p:extLst>
-  </p:cSld>
-  <p:clrMapOvr>
-    <a:masterClrMapping/>
-  </p:clrMapOvr>
-</p:sld>
-</file>
-
-<file path=ppt/slides/slide18.xml><?xml version="1.0" encoding="utf-8"?>
-<p:sld xmlns:a="http://schemas.openxmlformats.org/drawingml/2006/main" xmlns:r="http://schemas.openxmlformats.org/officeDocument/2006/relationships" xmlns:p="http://schemas.openxmlformats.org/presentationml/2006/main">
-  <p:cSld>
-    <p:spTree>
-      <p:nvGrpSpPr>
-        <p:cNvPr id="1" name=""/>
-        <p:cNvGrpSpPr/>
-        <p:nvPr/>
-      </p:nvGrpSpPr>
-      <p:grpSpPr>
-        <a:xfrm>
-          <a:off x="0" y="0"/>
-          <a:ext cx="0" cy="0"/>
-          <a:chOff x="0" y="0"/>
-          <a:chExt cx="0" cy="0"/>
-        </a:xfrm>
-      </p:grpSpPr>
-      <p:sp>
-        <p:nvSpPr>
-          <p:cNvPr id="2" name="Title 1"/>
-          <p:cNvSpPr>
-            <a:spLocks noGrp="1"/>
-          </p:cNvSpPr>
-          <p:nvPr>
-            <p:ph type="title"/>
-          </p:nvPr>
-        </p:nvSpPr>
-        <p:spPr/>
-        <p:txBody>
-          <a:bodyPr/>
-          <a:lstStyle/>
-          <a:p>
-            <a:r>
-              <a:rPr lang="en-US" dirty="0" smtClean="0"/>
-              <a:t>Elastic query </a:t>
-            </a:r>
-            <a:r>
-              <a:rPr lang="en-US" dirty="0" err="1" smtClean="0"/>
-              <a:t>dsl</a:t>
-            </a:r>
-            <a:r>
-              <a:rPr lang="en-US" dirty="0" smtClean="0"/>
-              <a:t> usage in mms example</a:t>
-            </a:r>
-            <a:endParaRPr lang="en-US" dirty="0"/>
-          </a:p>
-        </p:txBody>
-      </p:sp>
-      <p:sp>
-        <p:nvSpPr>
-          <p:cNvPr id="3" name="Content Placeholder 2"/>
-          <p:cNvSpPr>
-            <a:spLocks noGrp="1"/>
-          </p:cNvSpPr>
-          <p:nvPr>
-            <p:ph idx="1"/>
-          </p:nvPr>
-        </p:nvSpPr>
-        <p:spPr>
-          <a:xfrm>
-            <a:off x="1141412" y="2249486"/>
-            <a:ext cx="4021715" cy="3957349"/>
-          </a:xfrm>
-        </p:spPr>
-        <p:style>
-          <a:lnRef idx="1">
-            <a:schemeClr val="accent5"/>
-          </a:lnRef>
-          <a:fillRef idx="2">
-            <a:schemeClr val="accent5"/>
-          </a:fillRef>
-          <a:effectRef idx="1">
-            <a:schemeClr val="accent5"/>
-          </a:effectRef>
-          <a:fontRef idx="minor">
-            <a:schemeClr val="dk1"/>
-          </a:fontRef>
-        </p:style>
-        <p:txBody>
-          <a:bodyPr>
-            <a:noAutofit/>
-          </a:bodyPr>
-          <a:lstStyle/>
-          <a:p>
-            <a:pPr marL="0" indent="0">
-              <a:buNone/>
-            </a:pPr>
-            <a:r>
-              <a:rPr lang="en-US" sz="1400" b="1" dirty="0">
-                <a:latin typeface="+mj-lt"/>
-              </a:rPr>
-              <a:t>{</a:t>
-            </a:r>
-          </a:p>
-          <a:p>
-            <a:pPr marL="0" indent="0">
-              <a:buNone/>
-            </a:pPr>
-            <a:r>
-              <a:rPr lang="en-US" sz="1400" b="1" dirty="0">
-                <a:latin typeface="+mj-lt"/>
-              </a:rPr>
-              <a:t>    "query": {</a:t>
-            </a:r>
-          </a:p>
-          <a:p>
-            <a:pPr marL="0" indent="0">
-              <a:buNone/>
-            </a:pPr>
-            <a:r>
-              <a:rPr lang="en-US" sz="1400" b="1" dirty="0">
-                <a:latin typeface="+mj-lt"/>
-              </a:rPr>
-              <a:t>        "terms": {</a:t>
-            </a:r>
-          </a:p>
-          <a:p>
-            <a:pPr marL="0" indent="0">
-              <a:buNone/>
-            </a:pPr>
-            <a:r>
-              <a:rPr lang="en-US" sz="1400" b="1" dirty="0">
-                <a:latin typeface="+mj-lt"/>
-              </a:rPr>
-              <a:t>            "_id": [</a:t>
-            </a:r>
-          </a:p>
-          <a:p>
-            <a:pPr marL="0" indent="0">
-              <a:buNone/>
-            </a:pPr>
-            <a:r>
-              <a:rPr lang="en-US" sz="1400" b="1" dirty="0">
-                <a:latin typeface="+mj-lt"/>
-              </a:rPr>
-              <a:t>                "%s"</a:t>
-            </a:r>
-          </a:p>
-          <a:p>
-            <a:pPr marL="0" indent="0">
-              <a:buNone/>
-            </a:pPr>
-            <a:r>
-              <a:rPr lang="en-US" sz="1400" b="1" dirty="0">
-                <a:latin typeface="+mj-lt"/>
-              </a:rPr>
-              <a:t>            ]</a:t>
-            </a:r>
-          </a:p>
-          <a:p>
-            <a:pPr marL="0" indent="0">
-              <a:buNone/>
-            </a:pPr>
-            <a:r>
-              <a:rPr lang="en-US" sz="1400" b="1" dirty="0">
-                <a:latin typeface="+mj-lt"/>
-              </a:rPr>
-              <a:t>        }</a:t>
-            </a:r>
-          </a:p>
-          <a:p>
-            <a:pPr marL="0" indent="0">
-              <a:buNone/>
-            </a:pPr>
-            <a:r>
-              <a:rPr lang="en-US" sz="1400" b="1" dirty="0">
-                <a:latin typeface="+mj-lt"/>
-              </a:rPr>
-              <a:t>    }</a:t>
-            </a:r>
-          </a:p>
-          <a:p>
-            <a:pPr marL="0" indent="0">
-              <a:buNone/>
-            </a:pPr>
-            <a:r>
-              <a:rPr lang="en-US" sz="1400" b="1" dirty="0">
-                <a:latin typeface="+mj-lt"/>
-              </a:rPr>
-              <a:t>}</a:t>
-            </a:r>
-          </a:p>
-        </p:txBody>
-      </p:sp>
-      <p:sp>
-        <p:nvSpPr>
-          <p:cNvPr id="6" name="Content Placeholder 2"/>
-          <p:cNvSpPr txBox="1">
-            <a:spLocks/>
-          </p:cNvSpPr>
-          <p:nvPr/>
-        </p:nvSpPr>
-        <p:spPr>
-          <a:xfrm>
-            <a:off x="6096000" y="2249486"/>
-            <a:ext cx="4021715" cy="3957349"/>
-          </a:xfrm>
-          <a:prstGeom prst="rect">
-            <a:avLst/>
-          </a:prstGeom>
-        </p:spPr>
-        <p:style>
-          <a:lnRef idx="1">
-            <a:schemeClr val="accent5"/>
-          </a:lnRef>
-          <a:fillRef idx="2">
-            <a:schemeClr val="accent5"/>
-          </a:fillRef>
-          <a:effectRef idx="1">
-            <a:schemeClr val="accent5"/>
-          </a:effectRef>
-          <a:fontRef idx="minor">
-            <a:schemeClr val="dk1"/>
-          </a:fontRef>
-        </p:style>
-        <p:txBody>
-          <a:bodyPr vert="horz" lIns="91440" tIns="45720" rIns="91440" bIns="45720" rtlCol="0">
-            <a:noAutofit/>
-          </a:bodyPr>
-          <a:lstStyle>
-            <a:lvl1pPr marL="228600" indent="-228600" algn="l" defTabSz="914400" rtl="0" eaLnBrk="1" latinLnBrk="0" hangingPunct="1">
-              <a:lnSpc>
-                <a:spcPct val="120000"/>
-              </a:lnSpc>
-              <a:spcBef>
-                <a:spcPts val="1000"/>
-              </a:spcBef>
-              <a:buSzPct val="125000"/>
-              <a:buFont typeface="Arial" panose="020B0604020202020204" pitchFamily="34" charset="0"/>
-              <a:buChar char="•"/>
-              <a:defRPr sz="2400" kern="1200">
-                <a:solidFill>
-                  <a:schemeClr val="dk1"/>
-                </a:solidFill>
-                <a:latin typeface="+mn-lt"/>
-                <a:ea typeface="+mn-ea"/>
-                <a:cs typeface="+mn-cs"/>
-              </a:defRPr>
-            </a:lvl1pPr>
-            <a:lvl2pPr marL="685800" indent="-228600" algn="l" defTabSz="914400" rtl="0" eaLnBrk="1" latinLnBrk="0" hangingPunct="1">
-              <a:lnSpc>
-                <a:spcPct val="120000"/>
-              </a:lnSpc>
-              <a:spcBef>
-                <a:spcPts val="500"/>
-              </a:spcBef>
-              <a:buSzPct val="125000"/>
-              <a:buFont typeface="Arial" panose="020B0604020202020204" pitchFamily="34" charset="0"/>
-              <a:buChar char="•"/>
-              <a:defRPr sz="2000" kern="1200">
-                <a:solidFill>
-                  <a:schemeClr val="dk1"/>
-                </a:solidFill>
-                <a:latin typeface="+mn-lt"/>
-                <a:ea typeface="+mn-ea"/>
-                <a:cs typeface="+mn-cs"/>
-              </a:defRPr>
-            </a:lvl2pPr>
-            <a:lvl3pPr marL="1143000" indent="-228600" algn="l" defTabSz="914400" rtl="0" eaLnBrk="1" latinLnBrk="0" hangingPunct="1">
-              <a:lnSpc>
-                <a:spcPct val="120000"/>
-              </a:lnSpc>
-              <a:spcBef>
-                <a:spcPts val="500"/>
-              </a:spcBef>
-              <a:buSzPct val="125000"/>
-              <a:buFont typeface="Arial" panose="020B0604020202020204" pitchFamily="34" charset="0"/>
-              <a:buChar char="•"/>
-              <a:defRPr sz="1800" kern="1200">
-                <a:solidFill>
-                  <a:schemeClr val="dk1"/>
-                </a:solidFill>
-                <a:latin typeface="+mn-lt"/>
-                <a:ea typeface="+mn-ea"/>
-                <a:cs typeface="+mn-cs"/>
-              </a:defRPr>
-            </a:lvl3pPr>
-            <a:lvl4pPr marL="1600200" indent="-228600" algn="l" defTabSz="914400" rtl="0" eaLnBrk="1" latinLnBrk="0" hangingPunct="1">
-              <a:lnSpc>
-                <a:spcPct val="120000"/>
-              </a:lnSpc>
-              <a:spcBef>
-                <a:spcPts val="500"/>
-              </a:spcBef>
-              <a:buSzPct val="125000"/>
-              <a:buFont typeface="Arial" panose="020B0604020202020204" pitchFamily="34" charset="0"/>
-              <a:buChar char="•"/>
-              <a:defRPr sz="1600" kern="1200">
-                <a:solidFill>
-                  <a:schemeClr val="dk1"/>
-                </a:solidFill>
-                <a:latin typeface="+mn-lt"/>
-                <a:ea typeface="+mn-ea"/>
-                <a:cs typeface="+mn-cs"/>
-              </a:defRPr>
-            </a:lvl4pPr>
-            <a:lvl5pPr marL="2057400" indent="-228600" algn="l" defTabSz="914400" rtl="0" eaLnBrk="1" latinLnBrk="0" hangingPunct="1">
-              <a:lnSpc>
-                <a:spcPct val="120000"/>
-              </a:lnSpc>
-              <a:spcBef>
-                <a:spcPts val="500"/>
-              </a:spcBef>
-              <a:buSzPct val="125000"/>
-              <a:buFont typeface="Arial" panose="020B0604020202020204" pitchFamily="34" charset="0"/>
-              <a:buChar char="•"/>
-              <a:defRPr sz="1600" kern="1200">
-                <a:solidFill>
-                  <a:schemeClr val="dk1"/>
-                </a:solidFill>
-                <a:latin typeface="+mn-lt"/>
-                <a:ea typeface="+mn-ea"/>
-                <a:cs typeface="+mn-cs"/>
-              </a:defRPr>
-            </a:lvl5pPr>
-            <a:lvl6pPr marL="2514600" indent="-228600" algn="l" defTabSz="914400" rtl="0" eaLnBrk="1" latinLnBrk="0" hangingPunct="1">
-              <a:lnSpc>
-                <a:spcPct val="120000"/>
-              </a:lnSpc>
-              <a:spcBef>
-                <a:spcPts val="500"/>
-              </a:spcBef>
-              <a:buSzPct val="125000"/>
-              <a:buFont typeface="Arial" panose="020B0604020202020204" pitchFamily="34" charset="0"/>
-              <a:buChar char="•"/>
-              <a:defRPr sz="1400" kern="1200">
-                <a:solidFill>
-                  <a:schemeClr val="dk1"/>
-                </a:solidFill>
-                <a:latin typeface="+mn-lt"/>
-                <a:ea typeface="+mn-ea"/>
-                <a:cs typeface="+mn-cs"/>
-              </a:defRPr>
-            </a:lvl6pPr>
-            <a:lvl7pPr marL="2971800" indent="-228600" algn="l" defTabSz="914400" rtl="0" eaLnBrk="1" latinLnBrk="0" hangingPunct="1">
-              <a:lnSpc>
-                <a:spcPct val="120000"/>
-              </a:lnSpc>
-              <a:spcBef>
-                <a:spcPts val="500"/>
-              </a:spcBef>
-              <a:buSzPct val="125000"/>
-              <a:buFont typeface="Arial" panose="020B0604020202020204" pitchFamily="34" charset="0"/>
-              <a:buChar char="•"/>
-              <a:defRPr sz="1400" kern="1200">
-                <a:solidFill>
-                  <a:schemeClr val="dk1"/>
-                </a:solidFill>
-                <a:latin typeface="+mn-lt"/>
-                <a:ea typeface="+mn-ea"/>
-                <a:cs typeface="+mn-cs"/>
-              </a:defRPr>
-            </a:lvl7pPr>
-            <a:lvl8pPr marL="3429000" indent="-228600" algn="l" defTabSz="914400" rtl="0" eaLnBrk="1" latinLnBrk="0" hangingPunct="1">
-              <a:lnSpc>
-                <a:spcPct val="120000"/>
-              </a:lnSpc>
-              <a:spcBef>
-                <a:spcPts val="500"/>
-              </a:spcBef>
-              <a:buSzPct val="125000"/>
-              <a:buFont typeface="Arial" panose="020B0604020202020204" pitchFamily="34" charset="0"/>
-              <a:buChar char="•"/>
-              <a:defRPr sz="1400" kern="1200">
-                <a:solidFill>
-                  <a:schemeClr val="dk1"/>
-                </a:solidFill>
-                <a:latin typeface="+mn-lt"/>
-                <a:ea typeface="+mn-ea"/>
-                <a:cs typeface="+mn-cs"/>
-              </a:defRPr>
-            </a:lvl8pPr>
-            <a:lvl9pPr marL="3886200" indent="-228600" algn="l" defTabSz="914400" rtl="0" eaLnBrk="1" latinLnBrk="0" hangingPunct="1">
-              <a:lnSpc>
-                <a:spcPct val="120000"/>
-              </a:lnSpc>
-              <a:spcBef>
-                <a:spcPts val="500"/>
-              </a:spcBef>
-              <a:buSzPct val="125000"/>
-              <a:buFont typeface="Arial" panose="020B0604020202020204" pitchFamily="34" charset="0"/>
-              <a:buChar char="•"/>
-              <a:defRPr sz="1400" kern="1200">
-                <a:solidFill>
-                  <a:schemeClr val="dk1"/>
-                </a:solidFill>
-                <a:latin typeface="+mn-lt"/>
-                <a:ea typeface="+mn-ea"/>
-                <a:cs typeface="+mn-cs"/>
-              </a:defRPr>
-            </a:lvl9pPr>
-          </a:lstStyle>
-          <a:p>
-            <a:pPr>
-              <a:buFontTx/>
-              <a:buChar char="-"/>
-            </a:pPr>
-            <a:r>
-              <a:rPr lang="en-US" sz="1600" b="1" dirty="0" smtClean="0">
-                <a:latin typeface="+mj-lt"/>
-              </a:rPr>
-              <a:t>A terms query to get an array of elements where we know the specific Elastic ID</a:t>
-            </a:r>
-            <a:endParaRPr lang="en-US" sz="1600" b="1" dirty="0">
-              <a:latin typeface="+mj-lt"/>
-            </a:endParaRPr>
-          </a:p>
-        </p:txBody>
-      </p:sp>
-    </p:spTree>
-    <p:extLst>
-      <p:ext uri="{BB962C8B-B14F-4D97-AF65-F5344CB8AC3E}">
-        <p14:creationId xmlns:p14="http://schemas.microsoft.com/office/powerpoint/2010/main" val="531031279"/>
-      </p:ext>
-    </p:extLst>
-  </p:cSld>
-  <p:clrMapOvr>
-    <a:masterClrMapping/>
-  </p:clrMapOvr>
-</p:sld>
-</file>
-
-<file path=ppt/slides/slide19.xml><?xml version="1.0" encoding="utf-8"?>
-<p:sld xmlns:a="http://schemas.openxmlformats.org/drawingml/2006/main" xmlns:r="http://schemas.openxmlformats.org/officeDocument/2006/relationships" xmlns:p="http://schemas.openxmlformats.org/presentationml/2006/main">
-  <p:cSld>
-    <p:spTree>
-      <p:nvGrpSpPr>
-        <p:cNvPr id="1" name=""/>
-        <p:cNvGrpSpPr/>
-        <p:nvPr/>
-      </p:nvGrpSpPr>
-      <p:grpSpPr>
-        <a:xfrm>
-          <a:off x="0" y="0"/>
-          <a:ext cx="0" cy="0"/>
-          <a:chOff x="0" y="0"/>
-          <a:chExt cx="0" cy="0"/>
-        </a:xfrm>
-      </p:grpSpPr>
-      <p:sp>
-        <p:nvSpPr>
-          <p:cNvPr id="2" name="Title 1"/>
-          <p:cNvSpPr>
-            <a:spLocks noGrp="1"/>
-          </p:cNvSpPr>
-          <p:nvPr>
-            <p:ph type="title"/>
-          </p:nvPr>
-        </p:nvSpPr>
-        <p:spPr/>
-        <p:txBody>
-          <a:bodyPr/>
-          <a:lstStyle/>
-          <a:p>
-            <a:r>
-              <a:rPr lang="en-US" dirty="0" smtClean="0"/>
-              <a:t>Elastic query </a:t>
-            </a:r>
-            <a:r>
-              <a:rPr lang="en-US" dirty="0" err="1" smtClean="0"/>
-              <a:t>dsl</a:t>
-            </a:r>
-            <a:r>
-              <a:rPr lang="en-US" dirty="0" smtClean="0"/>
-              <a:t> usage in mms example</a:t>
-            </a:r>
-            <a:endParaRPr lang="en-US" dirty="0"/>
-          </a:p>
-        </p:txBody>
-      </p:sp>
-      <p:sp>
-        <p:nvSpPr>
-          <p:cNvPr id="3" name="Content Placeholder 2"/>
-          <p:cNvSpPr>
-            <a:spLocks noGrp="1"/>
-          </p:cNvSpPr>
-          <p:nvPr>
-            <p:ph idx="1"/>
-          </p:nvPr>
-        </p:nvSpPr>
-        <p:spPr>
-          <a:xfrm>
-            <a:off x="1141412" y="2249486"/>
-            <a:ext cx="4021715" cy="3957349"/>
-          </a:xfrm>
-        </p:spPr>
-        <p:style>
-          <a:lnRef idx="1">
-            <a:schemeClr val="accent5"/>
-          </a:lnRef>
-          <a:fillRef idx="2">
-            <a:schemeClr val="accent5"/>
-          </a:fillRef>
-          <a:effectRef idx="1">
-            <a:schemeClr val="accent5"/>
-          </a:effectRef>
-          <a:fontRef idx="minor">
-            <a:schemeClr val="dk1"/>
-          </a:fontRef>
-        </p:style>
-        <p:txBody>
-          <a:bodyPr>
-            <a:noAutofit/>
-          </a:bodyPr>
-          <a:lstStyle/>
-          <a:p>
-            <a:pPr marL="0" indent="0">
-              <a:buNone/>
-            </a:pPr>
-            <a:r>
-              <a:rPr lang="en-US" sz="1400" b="1" dirty="0" smtClean="0">
-                <a:latin typeface="+mj-lt"/>
-              </a:rPr>
-              <a:t>{</a:t>
-            </a:r>
-            <a:endParaRPr lang="en-US" sz="1400" b="1" dirty="0">
-              <a:latin typeface="+mj-lt"/>
-            </a:endParaRPr>
-          </a:p>
-          <a:p>
-            <a:pPr marL="0" indent="0">
-              <a:buNone/>
-            </a:pPr>
-            <a:r>
-              <a:rPr lang="en-US" sz="1400" b="1" dirty="0">
-                <a:latin typeface="+mj-lt"/>
-              </a:rPr>
-              <a:t>    "query": {</a:t>
-            </a:r>
-          </a:p>
-          <a:p>
-            <a:pPr marL="0" indent="0">
-              <a:buNone/>
-            </a:pPr>
-            <a:r>
-              <a:rPr lang="en-US" sz="1400" b="1" dirty="0">
-                <a:latin typeface="+mj-lt"/>
-              </a:rPr>
-              <a:t>        "</a:t>
-            </a:r>
-            <a:r>
-              <a:rPr lang="en-US" sz="1400" b="1" dirty="0" err="1">
-                <a:latin typeface="+mj-lt"/>
-              </a:rPr>
-              <a:t>query_string</a:t>
-            </a:r>
-            <a:r>
-              <a:rPr lang="en-US" sz="1400" b="1" dirty="0">
-                <a:latin typeface="+mj-lt"/>
-              </a:rPr>
-              <a:t>": {</a:t>
-            </a:r>
-          </a:p>
-          <a:p>
-            <a:pPr marL="0" indent="0">
-              <a:buNone/>
-            </a:pPr>
-            <a:r>
-              <a:rPr lang="en-US" sz="1400" b="1" dirty="0">
-                <a:latin typeface="+mj-lt"/>
-              </a:rPr>
-              <a:t>            "query": "%s"</a:t>
-            </a:r>
-          </a:p>
-          <a:p>
-            <a:pPr marL="0" indent="0">
-              <a:buNone/>
-            </a:pPr>
-            <a:r>
-              <a:rPr lang="en-US" sz="1400" b="1" dirty="0">
-                <a:latin typeface="+mj-lt"/>
-              </a:rPr>
-              <a:t>        }</a:t>
-            </a:r>
-          </a:p>
-          <a:p>
-            <a:pPr marL="0" indent="0">
-              <a:buNone/>
-            </a:pPr>
-            <a:r>
-              <a:rPr lang="en-US" sz="1400" b="1" dirty="0">
-                <a:latin typeface="+mj-lt"/>
-              </a:rPr>
-              <a:t>    }</a:t>
-            </a:r>
-          </a:p>
-          <a:p>
-            <a:pPr marL="0" indent="0">
-              <a:buNone/>
-            </a:pPr>
-            <a:r>
-              <a:rPr lang="en-US" sz="1400" b="1" dirty="0">
-                <a:latin typeface="+mj-lt"/>
-              </a:rPr>
-              <a:t>}</a:t>
-            </a:r>
-          </a:p>
-        </p:txBody>
-      </p:sp>
-      <p:sp>
-        <p:nvSpPr>
-          <p:cNvPr id="6" name="Content Placeholder 2"/>
-          <p:cNvSpPr txBox="1">
-            <a:spLocks/>
-          </p:cNvSpPr>
-          <p:nvPr/>
-        </p:nvSpPr>
-        <p:spPr>
-          <a:xfrm>
-            <a:off x="6096000" y="2249486"/>
-            <a:ext cx="4021715" cy="3957349"/>
-          </a:xfrm>
-          <a:prstGeom prst="rect">
-            <a:avLst/>
-          </a:prstGeom>
-        </p:spPr>
-        <p:style>
-          <a:lnRef idx="1">
-            <a:schemeClr val="accent5"/>
-          </a:lnRef>
-          <a:fillRef idx="2">
-            <a:schemeClr val="accent5"/>
-          </a:fillRef>
-          <a:effectRef idx="1">
-            <a:schemeClr val="accent5"/>
-          </a:effectRef>
-          <a:fontRef idx="minor">
-            <a:schemeClr val="dk1"/>
-          </a:fontRef>
-        </p:style>
-        <p:txBody>
-          <a:bodyPr vert="horz" lIns="91440" tIns="45720" rIns="91440" bIns="45720" rtlCol="0">
-            <a:noAutofit/>
-          </a:bodyPr>
-          <a:lstStyle>
-            <a:lvl1pPr marL="228600" indent="-228600" algn="l" defTabSz="914400" rtl="0" eaLnBrk="1" latinLnBrk="0" hangingPunct="1">
-              <a:lnSpc>
-                <a:spcPct val="120000"/>
-              </a:lnSpc>
-              <a:spcBef>
-                <a:spcPts val="1000"/>
-              </a:spcBef>
-              <a:buSzPct val="125000"/>
-              <a:buFont typeface="Arial" panose="020B0604020202020204" pitchFamily="34" charset="0"/>
-              <a:buChar char="•"/>
-              <a:defRPr sz="2400" kern="1200">
-                <a:solidFill>
-                  <a:schemeClr val="dk1"/>
-                </a:solidFill>
-                <a:latin typeface="+mn-lt"/>
-                <a:ea typeface="+mn-ea"/>
-                <a:cs typeface="+mn-cs"/>
-              </a:defRPr>
-            </a:lvl1pPr>
-            <a:lvl2pPr marL="685800" indent="-228600" algn="l" defTabSz="914400" rtl="0" eaLnBrk="1" latinLnBrk="0" hangingPunct="1">
-              <a:lnSpc>
-                <a:spcPct val="120000"/>
-              </a:lnSpc>
-              <a:spcBef>
-                <a:spcPts val="500"/>
-              </a:spcBef>
-              <a:buSzPct val="125000"/>
-              <a:buFont typeface="Arial" panose="020B0604020202020204" pitchFamily="34" charset="0"/>
-              <a:buChar char="•"/>
-              <a:defRPr sz="2000" kern="1200">
-                <a:solidFill>
-                  <a:schemeClr val="dk1"/>
-                </a:solidFill>
-                <a:latin typeface="+mn-lt"/>
-                <a:ea typeface="+mn-ea"/>
-                <a:cs typeface="+mn-cs"/>
-              </a:defRPr>
-            </a:lvl2pPr>
-            <a:lvl3pPr marL="1143000" indent="-228600" algn="l" defTabSz="914400" rtl="0" eaLnBrk="1" latinLnBrk="0" hangingPunct="1">
-              <a:lnSpc>
-                <a:spcPct val="120000"/>
-              </a:lnSpc>
-              <a:spcBef>
-                <a:spcPts val="500"/>
-              </a:spcBef>
-              <a:buSzPct val="125000"/>
-              <a:buFont typeface="Arial" panose="020B0604020202020204" pitchFamily="34" charset="0"/>
-              <a:buChar char="•"/>
-              <a:defRPr sz="1800" kern="1200">
-                <a:solidFill>
-                  <a:schemeClr val="dk1"/>
-                </a:solidFill>
-                <a:latin typeface="+mn-lt"/>
-                <a:ea typeface="+mn-ea"/>
-                <a:cs typeface="+mn-cs"/>
-              </a:defRPr>
-            </a:lvl3pPr>
-            <a:lvl4pPr marL="1600200" indent="-228600" algn="l" defTabSz="914400" rtl="0" eaLnBrk="1" latinLnBrk="0" hangingPunct="1">
-              <a:lnSpc>
-                <a:spcPct val="120000"/>
-              </a:lnSpc>
-              <a:spcBef>
-                <a:spcPts val="500"/>
-              </a:spcBef>
-              <a:buSzPct val="125000"/>
-              <a:buFont typeface="Arial" panose="020B0604020202020204" pitchFamily="34" charset="0"/>
-              <a:buChar char="•"/>
-              <a:defRPr sz="1600" kern="1200">
-                <a:solidFill>
-                  <a:schemeClr val="dk1"/>
-                </a:solidFill>
-                <a:latin typeface="+mn-lt"/>
-                <a:ea typeface="+mn-ea"/>
-                <a:cs typeface="+mn-cs"/>
-              </a:defRPr>
-            </a:lvl4pPr>
-            <a:lvl5pPr marL="2057400" indent="-228600" algn="l" defTabSz="914400" rtl="0" eaLnBrk="1" latinLnBrk="0" hangingPunct="1">
-              <a:lnSpc>
-                <a:spcPct val="120000"/>
-              </a:lnSpc>
-              <a:spcBef>
-                <a:spcPts val="500"/>
-              </a:spcBef>
-              <a:buSzPct val="125000"/>
-              <a:buFont typeface="Arial" panose="020B0604020202020204" pitchFamily="34" charset="0"/>
-              <a:buChar char="•"/>
-              <a:defRPr sz="1600" kern="1200">
-                <a:solidFill>
-                  <a:schemeClr val="dk1"/>
-                </a:solidFill>
-                <a:latin typeface="+mn-lt"/>
-                <a:ea typeface="+mn-ea"/>
-                <a:cs typeface="+mn-cs"/>
-              </a:defRPr>
-            </a:lvl5pPr>
-            <a:lvl6pPr marL="2514600" indent="-228600" algn="l" defTabSz="914400" rtl="0" eaLnBrk="1" latinLnBrk="0" hangingPunct="1">
-              <a:lnSpc>
-                <a:spcPct val="120000"/>
-              </a:lnSpc>
-              <a:spcBef>
-                <a:spcPts val="500"/>
-              </a:spcBef>
-              <a:buSzPct val="125000"/>
-              <a:buFont typeface="Arial" panose="020B0604020202020204" pitchFamily="34" charset="0"/>
-              <a:buChar char="•"/>
-              <a:defRPr sz="1400" kern="1200">
-                <a:solidFill>
-                  <a:schemeClr val="dk1"/>
-                </a:solidFill>
-                <a:latin typeface="+mn-lt"/>
-                <a:ea typeface="+mn-ea"/>
-                <a:cs typeface="+mn-cs"/>
-              </a:defRPr>
-            </a:lvl6pPr>
-            <a:lvl7pPr marL="2971800" indent="-228600" algn="l" defTabSz="914400" rtl="0" eaLnBrk="1" latinLnBrk="0" hangingPunct="1">
-              <a:lnSpc>
-                <a:spcPct val="120000"/>
-              </a:lnSpc>
-              <a:spcBef>
-                <a:spcPts val="500"/>
-              </a:spcBef>
-              <a:buSzPct val="125000"/>
-              <a:buFont typeface="Arial" panose="020B0604020202020204" pitchFamily="34" charset="0"/>
-              <a:buChar char="•"/>
-              <a:defRPr sz="1400" kern="1200">
-                <a:solidFill>
-                  <a:schemeClr val="dk1"/>
-                </a:solidFill>
-                <a:latin typeface="+mn-lt"/>
-                <a:ea typeface="+mn-ea"/>
-                <a:cs typeface="+mn-cs"/>
-              </a:defRPr>
-            </a:lvl7pPr>
-            <a:lvl8pPr marL="3429000" indent="-228600" algn="l" defTabSz="914400" rtl="0" eaLnBrk="1" latinLnBrk="0" hangingPunct="1">
-              <a:lnSpc>
-                <a:spcPct val="120000"/>
-              </a:lnSpc>
-              <a:spcBef>
-                <a:spcPts val="500"/>
-              </a:spcBef>
-              <a:buSzPct val="125000"/>
-              <a:buFont typeface="Arial" panose="020B0604020202020204" pitchFamily="34" charset="0"/>
-              <a:buChar char="•"/>
-              <a:defRPr sz="1400" kern="1200">
-                <a:solidFill>
-                  <a:schemeClr val="dk1"/>
-                </a:solidFill>
-                <a:latin typeface="+mn-lt"/>
-                <a:ea typeface="+mn-ea"/>
-                <a:cs typeface="+mn-cs"/>
-              </a:defRPr>
-            </a:lvl8pPr>
-            <a:lvl9pPr marL="3886200" indent="-228600" algn="l" defTabSz="914400" rtl="0" eaLnBrk="1" latinLnBrk="0" hangingPunct="1">
-              <a:lnSpc>
-                <a:spcPct val="120000"/>
-              </a:lnSpc>
-              <a:spcBef>
-                <a:spcPts val="500"/>
-              </a:spcBef>
-              <a:buSzPct val="125000"/>
-              <a:buFont typeface="Arial" panose="020B0604020202020204" pitchFamily="34" charset="0"/>
-              <a:buChar char="•"/>
-              <a:defRPr sz="1400" kern="1200">
-                <a:solidFill>
-                  <a:schemeClr val="dk1"/>
-                </a:solidFill>
-                <a:latin typeface="+mn-lt"/>
-                <a:ea typeface="+mn-ea"/>
-                <a:cs typeface="+mn-cs"/>
-              </a:defRPr>
-            </a:lvl9pPr>
-          </a:lstStyle>
-          <a:p>
-            <a:pPr>
-              <a:buFontTx/>
-              <a:buChar char="-"/>
-            </a:pPr>
-            <a:r>
-              <a:rPr lang="en-US" sz="1600" b="1" dirty="0" smtClean="0">
-                <a:latin typeface="+mj-lt"/>
-              </a:rPr>
-              <a:t>A basic search on all strings in the document database</a:t>
-            </a:r>
-          </a:p>
-          <a:p>
-            <a:pPr>
-              <a:buFontTx/>
-              <a:buChar char="-"/>
-            </a:pPr>
-            <a:endParaRPr lang="en-US" sz="1600" b="1" dirty="0">
-              <a:latin typeface="+mj-lt"/>
-            </a:endParaRPr>
-          </a:p>
-          <a:p>
-            <a:pPr>
-              <a:buFontTx/>
-              <a:buChar char="-"/>
-            </a:pPr>
-            <a:r>
-              <a:rPr lang="en-US" sz="1600" b="1" dirty="0" smtClean="0">
-                <a:latin typeface="+mj-lt"/>
-              </a:rPr>
-              <a:t>This should be modified to include other filters etc.</a:t>
-            </a:r>
-            <a:endParaRPr lang="en-US" sz="1600" b="1" dirty="0">
-              <a:latin typeface="+mj-lt"/>
-            </a:endParaRPr>
-          </a:p>
-        </p:txBody>
-      </p:sp>
-    </p:spTree>
-    <p:extLst>
-      <p:ext uri="{BB962C8B-B14F-4D97-AF65-F5344CB8AC3E}">
-        <p14:creationId xmlns:p14="http://schemas.microsoft.com/office/powerpoint/2010/main" val="2125701111"/>
+        <p14:creationId xmlns:p14="http://schemas.microsoft.com/office/powerpoint/2010/main" val="1998455141"/>
       </p:ext>
     </p:extLst>
   </p:cSld>
@@ -14780,8 +12517,8 @@
           </a:p>
         </p:txBody>
       </p:sp>
-      <mc:AlternateContent xmlns:mc="http://schemas.openxmlformats.org/markup-compatibility/2006">
-        <mc:Choice xmlns:p14="http://schemas.microsoft.com/office/powerpoint/2010/main" Requires="p14">
+      <mc:AlternateContent xmlns:mc="http://schemas.openxmlformats.org/markup-compatibility/2006" xmlns:p14="http://schemas.microsoft.com/office/powerpoint/2010/main">
+        <mc:Choice Requires="p14">
           <p:contentPart p14:bwMode="auto" r:id="rId2">
             <p14:nvContentPartPr>
               <p14:cNvPr id="10" name="Ink 9"/>
@@ -14794,7 +12531,7 @@
             </p14:xfrm>
           </p:contentPart>
         </mc:Choice>
-        <mc:Fallback>
+        <mc:Fallback xmlns="">
           <p:pic>
             <p:nvPicPr>
               <p:cNvPr id="10" name="Ink 9"/>
@@ -14819,8 +12556,8 @@
           </p:pic>
         </mc:Fallback>
       </mc:AlternateContent>
-      <mc:AlternateContent xmlns:mc="http://schemas.openxmlformats.org/markup-compatibility/2006">
-        <mc:Choice xmlns:p14="http://schemas.microsoft.com/office/powerpoint/2010/main" Requires="p14">
+      <mc:AlternateContent xmlns:mc="http://schemas.openxmlformats.org/markup-compatibility/2006" xmlns:p14="http://schemas.microsoft.com/office/powerpoint/2010/main">
+        <mc:Choice Requires="p14">
           <p:contentPart p14:bwMode="auto" r:id="rId4">
             <p14:nvContentPartPr>
               <p14:cNvPr id="20" name="Ink 19"/>
@@ -14833,7 +12570,7 @@
             </p14:xfrm>
           </p:contentPart>
         </mc:Choice>
-        <mc:Fallback>
+        <mc:Fallback xmlns="">
           <p:pic>
             <p:nvPicPr>
               <p:cNvPr id="20" name="Ink 19"/>
@@ -14858,8 +12595,8 @@
           </p:pic>
         </mc:Fallback>
       </mc:AlternateContent>
-      <mc:AlternateContent xmlns:mc="http://schemas.openxmlformats.org/markup-compatibility/2006">
-        <mc:Choice xmlns:p14="http://schemas.microsoft.com/office/powerpoint/2010/main" Requires="p14">
+      <mc:AlternateContent xmlns:mc="http://schemas.openxmlformats.org/markup-compatibility/2006" xmlns:p14="http://schemas.microsoft.com/office/powerpoint/2010/main">
+        <mc:Choice Requires="p14">
           <p:contentPart p14:bwMode="auto" r:id="rId6">
             <p14:nvContentPartPr>
               <p14:cNvPr id="29" name="Ink 28"/>
@@ -14872,7 +12609,7 @@
             </p14:xfrm>
           </p:contentPart>
         </mc:Choice>
-        <mc:Fallback>
+        <mc:Fallback xmlns="">
           <p:pic>
             <p:nvPicPr>
               <p:cNvPr id="29" name="Ink 28"/>
@@ -14897,8 +12634,8 @@
           </p:pic>
         </mc:Fallback>
       </mc:AlternateContent>
-      <mc:AlternateContent xmlns:mc="http://schemas.openxmlformats.org/markup-compatibility/2006">
-        <mc:Choice xmlns:p14="http://schemas.microsoft.com/office/powerpoint/2010/main" Requires="p14">
+      <mc:AlternateContent xmlns:mc="http://schemas.openxmlformats.org/markup-compatibility/2006" xmlns:p14="http://schemas.microsoft.com/office/powerpoint/2010/main">
+        <mc:Choice Requires="p14">
           <p:contentPart p14:bwMode="auto" r:id="rId8">
             <p14:nvContentPartPr>
               <p14:cNvPr id="45" name="Ink 44"/>
@@ -14911,7 +12648,7 @@
             </p14:xfrm>
           </p:contentPart>
         </mc:Choice>
-        <mc:Fallback>
+        <mc:Fallback xmlns="">
           <p:pic>
             <p:nvPicPr>
               <p:cNvPr id="45" name="Ink 44"/>
@@ -14936,8 +12673,8 @@
           </p:pic>
         </mc:Fallback>
       </mc:AlternateContent>
-      <mc:AlternateContent xmlns:mc="http://schemas.openxmlformats.org/markup-compatibility/2006">
-        <mc:Choice xmlns:p14="http://schemas.microsoft.com/office/powerpoint/2010/main" Requires="p14">
+      <mc:AlternateContent xmlns:mc="http://schemas.openxmlformats.org/markup-compatibility/2006" xmlns:p14="http://schemas.microsoft.com/office/powerpoint/2010/main">
+        <mc:Choice Requires="p14">
           <p:contentPart p14:bwMode="auto" r:id="rId10">
             <p14:nvContentPartPr>
               <p14:cNvPr id="49" name="Ink 48"/>
@@ -14950,7 +12687,7 @@
             </p14:xfrm>
           </p:contentPart>
         </mc:Choice>
-        <mc:Fallback>
+        <mc:Fallback xmlns="">
           <p:pic>
             <p:nvPicPr>
               <p:cNvPr id="49" name="Ink 48"/>
@@ -14975,8 +12712,8 @@
           </p:pic>
         </mc:Fallback>
       </mc:AlternateContent>
-      <mc:AlternateContent xmlns:mc="http://schemas.openxmlformats.org/markup-compatibility/2006">
-        <mc:Choice xmlns:p14="http://schemas.microsoft.com/office/powerpoint/2010/main" Requires="p14">
+      <mc:AlternateContent xmlns:mc="http://schemas.openxmlformats.org/markup-compatibility/2006" xmlns:p14="http://schemas.microsoft.com/office/powerpoint/2010/main">
+        <mc:Choice Requires="p14">
           <p:contentPart p14:bwMode="auto" r:id="rId12">
             <p14:nvContentPartPr>
               <p14:cNvPr id="50" name="Ink 49"/>
@@ -14989,7 +12726,7 @@
             </p14:xfrm>
           </p:contentPart>
         </mc:Choice>
-        <mc:Fallback>
+        <mc:Fallback xmlns="">
           <p:pic>
             <p:nvPicPr>
               <p:cNvPr id="50" name="Ink 49"/>
@@ -15014,8 +12751,8 @@
           </p:pic>
         </mc:Fallback>
       </mc:AlternateContent>
-      <mc:AlternateContent xmlns:mc="http://schemas.openxmlformats.org/markup-compatibility/2006">
-        <mc:Choice xmlns:p14="http://schemas.microsoft.com/office/powerpoint/2010/main" Requires="p14">
+      <mc:AlternateContent xmlns:mc="http://schemas.openxmlformats.org/markup-compatibility/2006" xmlns:p14="http://schemas.microsoft.com/office/powerpoint/2010/main">
+        <mc:Choice Requires="p14">
           <p:contentPart p14:bwMode="auto" r:id="rId14">
             <p14:nvContentPartPr>
               <p14:cNvPr id="51" name="Ink 50"/>
@@ -15028,7 +12765,7 @@
             </p14:xfrm>
           </p:contentPart>
         </mc:Choice>
-        <mc:Fallback>
+        <mc:Fallback xmlns="">
           <p:pic>
             <p:nvPicPr>
               <p:cNvPr id="51" name="Ink 50"/>
@@ -15053,8 +12790,8 @@
           </p:pic>
         </mc:Fallback>
       </mc:AlternateContent>
-      <mc:AlternateContent xmlns:mc="http://schemas.openxmlformats.org/markup-compatibility/2006">
-        <mc:Choice xmlns:p14="http://schemas.microsoft.com/office/powerpoint/2010/main" Requires="p14">
+      <mc:AlternateContent xmlns:mc="http://schemas.openxmlformats.org/markup-compatibility/2006" xmlns:p14="http://schemas.microsoft.com/office/powerpoint/2010/main">
+        <mc:Choice Requires="p14">
           <p:contentPart p14:bwMode="auto" r:id="rId16">
             <p14:nvContentPartPr>
               <p14:cNvPr id="60" name="Ink 59"/>
@@ -15067,7 +12804,7 @@
             </p14:xfrm>
           </p:contentPart>
         </mc:Choice>
-        <mc:Fallback>
+        <mc:Fallback xmlns="">
           <p:pic>
             <p:nvPicPr>
               <p:cNvPr id="60" name="Ink 59"/>
@@ -15092,8 +12829,8 @@
           </p:pic>
         </mc:Fallback>
       </mc:AlternateContent>
-      <mc:AlternateContent xmlns:mc="http://schemas.openxmlformats.org/markup-compatibility/2006">
-        <mc:Choice xmlns:p14="http://schemas.microsoft.com/office/powerpoint/2010/main" Requires="p14">
+      <mc:AlternateContent xmlns:mc="http://schemas.openxmlformats.org/markup-compatibility/2006" xmlns:p14="http://schemas.microsoft.com/office/powerpoint/2010/main">
+        <mc:Choice Requires="p14">
           <p:contentPart p14:bwMode="auto" r:id="rId18">
             <p14:nvContentPartPr>
               <p14:cNvPr id="61" name="Ink 60"/>
@@ -15106,7 +12843,7 @@
             </p14:xfrm>
           </p:contentPart>
         </mc:Choice>
-        <mc:Fallback>
+        <mc:Fallback xmlns="">
           <p:pic>
             <p:nvPicPr>
               <p:cNvPr id="61" name="Ink 60"/>
@@ -15131,8 +12868,8 @@
           </p:pic>
         </mc:Fallback>
       </mc:AlternateContent>
-      <mc:AlternateContent xmlns:mc="http://schemas.openxmlformats.org/markup-compatibility/2006">
-        <mc:Choice xmlns:p14="http://schemas.microsoft.com/office/powerpoint/2010/main" Requires="p14">
+      <mc:AlternateContent xmlns:mc="http://schemas.openxmlformats.org/markup-compatibility/2006" xmlns:p14="http://schemas.microsoft.com/office/powerpoint/2010/main">
+        <mc:Choice Requires="p14">
           <p:contentPart p14:bwMode="auto" r:id="rId20">
             <p14:nvContentPartPr>
               <p14:cNvPr id="62" name="Ink 61"/>
@@ -15145,7 +12882,7 @@
             </p14:xfrm>
           </p:contentPart>
         </mc:Choice>
-        <mc:Fallback>
+        <mc:Fallback xmlns="">
           <p:pic>
             <p:nvPicPr>
               <p:cNvPr id="62" name="Ink 61"/>
@@ -15170,8 +12907,8 @@
           </p:pic>
         </mc:Fallback>
       </mc:AlternateContent>
-      <mc:AlternateContent xmlns:mc="http://schemas.openxmlformats.org/markup-compatibility/2006">
-        <mc:Choice xmlns:p14="http://schemas.microsoft.com/office/powerpoint/2010/main" Requires="p14">
+      <mc:AlternateContent xmlns:mc="http://schemas.openxmlformats.org/markup-compatibility/2006" xmlns:p14="http://schemas.microsoft.com/office/powerpoint/2010/main">
+        <mc:Choice Requires="p14">
           <p:contentPart p14:bwMode="auto" r:id="rId22">
             <p14:nvContentPartPr>
               <p14:cNvPr id="63" name="Ink 62"/>
@@ -15184,7 +12921,7 @@
             </p14:xfrm>
           </p:contentPart>
         </mc:Choice>
-        <mc:Fallback>
+        <mc:Fallback xmlns="">
           <p:pic>
             <p:nvPicPr>
               <p:cNvPr id="63" name="Ink 62"/>
@@ -15218,7 +12955,7 @@
               <p14:nvPr/>
             </p14:nvContentPartPr>
             <p14:xfrm>
-              <a:off x="3208757" y="3116028"/>
+              <a:off x="3203717" y="3095868"/>
               <a:ext cx="3675600" cy="1763640"/>
             </p14:xfrm>
           </p:contentPart>
@@ -15238,8 +12975,8 @@
             </p:blipFill>
             <p:spPr>
               <a:xfrm>
-                <a:off x="3198317" y="3108828"/>
-                <a:ext cx="3697560" cy="1783800"/>
+                <a:off x="3191837" y="3083990"/>
+                <a:ext cx="3699360" cy="1787395"/>
               </a:xfrm>
               <a:prstGeom prst="rect">
                 <a:avLst/>
@@ -15248,8 +12985,8 @@
           </p:pic>
         </mc:Fallback>
       </mc:AlternateContent>
-      <mc:AlternateContent xmlns:mc="http://schemas.openxmlformats.org/markup-compatibility/2006">
-        <mc:Choice xmlns:p14="http://schemas.microsoft.com/office/powerpoint/2010/main" Requires="p14">
+      <mc:AlternateContent xmlns:mc="http://schemas.openxmlformats.org/markup-compatibility/2006" xmlns:p14="http://schemas.microsoft.com/office/powerpoint/2010/main">
+        <mc:Choice Requires="p14">
           <p:contentPart p14:bwMode="auto" r:id="rId26">
             <p14:nvContentPartPr>
               <p14:cNvPr id="123" name="Ink 122"/>
@@ -15262,7 +12999,7 @@
             </p14:xfrm>
           </p:contentPart>
         </mc:Choice>
-        <mc:Fallback>
+        <mc:Fallback xmlns="">
           <p:pic>
             <p:nvPicPr>
               <p:cNvPr id="123" name="Ink 122"/>
@@ -15287,8 +13024,8 @@
           </p:pic>
         </mc:Fallback>
       </mc:AlternateContent>
-      <mc:AlternateContent xmlns:mc="http://schemas.openxmlformats.org/markup-compatibility/2006">
-        <mc:Choice xmlns:p14="http://schemas.microsoft.com/office/powerpoint/2010/main" Requires="p14">
+      <mc:AlternateContent xmlns:mc="http://schemas.openxmlformats.org/markup-compatibility/2006" xmlns:p14="http://schemas.microsoft.com/office/powerpoint/2010/main">
+        <mc:Choice Requires="p14">
           <p:contentPart p14:bwMode="auto" r:id="rId28">
             <p14:nvContentPartPr>
               <p14:cNvPr id="127" name="Ink 126"/>
@@ -15301,7 +13038,7 @@
             </p14:xfrm>
           </p:contentPart>
         </mc:Choice>
-        <mc:Fallback>
+        <mc:Fallback xmlns="">
           <p:pic>
             <p:nvPicPr>
               <p:cNvPr id="127" name="Ink 126"/>
@@ -15326,8 +13063,8 @@
           </p:pic>
         </mc:Fallback>
       </mc:AlternateContent>
-      <mc:AlternateContent xmlns:mc="http://schemas.openxmlformats.org/markup-compatibility/2006">
-        <mc:Choice xmlns:p14="http://schemas.microsoft.com/office/powerpoint/2010/main" Requires="p14">
+      <mc:AlternateContent xmlns:mc="http://schemas.openxmlformats.org/markup-compatibility/2006" xmlns:p14="http://schemas.microsoft.com/office/powerpoint/2010/main">
+        <mc:Choice Requires="p14">
           <p:contentPart p14:bwMode="auto" r:id="rId30">
             <p14:nvContentPartPr>
               <p14:cNvPr id="137" name="Ink 136"/>
@@ -15340,7 +13077,7 @@
             </p14:xfrm>
           </p:contentPart>
         </mc:Choice>
-        <mc:Fallback>
+        <mc:Fallback xmlns="">
           <p:pic>
             <p:nvPicPr>
               <p:cNvPr id="137" name="Ink 136"/>
@@ -15365,8 +13102,8 @@
           </p:pic>
         </mc:Fallback>
       </mc:AlternateContent>
-      <mc:AlternateContent xmlns:mc="http://schemas.openxmlformats.org/markup-compatibility/2006">
-        <mc:Choice xmlns:p14="http://schemas.microsoft.com/office/powerpoint/2010/main" Requires="p14">
+      <mc:AlternateContent xmlns:mc="http://schemas.openxmlformats.org/markup-compatibility/2006" xmlns:p14="http://schemas.microsoft.com/office/powerpoint/2010/main">
+        <mc:Choice Requires="p14">
           <p:contentPart p14:bwMode="auto" r:id="rId32">
             <p14:nvContentPartPr>
               <p14:cNvPr id="156" name="Ink 155"/>
@@ -15379,7 +13116,7 @@
             </p14:xfrm>
           </p:contentPart>
         </mc:Choice>
-        <mc:Fallback>
+        <mc:Fallback xmlns="">
           <p:pic>
             <p:nvPicPr>
               <p:cNvPr id="156" name="Ink 155"/>
@@ -15404,8 +13141,8 @@
           </p:pic>
         </mc:Fallback>
       </mc:AlternateContent>
-      <mc:AlternateContent xmlns:mc="http://schemas.openxmlformats.org/markup-compatibility/2006">
-        <mc:Choice xmlns:p14="http://schemas.microsoft.com/office/powerpoint/2010/main" Requires="p14">
+      <mc:AlternateContent xmlns:mc="http://schemas.openxmlformats.org/markup-compatibility/2006" xmlns:p14="http://schemas.microsoft.com/office/powerpoint/2010/main">
+        <mc:Choice Requires="p14">
           <p:contentPart p14:bwMode="auto" r:id="rId34">
             <p14:nvContentPartPr>
               <p14:cNvPr id="161" name="Ink 160"/>
@@ -15418,7 +13155,7 @@
             </p14:xfrm>
           </p:contentPart>
         </mc:Choice>
-        <mc:Fallback>
+        <mc:Fallback xmlns="">
           <p:pic>
             <p:nvPicPr>
               <p:cNvPr id="161" name="Ink 160"/>
@@ -15443,8 +13180,8 @@
           </p:pic>
         </mc:Fallback>
       </mc:AlternateContent>
-      <mc:AlternateContent xmlns:mc="http://schemas.openxmlformats.org/markup-compatibility/2006">
-        <mc:Choice xmlns:p14="http://schemas.microsoft.com/office/powerpoint/2010/main" Requires="p14">
+      <mc:AlternateContent xmlns:mc="http://schemas.openxmlformats.org/markup-compatibility/2006" xmlns:p14="http://schemas.microsoft.com/office/powerpoint/2010/main">
+        <mc:Choice Requires="p14">
           <p:contentPart p14:bwMode="auto" r:id="rId36">
             <p14:nvContentPartPr>
               <p14:cNvPr id="162" name="Ink 161"/>
@@ -15457,7 +13194,7 @@
             </p14:xfrm>
           </p:contentPart>
         </mc:Choice>
-        <mc:Fallback>
+        <mc:Fallback xmlns="">
           <p:pic>
             <p:nvPicPr>
               <p:cNvPr id="162" name="Ink 161"/>
@@ -15482,8 +13219,8 @@
           </p:pic>
         </mc:Fallback>
       </mc:AlternateContent>
-      <mc:AlternateContent xmlns:mc="http://schemas.openxmlformats.org/markup-compatibility/2006">
-        <mc:Choice xmlns:p14="http://schemas.microsoft.com/office/powerpoint/2010/main" Requires="p14">
+      <mc:AlternateContent xmlns:mc="http://schemas.openxmlformats.org/markup-compatibility/2006" xmlns:p14="http://schemas.microsoft.com/office/powerpoint/2010/main">
+        <mc:Choice Requires="p14">
           <p:contentPart p14:bwMode="auto" r:id="rId38">
             <p14:nvContentPartPr>
               <p14:cNvPr id="168" name="Ink 167"/>
@@ -15496,7 +13233,7 @@
             </p14:xfrm>
           </p:contentPart>
         </mc:Choice>
-        <mc:Fallback>
+        <mc:Fallback xmlns="">
           <p:pic>
             <p:nvPicPr>
               <p:cNvPr id="168" name="Ink 167"/>
@@ -15521,8 +13258,8 @@
           </p:pic>
         </mc:Fallback>
       </mc:AlternateContent>
-      <mc:AlternateContent xmlns:mc="http://schemas.openxmlformats.org/markup-compatibility/2006">
-        <mc:Choice xmlns:p14="http://schemas.microsoft.com/office/powerpoint/2010/main" Requires="p14">
+      <mc:AlternateContent xmlns:mc="http://schemas.openxmlformats.org/markup-compatibility/2006" xmlns:p14="http://schemas.microsoft.com/office/powerpoint/2010/main">
+        <mc:Choice Requires="p14">
           <p:contentPart p14:bwMode="auto" r:id="rId40">
             <p14:nvContentPartPr>
               <p14:cNvPr id="171" name="Ink 170"/>
@@ -15535,7 +13272,7 @@
             </p14:xfrm>
           </p:contentPart>
         </mc:Choice>
-        <mc:Fallback>
+        <mc:Fallback xmlns="">
           <p:pic>
             <p:nvPicPr>
               <p:cNvPr id="171" name="Ink 170"/>
@@ -15560,8 +13297,8 @@
           </p:pic>
         </mc:Fallback>
       </mc:AlternateContent>
-      <mc:AlternateContent xmlns:mc="http://schemas.openxmlformats.org/markup-compatibility/2006">
-        <mc:Choice xmlns:p14="http://schemas.microsoft.com/office/powerpoint/2010/main" Requires="p14">
+      <mc:AlternateContent xmlns:mc="http://schemas.openxmlformats.org/markup-compatibility/2006" xmlns:p14="http://schemas.microsoft.com/office/powerpoint/2010/main">
+        <mc:Choice Requires="p14">
           <p:contentPart p14:bwMode="auto" r:id="rId42">
             <p14:nvContentPartPr>
               <p14:cNvPr id="178" name="Ink 177"/>
@@ -15574,7 +13311,7 @@
             </p14:xfrm>
           </p:contentPart>
         </mc:Choice>
-        <mc:Fallback>
+        <mc:Fallback xmlns="">
           <p:pic>
             <p:nvPicPr>
               <p:cNvPr id="178" name="Ink 177"/>
@@ -15599,105 +13336,118 @@
           </p:pic>
         </mc:Fallback>
       </mc:AlternateContent>
-    </p:spTree>
-    <p:extLst>
-      <p:ext uri="{BB962C8B-B14F-4D97-AF65-F5344CB8AC3E}">
-        <p14:creationId xmlns:p14="http://schemas.microsoft.com/office/powerpoint/2010/main" val="254889902"/>
-      </p:ext>
-    </p:extLst>
-  </p:cSld>
-  <p:clrMapOvr>
-    <a:masterClrMapping/>
-  </p:clrMapOvr>
-</p:sld>
-</file>
-
-<file path=ppt/slides/slide20.xml><?xml version="1.0" encoding="utf-8"?>
-<p:sld xmlns:a="http://schemas.openxmlformats.org/drawingml/2006/main" xmlns:r="http://schemas.openxmlformats.org/officeDocument/2006/relationships" xmlns:p="http://schemas.openxmlformats.org/presentationml/2006/main">
-  <p:cSld>
-    <p:spTree>
-      <p:nvGrpSpPr>
-        <p:cNvPr id="1" name=""/>
-        <p:cNvGrpSpPr/>
-        <p:nvPr/>
-      </p:nvGrpSpPr>
-      <p:grpSpPr>
-        <a:xfrm>
-          <a:off x="0" y="0"/>
-          <a:ext cx="0" cy="0"/>
-          <a:chOff x="0" y="0"/>
-          <a:chExt cx="0" cy="0"/>
-        </a:xfrm>
-      </p:grpSpPr>
       <p:sp>
         <p:nvSpPr>
-          <p:cNvPr id="2" name="Title 1"/>
-          <p:cNvSpPr>
-            <a:spLocks noGrp="1"/>
-          </p:cNvSpPr>
-          <p:nvPr>
-            <p:ph type="title"/>
-          </p:nvPr>
+          <p:cNvPr id="4" name="TextBox 3"/>
+          <p:cNvSpPr txBox="1"/>
+          <p:nvPr/>
         </p:nvSpPr>
-        <p:spPr/>
+        <p:spPr>
+          <a:xfrm>
+            <a:off x="738711" y="1099953"/>
+            <a:ext cx="10446652" cy="923330"/>
+          </a:xfrm>
+          <a:prstGeom prst="rect">
+            <a:avLst/>
+          </a:prstGeom>
+          <a:noFill/>
+        </p:spPr>
         <p:txBody>
-          <a:bodyPr/>
+          <a:bodyPr wrap="square" rtlCol="0">
+            <a:spAutoFit/>
+          </a:bodyPr>
           <a:lstStyle/>
           <a:p>
             <a:r>
               <a:rPr lang="en-US" dirty="0" smtClean="0"/>
-              <a:t>Some finer points</a:t>
-            </a:r>
-            <a:endParaRPr lang="en-US" dirty="0"/>
-          </a:p>
-        </p:txBody>
-      </p:sp>
-      <p:sp>
-        <p:nvSpPr>
-          <p:cNvPr id="3" name="Content Placeholder 2"/>
-          <p:cNvSpPr>
-            <a:spLocks noGrp="1"/>
-          </p:cNvSpPr>
-          <p:nvPr>
-            <p:ph idx="1"/>
-          </p:nvPr>
-        </p:nvSpPr>
-        <p:spPr/>
-        <p:txBody>
-          <a:bodyPr/>
-          <a:lstStyle/>
-          <a:p>
+              <a:t>*DB schema SQL and ES mapping files are under repo-amp/</a:t>
+            </a:r>
+            <a:r>
+              <a:rPr lang="en-US" dirty="0" err="1" smtClean="0"/>
+              <a:t>src</a:t>
+            </a:r>
             <a:r>
               <a:rPr lang="en-US" dirty="0" smtClean="0"/>
-              <a:t>ES supports types, which we are currently using</a:t>
-            </a:r>
-          </a:p>
-          <a:p>
+              <a:t>/main/java/</a:t>
+            </a:r>
+            <a:r>
+              <a:rPr lang="en-US" dirty="0" err="1" smtClean="0"/>
+              <a:t>gov</a:t>
+            </a:r>
             <a:r>
               <a:rPr lang="en-US" dirty="0" smtClean="0"/>
-              <a:t>For each configuration/tag/workspace, we essentially copy the current state of the </a:t>
+              <a:t>/</a:t>
             </a:r>
             <a:r>
               <a:rPr lang="en-US" dirty="0" err="1" smtClean="0"/>
-              <a:t>nodes,commits,edges</a:t>
+              <a:t>nasa</a:t>
             </a:r>
             <a:r>
               <a:rPr lang="en-US" dirty="0" smtClean="0"/>
-              <a:t> tables</a:t>
-            </a:r>
-          </a:p>
-          <a:p>
-            <a:pPr lvl="1"/>
+              <a:t>/</a:t>
+            </a:r>
+            <a:r>
+              <a:rPr lang="en-US" dirty="0" err="1" smtClean="0"/>
+              <a:t>jpl</a:t>
+            </a:r>
             <a:r>
               <a:rPr lang="en-US" dirty="0" smtClean="0"/>
-              <a:t>Can this get expensive? I don’t suspect to bad. But depends. </a:t>
-            </a:r>
-          </a:p>
-          <a:p>
-            <a:pPr lvl="1"/>
+              <a:t>/</a:t>
+            </a:r>
+            <a:r>
+              <a:rPr lang="en-US" dirty="0" err="1" smtClean="0"/>
+              <a:t>view_repo</a:t>
+            </a:r>
             <a:r>
               <a:rPr lang="en-US" dirty="0" smtClean="0"/>
-              <a:t>For example: a million nodes and edges cost us roughly 30 MB to store in the database. lets go conservative and say 100 MB. So we can save 10 configurations/tags/workspaces per 1 GB. Which seems very tractable… </a:t>
+              <a:t>/</a:t>
+            </a:r>
+            <a:r>
+              <a:rPr lang="en-US" dirty="0" err="1" smtClean="0"/>
+              <a:t>db</a:t>
+            </a:r>
+            <a:endParaRPr lang="en-US" dirty="0" smtClean="0"/>
+          </a:p>
+          <a:p>
+            <a:r>
+              <a:rPr lang="en-US" dirty="0" smtClean="0"/>
+              <a:t>Rest </a:t>
+            </a:r>
+            <a:r>
+              <a:rPr lang="en-US" dirty="0" err="1" smtClean="0"/>
+              <a:t>api</a:t>
+            </a:r>
+            <a:r>
+              <a:rPr lang="en-US" dirty="0" smtClean="0"/>
+              <a:t> and </a:t>
+            </a:r>
+            <a:r>
+              <a:rPr lang="en-US" dirty="0" err="1" smtClean="0"/>
+              <a:t>json</a:t>
+            </a:r>
+            <a:r>
+              <a:rPr lang="en-US" dirty="0" smtClean="0"/>
+              <a:t> schema: open repo-amp/</a:t>
+            </a:r>
+            <a:r>
+              <a:rPr lang="en-US" dirty="0" err="1" smtClean="0"/>
+              <a:t>src</a:t>
+            </a:r>
+            <a:r>
+              <a:rPr lang="en-US" dirty="0" smtClean="0"/>
+              <a:t>/main/amp/web/mms/</a:t>
+            </a:r>
+            <a:r>
+              <a:rPr lang="en-US" dirty="0" err="1" smtClean="0"/>
+              <a:t>raml</a:t>
+            </a:r>
+            <a:r>
+              <a:rPr lang="en-US" dirty="0" smtClean="0"/>
+              <a:t>/</a:t>
+            </a:r>
+            <a:r>
+              <a:rPr lang="en-US" dirty="0" err="1" smtClean="0"/>
+              <a:t>index.html</a:t>
             </a:r>
             <a:endParaRPr lang="en-US" dirty="0"/>
           </a:p>
@@ -15706,644 +13456,7 @@
     </p:spTree>
     <p:extLst>
       <p:ext uri="{BB962C8B-B14F-4D97-AF65-F5344CB8AC3E}">
-        <p14:creationId xmlns:p14="http://schemas.microsoft.com/office/powerpoint/2010/main" val="97901544"/>
-      </p:ext>
-    </p:extLst>
-  </p:cSld>
-  <p:clrMapOvr>
-    <a:masterClrMapping/>
-  </p:clrMapOvr>
-</p:sld>
-</file>
-
-<file path=ppt/slides/slide21.xml><?xml version="1.0" encoding="utf-8"?>
-<p:sld xmlns:a="http://schemas.openxmlformats.org/drawingml/2006/main" xmlns:r="http://schemas.openxmlformats.org/officeDocument/2006/relationships" xmlns:p="http://schemas.openxmlformats.org/presentationml/2006/main">
-  <p:cSld>
-    <p:spTree>
-      <p:nvGrpSpPr>
-        <p:cNvPr id="1" name=""/>
-        <p:cNvGrpSpPr/>
-        <p:nvPr/>
-      </p:nvGrpSpPr>
-      <p:grpSpPr>
-        <a:xfrm>
-          <a:off x="0" y="0"/>
-          <a:ext cx="0" cy="0"/>
-          <a:chOff x="0" y="0"/>
-          <a:chExt cx="0" cy="0"/>
-        </a:xfrm>
-      </p:grpSpPr>
-      <p:sp>
-        <p:nvSpPr>
-          <p:cNvPr id="2" name="Title 1"/>
-          <p:cNvSpPr>
-            <a:spLocks noGrp="1"/>
-          </p:cNvSpPr>
-          <p:nvPr>
-            <p:ph type="title"/>
-          </p:nvPr>
-        </p:nvSpPr>
-        <p:spPr/>
-        <p:txBody>
-          <a:bodyPr/>
-          <a:lstStyle/>
-          <a:p>
-            <a:r>
-              <a:rPr lang="en-US" dirty="0" smtClean="0"/>
-              <a:t>How to do commits</a:t>
-            </a:r>
-            <a:endParaRPr lang="en-US" dirty="0"/>
-          </a:p>
-        </p:txBody>
-      </p:sp>
-      <p:sp>
-        <p:nvSpPr>
-          <p:cNvPr id="3" name="Content Placeholder 2"/>
-          <p:cNvSpPr>
-            <a:spLocks noGrp="1"/>
-          </p:cNvSpPr>
-          <p:nvPr>
-            <p:ph idx="1"/>
-          </p:nvPr>
-        </p:nvSpPr>
-        <p:spPr/>
-        <p:txBody>
-          <a:bodyPr>
-            <a:normAutofit/>
-          </a:bodyPr>
-          <a:lstStyle/>
-          <a:p>
-            <a:r>
-              <a:rPr lang="en-US" dirty="0" smtClean="0"/>
-              <a:t>Store commit data in ES</a:t>
-            </a:r>
-          </a:p>
-          <a:p>
-            <a:r>
-              <a:rPr lang="en-US" dirty="0" smtClean="0"/>
-              <a:t>Store reference in commits table for the workspace</a:t>
-            </a:r>
-          </a:p>
-          <a:p>
-            <a:r>
-              <a:rPr lang="en-US" dirty="0" smtClean="0"/>
-              <a:t>Special commit types</a:t>
-            </a:r>
-          </a:p>
-          <a:p>
-            <a:pPr lvl="1"/>
-            <a:r>
-              <a:rPr lang="en-US" dirty="0" smtClean="0"/>
-              <a:t>Branch: a marker to see who the parent branch is</a:t>
-            </a:r>
-          </a:p>
-          <a:p>
-            <a:pPr lvl="1"/>
-            <a:r>
-              <a:rPr lang="en-US" dirty="0" smtClean="0"/>
-              <a:t>Merge: a marker to indicate that a different branch was merged in</a:t>
-            </a:r>
-          </a:p>
-          <a:p>
-            <a:r>
-              <a:rPr lang="en-US" dirty="0" smtClean="0"/>
-              <a:t>Commit data contains: added, deleted, moved, updated</a:t>
-            </a:r>
-          </a:p>
-          <a:p>
-            <a:r>
-              <a:rPr lang="en-US" dirty="0" smtClean="0"/>
-              <a:t>For each commit and state of graph, need to know how to reverse process</a:t>
-            </a:r>
-            <a:endParaRPr lang="en-US" dirty="0"/>
-          </a:p>
-        </p:txBody>
-      </p:sp>
-    </p:spTree>
-    <p:extLst>
-      <p:ext uri="{BB962C8B-B14F-4D97-AF65-F5344CB8AC3E}">
-        <p14:creationId xmlns:p14="http://schemas.microsoft.com/office/powerpoint/2010/main" val="1713905118"/>
-      </p:ext>
-    </p:extLst>
-  </p:cSld>
-  <p:clrMapOvr>
-    <a:masterClrMapping/>
-  </p:clrMapOvr>
-</p:sld>
-</file>
-
-<file path=ppt/slides/slide22.xml><?xml version="1.0" encoding="utf-8"?>
-<p:sld xmlns:a="http://schemas.openxmlformats.org/drawingml/2006/main" xmlns:r="http://schemas.openxmlformats.org/officeDocument/2006/relationships" xmlns:p="http://schemas.openxmlformats.org/presentationml/2006/main">
-  <p:cSld>
-    <p:spTree>
-      <p:nvGrpSpPr>
-        <p:cNvPr id="1" name=""/>
-        <p:cNvGrpSpPr/>
-        <p:nvPr/>
-      </p:nvGrpSpPr>
-      <p:grpSpPr>
-        <a:xfrm>
-          <a:off x="0" y="0"/>
-          <a:ext cx="0" cy="0"/>
-          <a:chOff x="0" y="0"/>
-          <a:chExt cx="0" cy="0"/>
-        </a:xfrm>
-      </p:grpSpPr>
-      <p:sp>
-        <p:nvSpPr>
-          <p:cNvPr id="2" name="Title 1"/>
-          <p:cNvSpPr>
-            <a:spLocks noGrp="1"/>
-          </p:cNvSpPr>
-          <p:nvPr>
-            <p:ph type="title"/>
-          </p:nvPr>
-        </p:nvSpPr>
-        <p:spPr/>
-        <p:txBody>
-          <a:bodyPr/>
-          <a:lstStyle/>
-          <a:p>
-            <a:r>
-              <a:rPr lang="en-US" dirty="0" smtClean="0"/>
-              <a:t>How to do branching in past time</a:t>
-            </a:r>
-            <a:endParaRPr lang="en-US" dirty="0"/>
-          </a:p>
-        </p:txBody>
-      </p:sp>
-      <p:sp>
-        <p:nvSpPr>
-          <p:cNvPr id="3" name="Content Placeholder 2"/>
-          <p:cNvSpPr>
-            <a:spLocks noGrp="1"/>
-          </p:cNvSpPr>
-          <p:nvPr>
-            <p:ph idx="1"/>
-          </p:nvPr>
-        </p:nvSpPr>
-        <p:spPr/>
-        <p:txBody>
-          <a:bodyPr>
-            <a:normAutofit/>
-          </a:bodyPr>
-          <a:lstStyle/>
-          <a:p>
-            <a:r>
-              <a:rPr lang="en-US" dirty="0"/>
-              <a:t>Give a state of workspace W, S</a:t>
-            </a:r>
-            <a:r>
-              <a:rPr lang="en-US" baseline="-25000" dirty="0"/>
-              <a:t>W</a:t>
-            </a:r>
-          </a:p>
-          <a:p>
-            <a:r>
-              <a:rPr lang="en-US" dirty="0"/>
-              <a:t>Given a series of commits C</a:t>
-            </a:r>
-            <a:r>
-              <a:rPr lang="en-US" baseline="-25000" dirty="0"/>
-              <a:t>0</a:t>
-            </a:r>
-            <a:r>
-              <a:rPr lang="en-US" dirty="0"/>
-              <a:t> … C</a:t>
-            </a:r>
-            <a:r>
-              <a:rPr lang="en-US" baseline="-25000" dirty="0"/>
-              <a:t>n </a:t>
-            </a:r>
-          </a:p>
-          <a:p>
-            <a:r>
-              <a:rPr lang="en-US" dirty="0" smtClean="0"/>
-              <a:t>For each commit, reverse process state of workspace w.r.t. commit</a:t>
-            </a:r>
-          </a:p>
-          <a:p>
-            <a:r>
-              <a:rPr lang="en-US" dirty="0" smtClean="0"/>
-              <a:t>At the end of the commits, you have a new graph that reflects the workspace at the time in point you intended</a:t>
-            </a:r>
-          </a:p>
-          <a:p>
-            <a:r>
-              <a:rPr lang="en-US" dirty="0" smtClean="0"/>
-              <a:t>Now get data from ES etc.</a:t>
-            </a:r>
-          </a:p>
-        </p:txBody>
-      </p:sp>
-    </p:spTree>
-    <p:extLst>
-      <p:ext uri="{BB962C8B-B14F-4D97-AF65-F5344CB8AC3E}">
-        <p14:creationId xmlns:p14="http://schemas.microsoft.com/office/powerpoint/2010/main" val="1998455141"/>
-      </p:ext>
-    </p:extLst>
-  </p:cSld>
-  <p:clrMapOvr>
-    <a:masterClrMapping/>
-  </p:clrMapOvr>
-</p:sld>
-</file>
-
-<file path=ppt/slides/slide23.xml><?xml version="1.0" encoding="utf-8"?>
-<p:sld xmlns:a="http://schemas.openxmlformats.org/drawingml/2006/main" xmlns:r="http://schemas.openxmlformats.org/officeDocument/2006/relationships" xmlns:p="http://schemas.openxmlformats.org/presentationml/2006/main">
-  <p:cSld>
-    <p:spTree>
-      <p:nvGrpSpPr>
-        <p:cNvPr id="1" name=""/>
-        <p:cNvGrpSpPr/>
-        <p:nvPr/>
-      </p:nvGrpSpPr>
-      <p:grpSpPr>
-        <a:xfrm>
-          <a:off x="0" y="0"/>
-          <a:ext cx="0" cy="0"/>
-          <a:chOff x="0" y="0"/>
-          <a:chExt cx="0" cy="0"/>
-        </a:xfrm>
-      </p:grpSpPr>
-      <p:sp>
-        <p:nvSpPr>
-          <p:cNvPr id="2" name="Title 1"/>
-          <p:cNvSpPr>
-            <a:spLocks noGrp="1"/>
-          </p:cNvSpPr>
-          <p:nvPr>
-            <p:ph type="title"/>
-          </p:nvPr>
-        </p:nvSpPr>
-        <p:spPr/>
-        <p:txBody>
-          <a:bodyPr/>
-          <a:lstStyle/>
-          <a:p>
-            <a:r>
-              <a:rPr lang="en-US" dirty="0" smtClean="0"/>
-              <a:t>How to do security</a:t>
-            </a:r>
-            <a:endParaRPr lang="en-US" dirty="0"/>
-          </a:p>
-        </p:txBody>
-      </p:sp>
-      <p:sp>
-        <p:nvSpPr>
-          <p:cNvPr id="3" name="Content Placeholder 2"/>
-          <p:cNvSpPr>
-            <a:spLocks noGrp="1"/>
-          </p:cNvSpPr>
-          <p:nvPr>
-            <p:ph idx="1"/>
-          </p:nvPr>
-        </p:nvSpPr>
-        <p:spPr/>
-        <p:txBody>
-          <a:bodyPr>
-            <a:normAutofit/>
-          </a:bodyPr>
-          <a:lstStyle/>
-          <a:p>
-            <a:r>
-              <a:rPr lang="en-US" dirty="0" smtClean="0"/>
-              <a:t>Current design is unclear to me</a:t>
-            </a:r>
-          </a:p>
-          <a:p>
-            <a:r>
-              <a:rPr lang="en-US" dirty="0" smtClean="0"/>
-              <a:t>The future can have multiple solutions:</a:t>
-            </a:r>
-          </a:p>
-          <a:p>
-            <a:pPr lvl="1"/>
-            <a:r>
-              <a:rPr lang="en-US" dirty="0" smtClean="0"/>
-              <a:t>Use RDB (PG) built in ACL feature to get security on the nodes of the graph in each workspace etc. </a:t>
-            </a:r>
-          </a:p>
-          <a:p>
-            <a:pPr lvl="1"/>
-            <a:r>
-              <a:rPr lang="en-US" dirty="0" smtClean="0"/>
-              <a:t>Perform security in the app middle layer, which should be much more expensive</a:t>
-            </a:r>
-          </a:p>
-          <a:p>
-            <a:r>
-              <a:rPr lang="en-US" dirty="0" smtClean="0"/>
-              <a:t>This needs to be thought out a bit, but should be manageable</a:t>
-            </a:r>
-            <a:endParaRPr lang="en-US" dirty="0"/>
-          </a:p>
-        </p:txBody>
-      </p:sp>
-    </p:spTree>
-    <p:extLst>
-      <p:ext uri="{BB962C8B-B14F-4D97-AF65-F5344CB8AC3E}">
-        <p14:creationId xmlns:p14="http://schemas.microsoft.com/office/powerpoint/2010/main" val="3599077919"/>
-      </p:ext>
-    </p:extLst>
-  </p:cSld>
-  <p:clrMapOvr>
-    <a:masterClrMapping/>
-  </p:clrMapOvr>
-</p:sld>
-</file>
-
-<file path=ppt/slides/slide24.xml><?xml version="1.0" encoding="utf-8"?>
-<p:sld xmlns:a="http://schemas.openxmlformats.org/drawingml/2006/main" xmlns:r="http://schemas.openxmlformats.org/officeDocument/2006/relationships" xmlns:p="http://schemas.openxmlformats.org/presentationml/2006/main">
-  <p:cSld>
-    <p:spTree>
-      <p:nvGrpSpPr>
-        <p:cNvPr id="1" name=""/>
-        <p:cNvGrpSpPr/>
-        <p:nvPr/>
-      </p:nvGrpSpPr>
-      <p:grpSpPr>
-        <a:xfrm>
-          <a:off x="0" y="0"/>
-          <a:ext cx="0" cy="0"/>
-          <a:chOff x="0" y="0"/>
-          <a:chExt cx="0" cy="0"/>
-        </a:xfrm>
-      </p:grpSpPr>
-      <p:sp>
-        <p:nvSpPr>
-          <p:cNvPr id="2" name="Title 1"/>
-          <p:cNvSpPr>
-            <a:spLocks noGrp="1"/>
-          </p:cNvSpPr>
-          <p:nvPr>
-            <p:ph type="title"/>
-          </p:nvPr>
-        </p:nvSpPr>
-        <p:spPr/>
-        <p:txBody>
-          <a:bodyPr/>
-          <a:lstStyle/>
-          <a:p>
-            <a:r>
-              <a:rPr lang="en-US" dirty="0" smtClean="0"/>
-              <a:t>Test status</a:t>
-            </a:r>
-            <a:endParaRPr lang="en-US" dirty="0"/>
-          </a:p>
-        </p:txBody>
-      </p:sp>
-      <p:sp>
-        <p:nvSpPr>
-          <p:cNvPr id="3" name="Content Placeholder 2"/>
-          <p:cNvSpPr>
-            <a:spLocks noGrp="1"/>
-          </p:cNvSpPr>
-          <p:nvPr>
-            <p:ph idx="1"/>
-          </p:nvPr>
-        </p:nvSpPr>
-        <p:spPr/>
-        <p:txBody>
-          <a:bodyPr/>
-          <a:lstStyle/>
-          <a:p>
-            <a:r>
-              <a:rPr lang="en-US" dirty="0" smtClean="0"/>
-              <a:t>Stored in Excel spreadsheet:</a:t>
-            </a:r>
-          </a:p>
-          <a:p>
-            <a:r>
-              <a:rPr lang="en-US" dirty="0" smtClean="0"/>
-              <a:t>Lets walk through it right now…</a:t>
-            </a:r>
-            <a:endParaRPr lang="en-US" dirty="0"/>
-          </a:p>
-        </p:txBody>
-      </p:sp>
-    </p:spTree>
-    <p:extLst>
-      <p:ext uri="{BB962C8B-B14F-4D97-AF65-F5344CB8AC3E}">
-        <p14:creationId xmlns:p14="http://schemas.microsoft.com/office/powerpoint/2010/main" val="2652708350"/>
-      </p:ext>
-    </p:extLst>
-  </p:cSld>
-  <p:clrMapOvr>
-    <a:masterClrMapping/>
-  </p:clrMapOvr>
-</p:sld>
-</file>
-
-<file path=ppt/slides/slide25.xml><?xml version="1.0" encoding="utf-8"?>
-<p:sld xmlns:a="http://schemas.openxmlformats.org/drawingml/2006/main" xmlns:r="http://schemas.openxmlformats.org/officeDocument/2006/relationships" xmlns:p="http://schemas.openxmlformats.org/presentationml/2006/main">
-  <p:cSld>
-    <p:spTree>
-      <p:nvGrpSpPr>
-        <p:cNvPr id="1" name=""/>
-        <p:cNvGrpSpPr/>
-        <p:nvPr/>
-      </p:nvGrpSpPr>
-      <p:grpSpPr>
-        <a:xfrm>
-          <a:off x="0" y="0"/>
-          <a:ext cx="0" cy="0"/>
-          <a:chOff x="0" y="0"/>
-          <a:chExt cx="0" cy="0"/>
-        </a:xfrm>
-      </p:grpSpPr>
-      <p:graphicFrame>
-        <p:nvGraphicFramePr>
-          <p:cNvPr id="4" name="Object 3"/>
-          <p:cNvGraphicFramePr>
-            <a:graphicFrameLocks noChangeAspect="1"/>
-          </p:cNvGraphicFramePr>
-          <p:nvPr>
-            <p:extLst>
-              <p:ext uri="{D42A27DB-BD31-4B8C-83A1-F6EECF244321}">
-                <p14:modId xmlns:p14="http://schemas.microsoft.com/office/powerpoint/2010/main" val="1414357728"/>
-              </p:ext>
-            </p:extLst>
-          </p:nvPr>
-        </p:nvGraphicFramePr>
-        <p:xfrm>
-          <a:off x="0" y="0"/>
-          <a:ext cx="12192000" cy="6857999"/>
-        </p:xfrm>
-        <a:graphic>
-          <a:graphicData uri="http://schemas.openxmlformats.org/presentationml/2006/ole">
-            <mc:AlternateContent xmlns:mc="http://schemas.openxmlformats.org/markup-compatibility/2006">
-              <mc:Choice xmlns:v="urn:schemas-microsoft-com:vml" Requires="v">
-                <p:oleObj spid="_x0000_s1043" name="Worksheet" r:id="rId3" imgW="10839544" imgH="4543309" progId="Excel.Sheet.12">
-                  <p:embed/>
-                </p:oleObj>
-              </mc:Choice>
-              <mc:Fallback>
-                <p:oleObj name="Worksheet" r:id="rId3" imgW="10839544" imgH="4543309" progId="Excel.Sheet.12">
-                  <p:embed/>
-                  <p:pic>
-                    <p:nvPicPr>
-                      <p:cNvPr id="0" name=""/>
-                      <p:cNvPicPr/>
-                      <p:nvPr/>
-                    </p:nvPicPr>
-                    <p:blipFill>
-                      <a:blip r:embed="rId4"/>
-                      <a:stretch>
-                        <a:fillRect/>
-                      </a:stretch>
-                    </p:blipFill>
-                    <p:spPr>
-                      <a:xfrm>
-                        <a:off x="0" y="0"/>
-                        <a:ext cx="12192000" cy="6857999"/>
-                      </a:xfrm>
-                      <a:prstGeom prst="rect">
-                        <a:avLst/>
-                      </a:prstGeom>
-                      <a:solidFill>
-                        <a:schemeClr val="tx1">
-                          <a:lumMod val="75000"/>
-                        </a:schemeClr>
-                      </a:solidFill>
-                    </p:spPr>
-                  </p:pic>
-                </p:oleObj>
-              </mc:Fallback>
-            </mc:AlternateContent>
-          </a:graphicData>
-        </a:graphic>
-      </p:graphicFrame>
-    </p:spTree>
-    <p:extLst>
-      <p:ext uri="{BB962C8B-B14F-4D97-AF65-F5344CB8AC3E}">
-        <p14:creationId xmlns:p14="http://schemas.microsoft.com/office/powerpoint/2010/main" val="4219983403"/>
-      </p:ext>
-    </p:extLst>
-  </p:cSld>
-  <p:clrMapOvr>
-    <a:masterClrMapping/>
-  </p:clrMapOvr>
-</p:sld>
-</file>
-
-<file path=ppt/slides/slide26.xml><?xml version="1.0" encoding="utf-8"?>
-<p:sld xmlns:a="http://schemas.openxmlformats.org/drawingml/2006/main" xmlns:r="http://schemas.openxmlformats.org/officeDocument/2006/relationships" xmlns:p="http://schemas.openxmlformats.org/presentationml/2006/main">
-  <p:cSld>
-    <p:spTree>
-      <p:nvGrpSpPr>
-        <p:cNvPr id="1" name=""/>
-        <p:cNvGrpSpPr/>
-        <p:nvPr/>
-      </p:nvGrpSpPr>
-      <p:grpSpPr>
-        <a:xfrm>
-          <a:off x="0" y="0"/>
-          <a:ext cx="0" cy="0"/>
-          <a:chOff x="0" y="0"/>
-          <a:chExt cx="0" cy="0"/>
-        </a:xfrm>
-      </p:grpSpPr>
-      <p:sp>
-        <p:nvSpPr>
-          <p:cNvPr id="2" name="Title 1"/>
-          <p:cNvSpPr>
-            <a:spLocks noGrp="1"/>
-          </p:cNvSpPr>
-          <p:nvPr>
-            <p:ph type="title"/>
-          </p:nvPr>
-        </p:nvSpPr>
-        <p:spPr/>
-        <p:txBody>
-          <a:bodyPr/>
-          <a:lstStyle/>
-          <a:p>
-            <a:r>
-              <a:rPr lang="en-US" dirty="0" smtClean="0"/>
-              <a:t>Test infrastructure</a:t>
-            </a:r>
-            <a:endParaRPr lang="en-US" dirty="0"/>
-          </a:p>
-        </p:txBody>
-      </p:sp>
-      <p:sp>
-        <p:nvSpPr>
-          <p:cNvPr id="3" name="Content Placeholder 2"/>
-          <p:cNvSpPr>
-            <a:spLocks noGrp="1"/>
-          </p:cNvSpPr>
-          <p:nvPr>
-            <p:ph idx="1"/>
-          </p:nvPr>
-        </p:nvSpPr>
-        <p:spPr/>
-        <p:txBody>
-          <a:bodyPr/>
-          <a:lstStyle/>
-          <a:p>
-            <a:r>
-              <a:rPr lang="en-US" dirty="0" smtClean="0"/>
-              <a:t>The test infrastructure should be changed so that it is not performing </a:t>
-            </a:r>
-            <a:r>
-              <a:rPr lang="en-US" i="1" dirty="0" smtClean="0"/>
-              <a:t>weak</a:t>
-            </a:r>
-            <a:r>
-              <a:rPr lang="en-US" dirty="0" smtClean="0"/>
-              <a:t> diffs for the test cases. </a:t>
-            </a:r>
-          </a:p>
-          <a:p>
-            <a:r>
-              <a:rPr lang="en-US" dirty="0" smtClean="0"/>
-              <a:t>Instead using something like </a:t>
-            </a:r>
-            <a:r>
-              <a:rPr lang="en-US" i="1" dirty="0" err="1" smtClean="0"/>
-              <a:t>jq</a:t>
-            </a:r>
-            <a:r>
-              <a:rPr lang="en-US" dirty="0" smtClean="0"/>
-              <a:t> or a stronger more </a:t>
-            </a:r>
-            <a:r>
-              <a:rPr lang="en-US" i="1" dirty="0" smtClean="0"/>
-              <a:t>semantic </a:t>
-            </a:r>
-            <a:r>
-              <a:rPr lang="en-US" dirty="0" smtClean="0"/>
-              <a:t> JSON diff would be better</a:t>
-            </a:r>
-          </a:p>
-          <a:p>
-            <a:pPr lvl="1"/>
-            <a:r>
-              <a:rPr lang="en-US" dirty="0" smtClean="0"/>
-              <a:t>Does not depend on the order of the keys</a:t>
-            </a:r>
-          </a:p>
-          <a:p>
-            <a:pPr lvl="1"/>
-            <a:r>
-              <a:rPr lang="en-US" dirty="0" smtClean="0"/>
-              <a:t>Does not depend on spaces etc. etc. </a:t>
-            </a:r>
-          </a:p>
-          <a:p>
-            <a:r>
-              <a:rPr lang="en-US" dirty="0" smtClean="0"/>
-              <a:t>This should not take too long</a:t>
-            </a:r>
-            <a:endParaRPr lang="en-US" dirty="0"/>
-          </a:p>
-        </p:txBody>
-      </p:sp>
-    </p:spTree>
-    <p:extLst>
-      <p:ext uri="{BB962C8B-B14F-4D97-AF65-F5344CB8AC3E}">
-        <p14:creationId xmlns:p14="http://schemas.microsoft.com/office/powerpoint/2010/main" val="2654604574"/>
+        <p14:creationId xmlns:p14="http://schemas.microsoft.com/office/powerpoint/2010/main" val="254889902"/>
       </p:ext>
     </p:extLst>
   </p:cSld>
@@ -16387,7 +13500,7 @@
           <a:p>
             <a:r>
               <a:rPr lang="en-US" dirty="0" smtClean="0"/>
-              <a:t>Graph </a:t>
+              <a:t>RDB</a:t>
             </a:r>
             <a:endParaRPr lang="en-US" dirty="0"/>
           </a:p>
@@ -16406,13 +13519,29 @@
         <p:spPr/>
         <p:txBody>
           <a:bodyPr>
-            <a:normAutofit/>
+            <a:normAutofit lnSpcReduction="10000"/>
           </a:bodyPr>
           <a:lstStyle/>
           <a:p>
             <a:r>
               <a:rPr lang="en-US" dirty="0" smtClean="0"/>
-              <a:t>All graph related information stored in relational database</a:t>
+              <a:t>All graph </a:t>
+            </a:r>
+            <a:r>
+              <a:rPr lang="en-US" dirty="0" smtClean="0"/>
+              <a:t>and </a:t>
+            </a:r>
+            <a:r>
+              <a:rPr lang="en-US" dirty="0" err="1" smtClean="0"/>
+              <a:t>config</a:t>
+            </a:r>
+            <a:r>
+              <a:rPr lang="en-US" dirty="0" smtClean="0"/>
+              <a:t> related </a:t>
+            </a:r>
+            <a:r>
+              <a:rPr lang="en-US" dirty="0" smtClean="0"/>
+              <a:t>information stored in relational database</a:t>
             </a:r>
           </a:p>
           <a:p>
@@ -16424,6 +13553,10 @@
               <a:rPr lang="en-US" dirty="0" err="1" smtClean="0"/>
               <a:t>mms.sql</a:t>
             </a:r>
+            <a:r>
+              <a:rPr lang="en-US" dirty="0" smtClean="0"/>
+              <a:t>, each “project” has its own DB</a:t>
+            </a:r>
             <a:endParaRPr lang="en-US" dirty="0" smtClean="0"/>
           </a:p>
           <a:p>
@@ -16465,8 +13598,9 @@
             <a:pPr lvl="1"/>
             <a:r>
               <a:rPr lang="en-US" dirty="0" smtClean="0"/>
-              <a:t>Configurations</a:t>
-            </a:r>
+              <a:t>Refs</a:t>
+            </a:r>
+            <a:endParaRPr lang="en-US" dirty="0" smtClean="0"/>
           </a:p>
           <a:p>
             <a:r>
@@ -16526,8 +13660,8 @@
           <a:lstStyle/>
           <a:p>
             <a:r>
-              <a:rPr lang="en-US" dirty="0" smtClean="0"/>
-              <a:t>graph</a:t>
+              <a:rPr lang="en-US" dirty="0"/>
+              <a:t>RDB</a:t>
             </a:r>
             <a:endParaRPr lang="en-US" dirty="0"/>
           </a:p>
@@ -16560,43 +13694,95 @@
             </a:r>
             <a:r>
               <a:rPr lang="en-US" dirty="0" smtClean="0"/>
-              <a:t> that contains functions to interface with the database</a:t>
-            </a:r>
-          </a:p>
-          <a:p>
+              <a:t> that contains functions to interface with the </a:t>
+            </a:r>
             <a:r>
               <a:rPr lang="en-US" dirty="0" smtClean="0"/>
-              <a:t>TODO: switch to using a connection pool library such as Tomcat or </a:t>
-            </a:r>
-            <a:r>
-              <a:rPr lang="en-US" dirty="0" err="1" smtClean="0"/>
-              <a:t>DBPool</a:t>
+              <a:t>database</a:t>
+            </a:r>
+          </a:p>
+          <a:p>
+            <a:r>
+              <a:rPr lang="en-US" dirty="0"/>
+              <a:t>The nodes in the graph contain pointers to </a:t>
+            </a:r>
+            <a:r>
+              <a:rPr lang="en-US" dirty="0" err="1"/>
+              <a:t>ElasticSearch</a:t>
+            </a:r>
+            <a:r>
+              <a:rPr lang="en-US" dirty="0"/>
+              <a:t> documents which contain the real information</a:t>
+            </a:r>
+          </a:p>
+          <a:p>
+            <a:pPr lvl="1"/>
+            <a:r>
+              <a:rPr lang="en-US" dirty="0"/>
+              <a:t>Same goes for other things such as </a:t>
             </a:r>
             <a:r>
               <a:rPr lang="en-US" dirty="0" smtClean="0"/>
-              <a:t> or DBCP </a:t>
+              <a:t>refs or </a:t>
             </a:r>
             <a:r>
               <a:rPr lang="en-US" dirty="0"/>
-              <a:t>e</a:t>
+              <a:t>commits</a:t>
+            </a:r>
+          </a:p>
+          <a:p>
+            <a:r>
+              <a:rPr lang="en-US" dirty="0"/>
+              <a:t>Each of these pointers is the “latest one”</a:t>
+            </a:r>
+          </a:p>
+          <a:p>
+            <a:pPr lvl="1"/>
+            <a:r>
+              <a:rPr lang="en-US" dirty="0"/>
+              <a:t>Because for a given </a:t>
             </a:r>
             <a:r>
               <a:rPr lang="en-US" dirty="0" smtClean="0"/>
-              <a:t>tc.</a:t>
-            </a:r>
-          </a:p>
-          <a:p>
+              <a:t>ID there </a:t>
+            </a:r>
+            <a:r>
+              <a:rPr lang="en-US" dirty="0"/>
+              <a:t>can be multiple </a:t>
+            </a:r>
             <a:r>
               <a:rPr lang="en-US" dirty="0" smtClean="0"/>
-              <a:t>The graph should never be manipulated directly from anywhere else</a:t>
-            </a:r>
-          </a:p>
-          <a:p>
-            <a:r>
-              <a:rPr lang="en-US" dirty="0" smtClean="0"/>
-              <a:t>TODO: introduce ACID transactions</a:t>
-            </a:r>
-            <a:endParaRPr lang="en-US" dirty="0"/>
+              <a:t>documents in elastic </a:t>
+            </a:r>
+            <a:r>
+              <a:rPr lang="en-US" dirty="0"/>
+              <a:t>for each version of that node</a:t>
+            </a:r>
+          </a:p>
+          <a:p>
+            <a:r>
+              <a:rPr lang="en-US" dirty="0"/>
+              <a:t>The history of each node can be retrieved via a query to </a:t>
+            </a:r>
+            <a:r>
+              <a:rPr lang="en-US" dirty="0" err="1"/>
+              <a:t>ElasticSearch</a:t>
+            </a:r>
+            <a:r>
+              <a:rPr lang="en-US" dirty="0"/>
+              <a:t> (see </a:t>
+            </a:r>
+            <a:r>
+              <a:rPr lang="en-US" dirty="0" err="1"/>
+              <a:t>ElasticHelper.java</a:t>
+            </a:r>
+            <a:r>
+              <a:rPr lang="en-US" dirty="0"/>
+              <a:t>)</a:t>
+            </a:r>
+          </a:p>
+          <a:p>
+            <a:endParaRPr lang="en-US" dirty="0" smtClean="0"/>
           </a:p>
         </p:txBody>
       </p:sp>
@@ -16646,8 +13832,8 @@
           <a:lstStyle/>
           <a:p>
             <a:r>
-              <a:rPr lang="en-US" dirty="0" smtClean="0"/>
-              <a:t>graph</a:t>
+              <a:rPr lang="en-US" dirty="0"/>
+              <a:t>RDB</a:t>
             </a:r>
             <a:endParaRPr lang="en-US" dirty="0"/>
           </a:p>
@@ -16672,49 +13858,77 @@
           <a:p>
             <a:r>
               <a:rPr lang="en-US" dirty="0" smtClean="0"/>
-              <a:t>The nodes in the graph contain pointers to </a:t>
+              <a:t>Nodes and edges both have a </a:t>
+            </a:r>
+            <a:r>
+              <a:rPr lang="en-US" i="1" dirty="0" smtClean="0"/>
+              <a:t>type</a:t>
+            </a:r>
+            <a:r>
+              <a:rPr lang="en-US" dirty="0" smtClean="0"/>
+              <a:t> associated with them</a:t>
+            </a:r>
+          </a:p>
+          <a:p>
+            <a:r>
+              <a:rPr lang="en-US" dirty="0" smtClean="0"/>
+              <a:t>The type must exist in the </a:t>
             </a:r>
             <a:r>
               <a:rPr lang="en-US" dirty="0" err="1" smtClean="0"/>
-              <a:t>ElasticSearch</a:t>
+              <a:t>NodeTypes</a:t>
             </a:r>
             <a:r>
               <a:rPr lang="en-US" dirty="0" smtClean="0"/>
-              <a:t> documents which contain the real information</a:t>
+              <a:t> and </a:t>
+            </a:r>
+            <a:r>
+              <a:rPr lang="en-US" dirty="0" err="1" smtClean="0"/>
+              <a:t>EdgeTypes</a:t>
+            </a:r>
+            <a:r>
+              <a:rPr lang="en-US" dirty="0" smtClean="0"/>
+              <a:t> tables</a:t>
             </a:r>
           </a:p>
           <a:p>
             <a:pPr lvl="1"/>
             <a:r>
               <a:rPr lang="en-US" dirty="0" smtClean="0"/>
-              <a:t>Same goes for other things such as configurations or commits</a:t>
-            </a:r>
-          </a:p>
-          <a:p>
+              <a:t>Correspondingly, the types also exist in the </a:t>
+            </a:r>
+            <a:r>
+              <a:rPr lang="en-US" dirty="0" err="1" smtClean="0"/>
+              <a:t>PostgresHelper</a:t>
+            </a:r>
             <a:r>
               <a:rPr lang="en-US" dirty="0" smtClean="0"/>
-              <a:t>Each of these pointers is the “latest one”</a:t>
-            </a:r>
-          </a:p>
-          <a:p>
-            <a:pPr lvl="1"/>
+              <a:t> code</a:t>
+            </a:r>
+          </a:p>
+          <a:p>
             <a:r>
               <a:rPr lang="en-US" dirty="0" smtClean="0"/>
-              <a:t>Because for a given SYSMLID there can be multiple documents for each version of that node</a:t>
-            </a:r>
+              <a:t>Each node can be assigned a particular type, by default it is just </a:t>
+            </a:r>
+            <a:r>
+              <a:rPr lang="en-US" i="1" dirty="0" smtClean="0"/>
+              <a:t>element</a:t>
+            </a:r>
+            <a:endParaRPr lang="en-US" dirty="0" smtClean="0"/>
           </a:p>
           <a:p>
             <a:r>
               <a:rPr lang="en-US" dirty="0" smtClean="0"/>
-              <a:t>The history of each node can be retrieved via a query to </a:t>
-            </a:r>
-            <a:r>
-              <a:rPr lang="en-US" dirty="0" err="1" smtClean="0"/>
-              <a:t>ElasticSearch</a:t>
+              <a:t>Each edge can be assigned a particular type, </a:t>
+            </a:r>
+            <a:r>
+              <a:rPr lang="en-US" i="1" dirty="0" smtClean="0"/>
+              <a:t>containment</a:t>
             </a:r>
             <a:r>
               <a:rPr lang="en-US" dirty="0" smtClean="0"/>
-              <a:t> (see ElasticHelper.java)</a:t>
+              <a:t> being the basic type</a:t>
             </a:r>
             <a:endParaRPr lang="en-US" dirty="0"/>
           </a:p>
@@ -16723,7 +13937,7 @@
     </p:spTree>
     <p:extLst>
       <p:ext uri="{BB962C8B-B14F-4D97-AF65-F5344CB8AC3E}">
-        <p14:creationId xmlns:p14="http://schemas.microsoft.com/office/powerpoint/2010/main" val="2159976965"/>
+        <p14:creationId xmlns:p14="http://schemas.microsoft.com/office/powerpoint/2010/main" val="2748564671"/>
       </p:ext>
     </p:extLst>
   </p:cSld>
@@ -16766,8 +13980,8 @@
           <a:lstStyle/>
           <a:p>
             <a:r>
-              <a:rPr lang="en-US" dirty="0" smtClean="0"/>
-              <a:t>Graph schema</a:t>
+              <a:rPr lang="en-US" dirty="0"/>
+              <a:t>RDB</a:t>
             </a:r>
             <a:endParaRPr lang="en-US" dirty="0"/>
           </a:p>
@@ -16792,77 +14006,49 @@
           <a:p>
             <a:r>
               <a:rPr lang="en-US" dirty="0" smtClean="0"/>
-              <a:t>Nodes and edges both have a </a:t>
-            </a:r>
-            <a:r>
-              <a:rPr lang="en-US" i="1" dirty="0" smtClean="0"/>
-              <a:t>type</a:t>
-            </a:r>
+              <a:t>Some assertions about the graph:</a:t>
+            </a:r>
+          </a:p>
+          <a:p>
+            <a:pPr lvl="1"/>
             <a:r>
               <a:rPr lang="en-US" dirty="0" smtClean="0"/>
-              <a:t> associated with them</a:t>
-            </a:r>
-          </a:p>
-          <a:p>
+              <a:t>It is always the case that each node in the graph has a single containment parent</a:t>
+            </a:r>
+          </a:p>
+          <a:p>
+            <a:pPr lvl="2"/>
             <a:r>
               <a:rPr lang="en-US" dirty="0" smtClean="0"/>
-              <a:t>The type must exist in the </a:t>
-            </a:r>
-            <a:r>
-              <a:rPr lang="en-US" dirty="0" err="1" smtClean="0"/>
-              <a:t>NodeTypes</a:t>
-            </a:r>
+              <a:t>If you have multiple, something wrong happened!</a:t>
+            </a:r>
+          </a:p>
+          <a:p>
+            <a:pPr lvl="1"/>
             <a:r>
               <a:rPr lang="en-US" dirty="0" smtClean="0"/>
-              <a:t> and </a:t>
-            </a:r>
-            <a:r>
-              <a:rPr lang="en-US" dirty="0" err="1" smtClean="0"/>
-              <a:t>EdgeTypes</a:t>
-            </a:r>
+              <a:t>Multiple root parents are only possible for not containment type edges</a:t>
+            </a:r>
+          </a:p>
+          <a:p>
+            <a:pPr lvl="1"/>
             <a:r>
               <a:rPr lang="en-US" dirty="0" smtClean="0"/>
-              <a:t> tables</a:t>
+              <a:t>There should never be any orphan nodes in the graph</a:t>
+            </a:r>
+          </a:p>
+          <a:p>
+            <a:pPr lvl="2"/>
+            <a:r>
+              <a:rPr lang="en-US" dirty="0" smtClean="0"/>
+              <a:t>Always have either children or parents</a:t>
             </a:r>
           </a:p>
           <a:p>
             <a:pPr lvl="1"/>
             <a:r>
               <a:rPr lang="en-US" dirty="0" smtClean="0"/>
-              <a:t>Correspondingly, the types also exist in the </a:t>
-            </a:r>
-            <a:r>
-              <a:rPr lang="en-US" dirty="0" err="1" smtClean="0"/>
-              <a:t>PostgresHelper</a:t>
-            </a:r>
-            <a:r>
-              <a:rPr lang="en-US" dirty="0" smtClean="0"/>
-              <a:t> code</a:t>
-            </a:r>
-          </a:p>
-          <a:p>
-            <a:r>
-              <a:rPr lang="en-US" dirty="0" smtClean="0"/>
-              <a:t>Each node can be assigned a particular type, by default it is just </a:t>
-            </a:r>
-            <a:r>
-              <a:rPr lang="en-US" i="1" dirty="0" smtClean="0"/>
-              <a:t>element</a:t>
-            </a:r>
-            <a:endParaRPr lang="en-US" dirty="0" smtClean="0"/>
-          </a:p>
-          <a:p>
-            <a:r>
-              <a:rPr lang="en-US" dirty="0" smtClean="0"/>
-              <a:t>Each edge can be assigned a particular type, </a:t>
-            </a:r>
-            <a:r>
-              <a:rPr lang="en-US" i="1" dirty="0" smtClean="0"/>
-              <a:t>containment</a:t>
-            </a:r>
-            <a:r>
-              <a:rPr lang="en-US" dirty="0" smtClean="0"/>
-              <a:t> being the basic type</a:t>
+              <a:t>All elastic references in the graph must exist in ES</a:t>
             </a:r>
             <a:endParaRPr lang="en-US" dirty="0"/>
           </a:p>
@@ -16871,7 +14057,7 @@
     </p:spTree>
     <p:extLst>
       <p:ext uri="{BB962C8B-B14F-4D97-AF65-F5344CB8AC3E}">
-        <p14:creationId xmlns:p14="http://schemas.microsoft.com/office/powerpoint/2010/main" val="2748564671"/>
+        <p14:creationId xmlns:p14="http://schemas.microsoft.com/office/powerpoint/2010/main" val="3417923068"/>
       </p:ext>
     </p:extLst>
   </p:cSld>
@@ -16914,8 +14100,8 @@
           <a:lstStyle/>
           <a:p>
             <a:r>
-              <a:rPr lang="en-US" dirty="0" smtClean="0"/>
-              <a:t>Graph schema</a:t>
+              <a:rPr lang="en-US" dirty="0"/>
+              <a:t>RDB</a:t>
             </a:r>
             <a:endParaRPr lang="en-US" dirty="0"/>
           </a:p>
@@ -16931,67 +14117,86 @@
             <p:ph idx="1"/>
           </p:nvPr>
         </p:nvSpPr>
-        <p:spPr/>
+        <p:spPr>
+          <a:xfrm>
+            <a:off x="1103312" y="1151468"/>
+            <a:ext cx="9124421" cy="5096932"/>
+          </a:xfrm>
+        </p:spPr>
         <p:txBody>
-          <a:bodyPr>
-            <a:normAutofit/>
-          </a:bodyPr>
+          <a:bodyPr/>
           <a:lstStyle/>
           <a:p>
             <a:r>
               <a:rPr lang="en-US" dirty="0" smtClean="0"/>
-              <a:t>Some assertions about the graph:</a:t>
-            </a:r>
-          </a:p>
-          <a:p>
-            <a:pPr lvl="1"/>
+              <a:t>Structure of the </a:t>
+            </a:r>
             <a:r>
               <a:rPr lang="en-US" dirty="0" smtClean="0"/>
-              <a:t>It is always the case that each node in the graph has a single containment parent</a:t>
-            </a:r>
-          </a:p>
-          <a:p>
-            <a:pPr lvl="2"/>
+              <a:t>graph</a:t>
+            </a:r>
             <a:r>
               <a:rPr lang="en-US" dirty="0" smtClean="0"/>
-              <a:t>If you have multiple, something wrong happened!</a:t>
-            </a:r>
-          </a:p>
-          <a:p>
-            <a:pPr lvl="1"/>
+              <a:t> for </a:t>
+            </a:r>
             <a:r>
               <a:rPr lang="en-US" dirty="0" smtClean="0"/>
-              <a:t>Multiple root parents are only possible for not containment type edges</a:t>
-            </a:r>
-          </a:p>
-          <a:p>
-            <a:pPr lvl="1"/>
+              <a:t>each </a:t>
+            </a:r>
             <a:r>
               <a:rPr lang="en-US" dirty="0" smtClean="0"/>
-              <a:t>There should never be any orphan nodes in the graph</a:t>
-            </a:r>
-          </a:p>
-          <a:p>
-            <a:pPr lvl="2"/>
+              <a:t>“Project”</a:t>
+            </a:r>
+          </a:p>
+          <a:p>
             <a:r>
               <a:rPr lang="en-US" dirty="0" smtClean="0"/>
-              <a:t>Always have either children or parents</a:t>
-            </a:r>
-          </a:p>
-          <a:p>
-            <a:pPr lvl="1"/>
+              <a:t>A Ref is a Branch or Tag (Tag is a read only Branch), similar to </a:t>
+            </a:r>
+            <a:r>
+              <a:rPr lang="en-US" dirty="0" err="1" smtClean="0"/>
+              <a:t>git</a:t>
+            </a:r>
+            <a:endParaRPr lang="en-US" dirty="0" smtClean="0"/>
+          </a:p>
+          <a:p>
             <a:r>
               <a:rPr lang="en-US" dirty="0" smtClean="0"/>
-              <a:t>All elastic references in the graph must exist in ES</a:t>
-            </a:r>
+              <a:t>Each Ref has its own Nodes and Edges table, copied from the parent Ref</a:t>
+            </a:r>
+            <a:endParaRPr lang="en-US" dirty="0" smtClean="0"/>
+          </a:p>
+          <a:p>
             <a:endParaRPr lang="en-US" dirty="0"/>
           </a:p>
         </p:txBody>
       </p:sp>
+      <p:graphicFrame>
+        <p:nvGraphicFramePr>
+          <p:cNvPr id="4" name="Diagram 3"/>
+          <p:cNvGraphicFramePr/>
+          <p:nvPr>
+            <p:extLst>
+              <p:ext uri="{D42A27DB-BD31-4B8C-83A1-F6EECF244321}">
+                <p14:modId xmlns:p14="http://schemas.microsoft.com/office/powerpoint/2010/main" val="290254496"/>
+              </p:ext>
+            </p:extLst>
+          </p:nvPr>
+        </p:nvGraphicFramePr>
+        <p:xfrm>
+          <a:off x="2207492" y="2835564"/>
+          <a:ext cx="6253018" cy="3312006"/>
+        </p:xfrm>
+        <a:graphic>
+          <a:graphicData uri="http://schemas.openxmlformats.org/drawingml/2006/diagram">
+            <dgm:relIds xmlns:dgm="http://schemas.openxmlformats.org/drawingml/2006/diagram" xmlns:r="http://schemas.openxmlformats.org/officeDocument/2006/relationships" r:dm="rId2" r:lo="rId3" r:qs="rId4" r:cs="rId5"/>
+          </a:graphicData>
+        </a:graphic>
+      </p:graphicFrame>
     </p:spTree>
     <p:extLst>
       <p:ext uri="{BB962C8B-B14F-4D97-AF65-F5344CB8AC3E}">
-        <p14:creationId xmlns:p14="http://schemas.microsoft.com/office/powerpoint/2010/main" val="3417923068"/>
+        <p14:creationId xmlns:p14="http://schemas.microsoft.com/office/powerpoint/2010/main" val="2559445589"/>
       </p:ext>
     </p:extLst>
   </p:cSld>
@@ -17035,7 +14240,7 @@
           <a:p>
             <a:r>
               <a:rPr lang="en-US" dirty="0" smtClean="0"/>
-              <a:t>graph</a:t>
+              <a:t>ES</a:t>
             </a:r>
             <a:endParaRPr lang="en-US" dirty="0"/>
           </a:p>
@@ -17051,47 +14256,201 @@
             <p:ph idx="1"/>
           </p:nvPr>
         </p:nvSpPr>
-        <p:spPr/>
+        <p:spPr>
+          <a:xfrm>
+            <a:off x="1104293" y="1660983"/>
+            <a:ext cx="9631440" cy="4858350"/>
+          </a:xfrm>
+        </p:spPr>
         <p:txBody>
-          <a:bodyPr/>
+          <a:bodyPr>
+            <a:normAutofit/>
+          </a:bodyPr>
           <a:lstStyle/>
           <a:p>
             <a:r>
               <a:rPr lang="en-US" dirty="0" smtClean="0"/>
-              <a:t>Structure of the graph for each “workspace”</a:t>
-            </a:r>
-          </a:p>
-          <a:p>
+              <a:t>Currently we are using </a:t>
+            </a:r>
+            <a:r>
+              <a:rPr lang="en-US" dirty="0" err="1" smtClean="0"/>
+              <a:t>ElasticSearch</a:t>
+            </a:r>
+            <a:r>
+              <a:rPr lang="en-US" dirty="0" smtClean="0"/>
+              <a:t> </a:t>
+            </a:r>
+            <a:r>
+              <a:rPr lang="en-US" dirty="0" smtClean="0"/>
+              <a:t>5.4.0 </a:t>
+            </a:r>
+            <a:r>
+              <a:rPr lang="en-US" dirty="0" smtClean="0"/>
+              <a:t>(ES) for storing our </a:t>
+            </a:r>
+            <a:r>
+              <a:rPr lang="en-US" dirty="0" err="1" smtClean="0"/>
+              <a:t>json</a:t>
+            </a:r>
+            <a:r>
+              <a:rPr lang="en-US" dirty="0" smtClean="0"/>
+              <a:t> documents (node and commit info)</a:t>
+            </a:r>
+            <a:endParaRPr lang="en-US" dirty="0" smtClean="0"/>
+          </a:p>
+          <a:p>
+            <a:r>
+              <a:rPr lang="en-US" dirty="0" smtClean="0"/>
+              <a:t>See </a:t>
+            </a:r>
+            <a:r>
+              <a:rPr lang="en-US" dirty="0" err="1" smtClean="0"/>
+              <a:t>mms_shard_mappings.json</a:t>
+            </a:r>
+            <a:r>
+              <a:rPr lang="en-US" dirty="0" smtClean="0"/>
+              <a:t>, </a:t>
+            </a:r>
+            <a:r>
+              <a:rPr lang="en-US" dirty="0" err="1" smtClean="0"/>
+              <a:t>mms_commit_mappings.json</a:t>
+            </a:r>
+            <a:r>
+              <a:rPr lang="en-US" dirty="0" smtClean="0"/>
+              <a:t>, </a:t>
+            </a:r>
+            <a:r>
+              <a:rPr lang="en-US" dirty="0" err="1" smtClean="0"/>
+              <a:t>mms_element_mappings.json</a:t>
+            </a:r>
+            <a:r>
+              <a:rPr lang="en-US" dirty="0" smtClean="0"/>
+              <a:t> for </a:t>
+            </a:r>
+            <a:r>
+              <a:rPr lang="en-US" dirty="0" err="1" smtClean="0"/>
+              <a:t>es</a:t>
+            </a:r>
+            <a:r>
+              <a:rPr lang="en-US" dirty="0" smtClean="0"/>
+              <a:t> mappings</a:t>
+            </a:r>
+            <a:endParaRPr lang="en-US" dirty="0" smtClean="0"/>
+          </a:p>
+          <a:p>
+            <a:pPr lvl="1"/>
+            <a:r>
+              <a:rPr lang="en-US" dirty="0" smtClean="0"/>
+              <a:t>Certain fields are not to be “analyzed” by ES, or certain fields are to be treated differently etc. etc. </a:t>
+            </a:r>
+            <a:endParaRPr lang="en-US" dirty="0" smtClean="0"/>
+          </a:p>
+          <a:p>
+            <a:pPr lvl="1"/>
+            <a:r>
+              <a:rPr lang="en-US" dirty="0" smtClean="0"/>
+              <a:t>Shard mappings contain dynamic mappings based on our element key conventions</a:t>
+            </a:r>
+          </a:p>
+          <a:p>
+            <a:pPr lvl="2"/>
+            <a:r>
+              <a:rPr lang="en-US" dirty="0" smtClean="0"/>
+              <a:t>Reference </a:t>
+            </a:r>
+            <a:r>
+              <a:rPr lang="mr-IN" dirty="0" smtClean="0"/>
+              <a:t>–</a:t>
+            </a:r>
+            <a:r>
+              <a:rPr lang="en-US" dirty="0" smtClean="0"/>
+              <a:t> suffix *Id (ex. </a:t>
+            </a:r>
+            <a:r>
+              <a:rPr lang="en-US" dirty="0" err="1" smtClean="0"/>
+              <a:t>ownerId</a:t>
+            </a:r>
+            <a:r>
+              <a:rPr lang="en-US" dirty="0" smtClean="0"/>
+              <a:t>)</a:t>
+            </a:r>
+          </a:p>
+          <a:p>
+            <a:pPr lvl="2"/>
+            <a:r>
+              <a:rPr lang="en-US" dirty="0" smtClean="0"/>
+              <a:t>Array of reference </a:t>
+            </a:r>
+            <a:r>
+              <a:rPr lang="mr-IN" dirty="0" smtClean="0"/>
+              <a:t>–</a:t>
+            </a:r>
+            <a:r>
+              <a:rPr lang="en-US" dirty="0" smtClean="0"/>
+              <a:t> suffix *Ids (ex. </a:t>
+            </a:r>
+            <a:r>
+              <a:rPr lang="en-US" dirty="0" err="1" smtClean="0"/>
+              <a:t>ownedAttributeIds</a:t>
+            </a:r>
+            <a:r>
+              <a:rPr lang="en-US" dirty="0" smtClean="0"/>
+              <a:t>)</a:t>
+            </a:r>
+          </a:p>
+          <a:p>
+            <a:pPr lvl="2"/>
+            <a:r>
+              <a:rPr lang="en-US" dirty="0" smtClean="0"/>
+              <a:t>Derived info </a:t>
+            </a:r>
+            <a:r>
+              <a:rPr lang="mr-IN" dirty="0" smtClean="0"/>
+              <a:t>–</a:t>
+            </a:r>
+            <a:r>
+              <a:rPr lang="en-US" dirty="0" smtClean="0"/>
+              <a:t> prefix _* (ex. _</a:t>
+            </a:r>
+            <a:r>
+              <a:rPr lang="en-US" dirty="0" err="1" smtClean="0"/>
+              <a:t>appliedStereotypeIds</a:t>
+            </a:r>
+            <a:r>
+              <a:rPr lang="en-US" dirty="0" smtClean="0"/>
+              <a:t>)</a:t>
+            </a:r>
+          </a:p>
+          <a:p>
+            <a:r>
+              <a:rPr lang="en-US" dirty="0"/>
+              <a:t>All access to ES is done via the </a:t>
+            </a:r>
+            <a:r>
+              <a:rPr lang="en-US" dirty="0" err="1"/>
+              <a:t>ElasticHelper.java</a:t>
+            </a:r>
+            <a:endParaRPr lang="en-US" dirty="0"/>
+          </a:p>
+          <a:p>
+            <a:endParaRPr lang="en-US" dirty="0" smtClean="0"/>
+          </a:p>
+          <a:p>
+            <a:pPr lvl="1"/>
+            <a:endParaRPr lang="en-US" dirty="0" smtClean="0"/>
+          </a:p>
+          <a:p>
+            <a:pPr marL="0" indent="0">
+              <a:buNone/>
+            </a:pPr>
             <a:endParaRPr lang="en-US" dirty="0"/>
           </a:p>
         </p:txBody>
       </p:sp>
-      <p:graphicFrame>
-        <p:nvGraphicFramePr>
-          <p:cNvPr id="4" name="Diagram 3"/>
-          <p:cNvGraphicFramePr/>
-          <p:nvPr>
-            <p:extLst>
-              <p:ext uri="{D42A27DB-BD31-4B8C-83A1-F6EECF244321}">
-                <p14:modId xmlns:p14="http://schemas.microsoft.com/office/powerpoint/2010/main" val="3104966793"/>
-              </p:ext>
-            </p:extLst>
-          </p:nvPr>
-        </p:nvGraphicFramePr>
-        <p:xfrm>
-          <a:off x="2207492" y="2835564"/>
-          <a:ext cx="6253018" cy="3312006"/>
-        </p:xfrm>
-        <a:graphic>
-          <a:graphicData uri="http://schemas.openxmlformats.org/drawingml/2006/diagram">
-            <dgm:relIds xmlns:dgm="http://schemas.openxmlformats.org/drawingml/2006/diagram" xmlns:r="http://schemas.openxmlformats.org/officeDocument/2006/relationships" r:dm="rId2" r:lo="rId3" r:qs="rId4" r:cs="rId5"/>
-          </a:graphicData>
-        </a:graphic>
-      </p:graphicFrame>
     </p:spTree>
     <p:extLst>
       <p:ext uri="{BB962C8B-B14F-4D97-AF65-F5344CB8AC3E}">
-        <p14:creationId xmlns:p14="http://schemas.microsoft.com/office/powerpoint/2010/main" val="2559445589"/>
+        <p14:creationId xmlns:p14="http://schemas.microsoft.com/office/powerpoint/2010/main" val="3950562377"/>
       </p:ext>
     </p:extLst>
   </p:cSld>
@@ -17135,7 +14494,7 @@
           <a:p>
             <a:r>
               <a:rPr lang="en-US" dirty="0" smtClean="0"/>
-              <a:t>NoSQL</a:t>
+              <a:t>Posting element(s)</a:t>
             </a:r>
             <a:endParaRPr lang="en-US" dirty="0"/>
           </a:p>
@@ -17160,74 +14519,84 @@
           <a:p>
             <a:r>
               <a:rPr lang="en-US" dirty="0" smtClean="0"/>
-              <a:t>Currently we are using </a:t>
+              <a:t>Create instances of </a:t>
             </a:r>
             <a:r>
               <a:rPr lang="en-US" dirty="0" err="1" smtClean="0"/>
-              <a:t>ElasticSearch</a:t>
+              <a:t>ElasticHelper</a:t>
             </a:r>
             <a:r>
               <a:rPr lang="en-US" dirty="0" smtClean="0"/>
-              <a:t> 2.0.0 (ES) for storing our node information</a:t>
-            </a:r>
+              <a:t> and </a:t>
+            </a:r>
+            <a:r>
+              <a:rPr lang="en-US" dirty="0" err="1" smtClean="0"/>
+              <a:t>PostgresHelper</a:t>
+            </a:r>
+            <a:endParaRPr lang="en-US" dirty="0" smtClean="0"/>
           </a:p>
           <a:p>
             <a:r>
               <a:rPr lang="en-US" dirty="0" smtClean="0"/>
-              <a:t>All elements are stored in a single </a:t>
-            </a:r>
-            <a:r>
-              <a:rPr lang="en-US" i="1" dirty="0" smtClean="0"/>
-              <a:t>index</a:t>
+              <a:t>Get all other relevant information, validation, etc. form request</a:t>
+            </a:r>
+          </a:p>
+          <a:p>
+            <a:r>
+              <a:rPr lang="en-US" dirty="0" smtClean="0"/>
+              <a:t>Figure out if the elements are to go to the holding bin or </a:t>
+            </a:r>
+            <a:r>
+              <a:rPr lang="en-US" dirty="0" smtClean="0"/>
+              <a:t>not (is owner valid?)</a:t>
             </a:r>
             <a:endParaRPr lang="en-US" dirty="0" smtClean="0"/>
           </a:p>
           <a:p>
             <a:r>
               <a:rPr lang="en-US" dirty="0" smtClean="0"/>
-              <a:t>All commits are saved in a different index (only for commits)</a:t>
-            </a:r>
-          </a:p>
-          <a:p>
-            <a:pPr lvl="1"/>
+              <a:t>Generate derived info (modified time, modifier, </a:t>
+            </a:r>
+            <a:r>
+              <a:rPr lang="en-US" dirty="0" err="1" smtClean="0"/>
+              <a:t>etc</a:t>
+            </a:r>
             <a:r>
               <a:rPr lang="en-US" dirty="0" smtClean="0"/>
-              <a:t>We can combine them into one also. Currently no strong opinions either way</a:t>
-            </a:r>
+              <a:t>)</a:t>
+            </a:r>
+            <a:endParaRPr lang="en-US" dirty="0" smtClean="0"/>
           </a:p>
           <a:p>
             <a:r>
               <a:rPr lang="en-US" dirty="0" smtClean="0"/>
-              <a:t>The </a:t>
-            </a:r>
-            <a:r>
-              <a:rPr lang="en-US" i="1" dirty="0" smtClean="0"/>
-              <a:t>mapping</a:t>
+              <a:t>Store </a:t>
             </a:r>
             <a:r>
               <a:rPr lang="en-US" dirty="0" smtClean="0"/>
-              <a:t> is stored in </a:t>
+              <a:t>elements in ES</a:t>
+            </a:r>
+          </a:p>
+          <a:p>
+            <a:r>
+              <a:rPr lang="en-US" dirty="0" smtClean="0"/>
+              <a:t>Update </a:t>
             </a:r>
             <a:r>
               <a:rPr lang="en-US" dirty="0" err="1" smtClean="0"/>
-              <a:t>mms_mapping.json</a:t>
+              <a:t>db</a:t>
             </a:r>
             <a:r>
               <a:rPr lang="en-US" dirty="0" smtClean="0"/>
-              <a:t> where we specify what all fields for elements are</a:t>
-            </a:r>
-          </a:p>
-          <a:p>
-            <a:pPr lvl="1"/>
+              <a:t> (node and edges)</a:t>
+            </a:r>
+            <a:endParaRPr lang="en-US" dirty="0" smtClean="0"/>
+          </a:p>
+          <a:p>
             <a:r>
               <a:rPr lang="en-US" dirty="0" smtClean="0"/>
-              <a:t>Certain fields are not to be “analyzed” by ES, or certain fields are to be treated differently etc. etc. </a:t>
-            </a:r>
-          </a:p>
-          <a:p>
-            <a:pPr marL="0" indent="0">
-              <a:buNone/>
-            </a:pPr>
+              <a:t>Create JSON response and return</a:t>
+            </a:r>
             <a:endParaRPr lang="en-US" dirty="0"/>
           </a:p>
         </p:txBody>
@@ -17235,7 +14604,7 @@
     </p:spTree>
     <p:extLst>
       <p:ext uri="{BB962C8B-B14F-4D97-AF65-F5344CB8AC3E}">
-        <p14:creationId xmlns:p14="http://schemas.microsoft.com/office/powerpoint/2010/main" val="3950562377"/>
+        <p14:creationId xmlns:p14="http://schemas.microsoft.com/office/powerpoint/2010/main" val="1194385329"/>
       </p:ext>
     </p:extLst>
   </p:cSld>

--- a/mms-ent/docs/MMS using ES + PG.pptx
+++ b/mms-ent/docs/MMS using ES + PG.pptx
@@ -11916,6 +11916,13 @@
   <p:clrMapOvr>
     <a:masterClrMapping/>
   </p:clrMapOvr>
+  <p:timing>
+    <p:tnLst>
+      <p:par>
+        <p:cTn id="1" dur="indefinite" restart="never" nodeType="tmRoot"/>
+      </p:par>
+    </p:tnLst>
+  </p:timing>
 </p:sld>
 </file>
 
@@ -12074,6 +12081,13 @@
   <p:clrMapOvr>
     <a:masterClrMapping/>
   </p:clrMapOvr>
+  <p:timing>
+    <p:tnLst>
+      <p:par>
+        <p:cTn id="1" dur="indefinite" restart="never" nodeType="tmRoot"/>
+      </p:par>
+    </p:tnLst>
+  </p:timing>
 </p:sld>
 </file>
 
@@ -12206,6 +12220,13 @@
   <p:clrMapOvr>
     <a:masterClrMapping/>
   </p:clrMapOvr>
+  <p:timing>
+    <p:tnLst>
+      <p:par>
+        <p:cTn id="1" dur="indefinite" restart="never" nodeType="tmRoot"/>
+      </p:par>
+    </p:tnLst>
+  </p:timing>
 </p:sld>
 </file>
 
@@ -12330,6 +12351,13 @@
   <p:clrMapOvr>
     <a:masterClrMapping/>
   </p:clrMapOvr>
+  <p:timing>
+    <p:tnLst>
+      <p:par>
+        <p:cTn id="1" dur="indefinite" restart="never" nodeType="tmRoot"/>
+      </p:par>
+    </p:tnLst>
+  </p:timing>
 </p:sld>
 </file>
 
@@ -12474,6 +12502,13 @@
   <p:clrMapOvr>
     <a:masterClrMapping/>
   </p:clrMapOvr>
+  <p:timing>
+    <p:tnLst>
+      <p:par>
+        <p:cTn id="1" dur="indefinite" restart="never" nodeType="tmRoot"/>
+      </p:par>
+    </p:tnLst>
+  </p:timing>
 </p:sld>
 </file>
 
@@ -13463,6 +13498,13 @@
   <p:clrMapOvr>
     <a:masterClrMapping/>
   </p:clrMapOvr>
+  <p:timing>
+    <p:tnLst>
+      <p:par>
+        <p:cTn id="1" dur="indefinite" restart="never" nodeType="tmRoot"/>
+      </p:par>
+    </p:tnLst>
+  </p:timing>
 </p:sld>
 </file>
 
@@ -13519,7 +13561,7 @@
         <p:spPr/>
         <p:txBody>
           <a:bodyPr>
-            <a:normAutofit lnSpcReduction="10000"/>
+            <a:normAutofit fontScale="92500" lnSpcReduction="20000"/>
           </a:bodyPr>
           <a:lstStyle/>
           <a:p>
@@ -13547,7 +13589,11 @@
           <a:p>
             <a:r>
               <a:rPr lang="en-US" dirty="0" smtClean="0"/>
-              <a:t>Schema defined in </a:t>
+              <a:t>Orgs Schema </a:t>
+            </a:r>
+            <a:r>
+              <a:rPr lang="en-US" dirty="0" smtClean="0"/>
+              <a:t>defined in </a:t>
             </a:r>
             <a:r>
               <a:rPr lang="en-US" dirty="0" err="1" smtClean="0"/>
@@ -13557,6 +13603,20 @@
               <a:rPr lang="en-US" dirty="0" smtClean="0"/>
               <a:t>, each “project” has its own DB</a:t>
             </a:r>
+          </a:p>
+          <a:p>
+            <a:r>
+              <a:rPr lang="en-US" dirty="0" smtClean="0"/>
+              <a:t>Also see </a:t>
+            </a:r>
+            <a:r>
+              <a:rPr lang="en-US" dirty="0" err="1" smtClean="0"/>
+              <a:t>PostgresHelper.createProjectTables</a:t>
+            </a:r>
+            <a:r>
+              <a:rPr lang="en-US" smtClean="0"/>
+              <a:t>()</a:t>
+            </a:r>
             <a:endParaRPr lang="en-US" dirty="0" smtClean="0"/>
           </a:p>
           <a:p>
@@ -13565,6 +13625,7 @@
               <a:rPr lang="en-US" dirty="0" smtClean="0"/>
               <a:t>Nodes</a:t>
             </a:r>
+            <a:endParaRPr lang="en-US" dirty="0" smtClean="0"/>
           </a:p>
           <a:p>
             <a:pPr lvl="1"/>
@@ -13624,6 +13685,13 @@
   <p:clrMapOvr>
     <a:masterClrMapping/>
   </p:clrMapOvr>
+  <p:timing>
+    <p:tnLst>
+      <p:par>
+        <p:cTn id="1" dur="indefinite" restart="never" nodeType="tmRoot"/>
+      </p:par>
+    </p:tnLst>
+  </p:timing>
 </p:sld>
 </file>
 
@@ -13796,6 +13864,13 @@
   <p:clrMapOvr>
     <a:masterClrMapping/>
   </p:clrMapOvr>
+  <p:timing>
+    <p:tnLst>
+      <p:par>
+        <p:cTn id="1" dur="indefinite" restart="never" nodeType="tmRoot"/>
+      </p:par>
+    </p:tnLst>
+  </p:timing>
 </p:sld>
 </file>
 
@@ -13944,6 +14019,13 @@
   <p:clrMapOvr>
     <a:masterClrMapping/>
   </p:clrMapOvr>
+  <p:timing>
+    <p:tnLst>
+      <p:par>
+        <p:cTn id="1" dur="indefinite" restart="never" nodeType="tmRoot"/>
+      </p:par>
+    </p:tnLst>
+  </p:timing>
 </p:sld>
 </file>
 
@@ -14064,6 +14146,13 @@
   <p:clrMapOvr>
     <a:masterClrMapping/>
   </p:clrMapOvr>
+  <p:timing>
+    <p:tnLst>
+      <p:par>
+        <p:cTn id="1" dur="indefinite" restart="never" nodeType="tmRoot"/>
+      </p:par>
+    </p:tnLst>
+  </p:timing>
 </p:sld>
 </file>
 
@@ -14203,6 +14292,13 @@
   <p:clrMapOvr>
     <a:masterClrMapping/>
   </p:clrMapOvr>
+  <p:timing>
+    <p:tnLst>
+      <p:par>
+        <p:cTn id="1" dur="indefinite" restart="never" nodeType="tmRoot"/>
+      </p:par>
+    </p:tnLst>
+  </p:timing>
 </p:sld>
 </file>
 
@@ -14457,6 +14553,13 @@
   <p:clrMapOvr>
     <a:masterClrMapping/>
   </p:clrMapOvr>
+  <p:timing>
+    <p:tnLst>
+      <p:par>
+        <p:cTn id="1" dur="indefinite" restart="never" nodeType="tmRoot"/>
+      </p:par>
+    </p:tnLst>
+  </p:timing>
 </p:sld>
 </file>
 
@@ -14611,6 +14714,13 @@
   <p:clrMapOvr>
     <a:masterClrMapping/>
   </p:clrMapOvr>
+  <p:timing>
+    <p:tnLst>
+      <p:par>
+        <p:cTn id="1" dur="indefinite" restart="never" nodeType="tmRoot"/>
+      </p:par>
+    </p:tnLst>
+  </p:timing>
 </p:sld>
 </file>
 
